--- a/presentation/MFI2022_marko_ristic.pptx
+++ b/presentation/MFI2022_marko_ristic.pptx
@@ -5,7 +5,7 @@
     <p:sldMasterId id="2147483660" r:id="rId1"/>
   </p:sldMasterIdLst>
   <p:notesMasterIdLst>
-    <p:notesMasterId r:id="rId12"/>
+    <p:notesMasterId r:id="rId14"/>
   </p:notesMasterIdLst>
   <p:sldIdLst>
     <p:sldId id="256" r:id="rId2"/>
@@ -13,11 +13,13 @@
     <p:sldId id="307" r:id="rId4"/>
     <p:sldId id="308" r:id="rId5"/>
     <p:sldId id="309" r:id="rId6"/>
-    <p:sldId id="310" r:id="rId7"/>
-    <p:sldId id="314" r:id="rId8"/>
-    <p:sldId id="311" r:id="rId9"/>
-    <p:sldId id="312" r:id="rId10"/>
-    <p:sldId id="313" r:id="rId11"/>
+    <p:sldId id="315" r:id="rId7"/>
+    <p:sldId id="316" r:id="rId8"/>
+    <p:sldId id="310" r:id="rId9"/>
+    <p:sldId id="314" r:id="rId10"/>
+    <p:sldId id="311" r:id="rId11"/>
+    <p:sldId id="312" r:id="rId12"/>
+    <p:sldId id="313" r:id="rId13"/>
   </p:sldIdLst>
   <p:sldSz cx="9144000" cy="5143500" type="screen16x9"/>
   <p:notesSz cx="13258800" cy="23925213"/>
@@ -8963,6 +8965,326 @@
           <p:cNvPr id="2" name="Content Placeholder 1">
             <a:extLst>
               <a:ext uri="{FF2B5EF4-FFF2-40B4-BE49-F238E27FC236}">
+                <a16:creationId xmlns:a16="http://schemas.microsoft.com/office/drawing/2014/main" id="{051C62F2-6726-4356-9258-2687952C7A0B}"/>
+              </a:ext>
+            </a:extLst>
+          </p:cNvPr>
+          <p:cNvSpPr>
+            <a:spLocks noGrp="1"/>
+          </p:cNvSpPr>
+          <p:nvPr>
+            <p:ph idx="1"/>
+          </p:nvPr>
+        </p:nvSpPr>
+        <p:spPr/>
+        <p:txBody>
+          <a:bodyPr/>
+          <a:lstStyle/>
+          <a:p>
+            <a:endParaRPr lang="en-AU"/>
+          </a:p>
+        </p:txBody>
+      </p:sp>
+      <p:sp>
+        <p:nvSpPr>
+          <p:cNvPr id="3" name="Footer Placeholder 2">
+            <a:extLst>
+              <a:ext uri="{FF2B5EF4-FFF2-40B4-BE49-F238E27FC236}">
+                <a16:creationId xmlns:a16="http://schemas.microsoft.com/office/drawing/2014/main" id="{EEAA95F5-5A73-44F2-AE6D-400CF2CC0918}"/>
+              </a:ext>
+            </a:extLst>
+          </p:cNvPr>
+          <p:cNvSpPr>
+            <a:spLocks noGrp="1"/>
+          </p:cNvSpPr>
+          <p:nvPr>
+            <p:ph type="ftr" sz="quarter" idx="11"/>
+          </p:nvPr>
+        </p:nvSpPr>
+        <p:spPr/>
+        <p:txBody>
+          <a:bodyPr/>
+          <a:lstStyle/>
+          <a:p>
+            <a:r>
+              <a:rPr lang="en-AU"/>
+              <a:t>Encrypted Fast Covariance Intersection</a:t>
+            </a:r>
+            <a:r>
+              <a:rPr lang="en-US"/>
+              <a:t> | Marko Ristic</a:t>
+            </a:r>
+            <a:endParaRPr lang="en-US" dirty="0"/>
+          </a:p>
+        </p:txBody>
+      </p:sp>
+      <p:sp>
+        <p:nvSpPr>
+          <p:cNvPr id="4" name="Slide Number Placeholder 3">
+            <a:extLst>
+              <a:ext uri="{FF2B5EF4-FFF2-40B4-BE49-F238E27FC236}">
+                <a16:creationId xmlns:a16="http://schemas.microsoft.com/office/drawing/2014/main" id="{C6BC647A-8C6B-476C-B1B4-8FD6CB36EE70}"/>
+              </a:ext>
+            </a:extLst>
+          </p:cNvPr>
+          <p:cNvSpPr>
+            <a:spLocks noGrp="1"/>
+          </p:cNvSpPr>
+          <p:nvPr>
+            <p:ph type="sldNum" sz="quarter" idx="12"/>
+          </p:nvPr>
+        </p:nvSpPr>
+        <p:spPr/>
+        <p:txBody>
+          <a:bodyPr/>
+          <a:lstStyle/>
+          <a:p>
+            <a:fld id="{DA08224A-2920-4020-A8B1-52A27C9B37B2}" type="slidenum">
+              <a:rPr lang="en-US" smtClean="0"/>
+              <a:t>10</a:t>
+            </a:fld>
+            <a:endParaRPr lang="en-US"/>
+          </a:p>
+        </p:txBody>
+      </p:sp>
+      <p:sp>
+        <p:nvSpPr>
+          <p:cNvPr id="5" name="Title 4">
+            <a:extLst>
+              <a:ext uri="{FF2B5EF4-FFF2-40B4-BE49-F238E27FC236}">
+                <a16:creationId xmlns:a16="http://schemas.microsoft.com/office/drawing/2014/main" id="{9D6250A6-3F72-406B-A68F-79189E025B24}"/>
+              </a:ext>
+            </a:extLst>
+          </p:cNvPr>
+          <p:cNvSpPr>
+            <a:spLocks noGrp="1"/>
+          </p:cNvSpPr>
+          <p:nvPr>
+            <p:ph type="title"/>
+          </p:nvPr>
+        </p:nvSpPr>
+        <p:spPr/>
+        <p:txBody>
+          <a:bodyPr/>
+          <a:lstStyle/>
+          <a:p>
+            <a:r>
+              <a:rPr lang="en-AU" dirty="0"/>
+              <a:t>Complexity</a:t>
+            </a:r>
+          </a:p>
+        </p:txBody>
+      </p:sp>
+      <p:pic>
+        <p:nvPicPr>
+          <p:cNvPr id="6" name="Picture 5">
+            <a:extLst>
+              <a:ext uri="{FF2B5EF4-FFF2-40B4-BE49-F238E27FC236}">
+                <a16:creationId xmlns:a16="http://schemas.microsoft.com/office/drawing/2014/main" id="{5D4C1727-7F5D-42DB-A2A2-CBC2A1C699D9}"/>
+              </a:ext>
+            </a:extLst>
+          </p:cNvPr>
+          <p:cNvPicPr>
+            <a:picLocks noChangeAspect="1"/>
+          </p:cNvPicPr>
+          <p:nvPr/>
+        </p:nvPicPr>
+        <p:blipFill>
+          <a:blip r:embed="rId2"/>
+          <a:stretch>
+            <a:fillRect/>
+          </a:stretch>
+        </p:blipFill>
+        <p:spPr>
+          <a:xfrm>
+            <a:off x="3036180" y="2708121"/>
+            <a:ext cx="3071640" cy="1308089"/>
+          </a:xfrm>
+          <a:prstGeom prst="rect">
+            <a:avLst/>
+          </a:prstGeom>
+        </p:spPr>
+      </p:pic>
+    </p:spTree>
+    <p:extLst>
+      <p:ext uri="{BB962C8B-B14F-4D97-AF65-F5344CB8AC3E}">
+        <p14:creationId xmlns:p14="http://schemas.microsoft.com/office/powerpoint/2010/main" val="3498739408"/>
+      </p:ext>
+    </p:extLst>
+  </p:cSld>
+  <p:clrMapOvr>
+    <a:masterClrMapping/>
+  </p:clrMapOvr>
+</p:sld>
+</file>
+
+<file path=ppt/slides/slide11.xml><?xml version="1.0" encoding="utf-8"?>
+<p:sld xmlns:a="http://schemas.openxmlformats.org/drawingml/2006/main" xmlns:r="http://schemas.openxmlformats.org/officeDocument/2006/relationships" xmlns:p="http://schemas.openxmlformats.org/presentationml/2006/main">
+  <p:cSld>
+    <p:spTree>
+      <p:nvGrpSpPr>
+        <p:cNvPr id="1" name=""/>
+        <p:cNvGrpSpPr/>
+        <p:nvPr/>
+      </p:nvGrpSpPr>
+      <p:grpSpPr>
+        <a:xfrm>
+          <a:off x="0" y="0"/>
+          <a:ext cx="0" cy="0"/>
+          <a:chOff x="0" y="0"/>
+          <a:chExt cx="0" cy="0"/>
+        </a:xfrm>
+      </p:grpSpPr>
+      <p:sp>
+        <p:nvSpPr>
+          <p:cNvPr id="2" name="Content Placeholder 1">
+            <a:extLst>
+              <a:ext uri="{FF2B5EF4-FFF2-40B4-BE49-F238E27FC236}">
+                <a16:creationId xmlns:a16="http://schemas.microsoft.com/office/drawing/2014/main" id="{BBC84B17-BD81-46FF-88D8-CEFB573FE316}"/>
+              </a:ext>
+            </a:extLst>
+          </p:cNvPr>
+          <p:cNvSpPr>
+            <a:spLocks noGrp="1"/>
+          </p:cNvSpPr>
+          <p:nvPr>
+            <p:ph idx="1"/>
+          </p:nvPr>
+        </p:nvSpPr>
+        <p:spPr/>
+        <p:txBody>
+          <a:bodyPr/>
+          <a:lstStyle/>
+          <a:p>
+            <a:endParaRPr lang="en-AU"/>
+          </a:p>
+        </p:txBody>
+      </p:sp>
+      <p:sp>
+        <p:nvSpPr>
+          <p:cNvPr id="3" name="Footer Placeholder 2">
+            <a:extLst>
+              <a:ext uri="{FF2B5EF4-FFF2-40B4-BE49-F238E27FC236}">
+                <a16:creationId xmlns:a16="http://schemas.microsoft.com/office/drawing/2014/main" id="{1A77ACDC-A869-43B9-95A8-D6DF0366FDE9}"/>
+              </a:ext>
+            </a:extLst>
+          </p:cNvPr>
+          <p:cNvSpPr>
+            <a:spLocks noGrp="1"/>
+          </p:cNvSpPr>
+          <p:nvPr>
+            <p:ph type="ftr" sz="quarter" idx="11"/>
+          </p:nvPr>
+        </p:nvSpPr>
+        <p:spPr/>
+        <p:txBody>
+          <a:bodyPr/>
+          <a:lstStyle/>
+          <a:p>
+            <a:r>
+              <a:rPr lang="en-AU"/>
+              <a:t>Encrypted Fast Covariance Intersection</a:t>
+            </a:r>
+            <a:r>
+              <a:rPr lang="en-US"/>
+              <a:t> | Marko Ristic</a:t>
+            </a:r>
+            <a:endParaRPr lang="en-US" dirty="0"/>
+          </a:p>
+        </p:txBody>
+      </p:sp>
+      <p:sp>
+        <p:nvSpPr>
+          <p:cNvPr id="4" name="Slide Number Placeholder 3">
+            <a:extLst>
+              <a:ext uri="{FF2B5EF4-FFF2-40B4-BE49-F238E27FC236}">
+                <a16:creationId xmlns:a16="http://schemas.microsoft.com/office/drawing/2014/main" id="{42DAD7E0-5EE1-45B9-BD0B-F5B3D092ACA3}"/>
+              </a:ext>
+            </a:extLst>
+          </p:cNvPr>
+          <p:cNvSpPr>
+            <a:spLocks noGrp="1"/>
+          </p:cNvSpPr>
+          <p:nvPr>
+            <p:ph type="sldNum" sz="quarter" idx="12"/>
+          </p:nvPr>
+        </p:nvSpPr>
+        <p:spPr/>
+        <p:txBody>
+          <a:bodyPr/>
+          <a:lstStyle/>
+          <a:p>
+            <a:fld id="{DA08224A-2920-4020-A8B1-52A27C9B37B2}" type="slidenum">
+              <a:rPr lang="en-US" smtClean="0"/>
+              <a:t>11</a:t>
+            </a:fld>
+            <a:endParaRPr lang="en-US"/>
+          </a:p>
+        </p:txBody>
+      </p:sp>
+      <p:sp>
+        <p:nvSpPr>
+          <p:cNvPr id="5" name="Title 4">
+            <a:extLst>
+              <a:ext uri="{FF2B5EF4-FFF2-40B4-BE49-F238E27FC236}">
+                <a16:creationId xmlns:a16="http://schemas.microsoft.com/office/drawing/2014/main" id="{0FACBAA4-D45D-487C-B915-866FDCE7B32C}"/>
+              </a:ext>
+            </a:extLst>
+          </p:cNvPr>
+          <p:cNvSpPr>
+            <a:spLocks noGrp="1"/>
+          </p:cNvSpPr>
+          <p:nvPr>
+            <p:ph type="title"/>
+          </p:nvPr>
+        </p:nvSpPr>
+        <p:spPr/>
+        <p:txBody>
+          <a:bodyPr/>
+          <a:lstStyle/>
+          <a:p>
+            <a:r>
+              <a:rPr lang="en-AU" dirty="0"/>
+              <a:t>Security</a:t>
+            </a:r>
+          </a:p>
+        </p:txBody>
+      </p:sp>
+    </p:spTree>
+    <p:extLst>
+      <p:ext uri="{BB962C8B-B14F-4D97-AF65-F5344CB8AC3E}">
+        <p14:creationId xmlns:p14="http://schemas.microsoft.com/office/powerpoint/2010/main" val="4162566588"/>
+      </p:ext>
+    </p:extLst>
+  </p:cSld>
+  <p:clrMapOvr>
+    <a:masterClrMapping/>
+  </p:clrMapOvr>
+</p:sld>
+</file>
+
+<file path=ppt/slides/slide12.xml><?xml version="1.0" encoding="utf-8"?>
+<p:sld xmlns:a="http://schemas.openxmlformats.org/drawingml/2006/main" xmlns:r="http://schemas.openxmlformats.org/officeDocument/2006/relationships" xmlns:p="http://schemas.openxmlformats.org/presentationml/2006/main">
+  <p:cSld>
+    <p:spTree>
+      <p:nvGrpSpPr>
+        <p:cNvPr id="1" name=""/>
+        <p:cNvGrpSpPr/>
+        <p:nvPr/>
+      </p:nvGrpSpPr>
+      <p:grpSpPr>
+        <a:xfrm>
+          <a:off x="0" y="0"/>
+          <a:ext cx="0" cy="0"/>
+          <a:chOff x="0" y="0"/>
+          <a:chExt cx="0" cy="0"/>
+        </a:xfrm>
+      </p:grpSpPr>
+      <p:sp>
+        <p:nvSpPr>
+          <p:cNvPr id="2" name="Content Placeholder 1">
+            <a:extLst>
+              <a:ext uri="{FF2B5EF4-FFF2-40B4-BE49-F238E27FC236}">
                 <a16:creationId xmlns:a16="http://schemas.microsoft.com/office/drawing/2014/main" id="{5D96A09C-7E88-40DD-93C7-4D4C057FDC92}"/>
               </a:ext>
             </a:extLst>
@@ -9039,7 +9361,7 @@
           <a:p>
             <a:fld id="{DA08224A-2920-4020-A8B1-52A27C9B37B2}" type="slidenum">
               <a:rPr lang="en-US" smtClean="0"/>
-              <a:t>10</a:t>
+              <a:t>12</a:t>
             </a:fld>
             <a:endParaRPr lang="en-US"/>
           </a:p>
@@ -9068,7 +9390,7 @@
           <a:p>
             <a:r>
               <a:rPr lang="en-AU" dirty="0"/>
-              <a:t>Thank you</a:t>
+              <a:t>Thank You</a:t>
             </a:r>
           </a:p>
         </p:txBody>
@@ -9105,10 +9427,10 @@
       </p:grpSpPr>
       <p:sp>
         <p:nvSpPr>
-          <p:cNvPr id="2" name="Content Placeholder 1">
+          <p:cNvPr id="48" name="Content Placeholder 47">
             <a:extLst>
               <a:ext uri="{FF2B5EF4-FFF2-40B4-BE49-F238E27FC236}">
-                <a16:creationId xmlns:a16="http://schemas.microsoft.com/office/drawing/2014/main" id="{79A577F8-1B88-4520-820B-C088E6B5EF48}"/>
+                <a16:creationId xmlns:a16="http://schemas.microsoft.com/office/drawing/2014/main" id="{56A7E3D9-86F9-45F6-8E06-16F71ED0165F}"/>
               </a:ext>
             </a:extLst>
           </p:cNvPr>
@@ -9119,12 +9441,17 @@
             <p:ph idx="1"/>
           </p:nvPr>
         </p:nvSpPr>
-        <p:spPr/>
+        <p:spPr>
+          <a:xfrm>
+            <a:off x="359999" y="1127290"/>
+            <a:ext cx="4208490" cy="3263503"/>
+          </a:xfrm>
+        </p:spPr>
         <p:txBody>
           <a:bodyPr/>
           <a:lstStyle/>
           <a:p>
-            <a:endParaRPr lang="en-AU"/>
+            <a:endParaRPr lang="en-AU" dirty="0"/>
           </a:p>
         </p:txBody>
       </p:sp>
@@ -9217,6 +9544,1677 @@
           </a:p>
         </p:txBody>
       </p:sp>
+      <p:sp>
+        <p:nvSpPr>
+          <p:cNvPr id="49" name="Rectangle 48">
+            <a:extLst>
+              <a:ext uri="{FF2B5EF4-FFF2-40B4-BE49-F238E27FC236}">
+                <a16:creationId xmlns:a16="http://schemas.microsoft.com/office/drawing/2014/main" id="{A90827D6-F7CD-438C-A95E-F057BB971522}"/>
+              </a:ext>
+            </a:extLst>
+          </p:cNvPr>
+          <p:cNvSpPr/>
+          <p:nvPr/>
+        </p:nvSpPr>
+        <p:spPr>
+          <a:xfrm>
+            <a:off x="4913377" y="1334642"/>
+            <a:ext cx="3498268" cy="2822918"/>
+          </a:xfrm>
+          <a:prstGeom prst="rect">
+            <a:avLst/>
+          </a:prstGeom>
+          <a:noFill/>
+          <a:effectLst>
+            <a:outerShdw blurRad="63500" sx="102000" sy="102000" algn="ctr" rotWithShape="0">
+              <a:prstClr val="black">
+                <a:alpha val="40000"/>
+              </a:prstClr>
+            </a:outerShdw>
+          </a:effectLst>
+        </p:spPr>
+        <p:style>
+          <a:lnRef idx="2">
+            <a:schemeClr val="accent1">
+              <a:shade val="50000"/>
+            </a:schemeClr>
+          </a:lnRef>
+          <a:fillRef idx="1">
+            <a:schemeClr val="accent1"/>
+          </a:fillRef>
+          <a:effectRef idx="0">
+            <a:schemeClr val="accent1"/>
+          </a:effectRef>
+          <a:fontRef idx="minor">
+            <a:schemeClr val="lt1"/>
+          </a:fontRef>
+        </p:style>
+        <p:txBody>
+          <a:bodyPr rtlCol="0" anchor="ctr"/>
+          <a:lstStyle/>
+          <a:p>
+            <a:pPr algn="ctr"/>
+            <a:endParaRPr lang="en-AU"/>
+          </a:p>
+        </p:txBody>
+      </p:sp>
+      <p:pic>
+        <p:nvPicPr>
+          <p:cNvPr id="50" name="Graphic 49" descr="Wireless">
+            <a:extLst>
+              <a:ext uri="{FF2B5EF4-FFF2-40B4-BE49-F238E27FC236}">
+                <a16:creationId xmlns:a16="http://schemas.microsoft.com/office/drawing/2014/main" id="{EDEEA03B-68D7-4F31-8832-30457339A8AC}"/>
+              </a:ext>
+            </a:extLst>
+          </p:cNvPr>
+          <p:cNvPicPr>
+            <a:picLocks noChangeAspect="1"/>
+          </p:cNvPicPr>
+          <p:nvPr/>
+        </p:nvPicPr>
+        <p:blipFill>
+          <a:blip r:embed="rId2">
+            <a:extLst>
+              <a:ext uri="{28A0092B-C50C-407E-A947-70E740481C1C}">
+                <a14:useLocalDpi xmlns:a14="http://schemas.microsoft.com/office/drawing/2010/main" val="0"/>
+              </a:ext>
+              <a:ext uri="{96DAC541-7B7A-43D3-8B79-37D633B846F1}">
+                <asvg:svgBlip xmlns:asvg="http://schemas.microsoft.com/office/drawing/2016/SVG/main" r:embed="rId3"/>
+              </a:ext>
+            </a:extLst>
+          </a:blip>
+          <a:stretch>
+            <a:fillRect/>
+          </a:stretch>
+        </p:blipFill>
+        <p:spPr>
+          <a:xfrm rot="8100000">
+            <a:off x="7881884" y="2469556"/>
+            <a:ext cx="438868" cy="438868"/>
+          </a:xfrm>
+          <a:prstGeom prst="rect">
+            <a:avLst/>
+          </a:prstGeom>
+        </p:spPr>
+      </p:pic>
+      <p:sp>
+        <p:nvSpPr>
+          <p:cNvPr id="51" name="Rectangle 50">
+            <a:extLst>
+              <a:ext uri="{FF2B5EF4-FFF2-40B4-BE49-F238E27FC236}">
+                <a16:creationId xmlns:a16="http://schemas.microsoft.com/office/drawing/2014/main" id="{AFF3EEE1-4CBB-4245-87DA-1A7E5A98C32F}"/>
+              </a:ext>
+            </a:extLst>
+          </p:cNvPr>
+          <p:cNvSpPr/>
+          <p:nvPr/>
+        </p:nvSpPr>
+        <p:spPr>
+          <a:xfrm>
+            <a:off x="7902029" y="2638193"/>
+            <a:ext cx="93675" cy="99295"/>
+          </a:xfrm>
+          <a:prstGeom prst="rect">
+            <a:avLst/>
+          </a:prstGeom>
+          <a:solidFill>
+            <a:schemeClr val="bg1"/>
+          </a:solidFill>
+          <a:ln>
+            <a:noFill/>
+          </a:ln>
+        </p:spPr>
+        <p:style>
+          <a:lnRef idx="2">
+            <a:schemeClr val="accent1">
+              <a:shade val="50000"/>
+            </a:schemeClr>
+          </a:lnRef>
+          <a:fillRef idx="1">
+            <a:schemeClr val="accent1"/>
+          </a:fillRef>
+          <a:effectRef idx="0">
+            <a:schemeClr val="accent1"/>
+          </a:effectRef>
+          <a:fontRef idx="minor">
+            <a:schemeClr val="lt1"/>
+          </a:fontRef>
+        </p:style>
+        <p:txBody>
+          <a:bodyPr rtlCol="0" anchor="ctr"/>
+          <a:lstStyle/>
+          <a:p>
+            <a:pPr algn="ctr"/>
+            <a:endParaRPr lang="en-AU"/>
+          </a:p>
+        </p:txBody>
+      </p:sp>
+      <p:pic>
+        <p:nvPicPr>
+          <p:cNvPr id="52" name="Graphic 51" descr="Computer">
+            <a:extLst>
+              <a:ext uri="{FF2B5EF4-FFF2-40B4-BE49-F238E27FC236}">
+                <a16:creationId xmlns:a16="http://schemas.microsoft.com/office/drawing/2014/main" id="{27F987C6-2EAE-4674-9C9B-42AA026D132C}"/>
+              </a:ext>
+            </a:extLst>
+          </p:cNvPr>
+          <p:cNvPicPr>
+            <a:picLocks noChangeAspect="1"/>
+          </p:cNvPicPr>
+          <p:nvPr/>
+        </p:nvPicPr>
+        <p:blipFill>
+          <a:blip r:embed="rId4">
+            <a:extLst>
+              <a:ext uri="{28A0092B-C50C-407E-A947-70E740481C1C}">
+                <a14:useLocalDpi xmlns:a14="http://schemas.microsoft.com/office/drawing/2010/main" val="0"/>
+              </a:ext>
+              <a:ext uri="{96DAC541-7B7A-43D3-8B79-37D633B846F1}">
+                <asvg:svgBlip xmlns:asvg="http://schemas.microsoft.com/office/drawing/2016/SVG/main" r:embed="rId5"/>
+              </a:ext>
+            </a:extLst>
+          </a:blip>
+          <a:stretch>
+            <a:fillRect/>
+          </a:stretch>
+        </p:blipFill>
+        <p:spPr>
+          <a:xfrm>
+            <a:off x="5406702" y="1509409"/>
+            <a:ext cx="357748" cy="357748"/>
+          </a:xfrm>
+          <a:prstGeom prst="rect">
+            <a:avLst/>
+          </a:prstGeom>
+        </p:spPr>
+      </p:pic>
+      <p:pic>
+        <p:nvPicPr>
+          <p:cNvPr id="53" name="Graphic 52" descr="Server">
+            <a:extLst>
+              <a:ext uri="{FF2B5EF4-FFF2-40B4-BE49-F238E27FC236}">
+                <a16:creationId xmlns:a16="http://schemas.microsoft.com/office/drawing/2014/main" id="{C2781641-20E5-43AD-80D9-2326BCD06C87}"/>
+              </a:ext>
+            </a:extLst>
+          </p:cNvPr>
+          <p:cNvPicPr>
+            <a:picLocks noChangeAspect="1"/>
+          </p:cNvPicPr>
+          <p:nvPr/>
+        </p:nvPicPr>
+        <p:blipFill>
+          <a:blip r:embed="rId6">
+            <a:extLst>
+              <a:ext uri="{28A0092B-C50C-407E-A947-70E740481C1C}">
+                <a14:useLocalDpi xmlns:a14="http://schemas.microsoft.com/office/drawing/2010/main" val="0"/>
+              </a:ext>
+              <a:ext uri="{96DAC541-7B7A-43D3-8B79-37D633B846F1}">
+                <asvg:svgBlip xmlns:asvg="http://schemas.microsoft.com/office/drawing/2016/SVG/main" r:embed="rId7"/>
+              </a:ext>
+            </a:extLst>
+          </a:blip>
+          <a:stretch>
+            <a:fillRect/>
+          </a:stretch>
+        </p:blipFill>
+        <p:spPr>
+          <a:xfrm>
+            <a:off x="5126736" y="2595326"/>
+            <a:ext cx="357748" cy="357748"/>
+          </a:xfrm>
+          <a:prstGeom prst="rect">
+            <a:avLst/>
+          </a:prstGeom>
+        </p:spPr>
+      </p:pic>
+      <p:pic>
+        <p:nvPicPr>
+          <p:cNvPr id="54" name="Graphic 53" descr="Laptop">
+            <a:extLst>
+              <a:ext uri="{FF2B5EF4-FFF2-40B4-BE49-F238E27FC236}">
+                <a16:creationId xmlns:a16="http://schemas.microsoft.com/office/drawing/2014/main" id="{AE4D382E-58EB-4D84-A982-17D58461AFAE}"/>
+              </a:ext>
+            </a:extLst>
+          </p:cNvPr>
+          <p:cNvPicPr>
+            <a:picLocks noChangeAspect="1"/>
+          </p:cNvPicPr>
+          <p:nvPr/>
+        </p:nvPicPr>
+        <p:blipFill>
+          <a:blip r:embed="rId8">
+            <a:extLst>
+              <a:ext uri="{28A0092B-C50C-407E-A947-70E740481C1C}">
+                <a14:useLocalDpi xmlns:a14="http://schemas.microsoft.com/office/drawing/2010/main" val="0"/>
+              </a:ext>
+              <a:ext uri="{96DAC541-7B7A-43D3-8B79-37D633B846F1}">
+                <asvg:svgBlip xmlns:asvg="http://schemas.microsoft.com/office/drawing/2016/SVG/main" r:embed="rId9"/>
+              </a:ext>
+            </a:extLst>
+          </a:blip>
+          <a:stretch>
+            <a:fillRect/>
+          </a:stretch>
+        </p:blipFill>
+        <p:spPr>
+          <a:xfrm>
+            <a:off x="5571363" y="3215165"/>
+            <a:ext cx="357748" cy="357748"/>
+          </a:xfrm>
+          <a:prstGeom prst="rect">
+            <a:avLst/>
+          </a:prstGeom>
+        </p:spPr>
+      </p:pic>
+      <p:pic>
+        <p:nvPicPr>
+          <p:cNvPr id="55" name="Graphic 54" descr="Call center">
+            <a:extLst>
+              <a:ext uri="{FF2B5EF4-FFF2-40B4-BE49-F238E27FC236}">
+                <a16:creationId xmlns:a16="http://schemas.microsoft.com/office/drawing/2014/main" id="{EEBF25E0-3BFC-4955-814D-4B80782736E0}"/>
+              </a:ext>
+            </a:extLst>
+          </p:cNvPr>
+          <p:cNvPicPr>
+            <a:picLocks noChangeAspect="1"/>
+          </p:cNvPicPr>
+          <p:nvPr/>
+        </p:nvPicPr>
+        <p:blipFill>
+          <a:blip r:embed="rId10">
+            <a:extLst>
+              <a:ext uri="{28A0092B-C50C-407E-A947-70E740481C1C}">
+                <a14:useLocalDpi xmlns:a14="http://schemas.microsoft.com/office/drawing/2010/main" val="0"/>
+              </a:ext>
+              <a:ext uri="{96DAC541-7B7A-43D3-8B79-37D633B846F1}">
+                <asvg:svgBlip xmlns:asvg="http://schemas.microsoft.com/office/drawing/2016/SVG/main" r:embed="rId11"/>
+              </a:ext>
+            </a:extLst>
+          </a:blip>
+          <a:stretch>
+            <a:fillRect/>
+          </a:stretch>
+        </p:blipFill>
+        <p:spPr>
+          <a:xfrm>
+            <a:off x="6627293" y="3691046"/>
+            <a:ext cx="359712" cy="359712"/>
+          </a:xfrm>
+          <a:prstGeom prst="rect">
+            <a:avLst/>
+          </a:prstGeom>
+        </p:spPr>
+      </p:pic>
+      <p:pic>
+        <p:nvPicPr>
+          <p:cNvPr id="56" name="Graphic 55" descr="Processor">
+            <a:extLst>
+              <a:ext uri="{FF2B5EF4-FFF2-40B4-BE49-F238E27FC236}">
+                <a16:creationId xmlns:a16="http://schemas.microsoft.com/office/drawing/2014/main" id="{D35488B7-1550-4093-B640-1DDAAF4AA9B9}"/>
+              </a:ext>
+            </a:extLst>
+          </p:cNvPr>
+          <p:cNvPicPr>
+            <a:picLocks noChangeAspect="1"/>
+          </p:cNvPicPr>
+          <p:nvPr/>
+        </p:nvPicPr>
+        <p:blipFill>
+          <a:blip r:embed="rId12">
+            <a:extLst>
+              <a:ext uri="{28A0092B-C50C-407E-A947-70E740481C1C}">
+                <a14:useLocalDpi xmlns:a14="http://schemas.microsoft.com/office/drawing/2010/main" val="0"/>
+              </a:ext>
+              <a:ext uri="{96DAC541-7B7A-43D3-8B79-37D633B846F1}">
+                <asvg:svgBlip xmlns:asvg="http://schemas.microsoft.com/office/drawing/2016/SVG/main" r:embed="rId13"/>
+              </a:ext>
+            </a:extLst>
+          </a:blip>
+          <a:stretch>
+            <a:fillRect/>
+          </a:stretch>
+        </p:blipFill>
+        <p:spPr>
+          <a:xfrm>
+            <a:off x="7646227" y="2509135"/>
+            <a:ext cx="359712" cy="359712"/>
+          </a:xfrm>
+          <a:prstGeom prst="rect">
+            <a:avLst/>
+          </a:prstGeom>
+        </p:spPr>
+      </p:pic>
+      <p:pic>
+        <p:nvPicPr>
+          <p:cNvPr id="57" name="Graphic 56" descr="Man">
+            <a:extLst>
+              <a:ext uri="{FF2B5EF4-FFF2-40B4-BE49-F238E27FC236}">
+                <a16:creationId xmlns:a16="http://schemas.microsoft.com/office/drawing/2014/main" id="{77419D8E-3806-462A-879F-B136CE8588CC}"/>
+              </a:ext>
+            </a:extLst>
+          </p:cNvPr>
+          <p:cNvPicPr>
+            <a:picLocks noChangeAspect="1"/>
+          </p:cNvPicPr>
+          <p:nvPr/>
+        </p:nvPicPr>
+        <p:blipFill>
+          <a:blip r:embed="rId14">
+            <a:extLst>
+              <a:ext uri="{28A0092B-C50C-407E-A947-70E740481C1C}">
+                <a14:useLocalDpi xmlns:a14="http://schemas.microsoft.com/office/drawing/2010/main" val="0"/>
+              </a:ext>
+              <a:ext uri="{96DAC541-7B7A-43D3-8B79-37D633B846F1}">
+                <asvg:svgBlip xmlns:asvg="http://schemas.microsoft.com/office/drawing/2016/SVG/main" r:embed="rId15"/>
+              </a:ext>
+            </a:extLst>
+          </a:blip>
+          <a:stretch>
+            <a:fillRect/>
+          </a:stretch>
+        </p:blipFill>
+        <p:spPr>
+          <a:xfrm>
+            <a:off x="6870696" y="1507445"/>
+            <a:ext cx="359712" cy="359712"/>
+          </a:xfrm>
+          <a:prstGeom prst="rect">
+            <a:avLst/>
+          </a:prstGeom>
+        </p:spPr>
+      </p:pic>
+      <p:cxnSp>
+        <p:nvCxnSpPr>
+          <p:cNvPr id="58" name="Straight Connector 57">
+            <a:extLst>
+              <a:ext uri="{FF2B5EF4-FFF2-40B4-BE49-F238E27FC236}">
+                <a16:creationId xmlns:a16="http://schemas.microsoft.com/office/drawing/2014/main" id="{B13DEE1B-9587-4669-A326-3B552FED18E6}"/>
+              </a:ext>
+            </a:extLst>
+          </p:cNvPr>
+          <p:cNvCxnSpPr>
+            <a:cxnSpLocks/>
+          </p:cNvCxnSpPr>
+          <p:nvPr/>
+        </p:nvCxnSpPr>
+        <p:spPr>
+          <a:xfrm>
+            <a:off x="5980532" y="2268625"/>
+            <a:ext cx="587191" cy="246328"/>
+          </a:xfrm>
+          <a:prstGeom prst="line">
+            <a:avLst/>
+          </a:prstGeom>
+          <a:ln/>
+        </p:spPr>
+        <p:style>
+          <a:lnRef idx="3">
+            <a:schemeClr val="accent1"/>
+          </a:lnRef>
+          <a:fillRef idx="0">
+            <a:schemeClr val="accent1"/>
+          </a:fillRef>
+          <a:effectRef idx="2">
+            <a:schemeClr val="accent1"/>
+          </a:effectRef>
+          <a:fontRef idx="minor">
+            <a:schemeClr val="tx1"/>
+          </a:fontRef>
+        </p:style>
+      </p:cxnSp>
+      <p:cxnSp>
+        <p:nvCxnSpPr>
+          <p:cNvPr id="59" name="Straight Connector 58">
+            <a:extLst>
+              <a:ext uri="{FF2B5EF4-FFF2-40B4-BE49-F238E27FC236}">
+                <a16:creationId xmlns:a16="http://schemas.microsoft.com/office/drawing/2014/main" id="{C22563F0-6FF5-44CD-B3A1-922EA571A5CC}"/>
+              </a:ext>
+            </a:extLst>
+          </p:cNvPr>
+          <p:cNvCxnSpPr>
+            <a:cxnSpLocks/>
+          </p:cNvCxnSpPr>
+          <p:nvPr/>
+        </p:nvCxnSpPr>
+        <p:spPr>
+          <a:xfrm flipH="1" flipV="1">
+            <a:off x="5978917" y="2268625"/>
+            <a:ext cx="38472" cy="492656"/>
+          </a:xfrm>
+          <a:prstGeom prst="line">
+            <a:avLst/>
+          </a:prstGeom>
+          <a:ln/>
+        </p:spPr>
+        <p:style>
+          <a:lnRef idx="3">
+            <a:schemeClr val="accent1"/>
+          </a:lnRef>
+          <a:fillRef idx="0">
+            <a:schemeClr val="accent1"/>
+          </a:fillRef>
+          <a:effectRef idx="2">
+            <a:schemeClr val="accent1"/>
+          </a:effectRef>
+          <a:fontRef idx="minor">
+            <a:schemeClr val="tx1"/>
+          </a:fontRef>
+        </p:style>
+      </p:cxnSp>
+      <p:cxnSp>
+        <p:nvCxnSpPr>
+          <p:cNvPr id="60" name="Straight Connector 59">
+            <a:extLst>
+              <a:ext uri="{FF2B5EF4-FFF2-40B4-BE49-F238E27FC236}">
+                <a16:creationId xmlns:a16="http://schemas.microsoft.com/office/drawing/2014/main" id="{05C019FE-5BD6-4F69-A868-C3558C9F659C}"/>
+              </a:ext>
+            </a:extLst>
+          </p:cNvPr>
+          <p:cNvCxnSpPr>
+            <a:cxnSpLocks/>
+          </p:cNvCxnSpPr>
+          <p:nvPr/>
+        </p:nvCxnSpPr>
+        <p:spPr>
+          <a:xfrm flipV="1">
+            <a:off x="6017389" y="2514953"/>
+            <a:ext cx="546898" cy="246329"/>
+          </a:xfrm>
+          <a:prstGeom prst="line">
+            <a:avLst/>
+          </a:prstGeom>
+          <a:ln/>
+        </p:spPr>
+        <p:style>
+          <a:lnRef idx="3">
+            <a:schemeClr val="accent1"/>
+          </a:lnRef>
+          <a:fillRef idx="0">
+            <a:schemeClr val="accent1"/>
+          </a:fillRef>
+          <a:effectRef idx="2">
+            <a:schemeClr val="accent1"/>
+          </a:effectRef>
+          <a:fontRef idx="minor">
+            <a:schemeClr val="tx1"/>
+          </a:fontRef>
+        </p:style>
+      </p:cxnSp>
+      <p:cxnSp>
+        <p:nvCxnSpPr>
+          <p:cNvPr id="61" name="Straight Connector 60">
+            <a:extLst>
+              <a:ext uri="{FF2B5EF4-FFF2-40B4-BE49-F238E27FC236}">
+                <a16:creationId xmlns:a16="http://schemas.microsoft.com/office/drawing/2014/main" id="{5B14B4FE-3232-4010-B874-12B40282D8E9}"/>
+              </a:ext>
+            </a:extLst>
+          </p:cNvPr>
+          <p:cNvCxnSpPr>
+            <a:cxnSpLocks/>
+          </p:cNvCxnSpPr>
+          <p:nvPr/>
+        </p:nvCxnSpPr>
+        <p:spPr>
+          <a:xfrm>
+            <a:off x="6559420" y="2514953"/>
+            <a:ext cx="122402" cy="813411"/>
+          </a:xfrm>
+          <a:prstGeom prst="line">
+            <a:avLst/>
+          </a:prstGeom>
+          <a:ln/>
+        </p:spPr>
+        <p:style>
+          <a:lnRef idx="3">
+            <a:schemeClr val="accent1"/>
+          </a:lnRef>
+          <a:fillRef idx="0">
+            <a:schemeClr val="accent1"/>
+          </a:fillRef>
+          <a:effectRef idx="2">
+            <a:schemeClr val="accent1"/>
+          </a:effectRef>
+          <a:fontRef idx="minor">
+            <a:schemeClr val="tx1"/>
+          </a:fontRef>
+        </p:style>
+      </p:cxnSp>
+      <p:cxnSp>
+        <p:nvCxnSpPr>
+          <p:cNvPr id="62" name="Straight Connector 61">
+            <a:extLst>
+              <a:ext uri="{FF2B5EF4-FFF2-40B4-BE49-F238E27FC236}">
+                <a16:creationId xmlns:a16="http://schemas.microsoft.com/office/drawing/2014/main" id="{272214E2-7141-40C3-ADFF-006641753EF3}"/>
+              </a:ext>
+            </a:extLst>
+          </p:cNvPr>
+          <p:cNvCxnSpPr>
+            <a:cxnSpLocks/>
+          </p:cNvCxnSpPr>
+          <p:nvPr/>
+        </p:nvCxnSpPr>
+        <p:spPr>
+          <a:xfrm>
+            <a:off x="6559420" y="2514953"/>
+            <a:ext cx="525579" cy="196278"/>
+          </a:xfrm>
+          <a:prstGeom prst="line">
+            <a:avLst/>
+          </a:prstGeom>
+          <a:ln/>
+        </p:spPr>
+        <p:style>
+          <a:lnRef idx="3">
+            <a:schemeClr val="accent1"/>
+          </a:lnRef>
+          <a:fillRef idx="0">
+            <a:schemeClr val="accent1"/>
+          </a:fillRef>
+          <a:effectRef idx="2">
+            <a:schemeClr val="accent1"/>
+          </a:effectRef>
+          <a:fontRef idx="minor">
+            <a:schemeClr val="tx1"/>
+          </a:fontRef>
+        </p:style>
+      </p:cxnSp>
+      <p:cxnSp>
+        <p:nvCxnSpPr>
+          <p:cNvPr id="63" name="Straight Connector 62">
+            <a:extLst>
+              <a:ext uri="{FF2B5EF4-FFF2-40B4-BE49-F238E27FC236}">
+                <a16:creationId xmlns:a16="http://schemas.microsoft.com/office/drawing/2014/main" id="{11D5A9F5-19A8-4BFF-92C4-BE31518DAA18}"/>
+              </a:ext>
+            </a:extLst>
+          </p:cNvPr>
+          <p:cNvCxnSpPr>
+            <a:cxnSpLocks/>
+          </p:cNvCxnSpPr>
+          <p:nvPr/>
+        </p:nvCxnSpPr>
+        <p:spPr>
+          <a:xfrm flipV="1">
+            <a:off x="6681822" y="2711232"/>
+            <a:ext cx="403177" cy="617133"/>
+          </a:xfrm>
+          <a:prstGeom prst="line">
+            <a:avLst/>
+          </a:prstGeom>
+          <a:ln/>
+        </p:spPr>
+        <p:style>
+          <a:lnRef idx="3">
+            <a:schemeClr val="accent1"/>
+          </a:lnRef>
+          <a:fillRef idx="0">
+            <a:schemeClr val="accent1"/>
+          </a:fillRef>
+          <a:effectRef idx="2">
+            <a:schemeClr val="accent1"/>
+          </a:effectRef>
+          <a:fontRef idx="minor">
+            <a:schemeClr val="tx1"/>
+          </a:fontRef>
+        </p:style>
+      </p:cxnSp>
+      <p:cxnSp>
+        <p:nvCxnSpPr>
+          <p:cNvPr id="64" name="Straight Connector 63">
+            <a:extLst>
+              <a:ext uri="{FF2B5EF4-FFF2-40B4-BE49-F238E27FC236}">
+                <a16:creationId xmlns:a16="http://schemas.microsoft.com/office/drawing/2014/main" id="{600469BB-129A-4EF6-A2C7-2DE4B2D1501E}"/>
+              </a:ext>
+            </a:extLst>
+          </p:cNvPr>
+          <p:cNvCxnSpPr>
+            <a:cxnSpLocks/>
+          </p:cNvCxnSpPr>
+          <p:nvPr/>
+        </p:nvCxnSpPr>
+        <p:spPr>
+          <a:xfrm flipV="1">
+            <a:off x="6681822" y="3198934"/>
+            <a:ext cx="525962" cy="129431"/>
+          </a:xfrm>
+          <a:prstGeom prst="line">
+            <a:avLst/>
+          </a:prstGeom>
+          <a:ln/>
+        </p:spPr>
+        <p:style>
+          <a:lnRef idx="3">
+            <a:schemeClr val="accent1"/>
+          </a:lnRef>
+          <a:fillRef idx="0">
+            <a:schemeClr val="accent1"/>
+          </a:fillRef>
+          <a:effectRef idx="2">
+            <a:schemeClr val="accent1"/>
+          </a:effectRef>
+          <a:fontRef idx="minor">
+            <a:schemeClr val="tx1"/>
+          </a:fontRef>
+        </p:style>
+      </p:cxnSp>
+      <p:cxnSp>
+        <p:nvCxnSpPr>
+          <p:cNvPr id="65" name="Straight Connector 64">
+            <a:extLst>
+              <a:ext uri="{FF2B5EF4-FFF2-40B4-BE49-F238E27FC236}">
+                <a16:creationId xmlns:a16="http://schemas.microsoft.com/office/drawing/2014/main" id="{4FB25544-E3A0-4DD9-B24F-E5F9630A5418}"/>
+              </a:ext>
+            </a:extLst>
+          </p:cNvPr>
+          <p:cNvCxnSpPr>
+            <a:cxnSpLocks/>
+          </p:cNvCxnSpPr>
+          <p:nvPr/>
+        </p:nvCxnSpPr>
+        <p:spPr>
+          <a:xfrm>
+            <a:off x="7085000" y="2711232"/>
+            <a:ext cx="122785" cy="487703"/>
+          </a:xfrm>
+          <a:prstGeom prst="line">
+            <a:avLst/>
+          </a:prstGeom>
+          <a:ln/>
+        </p:spPr>
+        <p:style>
+          <a:lnRef idx="3">
+            <a:schemeClr val="accent1"/>
+          </a:lnRef>
+          <a:fillRef idx="0">
+            <a:schemeClr val="accent1"/>
+          </a:fillRef>
+          <a:effectRef idx="2">
+            <a:schemeClr val="accent1"/>
+          </a:effectRef>
+          <a:fontRef idx="minor">
+            <a:schemeClr val="tx1"/>
+          </a:fontRef>
+        </p:style>
+      </p:cxnSp>
+      <p:cxnSp>
+        <p:nvCxnSpPr>
+          <p:cNvPr id="66" name="Straight Connector 65">
+            <a:extLst>
+              <a:ext uri="{FF2B5EF4-FFF2-40B4-BE49-F238E27FC236}">
+                <a16:creationId xmlns:a16="http://schemas.microsoft.com/office/drawing/2014/main" id="{D351C9E9-B92C-4B39-82B1-3259E001CF30}"/>
+              </a:ext>
+            </a:extLst>
+          </p:cNvPr>
+          <p:cNvCxnSpPr>
+            <a:cxnSpLocks/>
+            <a:endCxn id="52" idx="2"/>
+          </p:cNvCxnSpPr>
+          <p:nvPr/>
+        </p:nvCxnSpPr>
+        <p:spPr>
+          <a:xfrm flipH="1" flipV="1">
+            <a:off x="5585576" y="1867157"/>
+            <a:ext cx="393342" cy="401468"/>
+          </a:xfrm>
+          <a:prstGeom prst="line">
+            <a:avLst/>
+          </a:prstGeom>
+          <a:ln/>
+        </p:spPr>
+        <p:style>
+          <a:lnRef idx="3">
+            <a:schemeClr val="accent1"/>
+          </a:lnRef>
+          <a:fillRef idx="0">
+            <a:schemeClr val="accent1"/>
+          </a:fillRef>
+          <a:effectRef idx="2">
+            <a:schemeClr val="accent1"/>
+          </a:effectRef>
+          <a:fontRef idx="minor">
+            <a:schemeClr val="tx1"/>
+          </a:fontRef>
+        </p:style>
+      </p:cxnSp>
+      <p:cxnSp>
+        <p:nvCxnSpPr>
+          <p:cNvPr id="67" name="Straight Connector 66">
+            <a:extLst>
+              <a:ext uri="{FF2B5EF4-FFF2-40B4-BE49-F238E27FC236}">
+                <a16:creationId xmlns:a16="http://schemas.microsoft.com/office/drawing/2014/main" id="{E9FEAF93-0F25-444A-9BD4-155230F70715}"/>
+              </a:ext>
+            </a:extLst>
+          </p:cNvPr>
+          <p:cNvCxnSpPr>
+            <a:cxnSpLocks/>
+          </p:cNvCxnSpPr>
+          <p:nvPr/>
+        </p:nvCxnSpPr>
+        <p:spPr>
+          <a:xfrm flipV="1">
+            <a:off x="6559420" y="1908858"/>
+            <a:ext cx="467290" cy="600277"/>
+          </a:xfrm>
+          <a:prstGeom prst="line">
+            <a:avLst/>
+          </a:prstGeom>
+          <a:ln/>
+        </p:spPr>
+        <p:style>
+          <a:lnRef idx="3">
+            <a:schemeClr val="accent1"/>
+          </a:lnRef>
+          <a:fillRef idx="0">
+            <a:schemeClr val="accent1"/>
+          </a:fillRef>
+          <a:effectRef idx="2">
+            <a:schemeClr val="accent1"/>
+          </a:effectRef>
+          <a:fontRef idx="minor">
+            <a:schemeClr val="tx1"/>
+          </a:fontRef>
+        </p:style>
+      </p:cxnSp>
+      <p:cxnSp>
+        <p:nvCxnSpPr>
+          <p:cNvPr id="68" name="Straight Connector 67">
+            <a:extLst>
+              <a:ext uri="{FF2B5EF4-FFF2-40B4-BE49-F238E27FC236}">
+                <a16:creationId xmlns:a16="http://schemas.microsoft.com/office/drawing/2014/main" id="{377DE868-67CF-4A6C-A4EA-6A03C1CAD6E8}"/>
+              </a:ext>
+            </a:extLst>
+          </p:cNvPr>
+          <p:cNvCxnSpPr>
+            <a:cxnSpLocks/>
+            <a:endCxn id="53" idx="3"/>
+          </p:cNvCxnSpPr>
+          <p:nvPr/>
+        </p:nvCxnSpPr>
+        <p:spPr>
+          <a:xfrm flipH="1">
+            <a:off x="5484484" y="2761282"/>
+            <a:ext cx="532905" cy="12919"/>
+          </a:xfrm>
+          <a:prstGeom prst="line">
+            <a:avLst/>
+          </a:prstGeom>
+          <a:ln/>
+        </p:spPr>
+        <p:style>
+          <a:lnRef idx="3">
+            <a:schemeClr val="accent1"/>
+          </a:lnRef>
+          <a:fillRef idx="0">
+            <a:schemeClr val="accent1"/>
+          </a:fillRef>
+          <a:effectRef idx="2">
+            <a:schemeClr val="accent1"/>
+          </a:effectRef>
+          <a:fontRef idx="minor">
+            <a:schemeClr val="tx1"/>
+          </a:fontRef>
+        </p:style>
+      </p:cxnSp>
+      <p:cxnSp>
+        <p:nvCxnSpPr>
+          <p:cNvPr id="69" name="Straight Connector 68">
+            <a:extLst>
+              <a:ext uri="{FF2B5EF4-FFF2-40B4-BE49-F238E27FC236}">
+                <a16:creationId xmlns:a16="http://schemas.microsoft.com/office/drawing/2014/main" id="{6D57CDD4-8EF5-4744-990D-4AD258E1C3F6}"/>
+              </a:ext>
+            </a:extLst>
+          </p:cNvPr>
+          <p:cNvCxnSpPr>
+            <a:cxnSpLocks/>
+            <a:endCxn id="54" idx="0"/>
+          </p:cNvCxnSpPr>
+          <p:nvPr/>
+        </p:nvCxnSpPr>
+        <p:spPr>
+          <a:xfrm flipH="1">
+            <a:off x="5750237" y="2767741"/>
+            <a:ext cx="255643" cy="447424"/>
+          </a:xfrm>
+          <a:prstGeom prst="line">
+            <a:avLst/>
+          </a:prstGeom>
+          <a:ln/>
+        </p:spPr>
+        <p:style>
+          <a:lnRef idx="3">
+            <a:schemeClr val="accent1"/>
+          </a:lnRef>
+          <a:fillRef idx="0">
+            <a:schemeClr val="accent1"/>
+          </a:fillRef>
+          <a:effectRef idx="2">
+            <a:schemeClr val="accent1"/>
+          </a:effectRef>
+          <a:fontRef idx="minor">
+            <a:schemeClr val="tx1"/>
+          </a:fontRef>
+        </p:style>
+      </p:cxnSp>
+      <p:cxnSp>
+        <p:nvCxnSpPr>
+          <p:cNvPr id="70" name="Straight Connector 69">
+            <a:extLst>
+              <a:ext uri="{FF2B5EF4-FFF2-40B4-BE49-F238E27FC236}">
+                <a16:creationId xmlns:a16="http://schemas.microsoft.com/office/drawing/2014/main" id="{6B4CF61D-84DA-4DA6-9BF1-74FB9A957812}"/>
+              </a:ext>
+            </a:extLst>
+          </p:cNvPr>
+          <p:cNvCxnSpPr>
+            <a:cxnSpLocks/>
+            <a:endCxn id="55" idx="0"/>
+          </p:cNvCxnSpPr>
+          <p:nvPr/>
+        </p:nvCxnSpPr>
+        <p:spPr>
+          <a:xfrm>
+            <a:off x="6681822" y="3305828"/>
+            <a:ext cx="125326" cy="385218"/>
+          </a:xfrm>
+          <a:prstGeom prst="line">
+            <a:avLst/>
+          </a:prstGeom>
+          <a:ln/>
+        </p:spPr>
+        <p:style>
+          <a:lnRef idx="3">
+            <a:schemeClr val="accent1"/>
+          </a:lnRef>
+          <a:fillRef idx="0">
+            <a:schemeClr val="accent1"/>
+          </a:fillRef>
+          <a:effectRef idx="2">
+            <a:schemeClr val="accent1"/>
+          </a:effectRef>
+          <a:fontRef idx="minor">
+            <a:schemeClr val="tx1"/>
+          </a:fontRef>
+        </p:style>
+      </p:cxnSp>
+      <p:cxnSp>
+        <p:nvCxnSpPr>
+          <p:cNvPr id="71" name="Straight Connector 70">
+            <a:extLst>
+              <a:ext uri="{FF2B5EF4-FFF2-40B4-BE49-F238E27FC236}">
+                <a16:creationId xmlns:a16="http://schemas.microsoft.com/office/drawing/2014/main" id="{CBB4FF40-FD43-4A77-A3FF-B9254566A840}"/>
+              </a:ext>
+            </a:extLst>
+          </p:cNvPr>
+          <p:cNvCxnSpPr>
+            <a:cxnSpLocks/>
+            <a:endCxn id="56" idx="1"/>
+          </p:cNvCxnSpPr>
+          <p:nvPr/>
+        </p:nvCxnSpPr>
+        <p:spPr>
+          <a:xfrm flipV="1">
+            <a:off x="7085000" y="2688991"/>
+            <a:ext cx="561228" cy="22241"/>
+          </a:xfrm>
+          <a:prstGeom prst="line">
+            <a:avLst/>
+          </a:prstGeom>
+          <a:ln/>
+        </p:spPr>
+        <p:style>
+          <a:lnRef idx="3">
+            <a:schemeClr val="accent1"/>
+          </a:lnRef>
+          <a:fillRef idx="0">
+            <a:schemeClr val="accent1"/>
+          </a:fillRef>
+          <a:effectRef idx="2">
+            <a:schemeClr val="accent1"/>
+          </a:effectRef>
+          <a:fontRef idx="minor">
+            <a:schemeClr val="tx1"/>
+          </a:fontRef>
+        </p:style>
+      </p:cxnSp>
+      <p:sp>
+        <p:nvSpPr>
+          <p:cNvPr id="72" name="Oval 71">
+            <a:extLst>
+              <a:ext uri="{FF2B5EF4-FFF2-40B4-BE49-F238E27FC236}">
+                <a16:creationId xmlns:a16="http://schemas.microsoft.com/office/drawing/2014/main" id="{0B318FB3-DAA6-4593-98D5-306DE2F35CE4}"/>
+              </a:ext>
+            </a:extLst>
+          </p:cNvPr>
+          <p:cNvSpPr/>
+          <p:nvPr/>
+        </p:nvSpPr>
+        <p:spPr>
+          <a:xfrm>
+            <a:off x="6643351" y="3287254"/>
+            <a:ext cx="76942" cy="76942"/>
+          </a:xfrm>
+          <a:prstGeom prst="ellipse">
+            <a:avLst/>
+          </a:prstGeom>
+          <a:solidFill>
+            <a:schemeClr val="accent2"/>
+          </a:solidFill>
+          <a:ln>
+            <a:noFill/>
+          </a:ln>
+        </p:spPr>
+        <p:style>
+          <a:lnRef idx="2">
+            <a:schemeClr val="accent1">
+              <a:shade val="50000"/>
+            </a:schemeClr>
+          </a:lnRef>
+          <a:fillRef idx="1">
+            <a:schemeClr val="accent1"/>
+          </a:fillRef>
+          <a:effectRef idx="0">
+            <a:schemeClr val="accent1"/>
+          </a:effectRef>
+          <a:fontRef idx="minor">
+            <a:schemeClr val="lt1"/>
+          </a:fontRef>
+        </p:style>
+        <p:txBody>
+          <a:bodyPr rtlCol="0" anchor="ctr"/>
+          <a:lstStyle/>
+          <a:p>
+            <a:pPr algn="ctr"/>
+            <a:endParaRPr lang="en-AU"/>
+          </a:p>
+        </p:txBody>
+      </p:sp>
+      <p:sp>
+        <p:nvSpPr>
+          <p:cNvPr id="73" name="Oval 72">
+            <a:extLst>
+              <a:ext uri="{FF2B5EF4-FFF2-40B4-BE49-F238E27FC236}">
+                <a16:creationId xmlns:a16="http://schemas.microsoft.com/office/drawing/2014/main" id="{575824A2-56A5-4CAD-B3F1-27DE628FFDD9}"/>
+              </a:ext>
+            </a:extLst>
+          </p:cNvPr>
+          <p:cNvSpPr/>
+          <p:nvPr/>
+        </p:nvSpPr>
+        <p:spPr>
+          <a:xfrm>
+            <a:off x="7163006" y="3158433"/>
+            <a:ext cx="76942" cy="76942"/>
+          </a:xfrm>
+          <a:prstGeom prst="ellipse">
+            <a:avLst/>
+          </a:prstGeom>
+          <a:solidFill>
+            <a:schemeClr val="accent2"/>
+          </a:solidFill>
+          <a:ln>
+            <a:noFill/>
+          </a:ln>
+        </p:spPr>
+        <p:style>
+          <a:lnRef idx="2">
+            <a:schemeClr val="accent1">
+              <a:shade val="50000"/>
+            </a:schemeClr>
+          </a:lnRef>
+          <a:fillRef idx="1">
+            <a:schemeClr val="accent1"/>
+          </a:fillRef>
+          <a:effectRef idx="0">
+            <a:schemeClr val="accent1"/>
+          </a:effectRef>
+          <a:fontRef idx="minor">
+            <a:schemeClr val="lt1"/>
+          </a:fontRef>
+        </p:style>
+        <p:txBody>
+          <a:bodyPr rtlCol="0" anchor="ctr"/>
+          <a:lstStyle/>
+          <a:p>
+            <a:pPr algn="ctr"/>
+            <a:endParaRPr lang="en-AU"/>
+          </a:p>
+        </p:txBody>
+      </p:sp>
+      <p:sp>
+        <p:nvSpPr>
+          <p:cNvPr id="74" name="Oval 73">
+            <a:extLst>
+              <a:ext uri="{FF2B5EF4-FFF2-40B4-BE49-F238E27FC236}">
+                <a16:creationId xmlns:a16="http://schemas.microsoft.com/office/drawing/2014/main" id="{B8708755-CC02-402F-9038-69F7F00C86EF}"/>
+              </a:ext>
+            </a:extLst>
+          </p:cNvPr>
+          <p:cNvSpPr/>
+          <p:nvPr/>
+        </p:nvSpPr>
+        <p:spPr>
+          <a:xfrm>
+            <a:off x="7048520" y="2669460"/>
+            <a:ext cx="76942" cy="76942"/>
+          </a:xfrm>
+          <a:prstGeom prst="ellipse">
+            <a:avLst/>
+          </a:prstGeom>
+          <a:solidFill>
+            <a:schemeClr val="accent2"/>
+          </a:solidFill>
+          <a:ln>
+            <a:noFill/>
+          </a:ln>
+        </p:spPr>
+        <p:style>
+          <a:lnRef idx="2">
+            <a:schemeClr val="accent1">
+              <a:shade val="50000"/>
+            </a:schemeClr>
+          </a:lnRef>
+          <a:fillRef idx="1">
+            <a:schemeClr val="accent1"/>
+          </a:fillRef>
+          <a:effectRef idx="0">
+            <a:schemeClr val="accent1"/>
+          </a:effectRef>
+          <a:fontRef idx="minor">
+            <a:schemeClr val="lt1"/>
+          </a:fontRef>
+        </p:style>
+        <p:txBody>
+          <a:bodyPr rtlCol="0" anchor="ctr"/>
+          <a:lstStyle/>
+          <a:p>
+            <a:pPr algn="ctr"/>
+            <a:endParaRPr lang="en-AU"/>
+          </a:p>
+        </p:txBody>
+      </p:sp>
+      <p:sp>
+        <p:nvSpPr>
+          <p:cNvPr id="75" name="Oval 74">
+            <a:extLst>
+              <a:ext uri="{FF2B5EF4-FFF2-40B4-BE49-F238E27FC236}">
+                <a16:creationId xmlns:a16="http://schemas.microsoft.com/office/drawing/2014/main" id="{873702CD-196A-47BF-A1C8-F2FDFD4CF21B}"/>
+              </a:ext>
+            </a:extLst>
+          </p:cNvPr>
+          <p:cNvSpPr/>
+          <p:nvPr/>
+        </p:nvSpPr>
+        <p:spPr>
+          <a:xfrm>
+            <a:off x="6511325" y="2476481"/>
+            <a:ext cx="76942" cy="76942"/>
+          </a:xfrm>
+          <a:prstGeom prst="ellipse">
+            <a:avLst/>
+          </a:prstGeom>
+          <a:solidFill>
+            <a:schemeClr val="accent2"/>
+          </a:solidFill>
+          <a:ln>
+            <a:noFill/>
+          </a:ln>
+        </p:spPr>
+        <p:style>
+          <a:lnRef idx="2">
+            <a:schemeClr val="accent1">
+              <a:shade val="50000"/>
+            </a:schemeClr>
+          </a:lnRef>
+          <a:fillRef idx="1">
+            <a:schemeClr val="accent1"/>
+          </a:fillRef>
+          <a:effectRef idx="0">
+            <a:schemeClr val="accent1"/>
+          </a:effectRef>
+          <a:fontRef idx="minor">
+            <a:schemeClr val="lt1"/>
+          </a:fontRef>
+        </p:style>
+        <p:txBody>
+          <a:bodyPr rtlCol="0" anchor="ctr"/>
+          <a:lstStyle/>
+          <a:p>
+            <a:pPr algn="ctr"/>
+            <a:endParaRPr lang="en-AU"/>
+          </a:p>
+        </p:txBody>
+      </p:sp>
+      <p:sp>
+        <p:nvSpPr>
+          <p:cNvPr id="76" name="Oval 75">
+            <a:extLst>
+              <a:ext uri="{FF2B5EF4-FFF2-40B4-BE49-F238E27FC236}">
+                <a16:creationId xmlns:a16="http://schemas.microsoft.com/office/drawing/2014/main" id="{6B1FE533-77BB-49D4-B5B0-E1B748A931DB}"/>
+              </a:ext>
+            </a:extLst>
+          </p:cNvPr>
+          <p:cNvSpPr/>
+          <p:nvPr/>
+        </p:nvSpPr>
+        <p:spPr>
+          <a:xfrm>
+            <a:off x="5976215" y="2722811"/>
+            <a:ext cx="76942" cy="76942"/>
+          </a:xfrm>
+          <a:prstGeom prst="ellipse">
+            <a:avLst/>
+          </a:prstGeom>
+          <a:solidFill>
+            <a:schemeClr val="accent2"/>
+          </a:solidFill>
+          <a:ln>
+            <a:noFill/>
+          </a:ln>
+        </p:spPr>
+        <p:style>
+          <a:lnRef idx="2">
+            <a:schemeClr val="accent1">
+              <a:shade val="50000"/>
+            </a:schemeClr>
+          </a:lnRef>
+          <a:fillRef idx="1">
+            <a:schemeClr val="accent1"/>
+          </a:fillRef>
+          <a:effectRef idx="0">
+            <a:schemeClr val="accent1"/>
+          </a:effectRef>
+          <a:fontRef idx="minor">
+            <a:schemeClr val="lt1"/>
+          </a:fontRef>
+        </p:style>
+        <p:txBody>
+          <a:bodyPr rtlCol="0" anchor="ctr"/>
+          <a:lstStyle/>
+          <a:p>
+            <a:pPr algn="ctr"/>
+            <a:endParaRPr lang="en-AU"/>
+          </a:p>
+        </p:txBody>
+      </p:sp>
+      <p:sp>
+        <p:nvSpPr>
+          <p:cNvPr id="77" name="Oval 76">
+            <a:extLst>
+              <a:ext uri="{FF2B5EF4-FFF2-40B4-BE49-F238E27FC236}">
+                <a16:creationId xmlns:a16="http://schemas.microsoft.com/office/drawing/2014/main" id="{C8F6BEA2-8DD8-49BE-A8C3-513AE97DA32F}"/>
+              </a:ext>
+            </a:extLst>
+          </p:cNvPr>
+          <p:cNvSpPr/>
+          <p:nvPr/>
+        </p:nvSpPr>
+        <p:spPr>
+          <a:xfrm>
+            <a:off x="5939095" y="2226925"/>
+            <a:ext cx="76942" cy="76942"/>
+          </a:xfrm>
+          <a:prstGeom prst="ellipse">
+            <a:avLst/>
+          </a:prstGeom>
+          <a:solidFill>
+            <a:schemeClr val="accent2"/>
+          </a:solidFill>
+          <a:ln>
+            <a:noFill/>
+          </a:ln>
+        </p:spPr>
+        <p:style>
+          <a:lnRef idx="2">
+            <a:schemeClr val="accent1">
+              <a:shade val="50000"/>
+            </a:schemeClr>
+          </a:lnRef>
+          <a:fillRef idx="1">
+            <a:schemeClr val="accent1"/>
+          </a:fillRef>
+          <a:effectRef idx="0">
+            <a:schemeClr val="accent1"/>
+          </a:effectRef>
+          <a:fontRef idx="minor">
+            <a:schemeClr val="lt1"/>
+          </a:fontRef>
+        </p:style>
+        <p:txBody>
+          <a:bodyPr rtlCol="0" anchor="ctr"/>
+          <a:lstStyle/>
+          <a:p>
+            <a:pPr algn="ctr"/>
+            <a:endParaRPr lang="en-AU"/>
+          </a:p>
+        </p:txBody>
+      </p:sp>
+      <p:sp>
+        <p:nvSpPr>
+          <p:cNvPr id="78" name="Oval 77">
+            <a:extLst>
+              <a:ext uri="{FF2B5EF4-FFF2-40B4-BE49-F238E27FC236}">
+                <a16:creationId xmlns:a16="http://schemas.microsoft.com/office/drawing/2014/main" id="{90D88017-1AD4-4235-B1A9-F8884871F7C5}"/>
+              </a:ext>
+            </a:extLst>
+          </p:cNvPr>
+          <p:cNvSpPr/>
+          <p:nvPr/>
+        </p:nvSpPr>
+        <p:spPr>
+          <a:xfrm>
+            <a:off x="7007615" y="1889762"/>
+            <a:ext cx="38190" cy="38190"/>
+          </a:xfrm>
+          <a:prstGeom prst="ellipse">
+            <a:avLst/>
+          </a:prstGeom>
+          <a:solidFill>
+            <a:schemeClr val="accent2"/>
+          </a:solidFill>
+          <a:ln>
+            <a:noFill/>
+          </a:ln>
+        </p:spPr>
+        <p:style>
+          <a:lnRef idx="2">
+            <a:schemeClr val="accent1">
+              <a:shade val="50000"/>
+            </a:schemeClr>
+          </a:lnRef>
+          <a:fillRef idx="1">
+            <a:schemeClr val="accent1"/>
+          </a:fillRef>
+          <a:effectRef idx="0">
+            <a:schemeClr val="accent1"/>
+          </a:effectRef>
+          <a:fontRef idx="minor">
+            <a:schemeClr val="lt1"/>
+          </a:fontRef>
+        </p:style>
+        <p:txBody>
+          <a:bodyPr rtlCol="0" anchor="ctr"/>
+          <a:lstStyle/>
+          <a:p>
+            <a:pPr algn="ctr"/>
+            <a:endParaRPr lang="en-AU"/>
+          </a:p>
+        </p:txBody>
+      </p:sp>
+      <p:sp>
+        <p:nvSpPr>
+          <p:cNvPr id="79" name="Oval 78">
+            <a:extLst>
+              <a:ext uri="{FF2B5EF4-FFF2-40B4-BE49-F238E27FC236}">
+                <a16:creationId xmlns:a16="http://schemas.microsoft.com/office/drawing/2014/main" id="{9CC81DF2-12F6-41B5-A119-D8576AC9D889}"/>
+              </a:ext>
+            </a:extLst>
+          </p:cNvPr>
+          <p:cNvSpPr/>
+          <p:nvPr/>
+        </p:nvSpPr>
+        <p:spPr>
+          <a:xfrm>
+            <a:off x="5564866" y="1848061"/>
+            <a:ext cx="38190" cy="38190"/>
+          </a:xfrm>
+          <a:prstGeom prst="ellipse">
+            <a:avLst/>
+          </a:prstGeom>
+          <a:solidFill>
+            <a:schemeClr val="accent2"/>
+          </a:solidFill>
+          <a:ln>
+            <a:noFill/>
+          </a:ln>
+        </p:spPr>
+        <p:style>
+          <a:lnRef idx="2">
+            <a:schemeClr val="accent1">
+              <a:shade val="50000"/>
+            </a:schemeClr>
+          </a:lnRef>
+          <a:fillRef idx="1">
+            <a:schemeClr val="accent1"/>
+          </a:fillRef>
+          <a:effectRef idx="0">
+            <a:schemeClr val="accent1"/>
+          </a:effectRef>
+          <a:fontRef idx="minor">
+            <a:schemeClr val="lt1"/>
+          </a:fontRef>
+        </p:style>
+        <p:txBody>
+          <a:bodyPr rtlCol="0" anchor="ctr"/>
+          <a:lstStyle/>
+          <a:p>
+            <a:pPr algn="ctr"/>
+            <a:endParaRPr lang="en-AU"/>
+          </a:p>
+        </p:txBody>
+      </p:sp>
+      <p:sp>
+        <p:nvSpPr>
+          <p:cNvPr id="80" name="Oval 79">
+            <a:extLst>
+              <a:ext uri="{FF2B5EF4-FFF2-40B4-BE49-F238E27FC236}">
+                <a16:creationId xmlns:a16="http://schemas.microsoft.com/office/drawing/2014/main" id="{90F1C26F-7125-404E-ABBA-836EF2EC5004}"/>
+              </a:ext>
+            </a:extLst>
+          </p:cNvPr>
+          <p:cNvSpPr/>
+          <p:nvPr/>
+        </p:nvSpPr>
+        <p:spPr>
+          <a:xfrm>
+            <a:off x="5472902" y="2755105"/>
+            <a:ext cx="38190" cy="38190"/>
+          </a:xfrm>
+          <a:prstGeom prst="ellipse">
+            <a:avLst/>
+          </a:prstGeom>
+          <a:solidFill>
+            <a:schemeClr val="accent2"/>
+          </a:solidFill>
+          <a:ln>
+            <a:noFill/>
+          </a:ln>
+        </p:spPr>
+        <p:style>
+          <a:lnRef idx="2">
+            <a:schemeClr val="accent1">
+              <a:shade val="50000"/>
+            </a:schemeClr>
+          </a:lnRef>
+          <a:fillRef idx="1">
+            <a:schemeClr val="accent1"/>
+          </a:fillRef>
+          <a:effectRef idx="0">
+            <a:schemeClr val="accent1"/>
+          </a:effectRef>
+          <a:fontRef idx="minor">
+            <a:schemeClr val="lt1"/>
+          </a:fontRef>
+        </p:style>
+        <p:txBody>
+          <a:bodyPr rtlCol="0" anchor="ctr"/>
+          <a:lstStyle/>
+          <a:p>
+            <a:pPr algn="ctr"/>
+            <a:endParaRPr lang="en-AU"/>
+          </a:p>
+        </p:txBody>
+      </p:sp>
+      <p:sp>
+        <p:nvSpPr>
+          <p:cNvPr id="81" name="Oval 80">
+            <a:extLst>
+              <a:ext uri="{FF2B5EF4-FFF2-40B4-BE49-F238E27FC236}">
+                <a16:creationId xmlns:a16="http://schemas.microsoft.com/office/drawing/2014/main" id="{0FEADE67-11E1-4E48-9132-98A0C0D34A2C}"/>
+              </a:ext>
+            </a:extLst>
+          </p:cNvPr>
+          <p:cNvSpPr/>
+          <p:nvPr/>
+        </p:nvSpPr>
+        <p:spPr>
+          <a:xfrm>
+            <a:off x="5731142" y="3196070"/>
+            <a:ext cx="38190" cy="38190"/>
+          </a:xfrm>
+          <a:prstGeom prst="ellipse">
+            <a:avLst/>
+          </a:prstGeom>
+          <a:solidFill>
+            <a:schemeClr val="accent2"/>
+          </a:solidFill>
+          <a:ln>
+            <a:noFill/>
+          </a:ln>
+        </p:spPr>
+        <p:style>
+          <a:lnRef idx="2">
+            <a:schemeClr val="accent1">
+              <a:shade val="50000"/>
+            </a:schemeClr>
+          </a:lnRef>
+          <a:fillRef idx="1">
+            <a:schemeClr val="accent1"/>
+          </a:fillRef>
+          <a:effectRef idx="0">
+            <a:schemeClr val="accent1"/>
+          </a:effectRef>
+          <a:fontRef idx="minor">
+            <a:schemeClr val="lt1"/>
+          </a:fontRef>
+        </p:style>
+        <p:txBody>
+          <a:bodyPr rtlCol="0" anchor="ctr"/>
+          <a:lstStyle/>
+          <a:p>
+            <a:pPr algn="ctr"/>
+            <a:endParaRPr lang="en-AU"/>
+          </a:p>
+        </p:txBody>
+      </p:sp>
+      <p:sp>
+        <p:nvSpPr>
+          <p:cNvPr id="82" name="Oval 81">
+            <a:extLst>
+              <a:ext uri="{FF2B5EF4-FFF2-40B4-BE49-F238E27FC236}">
+                <a16:creationId xmlns:a16="http://schemas.microsoft.com/office/drawing/2014/main" id="{CA7F9B1E-C7F5-423E-AE14-45C80430A84B}"/>
+              </a:ext>
+            </a:extLst>
+          </p:cNvPr>
+          <p:cNvSpPr/>
+          <p:nvPr/>
+        </p:nvSpPr>
+        <p:spPr>
+          <a:xfrm>
+            <a:off x="7622247" y="2669802"/>
+            <a:ext cx="38190" cy="38190"/>
+          </a:xfrm>
+          <a:prstGeom prst="ellipse">
+            <a:avLst/>
+          </a:prstGeom>
+          <a:solidFill>
+            <a:schemeClr val="accent2"/>
+          </a:solidFill>
+          <a:ln>
+            <a:noFill/>
+          </a:ln>
+        </p:spPr>
+        <p:style>
+          <a:lnRef idx="2">
+            <a:schemeClr val="accent1">
+              <a:shade val="50000"/>
+            </a:schemeClr>
+          </a:lnRef>
+          <a:fillRef idx="1">
+            <a:schemeClr val="accent1"/>
+          </a:fillRef>
+          <a:effectRef idx="0">
+            <a:schemeClr val="accent1"/>
+          </a:effectRef>
+          <a:fontRef idx="minor">
+            <a:schemeClr val="lt1"/>
+          </a:fontRef>
+        </p:style>
+        <p:txBody>
+          <a:bodyPr rtlCol="0" anchor="ctr"/>
+          <a:lstStyle/>
+          <a:p>
+            <a:pPr algn="ctr"/>
+            <a:endParaRPr lang="en-AU"/>
+          </a:p>
+        </p:txBody>
+      </p:sp>
+      <p:sp>
+        <p:nvSpPr>
+          <p:cNvPr id="83" name="Oval 82">
+            <a:extLst>
+              <a:ext uri="{FF2B5EF4-FFF2-40B4-BE49-F238E27FC236}">
+                <a16:creationId xmlns:a16="http://schemas.microsoft.com/office/drawing/2014/main" id="{B352586D-E611-4A10-8180-DA10FD02FF30}"/>
+              </a:ext>
+            </a:extLst>
+          </p:cNvPr>
+          <p:cNvSpPr/>
+          <p:nvPr/>
+        </p:nvSpPr>
+        <p:spPr>
+          <a:xfrm>
+            <a:off x="6784020" y="3655275"/>
+            <a:ext cx="38190" cy="38190"/>
+          </a:xfrm>
+          <a:prstGeom prst="ellipse">
+            <a:avLst/>
+          </a:prstGeom>
+          <a:solidFill>
+            <a:schemeClr val="accent2"/>
+          </a:solidFill>
+          <a:ln>
+            <a:noFill/>
+          </a:ln>
+        </p:spPr>
+        <p:style>
+          <a:lnRef idx="2">
+            <a:schemeClr val="accent1">
+              <a:shade val="50000"/>
+            </a:schemeClr>
+          </a:lnRef>
+          <a:fillRef idx="1">
+            <a:schemeClr val="accent1"/>
+          </a:fillRef>
+          <a:effectRef idx="0">
+            <a:schemeClr val="accent1"/>
+          </a:effectRef>
+          <a:fontRef idx="minor">
+            <a:schemeClr val="lt1"/>
+          </a:fontRef>
+        </p:style>
+        <p:txBody>
+          <a:bodyPr rtlCol="0" anchor="ctr"/>
+          <a:lstStyle/>
+          <a:p>
+            <a:pPr algn="ctr"/>
+            <a:endParaRPr lang="en-AU"/>
+          </a:p>
+        </p:txBody>
+      </p:sp>
+      <p:pic>
+        <p:nvPicPr>
+          <p:cNvPr id="84" name="Graphic 83" descr="Lock">
+            <a:extLst>
+              <a:ext uri="{FF2B5EF4-FFF2-40B4-BE49-F238E27FC236}">
+                <a16:creationId xmlns:a16="http://schemas.microsoft.com/office/drawing/2014/main" id="{F18D11F6-64FA-457C-BE1A-EA4318143542}"/>
+              </a:ext>
+            </a:extLst>
+          </p:cNvPr>
+          <p:cNvPicPr>
+            <a:picLocks noChangeAspect="1"/>
+          </p:cNvPicPr>
+          <p:nvPr/>
+        </p:nvPicPr>
+        <p:blipFill>
+          <a:blip r:embed="rId16">
+            <a:extLst>
+              <a:ext uri="{28A0092B-C50C-407E-A947-70E740481C1C}">
+                <a14:useLocalDpi xmlns:a14="http://schemas.microsoft.com/office/drawing/2010/main" val="0"/>
+              </a:ext>
+              <a:ext uri="{96DAC541-7B7A-43D3-8B79-37D633B846F1}">
+                <asvg:svgBlip xmlns:asvg="http://schemas.microsoft.com/office/drawing/2016/SVG/main" r:embed="rId17"/>
+              </a:ext>
+            </a:extLst>
+          </a:blip>
+          <a:stretch>
+            <a:fillRect/>
+          </a:stretch>
+        </p:blipFill>
+        <p:spPr>
+          <a:xfrm>
+            <a:off x="7285040" y="2461981"/>
+            <a:ext cx="215371" cy="215371"/>
+          </a:xfrm>
+          <a:prstGeom prst="rect">
+            <a:avLst/>
+          </a:prstGeom>
+        </p:spPr>
+      </p:pic>
+      <p:pic>
+        <p:nvPicPr>
+          <p:cNvPr id="85" name="Graphic 84" descr="Key">
+            <a:extLst>
+              <a:ext uri="{FF2B5EF4-FFF2-40B4-BE49-F238E27FC236}">
+                <a16:creationId xmlns:a16="http://schemas.microsoft.com/office/drawing/2014/main" id="{2A32B28A-4CD8-4A7F-9861-600664AA0FAA}"/>
+              </a:ext>
+            </a:extLst>
+          </p:cNvPr>
+          <p:cNvPicPr>
+            <a:picLocks noChangeAspect="1"/>
+          </p:cNvPicPr>
+          <p:nvPr/>
+        </p:nvPicPr>
+        <p:blipFill>
+          <a:blip r:embed="rId18">
+            <a:extLst>
+              <a:ext uri="{28A0092B-C50C-407E-A947-70E740481C1C}">
+                <a14:useLocalDpi xmlns:a14="http://schemas.microsoft.com/office/drawing/2010/main" val="0"/>
+              </a:ext>
+              <a:ext uri="{96DAC541-7B7A-43D3-8B79-37D633B846F1}">
+                <asvg:svgBlip xmlns:asvg="http://schemas.microsoft.com/office/drawing/2016/SVG/main" r:embed="rId19"/>
+              </a:ext>
+            </a:extLst>
+          </a:blip>
+          <a:stretch>
+            <a:fillRect/>
+          </a:stretch>
+        </p:blipFill>
+        <p:spPr>
+          <a:xfrm>
+            <a:off x="5679476" y="3503780"/>
+            <a:ext cx="171444" cy="171444"/>
+          </a:xfrm>
+          <a:prstGeom prst="rect">
+            <a:avLst/>
+          </a:prstGeom>
+        </p:spPr>
+      </p:pic>
+      <p:pic>
+        <p:nvPicPr>
+          <p:cNvPr id="86" name="Graphic 85" descr="Unlock">
+            <a:extLst>
+              <a:ext uri="{FF2B5EF4-FFF2-40B4-BE49-F238E27FC236}">
+                <a16:creationId xmlns:a16="http://schemas.microsoft.com/office/drawing/2014/main" id="{F105AD7A-63B1-4C9B-86C6-FAB03034FC2F}"/>
+              </a:ext>
+            </a:extLst>
+          </p:cNvPr>
+          <p:cNvPicPr>
+            <a:picLocks noChangeAspect="1"/>
+          </p:cNvPicPr>
+          <p:nvPr/>
+        </p:nvPicPr>
+        <p:blipFill>
+          <a:blip r:embed="rId20">
+            <a:extLst>
+              <a:ext uri="{28A0092B-C50C-407E-A947-70E740481C1C}">
+                <a14:useLocalDpi xmlns:a14="http://schemas.microsoft.com/office/drawing/2010/main" val="0"/>
+              </a:ext>
+              <a:ext uri="{96DAC541-7B7A-43D3-8B79-37D633B846F1}">
+                <asvg:svgBlip xmlns:asvg="http://schemas.microsoft.com/office/drawing/2016/SVG/main" r:embed="rId21"/>
+              </a:ext>
+            </a:extLst>
+          </a:blip>
+          <a:stretch>
+            <a:fillRect/>
+          </a:stretch>
+        </p:blipFill>
+        <p:spPr>
+          <a:xfrm>
+            <a:off x="6612607" y="1969935"/>
+            <a:ext cx="215371" cy="215371"/>
+          </a:xfrm>
+          <a:prstGeom prst="rect">
+            <a:avLst/>
+          </a:prstGeom>
+        </p:spPr>
+      </p:pic>
     </p:spTree>
     <p:extLst>
       <p:ext uri="{BB962C8B-B14F-4D97-AF65-F5344CB8AC3E}">
@@ -9263,7 +11261,12 @@
             <p:ph idx="1"/>
           </p:nvPr>
         </p:nvSpPr>
-        <p:spPr/>
+        <p:spPr>
+          <a:xfrm>
+            <a:off x="359999" y="1127291"/>
+            <a:ext cx="8424000" cy="1857832"/>
+          </a:xfrm>
+        </p:spPr>
         <p:txBody>
           <a:bodyPr/>
           <a:lstStyle/>
@@ -9361,6 +11364,949 @@
           </a:p>
         </p:txBody>
       </p:sp>
+      <p:grpSp>
+        <p:nvGrpSpPr>
+          <p:cNvPr id="6" name="Group 5">
+            <a:extLst>
+              <a:ext uri="{FF2B5EF4-FFF2-40B4-BE49-F238E27FC236}">
+                <a16:creationId xmlns:a16="http://schemas.microsoft.com/office/drawing/2014/main" id="{D1514BE7-6DEC-4888-ADA1-FA9CAAF98C19}"/>
+              </a:ext>
+            </a:extLst>
+          </p:cNvPr>
+          <p:cNvGrpSpPr/>
+          <p:nvPr/>
+        </p:nvGrpSpPr>
+        <p:grpSpPr>
+          <a:xfrm>
+            <a:off x="1429308" y="3092825"/>
+            <a:ext cx="6285383" cy="1558533"/>
+            <a:chOff x="1614071" y="3087463"/>
+            <a:chExt cx="6285383" cy="1558533"/>
+          </a:xfrm>
+        </p:grpSpPr>
+        <p:sp>
+          <p:nvSpPr>
+            <p:cNvPr id="7" name="Cloud 6">
+              <a:extLst>
+                <a:ext uri="{FF2B5EF4-FFF2-40B4-BE49-F238E27FC236}">
+                  <a16:creationId xmlns:a16="http://schemas.microsoft.com/office/drawing/2014/main" id="{690CD171-E9AD-4EED-977D-BE84E583FCC7}"/>
+                </a:ext>
+              </a:extLst>
+            </p:cNvPr>
+            <p:cNvSpPr/>
+            <p:nvPr/>
+          </p:nvSpPr>
+          <p:spPr>
+            <a:xfrm>
+              <a:off x="5537023" y="3466475"/>
+              <a:ext cx="823147" cy="734865"/>
+            </a:xfrm>
+            <a:prstGeom prst="cloud">
+              <a:avLst/>
+            </a:prstGeom>
+            <a:solidFill>
+              <a:srgbClr val="FF0000"/>
+            </a:solidFill>
+            <a:ln>
+              <a:solidFill>
+                <a:srgbClr val="C00000"/>
+              </a:solidFill>
+            </a:ln>
+          </p:spPr>
+          <p:style>
+            <a:lnRef idx="2">
+              <a:schemeClr val="accent1">
+                <a:shade val="50000"/>
+              </a:schemeClr>
+            </a:lnRef>
+            <a:fillRef idx="1">
+              <a:schemeClr val="accent1"/>
+            </a:fillRef>
+            <a:effectRef idx="0">
+              <a:schemeClr val="accent1"/>
+            </a:effectRef>
+            <a:fontRef idx="minor">
+              <a:schemeClr val="lt1"/>
+            </a:fontRef>
+          </p:style>
+          <p:txBody>
+            <a:bodyPr rtlCol="0" anchor="ctr"/>
+            <a:lstStyle/>
+            <a:p>
+              <a:pPr algn="ctr"/>
+              <a:endParaRPr lang="en-AU" dirty="0"/>
+            </a:p>
+          </p:txBody>
+        </p:sp>
+        <p:pic>
+          <p:nvPicPr>
+            <p:cNvPr id="8" name="Picture 7">
+              <a:extLst>
+                <a:ext uri="{FF2B5EF4-FFF2-40B4-BE49-F238E27FC236}">
+                  <a16:creationId xmlns:a16="http://schemas.microsoft.com/office/drawing/2014/main" id="{63619009-6CF1-4425-97E4-CFA4CF4B299E}"/>
+                </a:ext>
+              </a:extLst>
+            </p:cNvPr>
+            <p:cNvPicPr>
+              <a:picLocks noChangeAspect="1"/>
+            </p:cNvPicPr>
+            <p:nvPr/>
+          </p:nvPicPr>
+          <p:blipFill>
+            <a:blip r:embed="rId3"/>
+            <a:stretch>
+              <a:fillRect/>
+            </a:stretch>
+          </p:blipFill>
+          <p:spPr>
+            <a:xfrm>
+              <a:off x="3018841" y="3561094"/>
+              <a:ext cx="319443" cy="315729"/>
+            </a:xfrm>
+            <a:prstGeom prst="rect">
+              <a:avLst/>
+            </a:prstGeom>
+          </p:spPr>
+        </p:pic>
+        <p:pic>
+          <p:nvPicPr>
+            <p:cNvPr id="9" name="Picture 8">
+              <a:extLst>
+                <a:ext uri="{FF2B5EF4-FFF2-40B4-BE49-F238E27FC236}">
+                  <a16:creationId xmlns:a16="http://schemas.microsoft.com/office/drawing/2014/main" id="{182D030E-E0B2-4515-AFB2-BB933B50EF9F}"/>
+                </a:ext>
+              </a:extLst>
+            </p:cNvPr>
+            <p:cNvPicPr>
+              <a:picLocks noChangeAspect="1"/>
+            </p:cNvPicPr>
+            <p:nvPr/>
+          </p:nvPicPr>
+          <p:blipFill>
+            <a:blip r:embed="rId4">
+              <a:extLst>
+                <a:ext uri="{28A0092B-C50C-407E-A947-70E740481C1C}">
+                  <a14:useLocalDpi xmlns:a14="http://schemas.microsoft.com/office/drawing/2010/main" val="0"/>
+                </a:ext>
+              </a:extLst>
+            </a:blip>
+            <a:stretch>
+              <a:fillRect/>
+            </a:stretch>
+          </p:blipFill>
+          <p:spPr>
+            <a:xfrm>
+              <a:off x="5799109" y="3676044"/>
+              <a:ext cx="298976" cy="315729"/>
+            </a:xfrm>
+            <a:prstGeom prst="rect">
+              <a:avLst/>
+            </a:prstGeom>
+          </p:spPr>
+        </p:pic>
+        <p:pic>
+          <p:nvPicPr>
+            <p:cNvPr id="10" name="Picture 9">
+              <a:extLst>
+                <a:ext uri="{FF2B5EF4-FFF2-40B4-BE49-F238E27FC236}">
+                  <a16:creationId xmlns:a16="http://schemas.microsoft.com/office/drawing/2014/main" id="{3B922C1D-6A87-428B-91B6-6494EEA6E718}"/>
+                </a:ext>
+              </a:extLst>
+            </p:cNvPr>
+            <p:cNvPicPr>
+              <a:picLocks noChangeAspect="1"/>
+            </p:cNvPicPr>
+            <p:nvPr/>
+          </p:nvPicPr>
+          <p:blipFill>
+            <a:blip r:embed="rId5"/>
+            <a:stretch>
+              <a:fillRect/>
+            </a:stretch>
+          </p:blipFill>
+          <p:spPr>
+            <a:xfrm>
+              <a:off x="3018841" y="3087463"/>
+              <a:ext cx="319443" cy="315729"/>
+            </a:xfrm>
+            <a:prstGeom prst="rect">
+              <a:avLst/>
+            </a:prstGeom>
+          </p:spPr>
+        </p:pic>
+        <p:pic>
+          <p:nvPicPr>
+            <p:cNvPr id="11" name="Picture 10">
+              <a:extLst>
+                <a:ext uri="{FF2B5EF4-FFF2-40B4-BE49-F238E27FC236}">
+                  <a16:creationId xmlns:a16="http://schemas.microsoft.com/office/drawing/2014/main" id="{769EE18B-2FA6-4063-91E5-6C39102C4560}"/>
+                </a:ext>
+              </a:extLst>
+            </p:cNvPr>
+            <p:cNvPicPr>
+              <a:picLocks noChangeAspect="1"/>
+            </p:cNvPicPr>
+            <p:nvPr/>
+          </p:nvPicPr>
+          <p:blipFill>
+            <a:blip r:embed="rId6">
+              <a:extLst>
+                <a:ext uri="{28A0092B-C50C-407E-A947-70E740481C1C}">
+                  <a14:useLocalDpi xmlns:a14="http://schemas.microsoft.com/office/drawing/2010/main" val="0"/>
+                </a:ext>
+              </a:extLst>
+            </a:blip>
+            <a:stretch>
+              <a:fillRect/>
+            </a:stretch>
+          </p:blipFill>
+          <p:spPr>
+            <a:xfrm rot="10800000">
+              <a:off x="3019863" y="4326553"/>
+              <a:ext cx="319443" cy="319443"/>
+            </a:xfrm>
+            <a:prstGeom prst="rect">
+              <a:avLst/>
+            </a:prstGeom>
+          </p:spPr>
+        </p:pic>
+        <p:pic>
+          <p:nvPicPr>
+            <p:cNvPr id="12" name="Picture 11">
+              <a:extLst>
+                <a:ext uri="{FF2B5EF4-FFF2-40B4-BE49-F238E27FC236}">
+                  <a16:creationId xmlns:a16="http://schemas.microsoft.com/office/drawing/2014/main" id="{3C32E67C-CC94-4B87-B60D-4F18B169AF6D}"/>
+                </a:ext>
+              </a:extLst>
+            </p:cNvPr>
+            <p:cNvPicPr>
+              <a:picLocks noChangeAspect="1"/>
+            </p:cNvPicPr>
+            <p:nvPr/>
+          </p:nvPicPr>
+          <p:blipFill>
+            <a:blip r:embed="rId7"/>
+            <a:stretch>
+              <a:fillRect/>
+            </a:stretch>
+          </p:blipFill>
+          <p:spPr>
+            <a:xfrm>
+              <a:off x="1614071" y="3496625"/>
+              <a:ext cx="603050" cy="592999"/>
+            </a:xfrm>
+            <a:prstGeom prst="rect">
+              <a:avLst/>
+            </a:prstGeom>
+          </p:spPr>
+        </p:pic>
+        <p:cxnSp>
+          <p:nvCxnSpPr>
+            <p:cNvPr id="13" name="Straight Connector 12">
+              <a:extLst>
+                <a:ext uri="{FF2B5EF4-FFF2-40B4-BE49-F238E27FC236}">
+                  <a16:creationId xmlns:a16="http://schemas.microsoft.com/office/drawing/2014/main" id="{28733257-2335-47D1-9DCD-2C17D2E0F073}"/>
+                </a:ext>
+              </a:extLst>
+            </p:cNvPr>
+            <p:cNvCxnSpPr>
+              <a:cxnSpLocks/>
+            </p:cNvCxnSpPr>
+            <p:nvPr/>
+          </p:nvCxnSpPr>
+          <p:spPr>
+            <a:xfrm flipH="1">
+              <a:off x="2290645" y="3282414"/>
+              <a:ext cx="635492" cy="296512"/>
+            </a:xfrm>
+            <a:prstGeom prst="line">
+              <a:avLst/>
+            </a:prstGeom>
+            <a:ln w="19050">
+              <a:solidFill>
+                <a:srgbClr val="00B0F0"/>
+              </a:solidFill>
+              <a:prstDash val="sysDash"/>
+            </a:ln>
+          </p:spPr>
+          <p:style>
+            <a:lnRef idx="1">
+              <a:schemeClr val="accent1"/>
+            </a:lnRef>
+            <a:fillRef idx="0">
+              <a:schemeClr val="accent1"/>
+            </a:fillRef>
+            <a:effectRef idx="0">
+              <a:schemeClr val="accent1"/>
+            </a:effectRef>
+            <a:fontRef idx="minor">
+              <a:schemeClr val="tx1"/>
+            </a:fontRef>
+          </p:style>
+        </p:cxnSp>
+        <p:cxnSp>
+          <p:nvCxnSpPr>
+            <p:cNvPr id="14" name="Straight Connector 13">
+              <a:extLst>
+                <a:ext uri="{FF2B5EF4-FFF2-40B4-BE49-F238E27FC236}">
+                  <a16:creationId xmlns:a16="http://schemas.microsoft.com/office/drawing/2014/main" id="{A131C620-C892-4228-BE7E-A9E979ADB3A7}"/>
+                </a:ext>
+              </a:extLst>
+            </p:cNvPr>
+            <p:cNvCxnSpPr>
+              <a:cxnSpLocks/>
+            </p:cNvCxnSpPr>
+            <p:nvPr/>
+          </p:nvCxnSpPr>
+          <p:spPr>
+            <a:xfrm flipH="1">
+              <a:off x="2290645" y="3773857"/>
+              <a:ext cx="635493" cy="35863"/>
+            </a:xfrm>
+            <a:prstGeom prst="line">
+              <a:avLst/>
+            </a:prstGeom>
+            <a:ln w="19050">
+              <a:solidFill>
+                <a:srgbClr val="00B0F0"/>
+              </a:solidFill>
+              <a:prstDash val="sysDash"/>
+            </a:ln>
+          </p:spPr>
+          <p:style>
+            <a:lnRef idx="1">
+              <a:schemeClr val="accent1"/>
+            </a:lnRef>
+            <a:fillRef idx="0">
+              <a:schemeClr val="accent1"/>
+            </a:fillRef>
+            <a:effectRef idx="0">
+              <a:schemeClr val="accent1"/>
+            </a:effectRef>
+            <a:fontRef idx="minor">
+              <a:schemeClr val="tx1"/>
+            </a:fontRef>
+          </p:style>
+        </p:cxnSp>
+        <p:cxnSp>
+          <p:nvCxnSpPr>
+            <p:cNvPr id="15" name="Straight Connector 14">
+              <a:extLst>
+                <a:ext uri="{FF2B5EF4-FFF2-40B4-BE49-F238E27FC236}">
+                  <a16:creationId xmlns:a16="http://schemas.microsoft.com/office/drawing/2014/main" id="{45D165EC-AF76-4A2F-BD98-9D856756B538}"/>
+                </a:ext>
+              </a:extLst>
+            </p:cNvPr>
+            <p:cNvCxnSpPr>
+              <a:cxnSpLocks/>
+            </p:cNvCxnSpPr>
+            <p:nvPr/>
+          </p:nvCxnSpPr>
+          <p:spPr>
+            <a:xfrm flipH="1" flipV="1">
+              <a:off x="2315476" y="4004651"/>
+              <a:ext cx="615904" cy="459345"/>
+            </a:xfrm>
+            <a:prstGeom prst="line">
+              <a:avLst/>
+            </a:prstGeom>
+            <a:ln w="19050">
+              <a:solidFill>
+                <a:srgbClr val="00B0F0"/>
+              </a:solidFill>
+              <a:prstDash val="sysDash"/>
+            </a:ln>
+          </p:spPr>
+          <p:style>
+            <a:lnRef idx="1">
+              <a:schemeClr val="accent1"/>
+            </a:lnRef>
+            <a:fillRef idx="0">
+              <a:schemeClr val="accent1"/>
+            </a:fillRef>
+            <a:effectRef idx="0">
+              <a:schemeClr val="accent1"/>
+            </a:effectRef>
+            <a:fontRef idx="minor">
+              <a:schemeClr val="tx1"/>
+            </a:fontRef>
+          </p:style>
+        </p:cxnSp>
+        <p:pic>
+          <p:nvPicPr>
+            <p:cNvPr id="16" name="Picture 15">
+              <a:extLst>
+                <a:ext uri="{FF2B5EF4-FFF2-40B4-BE49-F238E27FC236}">
+                  <a16:creationId xmlns:a16="http://schemas.microsoft.com/office/drawing/2014/main" id="{924B274C-6BB1-43C9-A4CA-BED7D5BDA7EB}"/>
+                </a:ext>
+              </a:extLst>
+            </p:cNvPr>
+            <p:cNvPicPr>
+              <a:picLocks noChangeAspect="1"/>
+            </p:cNvPicPr>
+            <p:nvPr>
+              <p:custDataLst>
+                <p:tags r:id="rId1"/>
+              </p:custDataLst>
+            </p:nvPr>
+          </p:nvPicPr>
+          <p:blipFill>
+            <a:blip r:embed="rId8">
+              <a:extLst>
+                <a:ext uri="{28A0092B-C50C-407E-A947-70E740481C1C}">
+                  <a14:useLocalDpi xmlns:a14="http://schemas.microsoft.com/office/drawing/2010/main" val="0"/>
+                </a:ext>
+              </a:extLst>
+            </a:blip>
+            <a:stretch>
+              <a:fillRect/>
+            </a:stretch>
+          </p:blipFill>
+          <p:spPr>
+            <a:xfrm rot="16200000">
+              <a:off x="3033663" y="4085231"/>
+              <a:ext cx="301714" cy="32914"/>
+            </a:xfrm>
+            <a:prstGeom prst="rect">
+              <a:avLst/>
+            </a:prstGeom>
+          </p:spPr>
+        </p:pic>
+        <p:sp>
+          <p:nvSpPr>
+            <p:cNvPr id="17" name="Freeform: Shape 16">
+              <a:extLst>
+                <a:ext uri="{FF2B5EF4-FFF2-40B4-BE49-F238E27FC236}">
+                  <a16:creationId xmlns:a16="http://schemas.microsoft.com/office/drawing/2014/main" id="{CEB3846E-C837-4D55-8E6C-D53F8FB29389}"/>
+                </a:ext>
+              </a:extLst>
+            </p:cNvPr>
+            <p:cNvSpPr/>
+            <p:nvPr/>
+          </p:nvSpPr>
+          <p:spPr>
+            <a:xfrm>
+              <a:off x="4187274" y="3282414"/>
+              <a:ext cx="1273049" cy="463550"/>
+            </a:xfrm>
+            <a:custGeom>
+              <a:avLst/>
+              <a:gdLst>
+                <a:gd name="connsiteX0" fmla="*/ 0 w 1298575"/>
+                <a:gd name="connsiteY0" fmla="*/ 0 h 454025"/>
+                <a:gd name="connsiteX1" fmla="*/ 660400 w 1298575"/>
+                <a:gd name="connsiteY1" fmla="*/ 292100 h 454025"/>
+                <a:gd name="connsiteX2" fmla="*/ 1298575 w 1298575"/>
+                <a:gd name="connsiteY2" fmla="*/ 454025 h 454025"/>
+              </a:gdLst>
+              <a:ahLst/>
+              <a:cxnLst>
+                <a:cxn ang="0">
+                  <a:pos x="connsiteX0" y="connsiteY0"/>
+                </a:cxn>
+                <a:cxn ang="0">
+                  <a:pos x="connsiteX1" y="connsiteY1"/>
+                </a:cxn>
+                <a:cxn ang="0">
+                  <a:pos x="connsiteX2" y="connsiteY2"/>
+                </a:cxn>
+              </a:cxnLst>
+              <a:rect l="l" t="t" r="r" b="b"/>
+              <a:pathLst>
+                <a:path w="1298575" h="454025">
+                  <a:moveTo>
+                    <a:pt x="0" y="0"/>
+                  </a:moveTo>
+                  <a:cubicBezTo>
+                    <a:pt x="221985" y="108214"/>
+                    <a:pt x="443971" y="216429"/>
+                    <a:pt x="660400" y="292100"/>
+                  </a:cubicBezTo>
+                  <a:cubicBezTo>
+                    <a:pt x="876829" y="367771"/>
+                    <a:pt x="1087702" y="410898"/>
+                    <a:pt x="1298575" y="454025"/>
+                  </a:cubicBezTo>
+                </a:path>
+              </a:pathLst>
+            </a:custGeom>
+            <a:noFill/>
+            <a:ln>
+              <a:headEnd type="none" w="med" len="med"/>
+              <a:tailEnd type="arrow" w="med" len="med"/>
+            </a:ln>
+          </p:spPr>
+          <p:style>
+            <a:lnRef idx="2">
+              <a:schemeClr val="accent1">
+                <a:shade val="50000"/>
+              </a:schemeClr>
+            </a:lnRef>
+            <a:fillRef idx="1">
+              <a:schemeClr val="accent1"/>
+            </a:fillRef>
+            <a:effectRef idx="0">
+              <a:schemeClr val="accent1"/>
+            </a:effectRef>
+            <a:fontRef idx="minor">
+              <a:schemeClr val="lt1"/>
+            </a:fontRef>
+          </p:style>
+          <p:txBody>
+            <a:bodyPr rtlCol="0" anchor="ctr"/>
+            <a:lstStyle/>
+            <a:p>
+              <a:pPr algn="ctr"/>
+              <a:endParaRPr lang="en-AU"/>
+            </a:p>
+          </p:txBody>
+        </p:sp>
+        <p:sp>
+          <p:nvSpPr>
+            <p:cNvPr id="18" name="Freeform: Shape 17">
+              <a:extLst>
+                <a:ext uri="{FF2B5EF4-FFF2-40B4-BE49-F238E27FC236}">
+                  <a16:creationId xmlns:a16="http://schemas.microsoft.com/office/drawing/2014/main" id="{3ABB7CC0-1EBC-4F0B-8427-8586238565CB}"/>
+                </a:ext>
+              </a:extLst>
+            </p:cNvPr>
+            <p:cNvSpPr/>
+            <p:nvPr/>
+          </p:nvSpPr>
+          <p:spPr>
+            <a:xfrm>
+              <a:off x="4184101" y="3745964"/>
+              <a:ext cx="1273048" cy="116548"/>
+            </a:xfrm>
+            <a:custGeom>
+              <a:avLst/>
+              <a:gdLst>
+                <a:gd name="connsiteX0" fmla="*/ 0 w 952500"/>
+                <a:gd name="connsiteY0" fmla="*/ 0 h 142875"/>
+                <a:gd name="connsiteX1" fmla="*/ 463550 w 952500"/>
+                <a:gd name="connsiteY1" fmla="*/ 107950 h 142875"/>
+                <a:gd name="connsiteX2" fmla="*/ 952500 w 952500"/>
+                <a:gd name="connsiteY2" fmla="*/ 142875 h 142875"/>
+              </a:gdLst>
+              <a:ahLst/>
+              <a:cxnLst>
+                <a:cxn ang="0">
+                  <a:pos x="connsiteX0" y="connsiteY0"/>
+                </a:cxn>
+                <a:cxn ang="0">
+                  <a:pos x="connsiteX1" y="connsiteY1"/>
+                </a:cxn>
+                <a:cxn ang="0">
+                  <a:pos x="connsiteX2" y="connsiteY2"/>
+                </a:cxn>
+              </a:cxnLst>
+              <a:rect l="l" t="t" r="r" b="b"/>
+              <a:pathLst>
+                <a:path w="952500" h="142875">
+                  <a:moveTo>
+                    <a:pt x="0" y="0"/>
+                  </a:moveTo>
+                  <a:cubicBezTo>
+                    <a:pt x="152400" y="42069"/>
+                    <a:pt x="304800" y="84138"/>
+                    <a:pt x="463550" y="107950"/>
+                  </a:cubicBezTo>
+                  <a:cubicBezTo>
+                    <a:pt x="622300" y="131762"/>
+                    <a:pt x="787400" y="137318"/>
+                    <a:pt x="952500" y="142875"/>
+                  </a:cubicBezTo>
+                </a:path>
+              </a:pathLst>
+            </a:custGeom>
+            <a:noFill/>
+            <a:ln>
+              <a:headEnd type="none" w="med" len="med"/>
+              <a:tailEnd type="arrow" w="med" len="med"/>
+            </a:ln>
+          </p:spPr>
+          <p:style>
+            <a:lnRef idx="2">
+              <a:schemeClr val="accent1">
+                <a:shade val="50000"/>
+              </a:schemeClr>
+            </a:lnRef>
+            <a:fillRef idx="1">
+              <a:schemeClr val="accent1"/>
+            </a:fillRef>
+            <a:effectRef idx="0">
+              <a:schemeClr val="accent1"/>
+            </a:effectRef>
+            <a:fontRef idx="minor">
+              <a:schemeClr val="lt1"/>
+            </a:fontRef>
+          </p:style>
+          <p:txBody>
+            <a:bodyPr rtlCol="0" anchor="ctr"/>
+            <a:lstStyle/>
+            <a:p>
+              <a:pPr algn="ctr"/>
+              <a:endParaRPr lang="en-AU"/>
+            </a:p>
+          </p:txBody>
+        </p:sp>
+        <p:sp>
+          <p:nvSpPr>
+            <p:cNvPr id="19" name="Freeform: Shape 18">
+              <a:extLst>
+                <a:ext uri="{FF2B5EF4-FFF2-40B4-BE49-F238E27FC236}">
+                  <a16:creationId xmlns:a16="http://schemas.microsoft.com/office/drawing/2014/main" id="{F6026B7C-F552-460A-90E1-6499C3ECE665}"/>
+                </a:ext>
+              </a:extLst>
+            </p:cNvPr>
+            <p:cNvSpPr/>
+            <p:nvPr/>
+          </p:nvSpPr>
+          <p:spPr>
+            <a:xfrm>
+              <a:off x="4183081" y="3975603"/>
+              <a:ext cx="1280417" cy="459346"/>
+            </a:xfrm>
+            <a:custGeom>
+              <a:avLst/>
+              <a:gdLst>
+                <a:gd name="connsiteX0" fmla="*/ 0 w 1333500"/>
+                <a:gd name="connsiteY0" fmla="*/ 501650 h 501650"/>
+                <a:gd name="connsiteX1" fmla="*/ 460375 w 1333500"/>
+                <a:gd name="connsiteY1" fmla="*/ 184150 h 501650"/>
+                <a:gd name="connsiteX2" fmla="*/ 1333500 w 1333500"/>
+                <a:gd name="connsiteY2" fmla="*/ 0 h 501650"/>
+              </a:gdLst>
+              <a:ahLst/>
+              <a:cxnLst>
+                <a:cxn ang="0">
+                  <a:pos x="connsiteX0" y="connsiteY0"/>
+                </a:cxn>
+                <a:cxn ang="0">
+                  <a:pos x="connsiteX1" y="connsiteY1"/>
+                </a:cxn>
+                <a:cxn ang="0">
+                  <a:pos x="connsiteX2" y="connsiteY2"/>
+                </a:cxn>
+              </a:cxnLst>
+              <a:rect l="l" t="t" r="r" b="b"/>
+              <a:pathLst>
+                <a:path w="1333500" h="501650">
+                  <a:moveTo>
+                    <a:pt x="0" y="501650"/>
+                  </a:moveTo>
+                  <a:cubicBezTo>
+                    <a:pt x="119062" y="384704"/>
+                    <a:pt x="238125" y="267758"/>
+                    <a:pt x="460375" y="184150"/>
+                  </a:cubicBezTo>
+                  <a:cubicBezTo>
+                    <a:pt x="682625" y="100542"/>
+                    <a:pt x="1008062" y="50271"/>
+                    <a:pt x="1333500" y="0"/>
+                  </a:cubicBezTo>
+                </a:path>
+              </a:pathLst>
+            </a:custGeom>
+            <a:noFill/>
+            <a:ln>
+              <a:headEnd type="none" w="med" len="med"/>
+              <a:tailEnd type="arrow" w="med" len="med"/>
+            </a:ln>
+          </p:spPr>
+          <p:style>
+            <a:lnRef idx="2">
+              <a:schemeClr val="accent1">
+                <a:shade val="50000"/>
+              </a:schemeClr>
+            </a:lnRef>
+            <a:fillRef idx="1">
+              <a:schemeClr val="accent1"/>
+            </a:fillRef>
+            <a:effectRef idx="0">
+              <a:schemeClr val="accent1"/>
+            </a:effectRef>
+            <a:fontRef idx="minor">
+              <a:schemeClr val="lt1"/>
+            </a:fontRef>
+          </p:style>
+          <p:txBody>
+            <a:bodyPr rtlCol="0" anchor="ctr"/>
+            <a:lstStyle/>
+            <a:p>
+              <a:pPr algn="ctr"/>
+              <a:endParaRPr lang="en-AU" dirty="0"/>
+            </a:p>
+          </p:txBody>
+        </p:sp>
+        <p:sp>
+          <p:nvSpPr>
+            <p:cNvPr id="20" name="TextBox 19">
+              <a:extLst>
+                <a:ext uri="{FF2B5EF4-FFF2-40B4-BE49-F238E27FC236}">
+                  <a16:creationId xmlns:a16="http://schemas.microsoft.com/office/drawing/2014/main" id="{E20DEEB2-170C-4C3D-A9DB-364EF2EEBE8D}"/>
+                </a:ext>
+              </a:extLst>
+            </p:cNvPr>
+            <p:cNvSpPr txBox="1"/>
+            <p:nvPr/>
+          </p:nvSpPr>
+          <p:spPr>
+            <a:xfrm>
+              <a:off x="3421741" y="3174692"/>
+              <a:ext cx="666811" cy="215444"/>
+            </a:xfrm>
+            <a:prstGeom prst="rect">
+              <a:avLst/>
+            </a:prstGeom>
+            <a:noFill/>
+            <a:ln w="19050">
+              <a:solidFill>
+                <a:srgbClr val="FFC000"/>
+              </a:solidFill>
+            </a:ln>
+          </p:spPr>
+          <p:txBody>
+            <a:bodyPr wrap="square" rtlCol="0">
+              <a:spAutoFit/>
+            </a:bodyPr>
+            <a:lstStyle/>
+            <a:p>
+              <a:r>
+                <a:rPr lang="en-AU" sz="800" dirty="0"/>
+                <a:t>Estimate 1</a:t>
+              </a:r>
+            </a:p>
+          </p:txBody>
+        </p:sp>
+        <p:sp>
+          <p:nvSpPr>
+            <p:cNvPr id="21" name="TextBox 20">
+              <a:extLst>
+                <a:ext uri="{FF2B5EF4-FFF2-40B4-BE49-F238E27FC236}">
+                  <a16:creationId xmlns:a16="http://schemas.microsoft.com/office/drawing/2014/main" id="{828729FD-6CDE-47E3-9721-7E402A9BA869}"/>
+                </a:ext>
+              </a:extLst>
+            </p:cNvPr>
+            <p:cNvSpPr txBox="1"/>
+            <p:nvPr/>
+          </p:nvSpPr>
+          <p:spPr>
+            <a:xfrm>
+              <a:off x="3427787" y="3618463"/>
+              <a:ext cx="666811" cy="215444"/>
+            </a:xfrm>
+            <a:prstGeom prst="rect">
+              <a:avLst/>
+            </a:prstGeom>
+            <a:noFill/>
+            <a:ln w="19050">
+              <a:solidFill>
+                <a:srgbClr val="FFC000"/>
+              </a:solidFill>
+            </a:ln>
+          </p:spPr>
+          <p:txBody>
+            <a:bodyPr wrap="square" rtlCol="0">
+              <a:spAutoFit/>
+            </a:bodyPr>
+            <a:lstStyle/>
+            <a:p>
+              <a:r>
+                <a:rPr lang="en-AU" sz="800" dirty="0"/>
+                <a:t>Estimate 2</a:t>
+              </a:r>
+            </a:p>
+          </p:txBody>
+        </p:sp>
+        <p:sp>
+          <p:nvSpPr>
+            <p:cNvPr id="22" name="TextBox 21">
+              <a:extLst>
+                <a:ext uri="{FF2B5EF4-FFF2-40B4-BE49-F238E27FC236}">
+                  <a16:creationId xmlns:a16="http://schemas.microsoft.com/office/drawing/2014/main" id="{2E7BBA7E-0788-4AF2-AAE5-B2138C7FEFE8}"/>
+                </a:ext>
+              </a:extLst>
+            </p:cNvPr>
+            <p:cNvSpPr txBox="1"/>
+            <p:nvPr/>
+          </p:nvSpPr>
+          <p:spPr>
+            <a:xfrm>
+              <a:off x="3427788" y="4378552"/>
+              <a:ext cx="666811" cy="215444"/>
+            </a:xfrm>
+            <a:prstGeom prst="rect">
+              <a:avLst/>
+            </a:prstGeom>
+            <a:noFill/>
+            <a:ln w="19050">
+              <a:solidFill>
+                <a:srgbClr val="FFC000"/>
+              </a:solidFill>
+            </a:ln>
+          </p:spPr>
+          <p:txBody>
+            <a:bodyPr wrap="square" rtlCol="0">
+              <a:spAutoFit/>
+            </a:bodyPr>
+            <a:lstStyle/>
+            <a:p>
+              <a:r>
+                <a:rPr lang="en-AU" sz="800" dirty="0"/>
+                <a:t>Estimate n</a:t>
+              </a:r>
+            </a:p>
+          </p:txBody>
+        </p:sp>
+        <p:sp>
+          <p:nvSpPr>
+            <p:cNvPr id="23" name="TextBox 22">
+              <a:extLst>
+                <a:ext uri="{FF2B5EF4-FFF2-40B4-BE49-F238E27FC236}">
+                  <a16:creationId xmlns:a16="http://schemas.microsoft.com/office/drawing/2014/main" id="{E39D1D1C-9F46-4A0B-A896-A5A28FCB8B4E}"/>
+                </a:ext>
+              </a:extLst>
+            </p:cNvPr>
+            <p:cNvSpPr txBox="1"/>
+            <p:nvPr/>
+          </p:nvSpPr>
+          <p:spPr>
+            <a:xfrm>
+              <a:off x="5700922" y="4269358"/>
+              <a:ext cx="495347" cy="215444"/>
+            </a:xfrm>
+            <a:prstGeom prst="rect">
+              <a:avLst/>
+            </a:prstGeom>
+            <a:noFill/>
+            <a:ln w="19050">
+              <a:solidFill>
+                <a:schemeClr val="accent2"/>
+              </a:solidFill>
+            </a:ln>
+          </p:spPr>
+          <p:txBody>
+            <a:bodyPr wrap="square" rtlCol="0">
+              <a:spAutoFit/>
+            </a:bodyPr>
+            <a:lstStyle/>
+            <a:p>
+              <a:r>
+                <a:rPr lang="en-AU" sz="800" dirty="0"/>
+                <a:t>Fusion</a:t>
+              </a:r>
+            </a:p>
+          </p:txBody>
+        </p:sp>
+        <p:pic>
+          <p:nvPicPr>
+            <p:cNvPr id="24" name="Picture 23">
+              <a:extLst>
+                <a:ext uri="{FF2B5EF4-FFF2-40B4-BE49-F238E27FC236}">
+                  <a16:creationId xmlns:a16="http://schemas.microsoft.com/office/drawing/2014/main" id="{656269E0-0F7D-4A1B-AFAF-316CC72EA410}"/>
+                </a:ext>
+              </a:extLst>
+            </p:cNvPr>
+            <p:cNvPicPr>
+              <a:picLocks noChangeAspect="1"/>
+            </p:cNvPicPr>
+            <p:nvPr/>
+          </p:nvPicPr>
+          <p:blipFill>
+            <a:blip r:embed="rId9"/>
+            <a:stretch>
+              <a:fillRect/>
+            </a:stretch>
+          </p:blipFill>
+          <p:spPr>
+            <a:xfrm>
+              <a:off x="7610452" y="3615639"/>
+              <a:ext cx="289002" cy="486049"/>
+            </a:xfrm>
+            <a:prstGeom prst="rect">
+              <a:avLst/>
+            </a:prstGeom>
+          </p:spPr>
+        </p:pic>
+        <p:sp>
+          <p:nvSpPr>
+            <p:cNvPr id="25" name="Freeform: Shape 24">
+              <a:extLst>
+                <a:ext uri="{FF2B5EF4-FFF2-40B4-BE49-F238E27FC236}">
+                  <a16:creationId xmlns:a16="http://schemas.microsoft.com/office/drawing/2014/main" id="{7AC6DD15-57D1-4FC1-ACF5-AD1EEB23A84D}"/>
+                </a:ext>
+              </a:extLst>
+            </p:cNvPr>
+            <p:cNvSpPr/>
+            <p:nvPr/>
+          </p:nvSpPr>
+          <p:spPr>
+            <a:xfrm>
+              <a:off x="6442681" y="3846064"/>
+              <a:ext cx="1040043" cy="0"/>
+            </a:xfrm>
+            <a:custGeom>
+              <a:avLst/>
+              <a:gdLst>
+                <a:gd name="connsiteX0" fmla="*/ 0 w 1040043"/>
+                <a:gd name="connsiteY0" fmla="*/ 0 h 0"/>
+                <a:gd name="connsiteX1" fmla="*/ 1040043 w 1040043"/>
+                <a:gd name="connsiteY1" fmla="*/ 0 h 0"/>
+              </a:gdLst>
+              <a:ahLst/>
+              <a:cxnLst>
+                <a:cxn ang="0">
+                  <a:pos x="connsiteX0" y="connsiteY0"/>
+                </a:cxn>
+                <a:cxn ang="0">
+                  <a:pos x="connsiteX1" y="connsiteY1"/>
+                </a:cxn>
+              </a:cxnLst>
+              <a:rect l="l" t="t" r="r" b="b"/>
+              <a:pathLst>
+                <a:path w="1040043">
+                  <a:moveTo>
+                    <a:pt x="0" y="0"/>
+                  </a:moveTo>
+                  <a:lnTo>
+                    <a:pt x="1040043" y="0"/>
+                  </a:lnTo>
+                </a:path>
+              </a:pathLst>
+            </a:custGeom>
+            <a:noFill/>
+            <a:ln>
+              <a:headEnd type="arrow" w="med" len="med"/>
+              <a:tailEnd type="arrow" w="med" len="med"/>
+            </a:ln>
+          </p:spPr>
+          <p:style>
+            <a:lnRef idx="2">
+              <a:schemeClr val="accent1">
+                <a:shade val="50000"/>
+              </a:schemeClr>
+            </a:lnRef>
+            <a:fillRef idx="1">
+              <a:schemeClr val="accent1"/>
+            </a:fillRef>
+            <a:effectRef idx="0">
+              <a:schemeClr val="accent1"/>
+            </a:effectRef>
+            <a:fontRef idx="minor">
+              <a:schemeClr val="lt1"/>
+            </a:fontRef>
+          </p:style>
+          <p:txBody>
+            <a:bodyPr rtlCol="0" anchor="ctr"/>
+            <a:lstStyle/>
+            <a:p>
+              <a:pPr algn="ctr"/>
+              <a:endParaRPr lang="en-AU"/>
+            </a:p>
+          </p:txBody>
+        </p:sp>
+      </p:grpSp>
     </p:spTree>
     <p:extLst>
       <p:ext uri="{BB962C8B-B14F-4D97-AF65-F5344CB8AC3E}">
@@ -9500,7 +12446,7 @@
           <a:p>
             <a:r>
               <a:rPr lang="en-AU" dirty="0"/>
-              <a:t>Related solutions</a:t>
+              <a:t>Related Solutions</a:t>
             </a:r>
           </a:p>
         </p:txBody>
@@ -9644,11 +12590,190 @@
           <a:p>
             <a:r>
               <a:rPr lang="en-AU" dirty="0"/>
-              <a:t>Method</a:t>
+              <a:t>Covariance Intersection and </a:t>
+            </a:r>
+            <a:r>
+              <a:rPr lang="en-AU" dirty="0" err="1"/>
+              <a:t>Paillier</a:t>
+            </a:r>
+            <a:r>
+              <a:rPr lang="en-AU" dirty="0"/>
+              <a:t> Encryption</a:t>
             </a:r>
           </a:p>
         </p:txBody>
       </p:sp>
+      <p:grpSp>
+        <p:nvGrpSpPr>
+          <p:cNvPr id="6" name="Group 5">
+            <a:extLst>
+              <a:ext uri="{FF2B5EF4-FFF2-40B4-BE49-F238E27FC236}">
+                <a16:creationId xmlns:a16="http://schemas.microsoft.com/office/drawing/2014/main" id="{766E56F5-2976-40C8-83D0-4606EE749BD1}"/>
+              </a:ext>
+            </a:extLst>
+          </p:cNvPr>
+          <p:cNvGrpSpPr/>
+          <p:nvPr/>
+        </p:nvGrpSpPr>
+        <p:grpSpPr>
+          <a:xfrm>
+            <a:off x="1323712" y="2460358"/>
+            <a:ext cx="2905920" cy="1332296"/>
+            <a:chOff x="906235" y="2146723"/>
+            <a:chExt cx="2503716" cy="1303207"/>
+          </a:xfrm>
+        </p:grpSpPr>
+        <p:pic>
+          <p:nvPicPr>
+            <p:cNvPr id="7" name="Picture 6">
+              <a:extLst>
+                <a:ext uri="{FF2B5EF4-FFF2-40B4-BE49-F238E27FC236}">
+                  <a16:creationId xmlns:a16="http://schemas.microsoft.com/office/drawing/2014/main" id="{2B66248E-00CB-4944-BDD3-489B2BBEF497}"/>
+                </a:ext>
+              </a:extLst>
+            </p:cNvPr>
+            <p:cNvPicPr>
+              <a:picLocks noChangeAspect="1"/>
+            </p:cNvPicPr>
+            <p:nvPr/>
+          </p:nvPicPr>
+          <p:blipFill>
+            <a:blip r:embed="rId5"/>
+            <a:stretch>
+              <a:fillRect/>
+            </a:stretch>
+          </p:blipFill>
+          <p:spPr>
+            <a:xfrm>
+              <a:off x="906235" y="2146723"/>
+              <a:ext cx="2503716" cy="1303207"/>
+            </a:xfrm>
+            <a:prstGeom prst="rect">
+              <a:avLst/>
+            </a:prstGeom>
+          </p:spPr>
+        </p:pic>
+        <p:pic>
+          <p:nvPicPr>
+            <p:cNvPr id="8" name="Picture 7">
+              <a:extLst>
+                <a:ext uri="{FF2B5EF4-FFF2-40B4-BE49-F238E27FC236}">
+                  <a16:creationId xmlns:a16="http://schemas.microsoft.com/office/drawing/2014/main" id="{BFBDDFE2-EEC8-43A4-BDA7-AFAE6F5ED56B}"/>
+                </a:ext>
+              </a:extLst>
+            </p:cNvPr>
+            <p:cNvPicPr>
+              <a:picLocks noChangeAspect="1"/>
+            </p:cNvPicPr>
+            <p:nvPr>
+              <p:custDataLst>
+                <p:tags r:id="rId1"/>
+              </p:custDataLst>
+            </p:nvPr>
+          </p:nvPicPr>
+          <p:blipFill>
+            <a:blip r:embed="rId6">
+              <a:extLst>
+                <a:ext uri="{28A0092B-C50C-407E-A947-70E740481C1C}">
+                  <a14:useLocalDpi xmlns:a14="http://schemas.microsoft.com/office/drawing/2010/main" val="0"/>
+                </a:ext>
+              </a:extLst>
+            </a:blip>
+            <a:stretch>
+              <a:fillRect/>
+            </a:stretch>
+          </p:blipFill>
+          <p:spPr>
+            <a:xfrm>
+              <a:off x="1058354" y="2439208"/>
+              <a:ext cx="128000" cy="114286"/>
+            </a:xfrm>
+            <a:prstGeom prst="rect">
+              <a:avLst/>
+            </a:prstGeom>
+          </p:spPr>
+        </p:pic>
+        <p:pic>
+          <p:nvPicPr>
+            <p:cNvPr id="9" name="Picture 8">
+              <a:extLst>
+                <a:ext uri="{FF2B5EF4-FFF2-40B4-BE49-F238E27FC236}">
+                  <a16:creationId xmlns:a16="http://schemas.microsoft.com/office/drawing/2014/main" id="{2CD55F8C-FF83-44B6-A7CD-AB920FFB19E2}"/>
+                </a:ext>
+              </a:extLst>
+            </p:cNvPr>
+            <p:cNvPicPr>
+              <a:picLocks noChangeAspect="1"/>
+            </p:cNvPicPr>
+            <p:nvPr>
+              <p:custDataLst>
+                <p:tags r:id="rId2"/>
+              </p:custDataLst>
+            </p:nvPr>
+          </p:nvPicPr>
+          <p:blipFill>
+            <a:blip r:embed="rId7">
+              <a:extLst>
+                <a:ext uri="{28A0092B-C50C-407E-A947-70E740481C1C}">
+                  <a14:useLocalDpi xmlns:a14="http://schemas.microsoft.com/office/drawing/2010/main" val="0"/>
+                </a:ext>
+              </a:extLst>
+            </a:blip>
+            <a:stretch>
+              <a:fillRect/>
+            </a:stretch>
+          </p:blipFill>
+          <p:spPr>
+            <a:xfrm>
+              <a:off x="1062925" y="2869261"/>
+              <a:ext cx="118857" cy="163048"/>
+            </a:xfrm>
+            <a:prstGeom prst="rect">
+              <a:avLst/>
+            </a:prstGeom>
+          </p:spPr>
+        </p:pic>
+        <p:pic>
+          <p:nvPicPr>
+            <p:cNvPr id="10" name="Picture 9">
+              <a:extLst>
+                <a:ext uri="{FF2B5EF4-FFF2-40B4-BE49-F238E27FC236}">
+                  <a16:creationId xmlns:a16="http://schemas.microsoft.com/office/drawing/2014/main" id="{7D3A2EED-4228-4D36-89A2-E35FBE8A55D4}"/>
+                </a:ext>
+              </a:extLst>
+            </p:cNvPr>
+            <p:cNvPicPr>
+              <a:picLocks noChangeAspect="1"/>
+            </p:cNvPicPr>
+            <p:nvPr>
+              <p:custDataLst>
+                <p:tags r:id="rId3"/>
+              </p:custDataLst>
+            </p:nvPr>
+          </p:nvPicPr>
+          <p:blipFill>
+            <a:blip r:embed="rId8">
+              <a:extLst>
+                <a:ext uri="{28A0092B-C50C-407E-A947-70E740481C1C}">
+                  <a14:useLocalDpi xmlns:a14="http://schemas.microsoft.com/office/drawing/2010/main" val="0"/>
+                </a:ext>
+              </a:extLst>
+            </a:blip>
+            <a:stretch>
+              <a:fillRect/>
+            </a:stretch>
+          </p:blipFill>
+          <p:spPr>
+            <a:xfrm>
+              <a:off x="2748850" y="2638280"/>
+              <a:ext cx="572952" cy="199619"/>
+            </a:xfrm>
+            <a:prstGeom prst="rect">
+              <a:avLst/>
+            </a:prstGeom>
+          </p:spPr>
+        </p:pic>
+      </p:grpSp>
     </p:spTree>
     <p:extLst>
       <p:ext uri="{BB962C8B-B14F-4D97-AF65-F5344CB8AC3E}">
@@ -9684,7 +12809,7 @@
           <p:cNvPr id="2" name="Content Placeholder 1">
             <a:extLst>
               <a:ext uri="{FF2B5EF4-FFF2-40B4-BE49-F238E27FC236}">
-                <a16:creationId xmlns:a16="http://schemas.microsoft.com/office/drawing/2014/main" id="{94B6A62B-920E-41BE-AC88-CD0F4C439F19}"/>
+                <a16:creationId xmlns:a16="http://schemas.microsoft.com/office/drawing/2014/main" id="{F2C34DE6-C305-4AF2-A61B-F829452C842B}"/>
               </a:ext>
             </a:extLst>
           </p:cNvPr>
@@ -9693,6 +12818,3005 @@
           </p:cNvSpPr>
           <p:nvPr>
             <p:ph idx="1"/>
+          </p:nvPr>
+        </p:nvSpPr>
+        <p:spPr/>
+        <p:txBody>
+          <a:bodyPr/>
+          <a:lstStyle/>
+          <a:p>
+            <a:endParaRPr lang="en-AU"/>
+          </a:p>
+        </p:txBody>
+      </p:sp>
+      <p:sp>
+        <p:nvSpPr>
+          <p:cNvPr id="3" name="Footer Placeholder 2">
+            <a:extLst>
+              <a:ext uri="{FF2B5EF4-FFF2-40B4-BE49-F238E27FC236}">
+                <a16:creationId xmlns:a16="http://schemas.microsoft.com/office/drawing/2014/main" id="{711BC04A-2E3C-4C99-AEF3-428642CBA2AA}"/>
+              </a:ext>
+            </a:extLst>
+          </p:cNvPr>
+          <p:cNvSpPr>
+            <a:spLocks noGrp="1"/>
+          </p:cNvSpPr>
+          <p:nvPr>
+            <p:ph type="ftr" sz="quarter" idx="11"/>
+          </p:nvPr>
+        </p:nvSpPr>
+        <p:spPr/>
+        <p:txBody>
+          <a:bodyPr/>
+          <a:lstStyle/>
+          <a:p>
+            <a:r>
+              <a:rPr lang="en-AU"/>
+              <a:t>Encrypted Fast Covariance Intersection</a:t>
+            </a:r>
+            <a:r>
+              <a:rPr lang="en-US"/>
+              <a:t> | Marko Ristic</a:t>
+            </a:r>
+            <a:endParaRPr lang="en-US" dirty="0"/>
+          </a:p>
+        </p:txBody>
+      </p:sp>
+      <p:sp>
+        <p:nvSpPr>
+          <p:cNvPr id="4" name="Slide Number Placeholder 3">
+            <a:extLst>
+              <a:ext uri="{FF2B5EF4-FFF2-40B4-BE49-F238E27FC236}">
+                <a16:creationId xmlns:a16="http://schemas.microsoft.com/office/drawing/2014/main" id="{02C7AC93-6564-4921-A2AC-5A1E26D1E691}"/>
+              </a:ext>
+            </a:extLst>
+          </p:cNvPr>
+          <p:cNvSpPr>
+            <a:spLocks noGrp="1"/>
+          </p:cNvSpPr>
+          <p:nvPr>
+            <p:ph type="sldNum" sz="quarter" idx="12"/>
+          </p:nvPr>
+        </p:nvSpPr>
+        <p:spPr/>
+        <p:txBody>
+          <a:bodyPr/>
+          <a:lstStyle/>
+          <a:p>
+            <a:fld id="{DA08224A-2920-4020-A8B1-52A27C9B37B2}" type="slidenum">
+              <a:rPr lang="en-US" smtClean="0"/>
+              <a:t>6</a:t>
+            </a:fld>
+            <a:endParaRPr lang="en-US"/>
+          </a:p>
+        </p:txBody>
+      </p:sp>
+      <p:sp>
+        <p:nvSpPr>
+          <p:cNvPr id="5" name="Title 4">
+            <a:extLst>
+              <a:ext uri="{FF2B5EF4-FFF2-40B4-BE49-F238E27FC236}">
+                <a16:creationId xmlns:a16="http://schemas.microsoft.com/office/drawing/2014/main" id="{CB923370-D75A-4E9F-9CD8-8C61C6FCB933}"/>
+              </a:ext>
+            </a:extLst>
+          </p:cNvPr>
+          <p:cNvSpPr>
+            <a:spLocks noGrp="1"/>
+          </p:cNvSpPr>
+          <p:nvPr>
+            <p:ph type="title"/>
+          </p:nvPr>
+        </p:nvSpPr>
+        <p:spPr/>
+        <p:txBody>
+          <a:bodyPr/>
+          <a:lstStyle/>
+          <a:p>
+            <a:r>
+              <a:rPr lang="en-AU" dirty="0"/>
+              <a:t>Information Form and Delayed Evaluation</a:t>
+            </a:r>
+          </a:p>
+        </p:txBody>
+      </p:sp>
+      <p:grpSp>
+        <p:nvGrpSpPr>
+          <p:cNvPr id="6" name="Group 5">
+            <a:extLst>
+              <a:ext uri="{FF2B5EF4-FFF2-40B4-BE49-F238E27FC236}">
+                <a16:creationId xmlns:a16="http://schemas.microsoft.com/office/drawing/2014/main" id="{5E57F158-EB0A-458A-ACE9-13015B825BF6}"/>
+              </a:ext>
+            </a:extLst>
+          </p:cNvPr>
+          <p:cNvGrpSpPr/>
+          <p:nvPr/>
+        </p:nvGrpSpPr>
+        <p:grpSpPr>
+          <a:xfrm>
+            <a:off x="790121" y="1665484"/>
+            <a:ext cx="7563758" cy="2290089"/>
+            <a:chOff x="456292" y="1529083"/>
+            <a:chExt cx="8063776" cy="2441480"/>
+          </a:xfrm>
+        </p:grpSpPr>
+        <p:grpSp>
+          <p:nvGrpSpPr>
+            <p:cNvPr id="7" name="Group 6">
+              <a:extLst>
+                <a:ext uri="{FF2B5EF4-FFF2-40B4-BE49-F238E27FC236}">
+                  <a16:creationId xmlns:a16="http://schemas.microsoft.com/office/drawing/2014/main" id="{58565CDE-EEDB-4AD4-BDB9-23A7BAAA8F9E}"/>
+                </a:ext>
+              </a:extLst>
+            </p:cNvPr>
+            <p:cNvGrpSpPr/>
+            <p:nvPr/>
+          </p:nvGrpSpPr>
+          <p:grpSpPr>
+            <a:xfrm>
+              <a:off x="456292" y="1529083"/>
+              <a:ext cx="8063776" cy="2441480"/>
+              <a:chOff x="396000" y="1655636"/>
+              <a:chExt cx="8343900" cy="2526294"/>
+            </a:xfrm>
+          </p:grpSpPr>
+          <p:pic>
+            <p:nvPicPr>
+              <p:cNvPr id="12" name="Picture 11">
+                <a:extLst>
+                  <a:ext uri="{FF2B5EF4-FFF2-40B4-BE49-F238E27FC236}">
+                    <a16:creationId xmlns:a16="http://schemas.microsoft.com/office/drawing/2014/main" id="{346D04FB-4B45-4C39-91C8-F4F32D758EE0}"/>
+                  </a:ext>
+                </a:extLst>
+              </p:cNvPr>
+              <p:cNvPicPr>
+                <a:picLocks noChangeAspect="1"/>
+              </p:cNvPicPr>
+              <p:nvPr>
+                <p:custDataLst>
+                  <p:tags r:id="rId1"/>
+                </p:custDataLst>
+              </p:nvPr>
+            </p:nvPicPr>
+            <p:blipFill>
+              <a:blip r:embed="rId8">
+                <a:extLst>
+                  <a:ext uri="{28A0092B-C50C-407E-A947-70E740481C1C}">
+                    <a14:useLocalDpi xmlns:a14="http://schemas.microsoft.com/office/drawing/2010/main" val="0"/>
+                  </a:ext>
+                </a:extLst>
+              </a:blip>
+              <a:stretch>
+                <a:fillRect/>
+              </a:stretch>
+            </p:blipFill>
+            <p:spPr>
+              <a:xfrm>
+                <a:off x="2978603" y="1827967"/>
+                <a:ext cx="535438" cy="172936"/>
+              </a:xfrm>
+              <a:prstGeom prst="rect">
+                <a:avLst/>
+              </a:prstGeom>
+            </p:spPr>
+          </p:pic>
+          <p:pic>
+            <p:nvPicPr>
+              <p:cNvPr id="13" name="Picture 12">
+                <a:extLst>
+                  <a:ext uri="{FF2B5EF4-FFF2-40B4-BE49-F238E27FC236}">
+                    <a16:creationId xmlns:a16="http://schemas.microsoft.com/office/drawing/2014/main" id="{6BB10A09-7D1E-49B9-B170-07AC4CF5A909}"/>
+                  </a:ext>
+                </a:extLst>
+              </p:cNvPr>
+              <p:cNvPicPr>
+                <a:picLocks noChangeAspect="1"/>
+              </p:cNvPicPr>
+              <p:nvPr>
+                <p:custDataLst>
+                  <p:tags r:id="rId2"/>
+                </p:custDataLst>
+              </p:nvPr>
+            </p:nvPicPr>
+            <p:blipFill>
+              <a:blip r:embed="rId9">
+                <a:extLst>
+                  <a:ext uri="{28A0092B-C50C-407E-A947-70E740481C1C}">
+                    <a14:useLocalDpi xmlns:a14="http://schemas.microsoft.com/office/drawing/2010/main" val="0"/>
+                  </a:ext>
+                </a:extLst>
+              </a:blip>
+              <a:stretch>
+                <a:fillRect/>
+              </a:stretch>
+            </p:blipFill>
+            <p:spPr>
+              <a:xfrm>
+                <a:off x="2974914" y="2407898"/>
+                <a:ext cx="539872" cy="172936"/>
+              </a:xfrm>
+              <a:prstGeom prst="rect">
+                <a:avLst/>
+              </a:prstGeom>
+            </p:spPr>
+          </p:pic>
+          <p:pic>
+            <p:nvPicPr>
+              <p:cNvPr id="14" name="Picture 13">
+                <a:extLst>
+                  <a:ext uri="{FF2B5EF4-FFF2-40B4-BE49-F238E27FC236}">
+                    <a16:creationId xmlns:a16="http://schemas.microsoft.com/office/drawing/2014/main" id="{5979899F-7C3A-42BC-BDE9-21C5803A2D48}"/>
+                  </a:ext>
+                </a:extLst>
+              </p:cNvPr>
+              <p:cNvPicPr>
+                <a:picLocks noChangeAspect="1"/>
+              </p:cNvPicPr>
+              <p:nvPr>
+                <p:custDataLst>
+                  <p:tags r:id="rId3"/>
+                </p:custDataLst>
+              </p:nvPr>
+            </p:nvPicPr>
+            <p:blipFill>
+              <a:blip r:embed="rId10">
+                <a:extLst>
+                  <a:ext uri="{28A0092B-C50C-407E-A947-70E740481C1C}">
+                    <a14:useLocalDpi xmlns:a14="http://schemas.microsoft.com/office/drawing/2010/main" val="0"/>
+                  </a:ext>
+                </a:extLst>
+              </a:blip>
+              <a:stretch>
+                <a:fillRect/>
+              </a:stretch>
+            </p:blipFill>
+            <p:spPr>
+              <a:xfrm>
+                <a:off x="2957542" y="3425548"/>
+                <a:ext cx="577563" cy="174045"/>
+              </a:xfrm>
+              <a:prstGeom prst="rect">
+                <a:avLst/>
+              </a:prstGeom>
+            </p:spPr>
+          </p:pic>
+          <p:grpSp>
+            <p:nvGrpSpPr>
+              <p:cNvPr id="15" name="Group 14">
+                <a:extLst>
+                  <a:ext uri="{FF2B5EF4-FFF2-40B4-BE49-F238E27FC236}">
+                    <a16:creationId xmlns:a16="http://schemas.microsoft.com/office/drawing/2014/main" id="{ADE3B00F-DC56-4F72-87FE-73DDDDD4F0AC}"/>
+                  </a:ext>
+                </a:extLst>
+              </p:cNvPr>
+              <p:cNvGrpSpPr/>
+              <p:nvPr/>
+            </p:nvGrpSpPr>
+            <p:grpSpPr>
+              <a:xfrm>
+                <a:off x="396000" y="1655636"/>
+                <a:ext cx="8343900" cy="2526294"/>
+                <a:chOff x="396000" y="1655636"/>
+                <a:chExt cx="8343900" cy="2526294"/>
+              </a:xfrm>
+            </p:grpSpPr>
+            <p:grpSp>
+              <p:nvGrpSpPr>
+                <p:cNvPr id="16" name="Group 15">
+                  <a:extLst>
+                    <a:ext uri="{FF2B5EF4-FFF2-40B4-BE49-F238E27FC236}">
+                      <a16:creationId xmlns:a16="http://schemas.microsoft.com/office/drawing/2014/main" id="{DDE15683-1077-4B2A-9272-EFC2EE6EA617}"/>
+                    </a:ext>
+                  </a:extLst>
+                </p:cNvPr>
+                <p:cNvGrpSpPr/>
+                <p:nvPr/>
+              </p:nvGrpSpPr>
+              <p:grpSpPr>
+                <a:xfrm>
+                  <a:off x="396000" y="1655636"/>
+                  <a:ext cx="8343900" cy="2526294"/>
+                  <a:chOff x="1614071" y="3087463"/>
+                  <a:chExt cx="6285383" cy="1903034"/>
+                </a:xfrm>
+              </p:grpSpPr>
+              <p:sp>
+                <p:nvSpPr>
+                  <p:cNvPr id="19" name="Cloud 18">
+                    <a:extLst>
+                      <a:ext uri="{FF2B5EF4-FFF2-40B4-BE49-F238E27FC236}">
+                        <a16:creationId xmlns:a16="http://schemas.microsoft.com/office/drawing/2014/main" id="{C8607C44-B28C-422A-BD78-291CBBDCB63B}"/>
+                      </a:ext>
+                    </a:extLst>
+                  </p:cNvPr>
+                  <p:cNvSpPr/>
+                  <p:nvPr/>
+                </p:nvSpPr>
+                <p:spPr>
+                  <a:xfrm>
+                    <a:off x="5537023" y="3466475"/>
+                    <a:ext cx="823147" cy="734865"/>
+                  </a:xfrm>
+                  <a:prstGeom prst="cloud">
+                    <a:avLst/>
+                  </a:prstGeom>
+                  <a:solidFill>
+                    <a:srgbClr val="FF0000"/>
+                  </a:solidFill>
+                  <a:ln>
+                    <a:solidFill>
+                      <a:srgbClr val="C00000"/>
+                    </a:solidFill>
+                  </a:ln>
+                </p:spPr>
+                <p:style>
+                  <a:lnRef idx="2">
+                    <a:schemeClr val="accent1">
+                      <a:shade val="50000"/>
+                    </a:schemeClr>
+                  </a:lnRef>
+                  <a:fillRef idx="1">
+                    <a:schemeClr val="accent1"/>
+                  </a:fillRef>
+                  <a:effectRef idx="0">
+                    <a:schemeClr val="accent1"/>
+                  </a:effectRef>
+                  <a:fontRef idx="minor">
+                    <a:schemeClr val="lt1"/>
+                  </a:fontRef>
+                </p:style>
+                <p:txBody>
+                  <a:bodyPr rtlCol="0" anchor="ctr"/>
+                  <a:lstStyle/>
+                  <a:p>
+                    <a:pPr algn="ctr"/>
+                    <a:endParaRPr lang="en-AU" dirty="0"/>
+                  </a:p>
+                </p:txBody>
+              </p:sp>
+              <p:pic>
+                <p:nvPicPr>
+                  <p:cNvPr id="20" name="Picture 19">
+                    <a:extLst>
+                      <a:ext uri="{FF2B5EF4-FFF2-40B4-BE49-F238E27FC236}">
+                        <a16:creationId xmlns:a16="http://schemas.microsoft.com/office/drawing/2014/main" id="{05D0B2D4-182D-4A79-87DB-2F3B58895BE7}"/>
+                      </a:ext>
+                    </a:extLst>
+                  </p:cNvPr>
+                  <p:cNvPicPr>
+                    <a:picLocks noChangeAspect="1"/>
+                  </p:cNvPicPr>
+                  <p:nvPr/>
+                </p:nvPicPr>
+                <p:blipFill>
+                  <a:blip r:embed="rId11"/>
+                  <a:stretch>
+                    <a:fillRect/>
+                  </a:stretch>
+                </p:blipFill>
+                <p:spPr>
+                  <a:xfrm>
+                    <a:off x="3018841" y="3561094"/>
+                    <a:ext cx="319443" cy="315729"/>
+                  </a:xfrm>
+                  <a:prstGeom prst="rect">
+                    <a:avLst/>
+                  </a:prstGeom>
+                </p:spPr>
+              </p:pic>
+              <p:pic>
+                <p:nvPicPr>
+                  <p:cNvPr id="21" name="Picture 20">
+                    <a:extLst>
+                      <a:ext uri="{FF2B5EF4-FFF2-40B4-BE49-F238E27FC236}">
+                        <a16:creationId xmlns:a16="http://schemas.microsoft.com/office/drawing/2014/main" id="{CFF830C3-7410-4C4C-B2D6-29EDAD3911E3}"/>
+                      </a:ext>
+                    </a:extLst>
+                  </p:cNvPr>
+                  <p:cNvPicPr>
+                    <a:picLocks noChangeAspect="1"/>
+                  </p:cNvPicPr>
+                  <p:nvPr/>
+                </p:nvPicPr>
+                <p:blipFill>
+                  <a:blip r:embed="rId12">
+                    <a:extLst>
+                      <a:ext uri="{28A0092B-C50C-407E-A947-70E740481C1C}">
+                        <a14:useLocalDpi xmlns:a14="http://schemas.microsoft.com/office/drawing/2010/main" val="0"/>
+                      </a:ext>
+                    </a:extLst>
+                  </a:blip>
+                  <a:stretch>
+                    <a:fillRect/>
+                  </a:stretch>
+                </p:blipFill>
+                <p:spPr>
+                  <a:xfrm>
+                    <a:off x="5799109" y="3676044"/>
+                    <a:ext cx="298976" cy="315729"/>
+                  </a:xfrm>
+                  <a:prstGeom prst="rect">
+                    <a:avLst/>
+                  </a:prstGeom>
+                </p:spPr>
+              </p:pic>
+              <p:pic>
+                <p:nvPicPr>
+                  <p:cNvPr id="22" name="Picture 21">
+                    <a:extLst>
+                      <a:ext uri="{FF2B5EF4-FFF2-40B4-BE49-F238E27FC236}">
+                        <a16:creationId xmlns:a16="http://schemas.microsoft.com/office/drawing/2014/main" id="{3A872772-EC68-4234-9101-2F1470A0442C}"/>
+                      </a:ext>
+                    </a:extLst>
+                  </p:cNvPr>
+                  <p:cNvPicPr>
+                    <a:picLocks noChangeAspect="1"/>
+                  </p:cNvPicPr>
+                  <p:nvPr/>
+                </p:nvPicPr>
+                <p:blipFill>
+                  <a:blip r:embed="rId13"/>
+                  <a:stretch>
+                    <a:fillRect/>
+                  </a:stretch>
+                </p:blipFill>
+                <p:spPr>
+                  <a:xfrm>
+                    <a:off x="3018841" y="3087463"/>
+                    <a:ext cx="319443" cy="315729"/>
+                  </a:xfrm>
+                  <a:prstGeom prst="rect">
+                    <a:avLst/>
+                  </a:prstGeom>
+                </p:spPr>
+              </p:pic>
+              <p:pic>
+                <p:nvPicPr>
+                  <p:cNvPr id="23" name="Picture 22">
+                    <a:extLst>
+                      <a:ext uri="{FF2B5EF4-FFF2-40B4-BE49-F238E27FC236}">
+                        <a16:creationId xmlns:a16="http://schemas.microsoft.com/office/drawing/2014/main" id="{7F12B7B5-91A7-4F0C-8EF4-CAFE58F8AE1D}"/>
+                      </a:ext>
+                    </a:extLst>
+                  </p:cNvPr>
+                  <p:cNvPicPr>
+                    <a:picLocks noChangeAspect="1"/>
+                  </p:cNvPicPr>
+                  <p:nvPr/>
+                </p:nvPicPr>
+                <p:blipFill>
+                  <a:blip r:embed="rId14">
+                    <a:extLst>
+                      <a:ext uri="{28A0092B-C50C-407E-A947-70E740481C1C}">
+                        <a14:useLocalDpi xmlns:a14="http://schemas.microsoft.com/office/drawing/2010/main" val="0"/>
+                      </a:ext>
+                    </a:extLst>
+                  </a:blip>
+                  <a:stretch>
+                    <a:fillRect/>
+                  </a:stretch>
+                </p:blipFill>
+                <p:spPr>
+                  <a:xfrm rot="10800000">
+                    <a:off x="3019863" y="4326553"/>
+                    <a:ext cx="319443" cy="319443"/>
+                  </a:xfrm>
+                  <a:prstGeom prst="rect">
+                    <a:avLst/>
+                  </a:prstGeom>
+                </p:spPr>
+              </p:pic>
+              <p:pic>
+                <p:nvPicPr>
+                  <p:cNvPr id="24" name="Picture 23">
+                    <a:extLst>
+                      <a:ext uri="{FF2B5EF4-FFF2-40B4-BE49-F238E27FC236}">
+                        <a16:creationId xmlns:a16="http://schemas.microsoft.com/office/drawing/2014/main" id="{1A75AA63-FC09-472B-8CB0-0AB78E173947}"/>
+                      </a:ext>
+                    </a:extLst>
+                  </p:cNvPr>
+                  <p:cNvPicPr>
+                    <a:picLocks noChangeAspect="1"/>
+                  </p:cNvPicPr>
+                  <p:nvPr/>
+                </p:nvPicPr>
+                <p:blipFill>
+                  <a:blip r:embed="rId15"/>
+                  <a:stretch>
+                    <a:fillRect/>
+                  </a:stretch>
+                </p:blipFill>
+                <p:spPr>
+                  <a:xfrm>
+                    <a:off x="1614071" y="3496625"/>
+                    <a:ext cx="603050" cy="592999"/>
+                  </a:xfrm>
+                  <a:prstGeom prst="rect">
+                    <a:avLst/>
+                  </a:prstGeom>
+                </p:spPr>
+              </p:pic>
+              <p:cxnSp>
+                <p:nvCxnSpPr>
+                  <p:cNvPr id="25" name="Straight Connector 24">
+                    <a:extLst>
+                      <a:ext uri="{FF2B5EF4-FFF2-40B4-BE49-F238E27FC236}">
+                        <a16:creationId xmlns:a16="http://schemas.microsoft.com/office/drawing/2014/main" id="{86F4C363-0EA6-4BD5-88C5-7DEDED9B1649}"/>
+                      </a:ext>
+                    </a:extLst>
+                  </p:cNvPr>
+                  <p:cNvCxnSpPr>
+                    <a:cxnSpLocks/>
+                  </p:cNvCxnSpPr>
+                  <p:nvPr/>
+                </p:nvCxnSpPr>
+                <p:spPr>
+                  <a:xfrm flipH="1">
+                    <a:off x="2290645" y="3282414"/>
+                    <a:ext cx="635492" cy="296512"/>
+                  </a:xfrm>
+                  <a:prstGeom prst="line">
+                    <a:avLst/>
+                  </a:prstGeom>
+                  <a:ln w="19050">
+                    <a:solidFill>
+                      <a:srgbClr val="00B0F0"/>
+                    </a:solidFill>
+                    <a:prstDash val="sysDash"/>
+                  </a:ln>
+                </p:spPr>
+                <p:style>
+                  <a:lnRef idx="1">
+                    <a:schemeClr val="accent1"/>
+                  </a:lnRef>
+                  <a:fillRef idx="0">
+                    <a:schemeClr val="accent1"/>
+                  </a:fillRef>
+                  <a:effectRef idx="0">
+                    <a:schemeClr val="accent1"/>
+                  </a:effectRef>
+                  <a:fontRef idx="minor">
+                    <a:schemeClr val="tx1"/>
+                  </a:fontRef>
+                </p:style>
+              </p:cxnSp>
+              <p:cxnSp>
+                <p:nvCxnSpPr>
+                  <p:cNvPr id="26" name="Straight Connector 25">
+                    <a:extLst>
+                      <a:ext uri="{FF2B5EF4-FFF2-40B4-BE49-F238E27FC236}">
+                        <a16:creationId xmlns:a16="http://schemas.microsoft.com/office/drawing/2014/main" id="{5BBD6446-325E-482A-9793-A312F8339E9B}"/>
+                      </a:ext>
+                    </a:extLst>
+                  </p:cNvPr>
+                  <p:cNvCxnSpPr>
+                    <a:cxnSpLocks/>
+                  </p:cNvCxnSpPr>
+                  <p:nvPr/>
+                </p:nvCxnSpPr>
+                <p:spPr>
+                  <a:xfrm flipH="1">
+                    <a:off x="2290645" y="3773857"/>
+                    <a:ext cx="635493" cy="35863"/>
+                  </a:xfrm>
+                  <a:prstGeom prst="line">
+                    <a:avLst/>
+                  </a:prstGeom>
+                  <a:ln w="19050">
+                    <a:solidFill>
+                      <a:srgbClr val="00B0F0"/>
+                    </a:solidFill>
+                    <a:prstDash val="sysDash"/>
+                  </a:ln>
+                </p:spPr>
+                <p:style>
+                  <a:lnRef idx="1">
+                    <a:schemeClr val="accent1"/>
+                  </a:lnRef>
+                  <a:fillRef idx="0">
+                    <a:schemeClr val="accent1"/>
+                  </a:fillRef>
+                  <a:effectRef idx="0">
+                    <a:schemeClr val="accent1"/>
+                  </a:effectRef>
+                  <a:fontRef idx="minor">
+                    <a:schemeClr val="tx1"/>
+                  </a:fontRef>
+                </p:style>
+              </p:cxnSp>
+              <p:cxnSp>
+                <p:nvCxnSpPr>
+                  <p:cNvPr id="27" name="Straight Connector 26">
+                    <a:extLst>
+                      <a:ext uri="{FF2B5EF4-FFF2-40B4-BE49-F238E27FC236}">
+                        <a16:creationId xmlns:a16="http://schemas.microsoft.com/office/drawing/2014/main" id="{87F57782-2144-414E-B13D-92A703A0707A}"/>
+                      </a:ext>
+                    </a:extLst>
+                  </p:cNvPr>
+                  <p:cNvCxnSpPr>
+                    <a:cxnSpLocks/>
+                  </p:cNvCxnSpPr>
+                  <p:nvPr/>
+                </p:nvCxnSpPr>
+                <p:spPr>
+                  <a:xfrm flipH="1" flipV="1">
+                    <a:off x="2315476" y="4004651"/>
+                    <a:ext cx="615904" cy="459345"/>
+                  </a:xfrm>
+                  <a:prstGeom prst="line">
+                    <a:avLst/>
+                  </a:prstGeom>
+                  <a:ln w="19050">
+                    <a:solidFill>
+                      <a:srgbClr val="00B0F0"/>
+                    </a:solidFill>
+                    <a:prstDash val="sysDash"/>
+                  </a:ln>
+                </p:spPr>
+                <p:style>
+                  <a:lnRef idx="1">
+                    <a:schemeClr val="accent1"/>
+                  </a:lnRef>
+                  <a:fillRef idx="0">
+                    <a:schemeClr val="accent1"/>
+                  </a:fillRef>
+                  <a:effectRef idx="0">
+                    <a:schemeClr val="accent1"/>
+                  </a:effectRef>
+                  <a:fontRef idx="minor">
+                    <a:schemeClr val="tx1"/>
+                  </a:fontRef>
+                </p:style>
+              </p:cxnSp>
+              <p:pic>
+                <p:nvPicPr>
+                  <p:cNvPr id="28" name="Picture 27">
+                    <a:extLst>
+                      <a:ext uri="{FF2B5EF4-FFF2-40B4-BE49-F238E27FC236}">
+                        <a16:creationId xmlns:a16="http://schemas.microsoft.com/office/drawing/2014/main" id="{F109CC28-B9ED-4388-951F-23C450CC097A}"/>
+                      </a:ext>
+                    </a:extLst>
+                  </p:cNvPr>
+                  <p:cNvPicPr>
+                    <a:picLocks noChangeAspect="1"/>
+                  </p:cNvPicPr>
+                  <p:nvPr>
+                    <p:custDataLst>
+                      <p:tags r:id="rId6"/>
+                    </p:custDataLst>
+                  </p:nvPr>
+                </p:nvPicPr>
+                <p:blipFill>
+                  <a:blip r:embed="rId16">
+                    <a:extLst>
+                      <a:ext uri="{28A0092B-C50C-407E-A947-70E740481C1C}">
+                        <a14:useLocalDpi xmlns:a14="http://schemas.microsoft.com/office/drawing/2010/main" val="0"/>
+                      </a:ext>
+                    </a:extLst>
+                  </a:blip>
+                  <a:stretch>
+                    <a:fillRect/>
+                  </a:stretch>
+                </p:blipFill>
+                <p:spPr>
+                  <a:xfrm rot="16200000">
+                    <a:off x="3033663" y="4085231"/>
+                    <a:ext cx="301714" cy="32914"/>
+                  </a:xfrm>
+                  <a:prstGeom prst="rect">
+                    <a:avLst/>
+                  </a:prstGeom>
+                </p:spPr>
+              </p:pic>
+              <p:sp>
+                <p:nvSpPr>
+                  <p:cNvPr id="29" name="Freeform: Shape 28">
+                    <a:extLst>
+                      <a:ext uri="{FF2B5EF4-FFF2-40B4-BE49-F238E27FC236}">
+                        <a16:creationId xmlns:a16="http://schemas.microsoft.com/office/drawing/2014/main" id="{BE6CA712-43A1-431A-BEC9-5C9356F537CD}"/>
+                      </a:ext>
+                    </a:extLst>
+                  </p:cNvPr>
+                  <p:cNvSpPr/>
+                  <p:nvPr/>
+                </p:nvSpPr>
+                <p:spPr>
+                  <a:xfrm>
+                    <a:off x="4342214" y="3282414"/>
+                    <a:ext cx="1118109" cy="463550"/>
+                  </a:xfrm>
+                  <a:custGeom>
+                    <a:avLst/>
+                    <a:gdLst>
+                      <a:gd name="connsiteX0" fmla="*/ 0 w 1298575"/>
+                      <a:gd name="connsiteY0" fmla="*/ 0 h 454025"/>
+                      <a:gd name="connsiteX1" fmla="*/ 660400 w 1298575"/>
+                      <a:gd name="connsiteY1" fmla="*/ 292100 h 454025"/>
+                      <a:gd name="connsiteX2" fmla="*/ 1298575 w 1298575"/>
+                      <a:gd name="connsiteY2" fmla="*/ 454025 h 454025"/>
+                    </a:gdLst>
+                    <a:ahLst/>
+                    <a:cxnLst>
+                      <a:cxn ang="0">
+                        <a:pos x="connsiteX0" y="connsiteY0"/>
+                      </a:cxn>
+                      <a:cxn ang="0">
+                        <a:pos x="connsiteX1" y="connsiteY1"/>
+                      </a:cxn>
+                      <a:cxn ang="0">
+                        <a:pos x="connsiteX2" y="connsiteY2"/>
+                      </a:cxn>
+                    </a:cxnLst>
+                    <a:rect l="l" t="t" r="r" b="b"/>
+                    <a:pathLst>
+                      <a:path w="1298575" h="454025">
+                        <a:moveTo>
+                          <a:pt x="0" y="0"/>
+                        </a:moveTo>
+                        <a:cubicBezTo>
+                          <a:pt x="221985" y="108214"/>
+                          <a:pt x="443971" y="216429"/>
+                          <a:pt x="660400" y="292100"/>
+                        </a:cubicBezTo>
+                        <a:cubicBezTo>
+                          <a:pt x="876829" y="367771"/>
+                          <a:pt x="1087702" y="410898"/>
+                          <a:pt x="1298575" y="454025"/>
+                        </a:cubicBezTo>
+                      </a:path>
+                    </a:pathLst>
+                  </a:custGeom>
+                  <a:noFill/>
+                  <a:ln>
+                    <a:headEnd type="none" w="med" len="med"/>
+                    <a:tailEnd type="arrow" w="med" len="med"/>
+                  </a:ln>
+                </p:spPr>
+                <p:style>
+                  <a:lnRef idx="2">
+                    <a:schemeClr val="accent1">
+                      <a:shade val="50000"/>
+                    </a:schemeClr>
+                  </a:lnRef>
+                  <a:fillRef idx="1">
+                    <a:schemeClr val="accent1"/>
+                  </a:fillRef>
+                  <a:effectRef idx="0">
+                    <a:schemeClr val="accent1"/>
+                  </a:effectRef>
+                  <a:fontRef idx="minor">
+                    <a:schemeClr val="lt1"/>
+                  </a:fontRef>
+                </p:style>
+                <p:txBody>
+                  <a:bodyPr rtlCol="0" anchor="ctr"/>
+                  <a:lstStyle/>
+                  <a:p>
+                    <a:pPr algn="ctr"/>
+                    <a:endParaRPr lang="en-AU"/>
+                  </a:p>
+                </p:txBody>
+              </p:sp>
+              <p:sp>
+                <p:nvSpPr>
+                  <p:cNvPr id="30" name="Freeform: Shape 29">
+                    <a:extLst>
+                      <a:ext uri="{FF2B5EF4-FFF2-40B4-BE49-F238E27FC236}">
+                        <a16:creationId xmlns:a16="http://schemas.microsoft.com/office/drawing/2014/main" id="{CD483230-49A9-40FB-9022-2FB67296799E}"/>
+                      </a:ext>
+                    </a:extLst>
+                  </p:cNvPr>
+                  <p:cNvSpPr/>
+                  <p:nvPr/>
+                </p:nvSpPr>
+                <p:spPr>
+                  <a:xfrm>
+                    <a:off x="4339040" y="3745964"/>
+                    <a:ext cx="1118108" cy="116548"/>
+                  </a:xfrm>
+                  <a:custGeom>
+                    <a:avLst/>
+                    <a:gdLst>
+                      <a:gd name="connsiteX0" fmla="*/ 0 w 952500"/>
+                      <a:gd name="connsiteY0" fmla="*/ 0 h 142875"/>
+                      <a:gd name="connsiteX1" fmla="*/ 463550 w 952500"/>
+                      <a:gd name="connsiteY1" fmla="*/ 107950 h 142875"/>
+                      <a:gd name="connsiteX2" fmla="*/ 952500 w 952500"/>
+                      <a:gd name="connsiteY2" fmla="*/ 142875 h 142875"/>
+                    </a:gdLst>
+                    <a:ahLst/>
+                    <a:cxnLst>
+                      <a:cxn ang="0">
+                        <a:pos x="connsiteX0" y="connsiteY0"/>
+                      </a:cxn>
+                      <a:cxn ang="0">
+                        <a:pos x="connsiteX1" y="connsiteY1"/>
+                      </a:cxn>
+                      <a:cxn ang="0">
+                        <a:pos x="connsiteX2" y="connsiteY2"/>
+                      </a:cxn>
+                    </a:cxnLst>
+                    <a:rect l="l" t="t" r="r" b="b"/>
+                    <a:pathLst>
+                      <a:path w="952500" h="142875">
+                        <a:moveTo>
+                          <a:pt x="0" y="0"/>
+                        </a:moveTo>
+                        <a:cubicBezTo>
+                          <a:pt x="152400" y="42069"/>
+                          <a:pt x="304800" y="84138"/>
+                          <a:pt x="463550" y="107950"/>
+                        </a:cubicBezTo>
+                        <a:cubicBezTo>
+                          <a:pt x="622300" y="131762"/>
+                          <a:pt x="787400" y="137318"/>
+                          <a:pt x="952500" y="142875"/>
+                        </a:cubicBezTo>
+                      </a:path>
+                    </a:pathLst>
+                  </a:custGeom>
+                  <a:noFill/>
+                  <a:ln>
+                    <a:headEnd type="none" w="med" len="med"/>
+                    <a:tailEnd type="arrow" w="med" len="med"/>
+                  </a:ln>
+                </p:spPr>
+                <p:style>
+                  <a:lnRef idx="2">
+                    <a:schemeClr val="accent1">
+                      <a:shade val="50000"/>
+                    </a:schemeClr>
+                  </a:lnRef>
+                  <a:fillRef idx="1">
+                    <a:schemeClr val="accent1"/>
+                  </a:fillRef>
+                  <a:effectRef idx="0">
+                    <a:schemeClr val="accent1"/>
+                  </a:effectRef>
+                  <a:fontRef idx="minor">
+                    <a:schemeClr val="lt1"/>
+                  </a:fontRef>
+                </p:style>
+                <p:txBody>
+                  <a:bodyPr rtlCol="0" anchor="ctr"/>
+                  <a:lstStyle/>
+                  <a:p>
+                    <a:pPr algn="ctr"/>
+                    <a:endParaRPr lang="en-AU"/>
+                  </a:p>
+                </p:txBody>
+              </p:sp>
+              <p:sp>
+                <p:nvSpPr>
+                  <p:cNvPr id="31" name="Freeform: Shape 30">
+                    <a:extLst>
+                      <a:ext uri="{FF2B5EF4-FFF2-40B4-BE49-F238E27FC236}">
+                        <a16:creationId xmlns:a16="http://schemas.microsoft.com/office/drawing/2014/main" id="{5631582E-7B96-4A92-9DF6-1E0AC53FA2FA}"/>
+                      </a:ext>
+                    </a:extLst>
+                  </p:cNvPr>
+                  <p:cNvSpPr/>
+                  <p:nvPr/>
+                </p:nvSpPr>
+                <p:spPr>
+                  <a:xfrm>
+                    <a:off x="4338918" y="3975603"/>
+                    <a:ext cx="1124580" cy="459346"/>
+                  </a:xfrm>
+                  <a:custGeom>
+                    <a:avLst/>
+                    <a:gdLst>
+                      <a:gd name="connsiteX0" fmla="*/ 0 w 1333500"/>
+                      <a:gd name="connsiteY0" fmla="*/ 501650 h 501650"/>
+                      <a:gd name="connsiteX1" fmla="*/ 460375 w 1333500"/>
+                      <a:gd name="connsiteY1" fmla="*/ 184150 h 501650"/>
+                      <a:gd name="connsiteX2" fmla="*/ 1333500 w 1333500"/>
+                      <a:gd name="connsiteY2" fmla="*/ 0 h 501650"/>
+                    </a:gdLst>
+                    <a:ahLst/>
+                    <a:cxnLst>
+                      <a:cxn ang="0">
+                        <a:pos x="connsiteX0" y="connsiteY0"/>
+                      </a:cxn>
+                      <a:cxn ang="0">
+                        <a:pos x="connsiteX1" y="connsiteY1"/>
+                      </a:cxn>
+                      <a:cxn ang="0">
+                        <a:pos x="connsiteX2" y="connsiteY2"/>
+                      </a:cxn>
+                    </a:cxnLst>
+                    <a:rect l="l" t="t" r="r" b="b"/>
+                    <a:pathLst>
+                      <a:path w="1333500" h="501650">
+                        <a:moveTo>
+                          <a:pt x="0" y="501650"/>
+                        </a:moveTo>
+                        <a:cubicBezTo>
+                          <a:pt x="119062" y="384704"/>
+                          <a:pt x="238125" y="267758"/>
+                          <a:pt x="460375" y="184150"/>
+                        </a:cubicBezTo>
+                        <a:cubicBezTo>
+                          <a:pt x="682625" y="100542"/>
+                          <a:pt x="1008062" y="50271"/>
+                          <a:pt x="1333500" y="0"/>
+                        </a:cubicBezTo>
+                      </a:path>
+                    </a:pathLst>
+                  </a:custGeom>
+                  <a:noFill/>
+                  <a:ln>
+                    <a:headEnd type="none" w="med" len="med"/>
+                    <a:tailEnd type="arrow" w="med" len="med"/>
+                  </a:ln>
+                </p:spPr>
+                <p:style>
+                  <a:lnRef idx="2">
+                    <a:schemeClr val="accent1">
+                      <a:shade val="50000"/>
+                    </a:schemeClr>
+                  </a:lnRef>
+                  <a:fillRef idx="1">
+                    <a:schemeClr val="accent1"/>
+                  </a:fillRef>
+                  <a:effectRef idx="0">
+                    <a:schemeClr val="accent1"/>
+                  </a:effectRef>
+                  <a:fontRef idx="minor">
+                    <a:schemeClr val="lt1"/>
+                  </a:fontRef>
+                </p:style>
+                <p:txBody>
+                  <a:bodyPr rtlCol="0" anchor="ctr"/>
+                  <a:lstStyle/>
+                  <a:p>
+                    <a:pPr algn="ctr"/>
+                    <a:endParaRPr lang="en-AU" dirty="0"/>
+                  </a:p>
+                </p:txBody>
+              </p:sp>
+              <p:sp>
+                <p:nvSpPr>
+                  <p:cNvPr id="32" name="TextBox 31">
+                    <a:extLst>
+                      <a:ext uri="{FF2B5EF4-FFF2-40B4-BE49-F238E27FC236}">
+                        <a16:creationId xmlns:a16="http://schemas.microsoft.com/office/drawing/2014/main" id="{EE812E9C-1C64-47E1-A9CD-E716A4F20445}"/>
+                      </a:ext>
+                    </a:extLst>
+                  </p:cNvPr>
+                  <p:cNvSpPr txBox="1"/>
+                  <p:nvPr/>
+                </p:nvSpPr>
+                <p:spPr>
+                  <a:xfrm>
+                    <a:off x="3421741" y="3174692"/>
+                    <a:ext cx="666811" cy="197017"/>
+                  </a:xfrm>
+                  <a:prstGeom prst="rect">
+                    <a:avLst/>
+                  </a:prstGeom>
+                  <a:noFill/>
+                  <a:ln w="19050">
+                    <a:solidFill>
+                      <a:srgbClr val="FFC000"/>
+                    </a:solidFill>
+                  </a:ln>
+                </p:spPr>
+                <p:txBody>
+                  <a:bodyPr wrap="square" rtlCol="0">
+                    <a:spAutoFit/>
+                  </a:bodyPr>
+                  <a:lstStyle/>
+                  <a:p>
+                    <a:endParaRPr lang="en-AU" sz="800" dirty="0"/>
+                  </a:p>
+                </p:txBody>
+              </p:sp>
+              <p:sp>
+                <p:nvSpPr>
+                  <p:cNvPr id="33" name="TextBox 32">
+                    <a:extLst>
+                      <a:ext uri="{FF2B5EF4-FFF2-40B4-BE49-F238E27FC236}">
+                        <a16:creationId xmlns:a16="http://schemas.microsoft.com/office/drawing/2014/main" id="{514724F0-E0AE-4AD9-81FB-73C6963E1CB9}"/>
+                      </a:ext>
+                    </a:extLst>
+                  </p:cNvPr>
+                  <p:cNvSpPr txBox="1"/>
+                  <p:nvPr/>
+                </p:nvSpPr>
+                <p:spPr>
+                  <a:xfrm>
+                    <a:off x="3427787" y="3618463"/>
+                    <a:ext cx="666811" cy="197017"/>
+                  </a:xfrm>
+                  <a:prstGeom prst="rect">
+                    <a:avLst/>
+                  </a:prstGeom>
+                  <a:noFill/>
+                  <a:ln w="19050">
+                    <a:solidFill>
+                      <a:srgbClr val="FFC000"/>
+                    </a:solidFill>
+                  </a:ln>
+                </p:spPr>
+                <p:txBody>
+                  <a:bodyPr wrap="square" rtlCol="0">
+                    <a:spAutoFit/>
+                  </a:bodyPr>
+                  <a:lstStyle/>
+                  <a:p>
+                    <a:endParaRPr lang="en-AU" sz="800" dirty="0"/>
+                  </a:p>
+                </p:txBody>
+              </p:sp>
+              <p:sp>
+                <p:nvSpPr>
+                  <p:cNvPr id="34" name="TextBox 33">
+                    <a:extLst>
+                      <a:ext uri="{FF2B5EF4-FFF2-40B4-BE49-F238E27FC236}">
+                        <a16:creationId xmlns:a16="http://schemas.microsoft.com/office/drawing/2014/main" id="{10513E2E-BA93-45F6-A93E-523F58CFF817}"/>
+                      </a:ext>
+                    </a:extLst>
+                  </p:cNvPr>
+                  <p:cNvSpPr txBox="1"/>
+                  <p:nvPr/>
+                </p:nvSpPr>
+                <p:spPr>
+                  <a:xfrm>
+                    <a:off x="3427788" y="4378552"/>
+                    <a:ext cx="666811" cy="197017"/>
+                  </a:xfrm>
+                  <a:prstGeom prst="rect">
+                    <a:avLst/>
+                  </a:prstGeom>
+                  <a:noFill/>
+                  <a:ln w="19050">
+                    <a:solidFill>
+                      <a:srgbClr val="FFC000"/>
+                    </a:solidFill>
+                  </a:ln>
+                </p:spPr>
+                <p:txBody>
+                  <a:bodyPr wrap="square" rtlCol="0">
+                    <a:spAutoFit/>
+                  </a:bodyPr>
+                  <a:lstStyle/>
+                  <a:p>
+                    <a:endParaRPr lang="en-AU" sz="800" dirty="0"/>
+                  </a:p>
+                </p:txBody>
+              </p:sp>
+              <p:sp>
+                <p:nvSpPr>
+                  <p:cNvPr id="35" name="TextBox 34">
+                    <a:extLst>
+                      <a:ext uri="{FF2B5EF4-FFF2-40B4-BE49-F238E27FC236}">
+                        <a16:creationId xmlns:a16="http://schemas.microsoft.com/office/drawing/2014/main" id="{E462FCEB-D628-4092-8FCD-CA114F4FC4DA}"/>
+                      </a:ext>
+                    </a:extLst>
+                  </p:cNvPr>
+                  <p:cNvSpPr txBox="1"/>
+                  <p:nvPr/>
+                </p:nvSpPr>
+                <p:spPr>
+                  <a:xfrm>
+                    <a:off x="5381655" y="4269357"/>
+                    <a:ext cx="1156600" cy="721140"/>
+                  </a:xfrm>
+                  <a:prstGeom prst="rect">
+                    <a:avLst/>
+                  </a:prstGeom>
+                  <a:noFill/>
+                  <a:ln w="19050">
+                    <a:solidFill>
+                      <a:schemeClr val="accent2"/>
+                    </a:solidFill>
+                  </a:ln>
+                </p:spPr>
+                <p:txBody>
+                  <a:bodyPr wrap="square" rtlCol="0">
+                    <a:spAutoFit/>
+                  </a:bodyPr>
+                  <a:lstStyle/>
+                  <a:p>
+                    <a:endParaRPr lang="en-AU" sz="800" dirty="0"/>
+                  </a:p>
+                </p:txBody>
+              </p:sp>
+              <p:pic>
+                <p:nvPicPr>
+                  <p:cNvPr id="36" name="Picture 35">
+                    <a:extLst>
+                      <a:ext uri="{FF2B5EF4-FFF2-40B4-BE49-F238E27FC236}">
+                        <a16:creationId xmlns:a16="http://schemas.microsoft.com/office/drawing/2014/main" id="{D40C0A5B-B581-4EE8-B518-CB5D62374B42}"/>
+                      </a:ext>
+                    </a:extLst>
+                  </p:cNvPr>
+                  <p:cNvPicPr>
+                    <a:picLocks noChangeAspect="1"/>
+                  </p:cNvPicPr>
+                  <p:nvPr/>
+                </p:nvPicPr>
+                <p:blipFill>
+                  <a:blip r:embed="rId17"/>
+                  <a:stretch>
+                    <a:fillRect/>
+                  </a:stretch>
+                </p:blipFill>
+                <p:spPr>
+                  <a:xfrm>
+                    <a:off x="7610452" y="3615639"/>
+                    <a:ext cx="289002" cy="486049"/>
+                  </a:xfrm>
+                  <a:prstGeom prst="rect">
+                    <a:avLst/>
+                  </a:prstGeom>
+                </p:spPr>
+              </p:pic>
+              <p:sp>
+                <p:nvSpPr>
+                  <p:cNvPr id="37" name="Freeform: Shape 36">
+                    <a:extLst>
+                      <a:ext uri="{FF2B5EF4-FFF2-40B4-BE49-F238E27FC236}">
+                        <a16:creationId xmlns:a16="http://schemas.microsoft.com/office/drawing/2014/main" id="{90800CAE-F38C-473D-842D-CAFA2BF0F3C2}"/>
+                      </a:ext>
+                    </a:extLst>
+                  </p:cNvPr>
+                  <p:cNvSpPr/>
+                  <p:nvPr/>
+                </p:nvSpPr>
+                <p:spPr>
+                  <a:xfrm>
+                    <a:off x="6442681" y="3846064"/>
+                    <a:ext cx="1040043" cy="0"/>
+                  </a:xfrm>
+                  <a:custGeom>
+                    <a:avLst/>
+                    <a:gdLst>
+                      <a:gd name="connsiteX0" fmla="*/ 0 w 1040043"/>
+                      <a:gd name="connsiteY0" fmla="*/ 0 h 0"/>
+                      <a:gd name="connsiteX1" fmla="*/ 1040043 w 1040043"/>
+                      <a:gd name="connsiteY1" fmla="*/ 0 h 0"/>
+                    </a:gdLst>
+                    <a:ahLst/>
+                    <a:cxnLst>
+                      <a:cxn ang="0">
+                        <a:pos x="connsiteX0" y="connsiteY0"/>
+                      </a:cxn>
+                      <a:cxn ang="0">
+                        <a:pos x="connsiteX1" y="connsiteY1"/>
+                      </a:cxn>
+                    </a:cxnLst>
+                    <a:rect l="l" t="t" r="r" b="b"/>
+                    <a:pathLst>
+                      <a:path w="1040043">
+                        <a:moveTo>
+                          <a:pt x="0" y="0"/>
+                        </a:moveTo>
+                        <a:lnTo>
+                          <a:pt x="1040043" y="0"/>
+                        </a:lnTo>
+                      </a:path>
+                    </a:pathLst>
+                  </a:custGeom>
+                  <a:noFill/>
+                  <a:ln>
+                    <a:headEnd type="arrow" w="med" len="med"/>
+                    <a:tailEnd type="arrow" w="med" len="med"/>
+                  </a:ln>
+                </p:spPr>
+                <p:style>
+                  <a:lnRef idx="2">
+                    <a:schemeClr val="accent1">
+                      <a:shade val="50000"/>
+                    </a:schemeClr>
+                  </a:lnRef>
+                  <a:fillRef idx="1">
+                    <a:schemeClr val="accent1"/>
+                  </a:fillRef>
+                  <a:effectRef idx="0">
+                    <a:schemeClr val="accent1"/>
+                  </a:effectRef>
+                  <a:fontRef idx="minor">
+                    <a:schemeClr val="lt1"/>
+                  </a:fontRef>
+                </p:style>
+                <p:txBody>
+                  <a:bodyPr rtlCol="0" anchor="ctr"/>
+                  <a:lstStyle/>
+                  <a:p>
+                    <a:pPr algn="ctr"/>
+                    <a:endParaRPr lang="en-AU"/>
+                  </a:p>
+                </p:txBody>
+              </p:sp>
+            </p:grpSp>
+            <p:pic>
+              <p:nvPicPr>
+                <p:cNvPr id="17" name="Picture 16">
+                  <a:extLst>
+                    <a:ext uri="{FF2B5EF4-FFF2-40B4-BE49-F238E27FC236}">
+                      <a16:creationId xmlns:a16="http://schemas.microsoft.com/office/drawing/2014/main" id="{53D59AE5-7948-4906-9FBD-F11E9EE51E91}"/>
+                    </a:ext>
+                  </a:extLst>
+                </p:cNvPr>
+                <p:cNvPicPr>
+                  <a:picLocks noChangeAspect="1"/>
+                </p:cNvPicPr>
+                <p:nvPr>
+                  <p:custDataLst>
+                    <p:tags r:id="rId4"/>
+                  </p:custDataLst>
+                </p:nvPr>
+              </p:nvPicPr>
+              <p:blipFill>
+                <a:blip r:embed="rId18">
+                  <a:extLst>
+                    <a:ext uri="{28A0092B-C50C-407E-A947-70E740481C1C}">
+                      <a14:useLocalDpi xmlns:a14="http://schemas.microsoft.com/office/drawing/2010/main" val="0"/>
+                    </a:ext>
+                  </a:extLst>
+                </a:blip>
+                <a:stretch>
+                  <a:fillRect/>
+                </a:stretch>
+              </p:blipFill>
+              <p:spPr>
+                <a:xfrm>
+                  <a:off x="5446033" y="3256237"/>
+                  <a:ext cx="1408170" cy="430301"/>
+                </a:xfrm>
+                <a:prstGeom prst="rect">
+                  <a:avLst/>
+                </a:prstGeom>
+              </p:spPr>
+            </p:pic>
+            <p:pic>
+              <p:nvPicPr>
+                <p:cNvPr id="18" name="Picture 17">
+                  <a:extLst>
+                    <a:ext uri="{FF2B5EF4-FFF2-40B4-BE49-F238E27FC236}">
+                      <a16:creationId xmlns:a16="http://schemas.microsoft.com/office/drawing/2014/main" id="{1F3433C1-A1D1-41A0-AE49-49AA184266C9}"/>
+                    </a:ext>
+                  </a:extLst>
+                </p:cNvPr>
+                <p:cNvPicPr>
+                  <a:picLocks noChangeAspect="1"/>
+                </p:cNvPicPr>
+                <p:nvPr>
+                  <p:custDataLst>
+                    <p:tags r:id="rId5"/>
+                  </p:custDataLst>
+                </p:nvPr>
+              </p:nvPicPr>
+              <p:blipFill>
+                <a:blip r:embed="rId19">
+                  <a:extLst>
+                    <a:ext uri="{28A0092B-C50C-407E-A947-70E740481C1C}">
+                      <a14:useLocalDpi xmlns:a14="http://schemas.microsoft.com/office/drawing/2010/main" val="0"/>
+                    </a:ext>
+                  </a:extLst>
+                </a:blip>
+                <a:stretch>
+                  <a:fillRect/>
+                </a:stretch>
+              </p:blipFill>
+              <p:spPr>
+                <a:xfrm>
+                  <a:off x="5561733" y="3718163"/>
+                  <a:ext cx="1176769" cy="432147"/>
+                </a:xfrm>
+                <a:prstGeom prst="rect">
+                  <a:avLst/>
+                </a:prstGeom>
+              </p:spPr>
+            </p:pic>
+          </p:grpSp>
+        </p:grpSp>
+        <p:pic>
+          <p:nvPicPr>
+            <p:cNvPr id="8" name="Picture 7">
+              <a:extLst>
+                <a:ext uri="{FF2B5EF4-FFF2-40B4-BE49-F238E27FC236}">
+                  <a16:creationId xmlns:a16="http://schemas.microsoft.com/office/drawing/2014/main" id="{AC0B5776-ED67-4F30-B601-0BCBCFA5E2A3}"/>
+                </a:ext>
+              </a:extLst>
+            </p:cNvPr>
+            <p:cNvPicPr>
+              <a:picLocks noChangeAspect="1"/>
+            </p:cNvPicPr>
+            <p:nvPr/>
+          </p:nvPicPr>
+          <p:blipFill>
+            <a:blip r:embed="rId20"/>
+            <a:stretch>
+              <a:fillRect/>
+            </a:stretch>
+          </p:blipFill>
+          <p:spPr>
+            <a:xfrm>
+              <a:off x="3705217" y="2256090"/>
+              <a:ext cx="176424" cy="176424"/>
+            </a:xfrm>
+            <a:prstGeom prst="rect">
+              <a:avLst/>
+            </a:prstGeom>
+          </p:spPr>
+        </p:pic>
+        <p:pic>
+          <p:nvPicPr>
+            <p:cNvPr id="9" name="Picture 8">
+              <a:extLst>
+                <a:ext uri="{FF2B5EF4-FFF2-40B4-BE49-F238E27FC236}">
+                  <a16:creationId xmlns:a16="http://schemas.microsoft.com/office/drawing/2014/main" id="{C2704BFC-1505-45F9-BDF3-CE4A22E05591}"/>
+                </a:ext>
+              </a:extLst>
+            </p:cNvPr>
+            <p:cNvPicPr>
+              <a:picLocks noChangeAspect="1"/>
+            </p:cNvPicPr>
+            <p:nvPr/>
+          </p:nvPicPr>
+          <p:blipFill>
+            <a:blip r:embed="rId20"/>
+            <a:stretch>
+              <a:fillRect/>
+            </a:stretch>
+          </p:blipFill>
+          <p:spPr>
+            <a:xfrm>
+              <a:off x="3706875" y="1679161"/>
+              <a:ext cx="176424" cy="176424"/>
+            </a:xfrm>
+            <a:prstGeom prst="rect">
+              <a:avLst/>
+            </a:prstGeom>
+          </p:spPr>
+        </p:pic>
+        <p:pic>
+          <p:nvPicPr>
+            <p:cNvPr id="10" name="Picture 9">
+              <a:extLst>
+                <a:ext uri="{FF2B5EF4-FFF2-40B4-BE49-F238E27FC236}">
+                  <a16:creationId xmlns:a16="http://schemas.microsoft.com/office/drawing/2014/main" id="{1EDDD0EA-4646-46A0-A416-FC748F2ACB3E}"/>
+                </a:ext>
+              </a:extLst>
+            </p:cNvPr>
+            <p:cNvPicPr>
+              <a:picLocks noChangeAspect="1"/>
+            </p:cNvPicPr>
+            <p:nvPr/>
+          </p:nvPicPr>
+          <p:blipFill>
+            <a:blip r:embed="rId20"/>
+            <a:stretch>
+              <a:fillRect/>
+            </a:stretch>
+          </p:blipFill>
+          <p:spPr>
+            <a:xfrm>
+              <a:off x="3705217" y="3206881"/>
+              <a:ext cx="176424" cy="176424"/>
+            </a:xfrm>
+            <a:prstGeom prst="rect">
+              <a:avLst/>
+            </a:prstGeom>
+          </p:spPr>
+        </p:pic>
+        <p:pic>
+          <p:nvPicPr>
+            <p:cNvPr id="11" name="Picture 10">
+              <a:extLst>
+                <a:ext uri="{FF2B5EF4-FFF2-40B4-BE49-F238E27FC236}">
+                  <a16:creationId xmlns:a16="http://schemas.microsoft.com/office/drawing/2014/main" id="{2EEF7E7E-C74B-4A2D-9943-1BCCB12035B7}"/>
+                </a:ext>
+              </a:extLst>
+            </p:cNvPr>
+            <p:cNvPicPr>
+              <a:picLocks noChangeAspect="1"/>
+            </p:cNvPicPr>
+            <p:nvPr/>
+          </p:nvPicPr>
+          <p:blipFill>
+            <a:blip r:embed="rId20"/>
+            <a:stretch>
+              <a:fillRect/>
+            </a:stretch>
+          </p:blipFill>
+          <p:spPr>
+            <a:xfrm>
+              <a:off x="6820634" y="3419761"/>
+              <a:ext cx="176424" cy="176424"/>
+            </a:xfrm>
+            <a:prstGeom prst="rect">
+              <a:avLst/>
+            </a:prstGeom>
+          </p:spPr>
+        </p:pic>
+      </p:grpSp>
+    </p:spTree>
+    <p:extLst>
+      <p:ext uri="{BB962C8B-B14F-4D97-AF65-F5344CB8AC3E}">
+        <p14:creationId xmlns:p14="http://schemas.microsoft.com/office/powerpoint/2010/main" val="3354517845"/>
+      </p:ext>
+    </p:extLst>
+  </p:cSld>
+  <p:clrMapOvr>
+    <a:masterClrMapping/>
+  </p:clrMapOvr>
+</p:sld>
+</file>
+
+<file path=ppt/slides/slide7.xml><?xml version="1.0" encoding="utf-8"?>
+<p:sld xmlns:a="http://schemas.openxmlformats.org/drawingml/2006/main" xmlns:r="http://schemas.openxmlformats.org/officeDocument/2006/relationships" xmlns:p="http://schemas.openxmlformats.org/presentationml/2006/main">
+  <p:cSld>
+    <p:spTree>
+      <p:nvGrpSpPr>
+        <p:cNvPr id="1" name=""/>
+        <p:cNvGrpSpPr/>
+        <p:nvPr/>
+      </p:nvGrpSpPr>
+      <p:grpSpPr>
+        <a:xfrm>
+          <a:off x="0" y="0"/>
+          <a:ext cx="0" cy="0"/>
+          <a:chOff x="0" y="0"/>
+          <a:chExt cx="0" cy="0"/>
+        </a:xfrm>
+      </p:grpSpPr>
+      <p:sp>
+        <p:nvSpPr>
+          <p:cNvPr id="2" name="Content Placeholder 1">
+            <a:extLst>
+              <a:ext uri="{FF2B5EF4-FFF2-40B4-BE49-F238E27FC236}">
+                <a16:creationId xmlns:a16="http://schemas.microsoft.com/office/drawing/2014/main" id="{B2813D42-8015-46F3-8662-59B1F136C02C}"/>
+              </a:ext>
+            </a:extLst>
+          </p:cNvPr>
+          <p:cNvSpPr>
+            <a:spLocks noGrp="1"/>
+          </p:cNvSpPr>
+          <p:nvPr>
+            <p:ph idx="1"/>
+          </p:nvPr>
+        </p:nvSpPr>
+        <p:spPr/>
+        <p:txBody>
+          <a:bodyPr/>
+          <a:lstStyle/>
+          <a:p>
+            <a:endParaRPr lang="en-AU"/>
+          </a:p>
+        </p:txBody>
+      </p:sp>
+      <p:sp>
+        <p:nvSpPr>
+          <p:cNvPr id="3" name="Footer Placeholder 2">
+            <a:extLst>
+              <a:ext uri="{FF2B5EF4-FFF2-40B4-BE49-F238E27FC236}">
+                <a16:creationId xmlns:a16="http://schemas.microsoft.com/office/drawing/2014/main" id="{E0BDD1E4-B6B2-42E4-AD0D-4A2682A2DC4A}"/>
+              </a:ext>
+            </a:extLst>
+          </p:cNvPr>
+          <p:cNvSpPr>
+            <a:spLocks noGrp="1"/>
+          </p:cNvSpPr>
+          <p:nvPr>
+            <p:ph type="ftr" sz="quarter" idx="11"/>
+          </p:nvPr>
+        </p:nvSpPr>
+        <p:spPr/>
+        <p:txBody>
+          <a:bodyPr/>
+          <a:lstStyle/>
+          <a:p>
+            <a:r>
+              <a:rPr lang="en-AU"/>
+              <a:t>Encrypted Fast Covariance Intersection</a:t>
+            </a:r>
+            <a:r>
+              <a:rPr lang="en-US"/>
+              <a:t> | Marko Ristic</a:t>
+            </a:r>
+            <a:endParaRPr lang="en-US" dirty="0"/>
+          </a:p>
+        </p:txBody>
+      </p:sp>
+      <p:sp>
+        <p:nvSpPr>
+          <p:cNvPr id="4" name="Slide Number Placeholder 3">
+            <a:extLst>
+              <a:ext uri="{FF2B5EF4-FFF2-40B4-BE49-F238E27FC236}">
+                <a16:creationId xmlns:a16="http://schemas.microsoft.com/office/drawing/2014/main" id="{C302AC7D-DC3A-428A-814B-A418D6A745C3}"/>
+              </a:ext>
+            </a:extLst>
+          </p:cNvPr>
+          <p:cNvSpPr>
+            <a:spLocks noGrp="1"/>
+          </p:cNvSpPr>
+          <p:nvPr>
+            <p:ph type="sldNum" sz="quarter" idx="12"/>
+          </p:nvPr>
+        </p:nvSpPr>
+        <p:spPr/>
+        <p:txBody>
+          <a:bodyPr/>
+          <a:lstStyle/>
+          <a:p>
+            <a:fld id="{DA08224A-2920-4020-A8B1-52A27C9B37B2}" type="slidenum">
+              <a:rPr lang="en-US" smtClean="0"/>
+              <a:t>7</a:t>
+            </a:fld>
+            <a:endParaRPr lang="en-US"/>
+          </a:p>
+        </p:txBody>
+      </p:sp>
+      <p:sp>
+        <p:nvSpPr>
+          <p:cNvPr id="5" name="Title 4">
+            <a:extLst>
+              <a:ext uri="{FF2B5EF4-FFF2-40B4-BE49-F238E27FC236}">
+                <a16:creationId xmlns:a16="http://schemas.microsoft.com/office/drawing/2014/main" id="{53B45AF8-6A84-44D7-981F-4D316C46E285}"/>
+              </a:ext>
+            </a:extLst>
+          </p:cNvPr>
+          <p:cNvSpPr>
+            <a:spLocks noGrp="1"/>
+          </p:cNvSpPr>
+          <p:nvPr>
+            <p:ph type="title"/>
+          </p:nvPr>
+        </p:nvSpPr>
+        <p:spPr/>
+        <p:txBody>
+          <a:bodyPr/>
+          <a:lstStyle/>
+          <a:p>
+            <a:r>
+              <a:rPr lang="en-AU" dirty="0"/>
+              <a:t>Encryption Fast Covariance Intersection</a:t>
+            </a:r>
+          </a:p>
+        </p:txBody>
+      </p:sp>
+      <p:grpSp>
+        <p:nvGrpSpPr>
+          <p:cNvPr id="6" name="Group 5">
+            <a:extLst>
+              <a:ext uri="{FF2B5EF4-FFF2-40B4-BE49-F238E27FC236}">
+                <a16:creationId xmlns:a16="http://schemas.microsoft.com/office/drawing/2014/main" id="{0E48C1D4-11E2-4989-B135-AD6406FF636C}"/>
+              </a:ext>
+            </a:extLst>
+          </p:cNvPr>
+          <p:cNvGrpSpPr/>
+          <p:nvPr/>
+        </p:nvGrpSpPr>
+        <p:grpSpPr>
+          <a:xfrm>
+            <a:off x="790121" y="1665484"/>
+            <a:ext cx="7563758" cy="2290089"/>
+            <a:chOff x="456292" y="1529083"/>
+            <a:chExt cx="8063776" cy="2441480"/>
+          </a:xfrm>
+        </p:grpSpPr>
+        <p:grpSp>
+          <p:nvGrpSpPr>
+            <p:cNvPr id="7" name="Group 6">
+              <a:extLst>
+                <a:ext uri="{FF2B5EF4-FFF2-40B4-BE49-F238E27FC236}">
+                  <a16:creationId xmlns:a16="http://schemas.microsoft.com/office/drawing/2014/main" id="{D3540E53-60C7-4463-866A-BA74889AC4C6}"/>
+                </a:ext>
+              </a:extLst>
+            </p:cNvPr>
+            <p:cNvGrpSpPr/>
+            <p:nvPr/>
+          </p:nvGrpSpPr>
+          <p:grpSpPr>
+            <a:xfrm>
+              <a:off x="456292" y="1529083"/>
+              <a:ext cx="8063776" cy="2441480"/>
+              <a:chOff x="396000" y="1655636"/>
+              <a:chExt cx="8343900" cy="2526294"/>
+            </a:xfrm>
+          </p:grpSpPr>
+          <p:pic>
+            <p:nvPicPr>
+              <p:cNvPr id="12" name="Picture 11">
+                <a:extLst>
+                  <a:ext uri="{FF2B5EF4-FFF2-40B4-BE49-F238E27FC236}">
+                    <a16:creationId xmlns:a16="http://schemas.microsoft.com/office/drawing/2014/main" id="{DA05C17D-7475-49EA-8C07-34B38EE6143F}"/>
+                  </a:ext>
+                </a:extLst>
+              </p:cNvPr>
+              <p:cNvPicPr>
+                <a:picLocks noChangeAspect="1"/>
+              </p:cNvPicPr>
+              <p:nvPr>
+                <p:custDataLst>
+                  <p:tags r:id="rId1"/>
+                </p:custDataLst>
+              </p:nvPr>
+            </p:nvPicPr>
+            <p:blipFill>
+              <a:blip r:embed="rId8">
+                <a:extLst>
+                  <a:ext uri="{28A0092B-C50C-407E-A947-70E740481C1C}">
+                    <a14:useLocalDpi xmlns:a14="http://schemas.microsoft.com/office/drawing/2010/main" val="0"/>
+                  </a:ext>
+                </a:extLst>
+              </a:blip>
+              <a:stretch>
+                <a:fillRect/>
+              </a:stretch>
+            </p:blipFill>
+            <p:spPr>
+              <a:xfrm>
+                <a:off x="2978603" y="1827967"/>
+                <a:ext cx="535438" cy="172936"/>
+              </a:xfrm>
+              <a:prstGeom prst="rect">
+                <a:avLst/>
+              </a:prstGeom>
+            </p:spPr>
+          </p:pic>
+          <p:pic>
+            <p:nvPicPr>
+              <p:cNvPr id="13" name="Picture 12">
+                <a:extLst>
+                  <a:ext uri="{FF2B5EF4-FFF2-40B4-BE49-F238E27FC236}">
+                    <a16:creationId xmlns:a16="http://schemas.microsoft.com/office/drawing/2014/main" id="{02990A06-C22F-44EC-8B84-E27BA92B334F}"/>
+                  </a:ext>
+                </a:extLst>
+              </p:cNvPr>
+              <p:cNvPicPr>
+                <a:picLocks noChangeAspect="1"/>
+              </p:cNvPicPr>
+              <p:nvPr>
+                <p:custDataLst>
+                  <p:tags r:id="rId2"/>
+                </p:custDataLst>
+              </p:nvPr>
+            </p:nvPicPr>
+            <p:blipFill>
+              <a:blip r:embed="rId9">
+                <a:extLst>
+                  <a:ext uri="{28A0092B-C50C-407E-A947-70E740481C1C}">
+                    <a14:useLocalDpi xmlns:a14="http://schemas.microsoft.com/office/drawing/2010/main" val="0"/>
+                  </a:ext>
+                </a:extLst>
+              </a:blip>
+              <a:stretch>
+                <a:fillRect/>
+              </a:stretch>
+            </p:blipFill>
+            <p:spPr>
+              <a:xfrm>
+                <a:off x="2974914" y="2407898"/>
+                <a:ext cx="539872" cy="172936"/>
+              </a:xfrm>
+              <a:prstGeom prst="rect">
+                <a:avLst/>
+              </a:prstGeom>
+            </p:spPr>
+          </p:pic>
+          <p:pic>
+            <p:nvPicPr>
+              <p:cNvPr id="14" name="Picture 13">
+                <a:extLst>
+                  <a:ext uri="{FF2B5EF4-FFF2-40B4-BE49-F238E27FC236}">
+                    <a16:creationId xmlns:a16="http://schemas.microsoft.com/office/drawing/2014/main" id="{3990F990-FEBB-478A-AC25-147F9069CA33}"/>
+                  </a:ext>
+                </a:extLst>
+              </p:cNvPr>
+              <p:cNvPicPr>
+                <a:picLocks noChangeAspect="1"/>
+              </p:cNvPicPr>
+              <p:nvPr>
+                <p:custDataLst>
+                  <p:tags r:id="rId3"/>
+                </p:custDataLst>
+              </p:nvPr>
+            </p:nvPicPr>
+            <p:blipFill>
+              <a:blip r:embed="rId10">
+                <a:extLst>
+                  <a:ext uri="{28A0092B-C50C-407E-A947-70E740481C1C}">
+                    <a14:useLocalDpi xmlns:a14="http://schemas.microsoft.com/office/drawing/2010/main" val="0"/>
+                  </a:ext>
+                </a:extLst>
+              </a:blip>
+              <a:stretch>
+                <a:fillRect/>
+              </a:stretch>
+            </p:blipFill>
+            <p:spPr>
+              <a:xfrm>
+                <a:off x="2957542" y="3425548"/>
+                <a:ext cx="577563" cy="174045"/>
+              </a:xfrm>
+              <a:prstGeom prst="rect">
+                <a:avLst/>
+              </a:prstGeom>
+            </p:spPr>
+          </p:pic>
+          <p:grpSp>
+            <p:nvGrpSpPr>
+              <p:cNvPr id="15" name="Group 14">
+                <a:extLst>
+                  <a:ext uri="{FF2B5EF4-FFF2-40B4-BE49-F238E27FC236}">
+                    <a16:creationId xmlns:a16="http://schemas.microsoft.com/office/drawing/2014/main" id="{F66839C8-F9B4-4DDD-A721-D0B436655F3B}"/>
+                  </a:ext>
+                </a:extLst>
+              </p:cNvPr>
+              <p:cNvGrpSpPr/>
+              <p:nvPr/>
+            </p:nvGrpSpPr>
+            <p:grpSpPr>
+              <a:xfrm>
+                <a:off x="396000" y="1655636"/>
+                <a:ext cx="8343900" cy="2526294"/>
+                <a:chOff x="396000" y="1655636"/>
+                <a:chExt cx="8343900" cy="2526294"/>
+              </a:xfrm>
+            </p:grpSpPr>
+            <p:grpSp>
+              <p:nvGrpSpPr>
+                <p:cNvPr id="16" name="Group 15">
+                  <a:extLst>
+                    <a:ext uri="{FF2B5EF4-FFF2-40B4-BE49-F238E27FC236}">
+                      <a16:creationId xmlns:a16="http://schemas.microsoft.com/office/drawing/2014/main" id="{98775483-316B-499B-B6AE-C84856F7DDD9}"/>
+                    </a:ext>
+                  </a:extLst>
+                </p:cNvPr>
+                <p:cNvGrpSpPr/>
+                <p:nvPr/>
+              </p:nvGrpSpPr>
+              <p:grpSpPr>
+                <a:xfrm>
+                  <a:off x="396000" y="1655636"/>
+                  <a:ext cx="8343900" cy="2526294"/>
+                  <a:chOff x="1614071" y="3087463"/>
+                  <a:chExt cx="6285383" cy="1903034"/>
+                </a:xfrm>
+              </p:grpSpPr>
+              <p:sp>
+                <p:nvSpPr>
+                  <p:cNvPr id="19" name="Cloud 18">
+                    <a:extLst>
+                      <a:ext uri="{FF2B5EF4-FFF2-40B4-BE49-F238E27FC236}">
+                        <a16:creationId xmlns:a16="http://schemas.microsoft.com/office/drawing/2014/main" id="{D33B779C-297A-4805-AFEE-09654B858003}"/>
+                      </a:ext>
+                    </a:extLst>
+                  </p:cNvPr>
+                  <p:cNvSpPr/>
+                  <p:nvPr/>
+                </p:nvSpPr>
+                <p:spPr>
+                  <a:xfrm>
+                    <a:off x="5537023" y="3466475"/>
+                    <a:ext cx="823147" cy="734865"/>
+                  </a:xfrm>
+                  <a:prstGeom prst="cloud">
+                    <a:avLst/>
+                  </a:prstGeom>
+                  <a:solidFill>
+                    <a:srgbClr val="FF0000"/>
+                  </a:solidFill>
+                  <a:ln>
+                    <a:solidFill>
+                      <a:srgbClr val="C00000"/>
+                    </a:solidFill>
+                  </a:ln>
+                </p:spPr>
+                <p:style>
+                  <a:lnRef idx="2">
+                    <a:schemeClr val="accent1">
+                      <a:shade val="50000"/>
+                    </a:schemeClr>
+                  </a:lnRef>
+                  <a:fillRef idx="1">
+                    <a:schemeClr val="accent1"/>
+                  </a:fillRef>
+                  <a:effectRef idx="0">
+                    <a:schemeClr val="accent1"/>
+                  </a:effectRef>
+                  <a:fontRef idx="minor">
+                    <a:schemeClr val="lt1"/>
+                  </a:fontRef>
+                </p:style>
+                <p:txBody>
+                  <a:bodyPr rtlCol="0" anchor="ctr"/>
+                  <a:lstStyle/>
+                  <a:p>
+                    <a:pPr algn="ctr"/>
+                    <a:endParaRPr lang="en-AU" dirty="0"/>
+                  </a:p>
+                </p:txBody>
+              </p:sp>
+              <p:pic>
+                <p:nvPicPr>
+                  <p:cNvPr id="20" name="Picture 19">
+                    <a:extLst>
+                      <a:ext uri="{FF2B5EF4-FFF2-40B4-BE49-F238E27FC236}">
+                        <a16:creationId xmlns:a16="http://schemas.microsoft.com/office/drawing/2014/main" id="{6005CC77-E9CB-4767-870E-CD05F87E5410}"/>
+                      </a:ext>
+                    </a:extLst>
+                  </p:cNvPr>
+                  <p:cNvPicPr>
+                    <a:picLocks noChangeAspect="1"/>
+                  </p:cNvPicPr>
+                  <p:nvPr/>
+                </p:nvPicPr>
+                <p:blipFill>
+                  <a:blip r:embed="rId11"/>
+                  <a:stretch>
+                    <a:fillRect/>
+                  </a:stretch>
+                </p:blipFill>
+                <p:spPr>
+                  <a:xfrm>
+                    <a:off x="3018841" y="3561094"/>
+                    <a:ext cx="319443" cy="315729"/>
+                  </a:xfrm>
+                  <a:prstGeom prst="rect">
+                    <a:avLst/>
+                  </a:prstGeom>
+                </p:spPr>
+              </p:pic>
+              <p:pic>
+                <p:nvPicPr>
+                  <p:cNvPr id="21" name="Picture 20">
+                    <a:extLst>
+                      <a:ext uri="{FF2B5EF4-FFF2-40B4-BE49-F238E27FC236}">
+                        <a16:creationId xmlns:a16="http://schemas.microsoft.com/office/drawing/2014/main" id="{1AC17E54-E24D-47B6-8BB0-83D65FB1FB45}"/>
+                      </a:ext>
+                    </a:extLst>
+                  </p:cNvPr>
+                  <p:cNvPicPr>
+                    <a:picLocks noChangeAspect="1"/>
+                  </p:cNvPicPr>
+                  <p:nvPr/>
+                </p:nvPicPr>
+                <p:blipFill>
+                  <a:blip r:embed="rId12">
+                    <a:extLst>
+                      <a:ext uri="{28A0092B-C50C-407E-A947-70E740481C1C}">
+                        <a14:useLocalDpi xmlns:a14="http://schemas.microsoft.com/office/drawing/2010/main" val="0"/>
+                      </a:ext>
+                    </a:extLst>
+                  </a:blip>
+                  <a:stretch>
+                    <a:fillRect/>
+                  </a:stretch>
+                </p:blipFill>
+                <p:spPr>
+                  <a:xfrm>
+                    <a:off x="5799109" y="3676044"/>
+                    <a:ext cx="298976" cy="315729"/>
+                  </a:xfrm>
+                  <a:prstGeom prst="rect">
+                    <a:avLst/>
+                  </a:prstGeom>
+                </p:spPr>
+              </p:pic>
+              <p:pic>
+                <p:nvPicPr>
+                  <p:cNvPr id="22" name="Picture 21">
+                    <a:extLst>
+                      <a:ext uri="{FF2B5EF4-FFF2-40B4-BE49-F238E27FC236}">
+                        <a16:creationId xmlns:a16="http://schemas.microsoft.com/office/drawing/2014/main" id="{B616505A-D45B-4FDD-A1C6-CE98F0AD4F63}"/>
+                      </a:ext>
+                    </a:extLst>
+                  </p:cNvPr>
+                  <p:cNvPicPr>
+                    <a:picLocks noChangeAspect="1"/>
+                  </p:cNvPicPr>
+                  <p:nvPr/>
+                </p:nvPicPr>
+                <p:blipFill>
+                  <a:blip r:embed="rId13"/>
+                  <a:stretch>
+                    <a:fillRect/>
+                  </a:stretch>
+                </p:blipFill>
+                <p:spPr>
+                  <a:xfrm>
+                    <a:off x="3018841" y="3087463"/>
+                    <a:ext cx="319443" cy="315729"/>
+                  </a:xfrm>
+                  <a:prstGeom prst="rect">
+                    <a:avLst/>
+                  </a:prstGeom>
+                </p:spPr>
+              </p:pic>
+              <p:pic>
+                <p:nvPicPr>
+                  <p:cNvPr id="23" name="Picture 22">
+                    <a:extLst>
+                      <a:ext uri="{FF2B5EF4-FFF2-40B4-BE49-F238E27FC236}">
+                        <a16:creationId xmlns:a16="http://schemas.microsoft.com/office/drawing/2014/main" id="{15062903-4A8D-46BC-AA5B-03F1F8AED189}"/>
+                      </a:ext>
+                    </a:extLst>
+                  </p:cNvPr>
+                  <p:cNvPicPr>
+                    <a:picLocks noChangeAspect="1"/>
+                  </p:cNvPicPr>
+                  <p:nvPr/>
+                </p:nvPicPr>
+                <p:blipFill>
+                  <a:blip r:embed="rId14">
+                    <a:extLst>
+                      <a:ext uri="{28A0092B-C50C-407E-A947-70E740481C1C}">
+                        <a14:useLocalDpi xmlns:a14="http://schemas.microsoft.com/office/drawing/2010/main" val="0"/>
+                      </a:ext>
+                    </a:extLst>
+                  </a:blip>
+                  <a:stretch>
+                    <a:fillRect/>
+                  </a:stretch>
+                </p:blipFill>
+                <p:spPr>
+                  <a:xfrm rot="10800000">
+                    <a:off x="3019863" y="4326553"/>
+                    <a:ext cx="319443" cy="319443"/>
+                  </a:xfrm>
+                  <a:prstGeom prst="rect">
+                    <a:avLst/>
+                  </a:prstGeom>
+                </p:spPr>
+              </p:pic>
+              <p:pic>
+                <p:nvPicPr>
+                  <p:cNvPr id="24" name="Picture 23">
+                    <a:extLst>
+                      <a:ext uri="{FF2B5EF4-FFF2-40B4-BE49-F238E27FC236}">
+                        <a16:creationId xmlns:a16="http://schemas.microsoft.com/office/drawing/2014/main" id="{05DD22E2-65FB-4166-B5CC-0E1F6BFA1CCE}"/>
+                      </a:ext>
+                    </a:extLst>
+                  </p:cNvPr>
+                  <p:cNvPicPr>
+                    <a:picLocks noChangeAspect="1"/>
+                  </p:cNvPicPr>
+                  <p:nvPr/>
+                </p:nvPicPr>
+                <p:blipFill>
+                  <a:blip r:embed="rId15"/>
+                  <a:stretch>
+                    <a:fillRect/>
+                  </a:stretch>
+                </p:blipFill>
+                <p:spPr>
+                  <a:xfrm>
+                    <a:off x="1614071" y="3496625"/>
+                    <a:ext cx="603050" cy="592999"/>
+                  </a:xfrm>
+                  <a:prstGeom prst="rect">
+                    <a:avLst/>
+                  </a:prstGeom>
+                </p:spPr>
+              </p:pic>
+              <p:cxnSp>
+                <p:nvCxnSpPr>
+                  <p:cNvPr id="25" name="Straight Connector 24">
+                    <a:extLst>
+                      <a:ext uri="{FF2B5EF4-FFF2-40B4-BE49-F238E27FC236}">
+                        <a16:creationId xmlns:a16="http://schemas.microsoft.com/office/drawing/2014/main" id="{492350D7-145D-4D02-88FE-B4C61737AC48}"/>
+                      </a:ext>
+                    </a:extLst>
+                  </p:cNvPr>
+                  <p:cNvCxnSpPr>
+                    <a:cxnSpLocks/>
+                  </p:cNvCxnSpPr>
+                  <p:nvPr/>
+                </p:nvCxnSpPr>
+                <p:spPr>
+                  <a:xfrm flipH="1">
+                    <a:off x="2290645" y="3282414"/>
+                    <a:ext cx="635492" cy="296512"/>
+                  </a:xfrm>
+                  <a:prstGeom prst="line">
+                    <a:avLst/>
+                  </a:prstGeom>
+                  <a:ln w="19050">
+                    <a:solidFill>
+                      <a:srgbClr val="00B0F0"/>
+                    </a:solidFill>
+                    <a:prstDash val="sysDash"/>
+                  </a:ln>
+                </p:spPr>
+                <p:style>
+                  <a:lnRef idx="1">
+                    <a:schemeClr val="accent1"/>
+                  </a:lnRef>
+                  <a:fillRef idx="0">
+                    <a:schemeClr val="accent1"/>
+                  </a:fillRef>
+                  <a:effectRef idx="0">
+                    <a:schemeClr val="accent1"/>
+                  </a:effectRef>
+                  <a:fontRef idx="minor">
+                    <a:schemeClr val="tx1"/>
+                  </a:fontRef>
+                </p:style>
+              </p:cxnSp>
+              <p:cxnSp>
+                <p:nvCxnSpPr>
+                  <p:cNvPr id="26" name="Straight Connector 25">
+                    <a:extLst>
+                      <a:ext uri="{FF2B5EF4-FFF2-40B4-BE49-F238E27FC236}">
+                        <a16:creationId xmlns:a16="http://schemas.microsoft.com/office/drawing/2014/main" id="{B2F37318-3804-436E-9ECC-444B45C33E97}"/>
+                      </a:ext>
+                    </a:extLst>
+                  </p:cNvPr>
+                  <p:cNvCxnSpPr>
+                    <a:cxnSpLocks/>
+                  </p:cNvCxnSpPr>
+                  <p:nvPr/>
+                </p:nvCxnSpPr>
+                <p:spPr>
+                  <a:xfrm flipH="1">
+                    <a:off x="2290645" y="3773857"/>
+                    <a:ext cx="635493" cy="35863"/>
+                  </a:xfrm>
+                  <a:prstGeom prst="line">
+                    <a:avLst/>
+                  </a:prstGeom>
+                  <a:ln w="19050">
+                    <a:solidFill>
+                      <a:srgbClr val="00B0F0"/>
+                    </a:solidFill>
+                    <a:prstDash val="sysDash"/>
+                  </a:ln>
+                </p:spPr>
+                <p:style>
+                  <a:lnRef idx="1">
+                    <a:schemeClr val="accent1"/>
+                  </a:lnRef>
+                  <a:fillRef idx="0">
+                    <a:schemeClr val="accent1"/>
+                  </a:fillRef>
+                  <a:effectRef idx="0">
+                    <a:schemeClr val="accent1"/>
+                  </a:effectRef>
+                  <a:fontRef idx="minor">
+                    <a:schemeClr val="tx1"/>
+                  </a:fontRef>
+                </p:style>
+              </p:cxnSp>
+              <p:cxnSp>
+                <p:nvCxnSpPr>
+                  <p:cNvPr id="27" name="Straight Connector 26">
+                    <a:extLst>
+                      <a:ext uri="{FF2B5EF4-FFF2-40B4-BE49-F238E27FC236}">
+                        <a16:creationId xmlns:a16="http://schemas.microsoft.com/office/drawing/2014/main" id="{FECF8685-0DBF-4DFE-B9E0-A1CC36F14D01}"/>
+                      </a:ext>
+                    </a:extLst>
+                  </p:cNvPr>
+                  <p:cNvCxnSpPr>
+                    <a:cxnSpLocks/>
+                  </p:cNvCxnSpPr>
+                  <p:nvPr/>
+                </p:nvCxnSpPr>
+                <p:spPr>
+                  <a:xfrm flipH="1" flipV="1">
+                    <a:off x="2315476" y="4004651"/>
+                    <a:ext cx="615904" cy="459345"/>
+                  </a:xfrm>
+                  <a:prstGeom prst="line">
+                    <a:avLst/>
+                  </a:prstGeom>
+                  <a:ln w="19050">
+                    <a:solidFill>
+                      <a:srgbClr val="00B0F0"/>
+                    </a:solidFill>
+                    <a:prstDash val="sysDash"/>
+                  </a:ln>
+                </p:spPr>
+                <p:style>
+                  <a:lnRef idx="1">
+                    <a:schemeClr val="accent1"/>
+                  </a:lnRef>
+                  <a:fillRef idx="0">
+                    <a:schemeClr val="accent1"/>
+                  </a:fillRef>
+                  <a:effectRef idx="0">
+                    <a:schemeClr val="accent1"/>
+                  </a:effectRef>
+                  <a:fontRef idx="minor">
+                    <a:schemeClr val="tx1"/>
+                  </a:fontRef>
+                </p:style>
+              </p:cxnSp>
+              <p:pic>
+                <p:nvPicPr>
+                  <p:cNvPr id="28" name="Picture 27">
+                    <a:extLst>
+                      <a:ext uri="{FF2B5EF4-FFF2-40B4-BE49-F238E27FC236}">
+                        <a16:creationId xmlns:a16="http://schemas.microsoft.com/office/drawing/2014/main" id="{5D17AE79-084E-4FDE-8383-DBC5D855838E}"/>
+                      </a:ext>
+                    </a:extLst>
+                  </p:cNvPr>
+                  <p:cNvPicPr>
+                    <a:picLocks noChangeAspect="1"/>
+                  </p:cNvPicPr>
+                  <p:nvPr>
+                    <p:custDataLst>
+                      <p:tags r:id="rId6"/>
+                    </p:custDataLst>
+                  </p:nvPr>
+                </p:nvPicPr>
+                <p:blipFill>
+                  <a:blip r:embed="rId16">
+                    <a:extLst>
+                      <a:ext uri="{28A0092B-C50C-407E-A947-70E740481C1C}">
+                        <a14:useLocalDpi xmlns:a14="http://schemas.microsoft.com/office/drawing/2010/main" val="0"/>
+                      </a:ext>
+                    </a:extLst>
+                  </a:blip>
+                  <a:stretch>
+                    <a:fillRect/>
+                  </a:stretch>
+                </p:blipFill>
+                <p:spPr>
+                  <a:xfrm rot="16200000">
+                    <a:off x="3033663" y="4085231"/>
+                    <a:ext cx="301714" cy="32914"/>
+                  </a:xfrm>
+                  <a:prstGeom prst="rect">
+                    <a:avLst/>
+                  </a:prstGeom>
+                </p:spPr>
+              </p:pic>
+              <p:sp>
+                <p:nvSpPr>
+                  <p:cNvPr id="29" name="Freeform: Shape 28">
+                    <a:extLst>
+                      <a:ext uri="{FF2B5EF4-FFF2-40B4-BE49-F238E27FC236}">
+                        <a16:creationId xmlns:a16="http://schemas.microsoft.com/office/drawing/2014/main" id="{A7DAB838-9BC9-4BD6-9AEA-52F2DDE718D8}"/>
+                      </a:ext>
+                    </a:extLst>
+                  </p:cNvPr>
+                  <p:cNvSpPr/>
+                  <p:nvPr/>
+                </p:nvSpPr>
+                <p:spPr>
+                  <a:xfrm>
+                    <a:off x="4342214" y="3282414"/>
+                    <a:ext cx="1118109" cy="463550"/>
+                  </a:xfrm>
+                  <a:custGeom>
+                    <a:avLst/>
+                    <a:gdLst>
+                      <a:gd name="connsiteX0" fmla="*/ 0 w 1298575"/>
+                      <a:gd name="connsiteY0" fmla="*/ 0 h 454025"/>
+                      <a:gd name="connsiteX1" fmla="*/ 660400 w 1298575"/>
+                      <a:gd name="connsiteY1" fmla="*/ 292100 h 454025"/>
+                      <a:gd name="connsiteX2" fmla="*/ 1298575 w 1298575"/>
+                      <a:gd name="connsiteY2" fmla="*/ 454025 h 454025"/>
+                    </a:gdLst>
+                    <a:ahLst/>
+                    <a:cxnLst>
+                      <a:cxn ang="0">
+                        <a:pos x="connsiteX0" y="connsiteY0"/>
+                      </a:cxn>
+                      <a:cxn ang="0">
+                        <a:pos x="connsiteX1" y="connsiteY1"/>
+                      </a:cxn>
+                      <a:cxn ang="0">
+                        <a:pos x="connsiteX2" y="connsiteY2"/>
+                      </a:cxn>
+                    </a:cxnLst>
+                    <a:rect l="l" t="t" r="r" b="b"/>
+                    <a:pathLst>
+                      <a:path w="1298575" h="454025">
+                        <a:moveTo>
+                          <a:pt x="0" y="0"/>
+                        </a:moveTo>
+                        <a:cubicBezTo>
+                          <a:pt x="221985" y="108214"/>
+                          <a:pt x="443971" y="216429"/>
+                          <a:pt x="660400" y="292100"/>
+                        </a:cubicBezTo>
+                        <a:cubicBezTo>
+                          <a:pt x="876829" y="367771"/>
+                          <a:pt x="1087702" y="410898"/>
+                          <a:pt x="1298575" y="454025"/>
+                        </a:cubicBezTo>
+                      </a:path>
+                    </a:pathLst>
+                  </a:custGeom>
+                  <a:noFill/>
+                  <a:ln>
+                    <a:headEnd type="none" w="med" len="med"/>
+                    <a:tailEnd type="arrow" w="med" len="med"/>
+                  </a:ln>
+                </p:spPr>
+                <p:style>
+                  <a:lnRef idx="2">
+                    <a:schemeClr val="accent1">
+                      <a:shade val="50000"/>
+                    </a:schemeClr>
+                  </a:lnRef>
+                  <a:fillRef idx="1">
+                    <a:schemeClr val="accent1"/>
+                  </a:fillRef>
+                  <a:effectRef idx="0">
+                    <a:schemeClr val="accent1"/>
+                  </a:effectRef>
+                  <a:fontRef idx="minor">
+                    <a:schemeClr val="lt1"/>
+                  </a:fontRef>
+                </p:style>
+                <p:txBody>
+                  <a:bodyPr rtlCol="0" anchor="ctr"/>
+                  <a:lstStyle/>
+                  <a:p>
+                    <a:pPr algn="ctr"/>
+                    <a:endParaRPr lang="en-AU"/>
+                  </a:p>
+                </p:txBody>
+              </p:sp>
+              <p:sp>
+                <p:nvSpPr>
+                  <p:cNvPr id="30" name="Freeform: Shape 29">
+                    <a:extLst>
+                      <a:ext uri="{FF2B5EF4-FFF2-40B4-BE49-F238E27FC236}">
+                        <a16:creationId xmlns:a16="http://schemas.microsoft.com/office/drawing/2014/main" id="{698D0428-B824-470D-8FDF-75593BF24BBC}"/>
+                      </a:ext>
+                    </a:extLst>
+                  </p:cNvPr>
+                  <p:cNvSpPr/>
+                  <p:nvPr/>
+                </p:nvSpPr>
+                <p:spPr>
+                  <a:xfrm>
+                    <a:off x="4339040" y="3745964"/>
+                    <a:ext cx="1118108" cy="116548"/>
+                  </a:xfrm>
+                  <a:custGeom>
+                    <a:avLst/>
+                    <a:gdLst>
+                      <a:gd name="connsiteX0" fmla="*/ 0 w 952500"/>
+                      <a:gd name="connsiteY0" fmla="*/ 0 h 142875"/>
+                      <a:gd name="connsiteX1" fmla="*/ 463550 w 952500"/>
+                      <a:gd name="connsiteY1" fmla="*/ 107950 h 142875"/>
+                      <a:gd name="connsiteX2" fmla="*/ 952500 w 952500"/>
+                      <a:gd name="connsiteY2" fmla="*/ 142875 h 142875"/>
+                    </a:gdLst>
+                    <a:ahLst/>
+                    <a:cxnLst>
+                      <a:cxn ang="0">
+                        <a:pos x="connsiteX0" y="connsiteY0"/>
+                      </a:cxn>
+                      <a:cxn ang="0">
+                        <a:pos x="connsiteX1" y="connsiteY1"/>
+                      </a:cxn>
+                      <a:cxn ang="0">
+                        <a:pos x="connsiteX2" y="connsiteY2"/>
+                      </a:cxn>
+                    </a:cxnLst>
+                    <a:rect l="l" t="t" r="r" b="b"/>
+                    <a:pathLst>
+                      <a:path w="952500" h="142875">
+                        <a:moveTo>
+                          <a:pt x="0" y="0"/>
+                        </a:moveTo>
+                        <a:cubicBezTo>
+                          <a:pt x="152400" y="42069"/>
+                          <a:pt x="304800" y="84138"/>
+                          <a:pt x="463550" y="107950"/>
+                        </a:cubicBezTo>
+                        <a:cubicBezTo>
+                          <a:pt x="622300" y="131762"/>
+                          <a:pt x="787400" y="137318"/>
+                          <a:pt x="952500" y="142875"/>
+                        </a:cubicBezTo>
+                      </a:path>
+                    </a:pathLst>
+                  </a:custGeom>
+                  <a:noFill/>
+                  <a:ln>
+                    <a:headEnd type="none" w="med" len="med"/>
+                    <a:tailEnd type="arrow" w="med" len="med"/>
+                  </a:ln>
+                </p:spPr>
+                <p:style>
+                  <a:lnRef idx="2">
+                    <a:schemeClr val="accent1">
+                      <a:shade val="50000"/>
+                    </a:schemeClr>
+                  </a:lnRef>
+                  <a:fillRef idx="1">
+                    <a:schemeClr val="accent1"/>
+                  </a:fillRef>
+                  <a:effectRef idx="0">
+                    <a:schemeClr val="accent1"/>
+                  </a:effectRef>
+                  <a:fontRef idx="minor">
+                    <a:schemeClr val="lt1"/>
+                  </a:fontRef>
+                </p:style>
+                <p:txBody>
+                  <a:bodyPr rtlCol="0" anchor="ctr"/>
+                  <a:lstStyle/>
+                  <a:p>
+                    <a:pPr algn="ctr"/>
+                    <a:endParaRPr lang="en-AU"/>
+                  </a:p>
+                </p:txBody>
+              </p:sp>
+              <p:sp>
+                <p:nvSpPr>
+                  <p:cNvPr id="31" name="Freeform: Shape 30">
+                    <a:extLst>
+                      <a:ext uri="{FF2B5EF4-FFF2-40B4-BE49-F238E27FC236}">
+                        <a16:creationId xmlns:a16="http://schemas.microsoft.com/office/drawing/2014/main" id="{C0FB81B3-55DD-488A-B001-DB2853EF8AC8}"/>
+                      </a:ext>
+                    </a:extLst>
+                  </p:cNvPr>
+                  <p:cNvSpPr/>
+                  <p:nvPr/>
+                </p:nvSpPr>
+                <p:spPr>
+                  <a:xfrm>
+                    <a:off x="4338918" y="3975603"/>
+                    <a:ext cx="1124580" cy="459346"/>
+                  </a:xfrm>
+                  <a:custGeom>
+                    <a:avLst/>
+                    <a:gdLst>
+                      <a:gd name="connsiteX0" fmla="*/ 0 w 1333500"/>
+                      <a:gd name="connsiteY0" fmla="*/ 501650 h 501650"/>
+                      <a:gd name="connsiteX1" fmla="*/ 460375 w 1333500"/>
+                      <a:gd name="connsiteY1" fmla="*/ 184150 h 501650"/>
+                      <a:gd name="connsiteX2" fmla="*/ 1333500 w 1333500"/>
+                      <a:gd name="connsiteY2" fmla="*/ 0 h 501650"/>
+                    </a:gdLst>
+                    <a:ahLst/>
+                    <a:cxnLst>
+                      <a:cxn ang="0">
+                        <a:pos x="connsiteX0" y="connsiteY0"/>
+                      </a:cxn>
+                      <a:cxn ang="0">
+                        <a:pos x="connsiteX1" y="connsiteY1"/>
+                      </a:cxn>
+                      <a:cxn ang="0">
+                        <a:pos x="connsiteX2" y="connsiteY2"/>
+                      </a:cxn>
+                    </a:cxnLst>
+                    <a:rect l="l" t="t" r="r" b="b"/>
+                    <a:pathLst>
+                      <a:path w="1333500" h="501650">
+                        <a:moveTo>
+                          <a:pt x="0" y="501650"/>
+                        </a:moveTo>
+                        <a:cubicBezTo>
+                          <a:pt x="119062" y="384704"/>
+                          <a:pt x="238125" y="267758"/>
+                          <a:pt x="460375" y="184150"/>
+                        </a:cubicBezTo>
+                        <a:cubicBezTo>
+                          <a:pt x="682625" y="100542"/>
+                          <a:pt x="1008062" y="50271"/>
+                          <a:pt x="1333500" y="0"/>
+                        </a:cubicBezTo>
+                      </a:path>
+                    </a:pathLst>
+                  </a:custGeom>
+                  <a:noFill/>
+                  <a:ln>
+                    <a:headEnd type="none" w="med" len="med"/>
+                    <a:tailEnd type="arrow" w="med" len="med"/>
+                  </a:ln>
+                </p:spPr>
+                <p:style>
+                  <a:lnRef idx="2">
+                    <a:schemeClr val="accent1">
+                      <a:shade val="50000"/>
+                    </a:schemeClr>
+                  </a:lnRef>
+                  <a:fillRef idx="1">
+                    <a:schemeClr val="accent1"/>
+                  </a:fillRef>
+                  <a:effectRef idx="0">
+                    <a:schemeClr val="accent1"/>
+                  </a:effectRef>
+                  <a:fontRef idx="minor">
+                    <a:schemeClr val="lt1"/>
+                  </a:fontRef>
+                </p:style>
+                <p:txBody>
+                  <a:bodyPr rtlCol="0" anchor="ctr"/>
+                  <a:lstStyle/>
+                  <a:p>
+                    <a:pPr algn="ctr"/>
+                    <a:endParaRPr lang="en-AU" dirty="0"/>
+                  </a:p>
+                </p:txBody>
+              </p:sp>
+              <p:sp>
+                <p:nvSpPr>
+                  <p:cNvPr id="32" name="TextBox 31">
+                    <a:extLst>
+                      <a:ext uri="{FF2B5EF4-FFF2-40B4-BE49-F238E27FC236}">
+                        <a16:creationId xmlns:a16="http://schemas.microsoft.com/office/drawing/2014/main" id="{60DC3D3C-E426-4F85-AD5A-F73CCDB10E4F}"/>
+                      </a:ext>
+                    </a:extLst>
+                  </p:cNvPr>
+                  <p:cNvSpPr txBox="1"/>
+                  <p:nvPr/>
+                </p:nvSpPr>
+                <p:spPr>
+                  <a:xfrm>
+                    <a:off x="3421741" y="3174692"/>
+                    <a:ext cx="666811" cy="197017"/>
+                  </a:xfrm>
+                  <a:prstGeom prst="rect">
+                    <a:avLst/>
+                  </a:prstGeom>
+                  <a:noFill/>
+                  <a:ln w="19050">
+                    <a:solidFill>
+                      <a:srgbClr val="FFC000"/>
+                    </a:solidFill>
+                  </a:ln>
+                </p:spPr>
+                <p:txBody>
+                  <a:bodyPr wrap="square" rtlCol="0">
+                    <a:spAutoFit/>
+                  </a:bodyPr>
+                  <a:lstStyle/>
+                  <a:p>
+                    <a:endParaRPr lang="en-AU" sz="800" dirty="0"/>
+                  </a:p>
+                </p:txBody>
+              </p:sp>
+              <p:sp>
+                <p:nvSpPr>
+                  <p:cNvPr id="33" name="TextBox 32">
+                    <a:extLst>
+                      <a:ext uri="{FF2B5EF4-FFF2-40B4-BE49-F238E27FC236}">
+                        <a16:creationId xmlns:a16="http://schemas.microsoft.com/office/drawing/2014/main" id="{C1E11393-3832-4AAD-8841-AE5B564CF128}"/>
+                      </a:ext>
+                    </a:extLst>
+                  </p:cNvPr>
+                  <p:cNvSpPr txBox="1"/>
+                  <p:nvPr/>
+                </p:nvSpPr>
+                <p:spPr>
+                  <a:xfrm>
+                    <a:off x="3427787" y="3618463"/>
+                    <a:ext cx="666811" cy="197017"/>
+                  </a:xfrm>
+                  <a:prstGeom prst="rect">
+                    <a:avLst/>
+                  </a:prstGeom>
+                  <a:noFill/>
+                  <a:ln w="19050">
+                    <a:solidFill>
+                      <a:srgbClr val="FFC000"/>
+                    </a:solidFill>
+                  </a:ln>
+                </p:spPr>
+                <p:txBody>
+                  <a:bodyPr wrap="square" rtlCol="0">
+                    <a:spAutoFit/>
+                  </a:bodyPr>
+                  <a:lstStyle/>
+                  <a:p>
+                    <a:endParaRPr lang="en-AU" sz="800" dirty="0"/>
+                  </a:p>
+                </p:txBody>
+              </p:sp>
+              <p:sp>
+                <p:nvSpPr>
+                  <p:cNvPr id="34" name="TextBox 33">
+                    <a:extLst>
+                      <a:ext uri="{FF2B5EF4-FFF2-40B4-BE49-F238E27FC236}">
+                        <a16:creationId xmlns:a16="http://schemas.microsoft.com/office/drawing/2014/main" id="{05DC36A8-00C9-476B-B50D-A31782F5C482}"/>
+                      </a:ext>
+                    </a:extLst>
+                  </p:cNvPr>
+                  <p:cNvSpPr txBox="1"/>
+                  <p:nvPr/>
+                </p:nvSpPr>
+                <p:spPr>
+                  <a:xfrm>
+                    <a:off x="3427788" y="4378552"/>
+                    <a:ext cx="666811" cy="197017"/>
+                  </a:xfrm>
+                  <a:prstGeom prst="rect">
+                    <a:avLst/>
+                  </a:prstGeom>
+                  <a:noFill/>
+                  <a:ln w="19050">
+                    <a:solidFill>
+                      <a:srgbClr val="FFC000"/>
+                    </a:solidFill>
+                  </a:ln>
+                </p:spPr>
+                <p:txBody>
+                  <a:bodyPr wrap="square" rtlCol="0">
+                    <a:spAutoFit/>
+                  </a:bodyPr>
+                  <a:lstStyle/>
+                  <a:p>
+                    <a:endParaRPr lang="en-AU" sz="800" dirty="0"/>
+                  </a:p>
+                </p:txBody>
+              </p:sp>
+              <p:sp>
+                <p:nvSpPr>
+                  <p:cNvPr id="35" name="TextBox 34">
+                    <a:extLst>
+                      <a:ext uri="{FF2B5EF4-FFF2-40B4-BE49-F238E27FC236}">
+                        <a16:creationId xmlns:a16="http://schemas.microsoft.com/office/drawing/2014/main" id="{1BAD6E17-F188-45D8-A29D-070B41E42B58}"/>
+                      </a:ext>
+                    </a:extLst>
+                  </p:cNvPr>
+                  <p:cNvSpPr txBox="1"/>
+                  <p:nvPr/>
+                </p:nvSpPr>
+                <p:spPr>
+                  <a:xfrm>
+                    <a:off x="5381655" y="4269357"/>
+                    <a:ext cx="1156600" cy="721140"/>
+                  </a:xfrm>
+                  <a:prstGeom prst="rect">
+                    <a:avLst/>
+                  </a:prstGeom>
+                  <a:noFill/>
+                  <a:ln w="19050">
+                    <a:solidFill>
+                      <a:schemeClr val="accent2"/>
+                    </a:solidFill>
+                  </a:ln>
+                </p:spPr>
+                <p:txBody>
+                  <a:bodyPr wrap="square" rtlCol="0">
+                    <a:spAutoFit/>
+                  </a:bodyPr>
+                  <a:lstStyle/>
+                  <a:p>
+                    <a:endParaRPr lang="en-AU" sz="800" dirty="0"/>
+                  </a:p>
+                </p:txBody>
+              </p:sp>
+              <p:pic>
+                <p:nvPicPr>
+                  <p:cNvPr id="36" name="Picture 35">
+                    <a:extLst>
+                      <a:ext uri="{FF2B5EF4-FFF2-40B4-BE49-F238E27FC236}">
+                        <a16:creationId xmlns:a16="http://schemas.microsoft.com/office/drawing/2014/main" id="{AEBB047E-6434-418B-A378-E57A8887FDA6}"/>
+                      </a:ext>
+                    </a:extLst>
+                  </p:cNvPr>
+                  <p:cNvPicPr>
+                    <a:picLocks noChangeAspect="1"/>
+                  </p:cNvPicPr>
+                  <p:nvPr/>
+                </p:nvPicPr>
+                <p:blipFill>
+                  <a:blip r:embed="rId17"/>
+                  <a:stretch>
+                    <a:fillRect/>
+                  </a:stretch>
+                </p:blipFill>
+                <p:spPr>
+                  <a:xfrm>
+                    <a:off x="7610452" y="3615639"/>
+                    <a:ext cx="289002" cy="486049"/>
+                  </a:xfrm>
+                  <a:prstGeom prst="rect">
+                    <a:avLst/>
+                  </a:prstGeom>
+                </p:spPr>
+              </p:pic>
+              <p:sp>
+                <p:nvSpPr>
+                  <p:cNvPr id="37" name="Freeform: Shape 36">
+                    <a:extLst>
+                      <a:ext uri="{FF2B5EF4-FFF2-40B4-BE49-F238E27FC236}">
+                        <a16:creationId xmlns:a16="http://schemas.microsoft.com/office/drawing/2014/main" id="{BB5980A9-1D0C-48D0-9C8D-4785C5B1AB1E}"/>
+                      </a:ext>
+                    </a:extLst>
+                  </p:cNvPr>
+                  <p:cNvSpPr/>
+                  <p:nvPr/>
+                </p:nvSpPr>
+                <p:spPr>
+                  <a:xfrm>
+                    <a:off x="6442681" y="3846064"/>
+                    <a:ext cx="1040043" cy="0"/>
+                  </a:xfrm>
+                  <a:custGeom>
+                    <a:avLst/>
+                    <a:gdLst>
+                      <a:gd name="connsiteX0" fmla="*/ 0 w 1040043"/>
+                      <a:gd name="connsiteY0" fmla="*/ 0 h 0"/>
+                      <a:gd name="connsiteX1" fmla="*/ 1040043 w 1040043"/>
+                      <a:gd name="connsiteY1" fmla="*/ 0 h 0"/>
+                    </a:gdLst>
+                    <a:ahLst/>
+                    <a:cxnLst>
+                      <a:cxn ang="0">
+                        <a:pos x="connsiteX0" y="connsiteY0"/>
+                      </a:cxn>
+                      <a:cxn ang="0">
+                        <a:pos x="connsiteX1" y="connsiteY1"/>
+                      </a:cxn>
+                    </a:cxnLst>
+                    <a:rect l="l" t="t" r="r" b="b"/>
+                    <a:pathLst>
+                      <a:path w="1040043">
+                        <a:moveTo>
+                          <a:pt x="0" y="0"/>
+                        </a:moveTo>
+                        <a:lnTo>
+                          <a:pt x="1040043" y="0"/>
+                        </a:lnTo>
+                      </a:path>
+                    </a:pathLst>
+                  </a:custGeom>
+                  <a:noFill/>
+                  <a:ln>
+                    <a:headEnd type="arrow" w="med" len="med"/>
+                    <a:tailEnd type="arrow" w="med" len="med"/>
+                  </a:ln>
+                </p:spPr>
+                <p:style>
+                  <a:lnRef idx="2">
+                    <a:schemeClr val="accent1">
+                      <a:shade val="50000"/>
+                    </a:schemeClr>
+                  </a:lnRef>
+                  <a:fillRef idx="1">
+                    <a:schemeClr val="accent1"/>
+                  </a:fillRef>
+                  <a:effectRef idx="0">
+                    <a:schemeClr val="accent1"/>
+                  </a:effectRef>
+                  <a:fontRef idx="minor">
+                    <a:schemeClr val="lt1"/>
+                  </a:fontRef>
+                </p:style>
+                <p:txBody>
+                  <a:bodyPr rtlCol="0" anchor="ctr"/>
+                  <a:lstStyle/>
+                  <a:p>
+                    <a:pPr algn="ctr"/>
+                    <a:endParaRPr lang="en-AU"/>
+                  </a:p>
+                </p:txBody>
+              </p:sp>
+            </p:grpSp>
+            <p:pic>
+              <p:nvPicPr>
+                <p:cNvPr id="17" name="Picture 16">
+                  <a:extLst>
+                    <a:ext uri="{FF2B5EF4-FFF2-40B4-BE49-F238E27FC236}">
+                      <a16:creationId xmlns:a16="http://schemas.microsoft.com/office/drawing/2014/main" id="{69DEDC1A-1E42-4F90-81AC-6E121EEB534B}"/>
+                    </a:ext>
+                  </a:extLst>
+                </p:cNvPr>
+                <p:cNvPicPr>
+                  <a:picLocks noChangeAspect="1"/>
+                </p:cNvPicPr>
+                <p:nvPr>
+                  <p:custDataLst>
+                    <p:tags r:id="rId4"/>
+                  </p:custDataLst>
+                </p:nvPr>
+              </p:nvPicPr>
+              <p:blipFill>
+                <a:blip r:embed="rId18">
+                  <a:extLst>
+                    <a:ext uri="{28A0092B-C50C-407E-A947-70E740481C1C}">
+                      <a14:useLocalDpi xmlns:a14="http://schemas.microsoft.com/office/drawing/2010/main" val="0"/>
+                    </a:ext>
+                  </a:extLst>
+                </a:blip>
+                <a:stretch>
+                  <a:fillRect/>
+                </a:stretch>
+              </p:blipFill>
+              <p:spPr>
+                <a:xfrm>
+                  <a:off x="5446033" y="3256237"/>
+                  <a:ext cx="1408170" cy="430301"/>
+                </a:xfrm>
+                <a:prstGeom prst="rect">
+                  <a:avLst/>
+                </a:prstGeom>
+              </p:spPr>
+            </p:pic>
+            <p:pic>
+              <p:nvPicPr>
+                <p:cNvPr id="18" name="Picture 17">
+                  <a:extLst>
+                    <a:ext uri="{FF2B5EF4-FFF2-40B4-BE49-F238E27FC236}">
+                      <a16:creationId xmlns:a16="http://schemas.microsoft.com/office/drawing/2014/main" id="{303AC79D-9616-41A5-817F-3C58B4CAF873}"/>
+                    </a:ext>
+                  </a:extLst>
+                </p:cNvPr>
+                <p:cNvPicPr>
+                  <a:picLocks noChangeAspect="1"/>
+                </p:cNvPicPr>
+                <p:nvPr>
+                  <p:custDataLst>
+                    <p:tags r:id="rId5"/>
+                  </p:custDataLst>
+                </p:nvPr>
+              </p:nvPicPr>
+              <p:blipFill>
+                <a:blip r:embed="rId19">
+                  <a:extLst>
+                    <a:ext uri="{28A0092B-C50C-407E-A947-70E740481C1C}">
+                      <a14:useLocalDpi xmlns:a14="http://schemas.microsoft.com/office/drawing/2010/main" val="0"/>
+                    </a:ext>
+                  </a:extLst>
+                </a:blip>
+                <a:stretch>
+                  <a:fillRect/>
+                </a:stretch>
+              </p:blipFill>
+              <p:spPr>
+                <a:xfrm>
+                  <a:off x="5561733" y="3718163"/>
+                  <a:ext cx="1176769" cy="432147"/>
+                </a:xfrm>
+                <a:prstGeom prst="rect">
+                  <a:avLst/>
+                </a:prstGeom>
+              </p:spPr>
+            </p:pic>
+          </p:grpSp>
+        </p:grpSp>
+        <p:pic>
+          <p:nvPicPr>
+            <p:cNvPr id="8" name="Picture 7">
+              <a:extLst>
+                <a:ext uri="{FF2B5EF4-FFF2-40B4-BE49-F238E27FC236}">
+                  <a16:creationId xmlns:a16="http://schemas.microsoft.com/office/drawing/2014/main" id="{9835E72B-3C3F-4410-B081-19F0A1AA0579}"/>
+                </a:ext>
+              </a:extLst>
+            </p:cNvPr>
+            <p:cNvPicPr>
+              <a:picLocks noChangeAspect="1"/>
+            </p:cNvPicPr>
+            <p:nvPr/>
+          </p:nvPicPr>
+          <p:blipFill>
+            <a:blip r:embed="rId20"/>
+            <a:stretch>
+              <a:fillRect/>
+            </a:stretch>
+          </p:blipFill>
+          <p:spPr>
+            <a:xfrm>
+              <a:off x="3705217" y="2256090"/>
+              <a:ext cx="176424" cy="176424"/>
+            </a:xfrm>
+            <a:prstGeom prst="rect">
+              <a:avLst/>
+            </a:prstGeom>
+          </p:spPr>
+        </p:pic>
+        <p:pic>
+          <p:nvPicPr>
+            <p:cNvPr id="9" name="Picture 8">
+              <a:extLst>
+                <a:ext uri="{FF2B5EF4-FFF2-40B4-BE49-F238E27FC236}">
+                  <a16:creationId xmlns:a16="http://schemas.microsoft.com/office/drawing/2014/main" id="{F6A23BD6-FB1A-4BFE-8494-FC7C9B5F9959}"/>
+                </a:ext>
+              </a:extLst>
+            </p:cNvPr>
+            <p:cNvPicPr>
+              <a:picLocks noChangeAspect="1"/>
+            </p:cNvPicPr>
+            <p:nvPr/>
+          </p:nvPicPr>
+          <p:blipFill>
+            <a:blip r:embed="rId20"/>
+            <a:stretch>
+              <a:fillRect/>
+            </a:stretch>
+          </p:blipFill>
+          <p:spPr>
+            <a:xfrm>
+              <a:off x="3706875" y="1679161"/>
+              <a:ext cx="176424" cy="176424"/>
+            </a:xfrm>
+            <a:prstGeom prst="rect">
+              <a:avLst/>
+            </a:prstGeom>
+          </p:spPr>
+        </p:pic>
+        <p:pic>
+          <p:nvPicPr>
+            <p:cNvPr id="10" name="Picture 9">
+              <a:extLst>
+                <a:ext uri="{FF2B5EF4-FFF2-40B4-BE49-F238E27FC236}">
+                  <a16:creationId xmlns:a16="http://schemas.microsoft.com/office/drawing/2014/main" id="{513CB5F8-88B0-4F14-B590-D94A8AA6FF8F}"/>
+                </a:ext>
+              </a:extLst>
+            </p:cNvPr>
+            <p:cNvPicPr>
+              <a:picLocks noChangeAspect="1"/>
+            </p:cNvPicPr>
+            <p:nvPr/>
+          </p:nvPicPr>
+          <p:blipFill>
+            <a:blip r:embed="rId20"/>
+            <a:stretch>
+              <a:fillRect/>
+            </a:stretch>
+          </p:blipFill>
+          <p:spPr>
+            <a:xfrm>
+              <a:off x="3705217" y="3206881"/>
+              <a:ext cx="176424" cy="176424"/>
+            </a:xfrm>
+            <a:prstGeom prst="rect">
+              <a:avLst/>
+            </a:prstGeom>
+          </p:spPr>
+        </p:pic>
+        <p:pic>
+          <p:nvPicPr>
+            <p:cNvPr id="11" name="Picture 10">
+              <a:extLst>
+                <a:ext uri="{FF2B5EF4-FFF2-40B4-BE49-F238E27FC236}">
+                  <a16:creationId xmlns:a16="http://schemas.microsoft.com/office/drawing/2014/main" id="{523FF35C-76C0-464A-B57A-A79DC29CCBC8}"/>
+                </a:ext>
+              </a:extLst>
+            </p:cNvPr>
+            <p:cNvPicPr>
+              <a:picLocks noChangeAspect="1"/>
+            </p:cNvPicPr>
+            <p:nvPr/>
+          </p:nvPicPr>
+          <p:blipFill>
+            <a:blip r:embed="rId20"/>
+            <a:stretch>
+              <a:fillRect/>
+            </a:stretch>
+          </p:blipFill>
+          <p:spPr>
+            <a:xfrm>
+              <a:off x="6820634" y="3419761"/>
+              <a:ext cx="176424" cy="176424"/>
+            </a:xfrm>
+            <a:prstGeom prst="rect">
+              <a:avLst/>
+            </a:prstGeom>
+          </p:spPr>
+        </p:pic>
+      </p:grpSp>
+    </p:spTree>
+    <p:extLst>
+      <p:ext uri="{BB962C8B-B14F-4D97-AF65-F5344CB8AC3E}">
+        <p14:creationId xmlns:p14="http://schemas.microsoft.com/office/powerpoint/2010/main" val="2396422594"/>
+      </p:ext>
+    </p:extLst>
+  </p:cSld>
+  <p:clrMapOvr>
+    <a:masterClrMapping/>
+  </p:clrMapOvr>
+</p:sld>
+</file>
+
+<file path=ppt/slides/slide8.xml><?xml version="1.0" encoding="utf-8"?>
+<p:sld xmlns:a="http://schemas.openxmlformats.org/drawingml/2006/main" xmlns:r="http://schemas.openxmlformats.org/officeDocument/2006/relationships" xmlns:p="http://schemas.openxmlformats.org/presentationml/2006/main">
+  <p:cSld>
+    <p:spTree>
+      <p:nvGrpSpPr>
+        <p:cNvPr id="1" name=""/>
+        <p:cNvGrpSpPr/>
+        <p:nvPr/>
+      </p:nvGrpSpPr>
+      <p:grpSpPr>
+        <a:xfrm>
+          <a:off x="0" y="0"/>
+          <a:ext cx="0" cy="0"/>
+          <a:chOff x="0" y="0"/>
+          <a:chExt cx="0" cy="0"/>
+        </a:xfrm>
+      </p:grpSpPr>
+      <p:sp>
+        <p:nvSpPr>
+          <p:cNvPr id="6" name="Text Placeholder 5">
+            <a:extLst>
+              <a:ext uri="{FF2B5EF4-FFF2-40B4-BE49-F238E27FC236}">
+                <a16:creationId xmlns:a16="http://schemas.microsoft.com/office/drawing/2014/main" id="{F73FE937-1CAF-4BFA-9234-4FAAD066EAE0}"/>
+              </a:ext>
+            </a:extLst>
+          </p:cNvPr>
+          <p:cNvSpPr>
+            <a:spLocks noGrp="1"/>
+          </p:cNvSpPr>
+          <p:nvPr>
+            <p:ph type="body" idx="1"/>
+          </p:nvPr>
+        </p:nvSpPr>
+        <p:spPr/>
+        <p:txBody>
+          <a:bodyPr/>
+          <a:lstStyle/>
+          <a:p>
+            <a:r>
+              <a:rPr lang="en-AU" dirty="0"/>
+              <a:t>Weights not leaked</a:t>
+            </a:r>
+          </a:p>
+        </p:txBody>
+      </p:sp>
+      <p:sp>
+        <p:nvSpPr>
+          <p:cNvPr id="7" name="Content Placeholder 6">
+            <a:extLst>
+              <a:ext uri="{FF2B5EF4-FFF2-40B4-BE49-F238E27FC236}">
+                <a16:creationId xmlns:a16="http://schemas.microsoft.com/office/drawing/2014/main" id="{33B9BA28-5943-484A-B9B4-22CAC37CE9CB}"/>
+              </a:ext>
+            </a:extLst>
+          </p:cNvPr>
+          <p:cNvSpPr>
+            <a:spLocks noGrp="1"/>
+          </p:cNvSpPr>
+          <p:nvPr>
+            <p:ph sz="half" idx="2"/>
+          </p:nvPr>
+        </p:nvSpPr>
+        <p:spPr/>
+        <p:txBody>
+          <a:bodyPr/>
+          <a:lstStyle/>
+          <a:p>
+            <a:endParaRPr lang="en-AU"/>
+          </a:p>
+        </p:txBody>
+      </p:sp>
+      <p:sp>
+        <p:nvSpPr>
+          <p:cNvPr id="8" name="Text Placeholder 7">
+            <a:extLst>
+              <a:ext uri="{FF2B5EF4-FFF2-40B4-BE49-F238E27FC236}">
+                <a16:creationId xmlns:a16="http://schemas.microsoft.com/office/drawing/2014/main" id="{A67D12B8-2429-4CEF-AF66-18CB163E7D93}"/>
+              </a:ext>
+            </a:extLst>
+          </p:cNvPr>
+          <p:cNvSpPr>
+            <a:spLocks noGrp="1"/>
+          </p:cNvSpPr>
+          <p:nvPr>
+            <p:ph type="body" sz="quarter" idx="3"/>
+          </p:nvPr>
+        </p:nvSpPr>
+        <p:spPr/>
+        <p:txBody>
+          <a:bodyPr/>
+          <a:lstStyle/>
+          <a:p>
+            <a:r>
+              <a:rPr lang="en-AU" dirty="0"/>
+              <a:t>Leaked weights</a:t>
+            </a:r>
+          </a:p>
+        </p:txBody>
+      </p:sp>
+      <p:sp>
+        <p:nvSpPr>
+          <p:cNvPr id="9" name="Content Placeholder 8">
+            <a:extLst>
+              <a:ext uri="{FF2B5EF4-FFF2-40B4-BE49-F238E27FC236}">
+                <a16:creationId xmlns:a16="http://schemas.microsoft.com/office/drawing/2014/main" id="{32C77E94-A8C9-4BB4-8944-314E93D17C7C}"/>
+              </a:ext>
+            </a:extLst>
+          </p:cNvPr>
+          <p:cNvSpPr>
+            <a:spLocks noGrp="1"/>
+          </p:cNvSpPr>
+          <p:nvPr>
+            <p:ph sz="quarter" idx="4"/>
           </p:nvPr>
         </p:nvSpPr>
         <p:spPr/>
@@ -9759,7 +15883,7 @@
           <a:p>
             <a:fld id="{DA08224A-2920-4020-A8B1-52A27C9B37B2}" type="slidenum">
               <a:rPr lang="en-US" smtClean="0"/>
-              <a:t>6</a:t>
+              <a:t>8</a:t>
             </a:fld>
             <a:endParaRPr lang="en-US"/>
           </a:p>
@@ -9806,7 +15930,7 @@
 </p:sld>
 </file>
 
-<file path=ppt/slides/slide7.xml><?xml version="1.0" encoding="utf-8"?>
+<file path=ppt/slides/slide9.xml><?xml version="1.0" encoding="utf-8"?>
 <p:sld xmlns:a="http://schemas.openxmlformats.org/drawingml/2006/main" xmlns:r="http://schemas.openxmlformats.org/officeDocument/2006/relationships" xmlns:p="http://schemas.openxmlformats.org/presentationml/2006/main">
   <p:cSld>
     <p:spTree>
@@ -9844,7 +15968,7 @@
           <a:bodyPr/>
           <a:lstStyle/>
           <a:p>
-            <a:endParaRPr lang="en-AU"/>
+            <a:endParaRPr lang="en-AU" dirty="0"/>
           </a:p>
         </p:txBody>
       </p:sp>
@@ -9904,7 +16028,7 @@
           <a:p>
             <a:fld id="{DA08224A-2920-4020-A8B1-52A27C9B37B2}" type="slidenum">
               <a:rPr lang="en-US" smtClean="0"/>
-              <a:t>7</a:t>
+              <a:t>9</a:t>
             </a:fld>
             <a:endParaRPr lang="en-US"/>
           </a:p>
@@ -9933,11 +16057,41 @@
           <a:p>
             <a:r>
               <a:rPr lang="en-AU" dirty="0"/>
-              <a:t>Estimation performance</a:t>
+              <a:t>Estimation Performance</a:t>
             </a:r>
           </a:p>
         </p:txBody>
       </p:sp>
+      <p:pic>
+        <p:nvPicPr>
+          <p:cNvPr id="6" name="Picture 5">
+            <a:extLst>
+              <a:ext uri="{FF2B5EF4-FFF2-40B4-BE49-F238E27FC236}">
+                <a16:creationId xmlns:a16="http://schemas.microsoft.com/office/drawing/2014/main" id="{D5447D09-DEB6-4FFB-AFA0-AB9E6C9704E7}"/>
+              </a:ext>
+            </a:extLst>
+          </p:cNvPr>
+          <p:cNvPicPr>
+            <a:picLocks noChangeAspect="1"/>
+          </p:cNvPicPr>
+          <p:nvPr/>
+        </p:nvPicPr>
+        <p:blipFill>
+          <a:blip r:embed="rId2"/>
+          <a:stretch>
+            <a:fillRect/>
+          </a:stretch>
+        </p:blipFill>
+        <p:spPr>
+          <a:xfrm>
+            <a:off x="4913654" y="1201981"/>
+            <a:ext cx="3870345" cy="3114119"/>
+          </a:xfrm>
+          <a:prstGeom prst="rect">
+            <a:avLst/>
+          </a:prstGeom>
+        </p:spPr>
+      </p:pic>
     </p:spTree>
     <p:extLst>
       <p:ext uri="{BB962C8B-B14F-4D97-AF65-F5344CB8AC3E}">
@@ -9951,294 +16105,308 @@
 </p:sld>
 </file>
 
-<file path=ppt/slides/slide8.xml><?xml version="1.0" encoding="utf-8"?>
-<p:sld xmlns:a="http://schemas.openxmlformats.org/drawingml/2006/main" xmlns:r="http://schemas.openxmlformats.org/officeDocument/2006/relationships" xmlns:p="http://schemas.openxmlformats.org/presentationml/2006/main">
-  <p:cSld>
-    <p:spTree>
-      <p:nvGrpSpPr>
-        <p:cNvPr id="1" name=""/>
-        <p:cNvGrpSpPr/>
-        <p:nvPr/>
-      </p:nvGrpSpPr>
-      <p:grpSpPr>
-        <a:xfrm>
-          <a:off x="0" y="0"/>
-          <a:ext cx="0" cy="0"/>
-          <a:chOff x="0" y="0"/>
-          <a:chExt cx="0" cy="0"/>
-        </a:xfrm>
-      </p:grpSpPr>
-      <p:sp>
-        <p:nvSpPr>
-          <p:cNvPr id="2" name="Content Placeholder 1">
-            <a:extLst>
-              <a:ext uri="{FF2B5EF4-FFF2-40B4-BE49-F238E27FC236}">
-                <a16:creationId xmlns:a16="http://schemas.microsoft.com/office/drawing/2014/main" id="{051C62F2-6726-4356-9258-2687952C7A0B}"/>
-              </a:ext>
-            </a:extLst>
-          </p:cNvPr>
-          <p:cNvSpPr>
-            <a:spLocks noGrp="1"/>
-          </p:cNvSpPr>
-          <p:nvPr>
-            <p:ph idx="1"/>
-          </p:nvPr>
-        </p:nvSpPr>
-        <p:spPr/>
-        <p:txBody>
-          <a:bodyPr/>
-          <a:lstStyle/>
-          <a:p>
-            <a:endParaRPr lang="en-AU"/>
-          </a:p>
-        </p:txBody>
-      </p:sp>
-      <p:sp>
-        <p:nvSpPr>
-          <p:cNvPr id="3" name="Footer Placeholder 2">
-            <a:extLst>
-              <a:ext uri="{FF2B5EF4-FFF2-40B4-BE49-F238E27FC236}">
-                <a16:creationId xmlns:a16="http://schemas.microsoft.com/office/drawing/2014/main" id="{EEAA95F5-5A73-44F2-AE6D-400CF2CC0918}"/>
-              </a:ext>
-            </a:extLst>
-          </p:cNvPr>
-          <p:cNvSpPr>
-            <a:spLocks noGrp="1"/>
-          </p:cNvSpPr>
-          <p:nvPr>
-            <p:ph type="ftr" sz="quarter" idx="11"/>
-          </p:nvPr>
-        </p:nvSpPr>
-        <p:spPr/>
-        <p:txBody>
-          <a:bodyPr/>
-          <a:lstStyle/>
-          <a:p>
-            <a:r>
-              <a:rPr lang="en-AU"/>
-              <a:t>Encrypted Fast Covariance Intersection</a:t>
-            </a:r>
-            <a:r>
-              <a:rPr lang="en-US"/>
-              <a:t> | Marko Ristic</a:t>
-            </a:r>
-            <a:endParaRPr lang="en-US" dirty="0"/>
-          </a:p>
-        </p:txBody>
-      </p:sp>
-      <p:sp>
-        <p:nvSpPr>
-          <p:cNvPr id="4" name="Slide Number Placeholder 3">
-            <a:extLst>
-              <a:ext uri="{FF2B5EF4-FFF2-40B4-BE49-F238E27FC236}">
-                <a16:creationId xmlns:a16="http://schemas.microsoft.com/office/drawing/2014/main" id="{C6BC647A-8C6B-476C-B1B4-8FD6CB36EE70}"/>
-              </a:ext>
-            </a:extLst>
-          </p:cNvPr>
-          <p:cNvSpPr>
-            <a:spLocks noGrp="1"/>
-          </p:cNvSpPr>
-          <p:nvPr>
-            <p:ph type="sldNum" sz="quarter" idx="12"/>
-          </p:nvPr>
-        </p:nvSpPr>
-        <p:spPr/>
-        <p:txBody>
-          <a:bodyPr/>
-          <a:lstStyle/>
-          <a:p>
-            <a:fld id="{DA08224A-2920-4020-A8B1-52A27C9B37B2}" type="slidenum">
-              <a:rPr lang="en-US" smtClean="0"/>
-              <a:t>8</a:t>
-            </a:fld>
-            <a:endParaRPr lang="en-US"/>
-          </a:p>
-        </p:txBody>
-      </p:sp>
-      <p:sp>
-        <p:nvSpPr>
-          <p:cNvPr id="5" name="Title 4">
-            <a:extLst>
-              <a:ext uri="{FF2B5EF4-FFF2-40B4-BE49-F238E27FC236}">
-                <a16:creationId xmlns:a16="http://schemas.microsoft.com/office/drawing/2014/main" id="{9D6250A6-3F72-406B-A68F-79189E025B24}"/>
-              </a:ext>
-            </a:extLst>
-          </p:cNvPr>
-          <p:cNvSpPr>
-            <a:spLocks noGrp="1"/>
-          </p:cNvSpPr>
-          <p:nvPr>
-            <p:ph type="title"/>
-          </p:nvPr>
-        </p:nvSpPr>
-        <p:spPr/>
-        <p:txBody>
-          <a:bodyPr/>
-          <a:lstStyle/>
-          <a:p>
-            <a:r>
-              <a:rPr lang="en-AU" dirty="0"/>
-              <a:t>Complexity</a:t>
-            </a:r>
-          </a:p>
-        </p:txBody>
-      </p:sp>
-    </p:spTree>
-    <p:extLst>
-      <p:ext uri="{BB962C8B-B14F-4D97-AF65-F5344CB8AC3E}">
-        <p14:creationId xmlns:p14="http://schemas.microsoft.com/office/powerpoint/2010/main" val="3498739408"/>
-      </p:ext>
-    </p:extLst>
-  </p:cSld>
-  <p:clrMapOvr>
-    <a:masterClrMapping/>
-  </p:clrMapOvr>
-</p:sld>
+<file path=ppt/tags/tag1.xml><?xml version="1.0" encoding="utf-8"?>
+<p:tagLst xmlns:a="http://schemas.openxmlformats.org/drawingml/2006/main" xmlns:r="http://schemas.openxmlformats.org/officeDocument/2006/relationships" xmlns:p="http://schemas.openxmlformats.org/presentationml/2006/main">
+  <p:tag name="OUTPUTDPI" val="1200"/>
+  <p:tag name="ORIGINALHEIGHT" val="13.49835"/>
+  <p:tag name="ORIGINALWIDTH" val="123.7346"/>
+  <p:tag name="LATEXADDIN" val="\documentclass{article}&#10;\pagestyle{empty}&#10;&#10;\usepackage{amsmath}&#10;\usepackage{amsfonts}&#10;&#10;% Random variable&#10;\newcommand{\rv}[1]{\ensuremath{{\boldsymbol{#1}}}}&#10;% Vector&#10;\renewcommand{\vec}[1]{\ensuremath{{\underline{#1}}}}&#10;% Random vector&#10;\newcommand{\rvec}[1]{\ensuremath{{\boldsymbol{\underline{#1}}}}}&#10;% Matrix&#10;\newcommand{\mat}[1]{{\ensuremath{{\mathbf{#1}}}}}&#10;\begin{document}&#10;&#10;\begin{gather*}&#10;\cdots&#10;\end{gather*}&#10;&#10;\end{document}"/>
+  <p:tag name="IGUANATEXSIZE" val="24"/>
+  <p:tag name="IGUANATEXCURSOR" val="402"/>
+  <p:tag name="TRANSPARENCY" val="True"/>
+  <p:tag name="FILENAME" val=""/>
+  <p:tag name="LATEXENGINEID" val="0"/>
+  <p:tag name="TEMPFOLDER" val="C:\Users\tn5093\iguanatex_temp\"/>
+  <p:tag name="LATEXFORMHEIGHT" val="413"/>
+  <p:tag name="LATEXFORMWIDTH" val="608"/>
+  <p:tag name="LATEXFORMWRAP" val="True"/>
+  <p:tag name="BITMAPVECTOR" val="0"/>
+</p:tagLst>
 </file>
 
-<file path=ppt/slides/slide9.xml><?xml version="1.0" encoding="utf-8"?>
-<p:sld xmlns:a="http://schemas.openxmlformats.org/drawingml/2006/main" xmlns:r="http://schemas.openxmlformats.org/officeDocument/2006/relationships" xmlns:p="http://schemas.openxmlformats.org/presentationml/2006/main">
-  <p:cSld>
-    <p:spTree>
-      <p:nvGrpSpPr>
-        <p:cNvPr id="1" name=""/>
-        <p:cNvGrpSpPr/>
-        <p:nvPr/>
-      </p:nvGrpSpPr>
-      <p:grpSpPr>
-        <a:xfrm>
-          <a:off x="0" y="0"/>
-          <a:ext cx="0" cy="0"/>
-          <a:chOff x="0" y="0"/>
-          <a:chExt cx="0" cy="0"/>
-        </a:xfrm>
-      </p:grpSpPr>
-      <p:sp>
-        <p:nvSpPr>
-          <p:cNvPr id="2" name="Content Placeholder 1">
-            <a:extLst>
-              <a:ext uri="{FF2B5EF4-FFF2-40B4-BE49-F238E27FC236}">
-                <a16:creationId xmlns:a16="http://schemas.microsoft.com/office/drawing/2014/main" id="{BBC84B17-BD81-46FF-88D8-CEFB573FE316}"/>
-              </a:ext>
-            </a:extLst>
-          </p:cNvPr>
-          <p:cNvSpPr>
-            <a:spLocks noGrp="1"/>
-          </p:cNvSpPr>
-          <p:nvPr>
-            <p:ph idx="1"/>
-          </p:nvPr>
-        </p:nvSpPr>
-        <p:spPr/>
-        <p:txBody>
-          <a:bodyPr/>
-          <a:lstStyle/>
-          <a:p>
-            <a:endParaRPr lang="en-AU"/>
-          </a:p>
-        </p:txBody>
-      </p:sp>
-      <p:sp>
-        <p:nvSpPr>
-          <p:cNvPr id="3" name="Footer Placeholder 2">
-            <a:extLst>
-              <a:ext uri="{FF2B5EF4-FFF2-40B4-BE49-F238E27FC236}">
-                <a16:creationId xmlns:a16="http://schemas.microsoft.com/office/drawing/2014/main" id="{1A77ACDC-A869-43B9-95A8-D6DF0366FDE9}"/>
-              </a:ext>
-            </a:extLst>
-          </p:cNvPr>
-          <p:cNvSpPr>
-            <a:spLocks noGrp="1"/>
-          </p:cNvSpPr>
-          <p:nvPr>
-            <p:ph type="ftr" sz="quarter" idx="11"/>
-          </p:nvPr>
-        </p:nvSpPr>
-        <p:spPr/>
-        <p:txBody>
-          <a:bodyPr/>
-          <a:lstStyle/>
-          <a:p>
-            <a:r>
-              <a:rPr lang="en-AU"/>
-              <a:t>Encrypted Fast Covariance Intersection</a:t>
-            </a:r>
-            <a:r>
-              <a:rPr lang="en-US"/>
-              <a:t> | Marko Ristic</a:t>
-            </a:r>
-            <a:endParaRPr lang="en-US" dirty="0"/>
-          </a:p>
-        </p:txBody>
-      </p:sp>
-      <p:sp>
-        <p:nvSpPr>
-          <p:cNvPr id="4" name="Slide Number Placeholder 3">
-            <a:extLst>
-              <a:ext uri="{FF2B5EF4-FFF2-40B4-BE49-F238E27FC236}">
-                <a16:creationId xmlns:a16="http://schemas.microsoft.com/office/drawing/2014/main" id="{42DAD7E0-5EE1-45B9-BD0B-F5B3D092ACA3}"/>
-              </a:ext>
-            </a:extLst>
-          </p:cNvPr>
-          <p:cNvSpPr>
-            <a:spLocks noGrp="1"/>
-          </p:cNvSpPr>
-          <p:nvPr>
-            <p:ph type="sldNum" sz="quarter" idx="12"/>
-          </p:nvPr>
-        </p:nvSpPr>
-        <p:spPr/>
-        <p:txBody>
-          <a:bodyPr/>
-          <a:lstStyle/>
-          <a:p>
-            <a:fld id="{DA08224A-2920-4020-A8B1-52A27C9B37B2}" type="slidenum">
-              <a:rPr lang="en-US" smtClean="0"/>
-              <a:t>9</a:t>
-            </a:fld>
-            <a:endParaRPr lang="en-US"/>
-          </a:p>
-        </p:txBody>
-      </p:sp>
-      <p:sp>
-        <p:nvSpPr>
-          <p:cNvPr id="5" name="Title 4">
-            <a:extLst>
-              <a:ext uri="{FF2B5EF4-FFF2-40B4-BE49-F238E27FC236}">
-                <a16:creationId xmlns:a16="http://schemas.microsoft.com/office/drawing/2014/main" id="{0FACBAA4-D45D-487C-B915-866FDCE7B32C}"/>
-              </a:ext>
-            </a:extLst>
-          </p:cNvPr>
-          <p:cNvSpPr>
-            <a:spLocks noGrp="1"/>
-          </p:cNvSpPr>
-          <p:nvPr>
-            <p:ph type="title"/>
-          </p:nvPr>
-        </p:nvSpPr>
-        <p:spPr/>
-        <p:txBody>
-          <a:bodyPr/>
-          <a:lstStyle/>
-          <a:p>
-            <a:r>
-              <a:rPr lang="en-AU" dirty="0"/>
-              <a:t>Security</a:t>
-            </a:r>
-          </a:p>
-        </p:txBody>
-      </p:sp>
-    </p:spTree>
-    <p:extLst>
-      <p:ext uri="{BB962C8B-B14F-4D97-AF65-F5344CB8AC3E}">
-        <p14:creationId xmlns:p14="http://schemas.microsoft.com/office/powerpoint/2010/main" val="4162566588"/>
-      </p:ext>
-    </p:extLst>
-  </p:cSld>
-  <p:clrMapOvr>
-    <a:masterClrMapping/>
-  </p:clrMapOvr>
-</p:sld>
+<file path=ppt/tags/tag10.xml><?xml version="1.0" encoding="utf-8"?>
+<p:tagLst xmlns:a="http://schemas.openxmlformats.org/drawingml/2006/main" xmlns:r="http://schemas.openxmlformats.org/officeDocument/2006/relationships" xmlns:p="http://schemas.openxmlformats.org/presentationml/2006/main">
+  <p:tag name="OUTPUTDPI" val="1200"/>
+  <p:tag name="ORIGINALHEIGHT" val="13.49835"/>
+  <p:tag name="ORIGINALWIDTH" val="123.7346"/>
+  <p:tag name="LATEXADDIN" val="\documentclass{article}&#10;\pagestyle{empty}&#10;&#10;\usepackage{amsmath}&#10;\usepackage{amsfonts}&#10;&#10;% Random variable&#10;\newcommand{\rv}[1]{\ensuremath{{\boldsymbol{#1}}}}&#10;% Vector&#10;\renewcommand{\vec}[1]{\ensuremath{{\underline{#1}}}}&#10;% Random vector&#10;\newcommand{\rvec}[1]{\ensuremath{{\boldsymbol{\underline{#1}}}}}&#10;% Matrix&#10;\newcommand{\mat}[1]{{\ensuremath{{\mathbf{#1}}}}}&#10;\begin{document}&#10;&#10;\begin{gather*}&#10;\cdots&#10;\end{gather*}&#10;&#10;\end{document}"/>
+  <p:tag name="IGUANATEXSIZE" val="24"/>
+  <p:tag name="IGUANATEXCURSOR" val="402"/>
+  <p:tag name="TRANSPARENCY" val="True"/>
+  <p:tag name="FILENAME" val=""/>
+  <p:tag name="LATEXENGINEID" val="0"/>
+  <p:tag name="TEMPFOLDER" val="C:\Users\tn5093\iguanatex_temp\"/>
+  <p:tag name="LATEXFORMHEIGHT" val="413"/>
+  <p:tag name="LATEXFORMWIDTH" val="608"/>
+  <p:tag name="LATEXFORMWRAP" val="True"/>
+  <p:tag name="BITMAPVECTOR" val="0"/>
+</p:tagLst>
+</file>
+
+<file path=ppt/tags/tag11.xml><?xml version="1.0" encoding="utf-8"?>
+<p:tagLst xmlns:a="http://schemas.openxmlformats.org/drawingml/2006/main" xmlns:r="http://schemas.openxmlformats.org/officeDocument/2006/relationships" xmlns:p="http://schemas.openxmlformats.org/presentationml/2006/main">
+  <p:tag name="OUTPUTDPI" val="1200"/>
+  <p:tag name="ORIGINALHEIGHT" val="116.9854"/>
+  <p:tag name="ORIGINALWIDTH" val="362.2047"/>
+  <p:tag name="LATEXADDIN" val="\documentclass{article}&#10;\pagestyle{empty}&#10;&#10;\usepackage{amsmath}&#10;\usepackage{amsfonts}&#10;&#10;% Random variable&#10;\newcommand{\rv}[1]{\ensuremath{{\boldsymbol{#1}}}}&#10;% Vector&#10;\renewcommand{\vec}[1]{\ensuremath{{\underline{#1}}}}&#10;% Random vector&#10;\newcommand{\rvec}[1]{\ensuremath{{\boldsymbol{\underline{#1}}}}}&#10;% Matrix&#10;\newcommand{\mat}[1]{{\ensuremath{{\mathbf{#1}}}}}&#10;% trace operator&#10;\DeclareMathOperator{\tr}{tr}&#10;&#10;\begin{document}&#10;&#10;\begin{gather*}&#10;\hat{\vec{x}}_1,\ \mat{P}_1&#10;\end{gather*}&#10;&#10;\end{document}"/>
+  <p:tag name="IGUANATEXSIZE" val="20"/>
+  <p:tag name="IGUANATEXCURSOR" val="457"/>
+  <p:tag name="TRANSPARENCY" val="True"/>
+  <p:tag name="FILENAME" val=""/>
+  <p:tag name="LATEXENGINEID" val="0"/>
+  <p:tag name="TEMPFOLDER" val="C:\Users\tn5093\iguanatex_temp\"/>
+  <p:tag name="LATEXFORMHEIGHT" val="522"/>
+  <p:tag name="LATEXFORMWIDTH" val="632"/>
+  <p:tag name="LATEXFORMWRAP" val="True"/>
+  <p:tag name="BITMAPVECTOR" val="0"/>
+</p:tagLst>
+</file>
+
+<file path=ppt/tags/tag12.xml><?xml version="1.0" encoding="utf-8"?>
+<p:tagLst xmlns:a="http://schemas.openxmlformats.org/drawingml/2006/main" xmlns:r="http://schemas.openxmlformats.org/officeDocument/2006/relationships" xmlns:p="http://schemas.openxmlformats.org/presentationml/2006/main">
+  <p:tag name="OUTPUTDPI" val="1200"/>
+  <p:tag name="ORIGINALHEIGHT" val="116.9854"/>
+  <p:tag name="ORIGINALWIDTH" val="365.2043"/>
+  <p:tag name="LATEXADDIN" val="\documentclass{article}&#10;\pagestyle{empty}&#10;&#10;\usepackage{amsmath}&#10;\usepackage{amsfonts}&#10;&#10;% Random variable&#10;\newcommand{\rv}[1]{\ensuremath{{\boldsymbol{#1}}}}&#10;% Vector&#10;\renewcommand{\vec}[1]{\ensuremath{{\underline{#1}}}}&#10;% Random vector&#10;\newcommand{\rvec}[1]{\ensuremath{{\boldsymbol{\underline{#1}}}}}&#10;% Matrix&#10;\newcommand{\mat}[1]{{\ensuremath{{\mathbf{#1}}}}}&#10;% trace operator&#10;\DeclareMathOperator{\tr}{tr}&#10;&#10;\begin{document}&#10;&#10;\begin{gather*}&#10;\hat{\vec{x}}_2,\ \mat{P}_2&#10;\end{gather*}&#10;&#10;\end{document}"/>
+  <p:tag name="IGUANATEXSIZE" val="20"/>
+  <p:tag name="IGUANATEXCURSOR" val="471"/>
+  <p:tag name="TRANSPARENCY" val="True"/>
+  <p:tag name="FILENAME" val=""/>
+  <p:tag name="LATEXENGINEID" val="0"/>
+  <p:tag name="TEMPFOLDER" val="C:\Users\tn5093\iguanatex_temp\"/>
+  <p:tag name="LATEXFORMHEIGHT" val="522"/>
+  <p:tag name="LATEXFORMWIDTH" val="632"/>
+  <p:tag name="LATEXFORMWRAP" val="True"/>
+  <p:tag name="BITMAPVECTOR" val="0"/>
+</p:tagLst>
+</file>
+
+<file path=ppt/tags/tag13.xml><?xml version="1.0" encoding="utf-8"?>
+<p:tagLst xmlns:a="http://schemas.openxmlformats.org/drawingml/2006/main" xmlns:r="http://schemas.openxmlformats.org/officeDocument/2006/relationships" xmlns:p="http://schemas.openxmlformats.org/presentationml/2006/main">
+  <p:tag name="OUTPUTDPI" val="1200"/>
+  <p:tag name="ORIGINALHEIGHT" val="117.7353"/>
+  <p:tag name="ORIGINALWIDTH" val="390.7012"/>
+  <p:tag name="LATEXADDIN" val="\documentclass{article}&#10;\pagestyle{empty}&#10;&#10;\usepackage{amsmath}&#10;\usepackage{amsfonts}&#10;&#10;% Random variable&#10;\newcommand{\rv}[1]{\ensuremath{{\boldsymbol{#1}}}}&#10;% Vector&#10;\renewcommand{\vec}[1]{\ensuremath{{\underline{#1}}}}&#10;% Random vector&#10;\newcommand{\rvec}[1]{\ensuremath{{\boldsymbol{\underline{#1}}}}}&#10;% Matrix&#10;\newcommand{\mat}[1]{{\ensuremath{{\mathbf{#1}}}}}&#10;% trace operator&#10;\DeclareMathOperator{\tr}{tr}&#10;&#10;\begin{document}&#10;&#10;\begin{gather*}&#10;\hat{\vec{x}}_n,\ \mat{P}_n&#10;\end{gather*}&#10;&#10;\end{document}"/>
+  <p:tag name="IGUANATEXSIZE" val="20"/>
+  <p:tag name="IGUANATEXCURSOR" val="410"/>
+  <p:tag name="TRANSPARENCY" val="True"/>
+  <p:tag name="FILENAME" val=""/>
+  <p:tag name="LATEXENGINEID" val="0"/>
+  <p:tag name="TEMPFOLDER" val="C:\Users\tn5093\iguanatex_temp\"/>
+  <p:tag name="LATEXFORMHEIGHT" val="522"/>
+  <p:tag name="LATEXFORMWIDTH" val="632"/>
+  <p:tag name="LATEXFORMWRAP" val="True"/>
+  <p:tag name="BITMAPVECTOR" val="0"/>
+</p:tagLst>
+</file>
+
+<file path=ppt/tags/tag14.xml><?xml version="1.0" encoding="utf-8"?>
+<p:tagLst xmlns:a="http://schemas.openxmlformats.org/drawingml/2006/main" xmlns:r="http://schemas.openxmlformats.org/officeDocument/2006/relationships" xmlns:p="http://schemas.openxmlformats.org/presentationml/2006/main">
+  <p:tag name="OUTPUTDPI" val="1200"/>
+  <p:tag name="ORIGINALHEIGHT" val="341.2073"/>
+  <p:tag name="ORIGINALWIDTH" val="1116.61"/>
+  <p:tag name="LATEXADDIN" val="\documentclass{article}&#10;\pagestyle{empty}&#10;&#10;\usepackage{amsmath}&#10;\usepackage{amsfonts}&#10;&#10;% Random variable&#10;\newcommand{\rv}[1]{\ensuremath{{\boldsymbol{#1}}}}&#10;% Vector&#10;\renewcommand{\vec}[1]{\ensuremath{{\underline{#1}}}}&#10;% Random vector&#10;\newcommand{\rvec}[1]{\ensuremath{{\boldsymbol{\underline{#1}}}}}&#10;% Matrix&#10;\newcommand{\mat}[1]{{\ensuremath{{\mathbf{#1}}}}}&#10;% Mean of a random variable / vector&#10;\newcommand{\mean}[1]{\ensuremath{\hat{#1}}}&#10;&#10;\begin{document}&#10;&#10;\begin{gather*}&#10;\mat{P}^{-1} \mean{\vec{x}} =\sum_{i=1}^{n}\omega_i \mat{P}_i^{-1} \mean{\vec{x}}_i\end{gather*}&#10;&#10;\end{document}"/>
+  <p:tag name="IGUANATEXSIZE" val="24"/>
+  <p:tag name="IGUANATEXCURSOR" val="479"/>
+  <p:tag name="TRANSPARENCY" val="True"/>
+  <p:tag name="FILENAME" val=""/>
+  <p:tag name="LATEXENGINEID" val="0"/>
+  <p:tag name="TEMPFOLDER" val="C:\Users\tn5093\iguanatex_temp\"/>
+  <p:tag name="LATEXFORMHEIGHT" val="413"/>
+  <p:tag name="LATEXFORMWIDTH" val="608"/>
+  <p:tag name="LATEXFORMWRAP" val="True"/>
+  <p:tag name="BITMAPVECTOR" val="0"/>
+</p:tagLst>
+</file>
+
+<file path=ppt/tags/tag15.xml><?xml version="1.0" encoding="utf-8"?>
+<p:tagLst xmlns:a="http://schemas.openxmlformats.org/drawingml/2006/main" xmlns:r="http://schemas.openxmlformats.org/officeDocument/2006/relationships" xmlns:p="http://schemas.openxmlformats.org/presentationml/2006/main">
+  <p:tag name="OUTPUTDPI" val="1200"/>
+  <p:tag name="ORIGINALHEIGHT" val="341.2073"/>
+  <p:tag name="ORIGINALWIDTH" val="929.1339"/>
+  <p:tag name="LATEXADDIN" val="\documentclass{article}&#10;\pagestyle{empty}&#10;&#10;\usepackage{amsmath}&#10;\usepackage{amsfonts}&#10;&#10;% Random variable&#10;\newcommand{\rv}[1]{\ensuremath{{\boldsymbol{#1}}}}&#10;% Vector&#10;\renewcommand{\vec}[1]{\ensuremath{{\underline{#1}}}}&#10;% Random vector&#10;\newcommand{\rvec}[1]{\ensuremath{{\boldsymbol{\underline{#1}}}}}&#10;% Matrix&#10;\newcommand{\mat}[1]{{\ensuremath{{\mathbf{#1}}}}}&#10;\begin{document}&#10;&#10;\begin{gather*}&#10;\mat{P}^{-1}=\sum_{i=1}^{n}\omega_i \mat{P}_i^{-1}&#10;\end{gather*}&#10;&#10;\end{document}"/>
+  <p:tag name="IGUANATEXSIZE" val="24"/>
+  <p:tag name="IGUANATEXCURSOR" val="446"/>
+  <p:tag name="TRANSPARENCY" val="True"/>
+  <p:tag name="FILENAME" val=""/>
+  <p:tag name="LATEXENGINEID" val="0"/>
+  <p:tag name="TEMPFOLDER" val="C:\Users\tn5093\iguanatex_temp\"/>
+  <p:tag name="LATEXFORMHEIGHT" val="413"/>
+  <p:tag name="LATEXFORMWIDTH" val="608"/>
+  <p:tag name="LATEXFORMWRAP" val="True"/>
+  <p:tag name="BITMAPVECTOR" val="0"/>
+</p:tagLst>
+</file>
+
+<file path=ppt/tags/tag16.xml><?xml version="1.0" encoding="utf-8"?>
+<p:tagLst xmlns:a="http://schemas.openxmlformats.org/drawingml/2006/main" xmlns:r="http://schemas.openxmlformats.org/officeDocument/2006/relationships" xmlns:p="http://schemas.openxmlformats.org/presentationml/2006/main">
+  <p:tag name="OUTPUTDPI" val="1200"/>
+  <p:tag name="ORIGINALHEIGHT" val="13.49835"/>
+  <p:tag name="ORIGINALWIDTH" val="123.7346"/>
+  <p:tag name="LATEXADDIN" val="\documentclass{article}&#10;\pagestyle{empty}&#10;&#10;\usepackage{amsmath}&#10;\usepackage{amsfonts}&#10;&#10;% Random variable&#10;\newcommand{\rv}[1]{\ensuremath{{\boldsymbol{#1}}}}&#10;% Vector&#10;\renewcommand{\vec}[1]{\ensuremath{{\underline{#1}}}}&#10;% Random vector&#10;\newcommand{\rvec}[1]{\ensuremath{{\boldsymbol{\underline{#1}}}}}&#10;% Matrix&#10;\newcommand{\mat}[1]{{\ensuremath{{\mathbf{#1}}}}}&#10;\begin{document}&#10;&#10;\begin{gather*}&#10;\cdots&#10;\end{gather*}&#10;&#10;\end{document}"/>
+  <p:tag name="IGUANATEXSIZE" val="24"/>
+  <p:tag name="IGUANATEXCURSOR" val="402"/>
+  <p:tag name="TRANSPARENCY" val="True"/>
+  <p:tag name="FILENAME" val=""/>
+  <p:tag name="LATEXENGINEID" val="0"/>
+  <p:tag name="TEMPFOLDER" val="C:\Users\tn5093\iguanatex_temp\"/>
+  <p:tag name="LATEXFORMHEIGHT" val="413"/>
+  <p:tag name="LATEXFORMWIDTH" val="608"/>
+  <p:tag name="LATEXFORMWRAP" val="True"/>
+  <p:tag name="BITMAPVECTOR" val="0"/>
+</p:tagLst>
+</file>
+
+<file path=ppt/tags/tag2.xml><?xml version="1.0" encoding="utf-8"?>
+<p:tagLst xmlns:a="http://schemas.openxmlformats.org/drawingml/2006/main" xmlns:r="http://schemas.openxmlformats.org/officeDocument/2006/relationships" xmlns:p="http://schemas.openxmlformats.org/presentationml/2006/main">
+  <p:tag name="OUTPUTDPI" val="1200"/>
+  <p:tag name="ORIGINALHEIGHT" val="56.24299"/>
+  <p:tag name="ORIGINALWIDTH" val="62.99213"/>
+  <p:tag name="LATEXADDIN" val="\documentclass{article}&#10;\pagestyle{empty}&#10;&#10;\usepackage{amsmath}&#10;\usepackage{amsfonts}&#10;&#10;% Random variable&#10;\newcommand{\rv}[1]{\ensuremath{{\boldsymbol{#1}}}}&#10;% Vector&#10;\renewcommand{\vec}[1]{\ensuremath{{\underline{#1}}}}&#10;% Random vector&#10;\newcommand{\rvec}[1]{\ensuremath{{\boldsymbol{\underline{#1}}}}}&#10;% Matrix&#10;\newcommand{\mat}[1]{{\ensuremath{{\mathbf{#1}}}}}&#10;% trace operator&#10;\DeclareMathOperator{\tr}{tr}&#10;&#10;\begin{document}&#10;&#10;\begin{gather*}&#10;x&#10;\end{gather*}&#10;&#10;\end{document}"/>
+  <p:tag name="IGUANATEXSIZE" val="20"/>
+  <p:tag name="IGUANATEXCURSOR" val="445"/>
+  <p:tag name="TRANSPARENCY" val="True"/>
+  <p:tag name="FILENAME" val=""/>
+  <p:tag name="LATEXENGINEID" val="0"/>
+  <p:tag name="TEMPFOLDER" val="C:\Users\tn5093\iguanatex_temp\"/>
+  <p:tag name="LATEXFORMHEIGHT" val="522"/>
+  <p:tag name="LATEXFORMWIDTH" val="632"/>
+  <p:tag name="LATEXFORMWRAP" val="True"/>
+  <p:tag name="BITMAPVECTOR" val="0"/>
+</p:tagLst>
+</file>
+
+<file path=ppt/tags/tag3.xml><?xml version="1.0" encoding="utf-8"?>
+<p:tagLst xmlns:a="http://schemas.openxmlformats.org/drawingml/2006/main" xmlns:r="http://schemas.openxmlformats.org/officeDocument/2006/relationships" xmlns:p="http://schemas.openxmlformats.org/presentationml/2006/main">
+  <p:tag name="OUTPUTDPI" val="1200"/>
+  <p:tag name="ORIGINALHEIGHT" val="80.24"/>
+  <p:tag name="ORIGINALWIDTH" val="58.49268"/>
+  <p:tag name="LATEXADDIN" val="\documentclass{article}&#10;\pagestyle{empty}&#10;&#10;\usepackage{amsmath}&#10;\usepackage{amsfonts}&#10;&#10;% Random variable&#10;\newcommand{\rv}[1]{\ensuremath{{\boldsymbol{#1}}}}&#10;% Vector&#10;\renewcommand{\vec}[1]{\ensuremath{{\underline{#1}}}}&#10;% Random vector&#10;\newcommand{\rvec}[1]{\ensuremath{{\boldsymbol{\underline{#1}}}}}&#10;% Matrix&#10;\newcommand{\mat}[1]{{\ensuremath{{\mathbf{#1}}}}}&#10;% trace operator&#10;\DeclareMathOperator{\tr}{tr}&#10;&#10;\begin{document}&#10;&#10;\begin{gather*}&#10;y&#10;\end{gather*}&#10;&#10;\end{document}"/>
+  <p:tag name="IGUANATEXSIZE" val="20"/>
+  <p:tag name="IGUANATEXCURSOR" val="445"/>
+  <p:tag name="TRANSPARENCY" val="True"/>
+  <p:tag name="FILENAME" val=""/>
+  <p:tag name="LATEXENGINEID" val="0"/>
+  <p:tag name="TEMPFOLDER" val="C:\Users\tn5093\iguanatex_temp\"/>
+  <p:tag name="LATEXFORMHEIGHT" val="522"/>
+  <p:tag name="LATEXFORMWIDTH" val="632"/>
+  <p:tag name="LATEXFORMWRAP" val="True"/>
+  <p:tag name="BITMAPVECTOR" val="0"/>
+</p:tagLst>
+</file>
+
+<file path=ppt/tags/tag4.xml><?xml version="1.0" encoding="utf-8"?>
+<p:tagLst xmlns:a="http://schemas.openxmlformats.org/drawingml/2006/main" xmlns:r="http://schemas.openxmlformats.org/officeDocument/2006/relationships" xmlns:p="http://schemas.openxmlformats.org/presentationml/2006/main">
+  <p:tag name="OUTPUTDPI" val="1200"/>
+  <p:tag name="ORIGINALHEIGHT" val="98.23772"/>
+  <p:tag name="ORIGINALWIDTH" val="281.9647"/>
+  <p:tag name="LATEXADDIN" val="\documentclass{article}&#10;\pagestyle{empty}&#10;&#10;\usepackage{amsmath}&#10;\usepackage{amsfonts}&#10;&#10;% Random variable&#10;\newcommand{\rv}[1]{\ensuremath{{\boldsymbol{#1}}}}&#10;% Vector&#10;\renewcommand{\vec}[1]{\ensuremath{{\underline{#1}}}}&#10;% Random vector&#10;\newcommand{\rvec}[1]{\ensuremath{{\boldsymbol{\underline{#1}}}}}&#10;% Matrix&#10;\newcommand{\mat}[1]{{\ensuremath{{\mathbf{#1}}}}}&#10;% trace operator&#10;\DeclareMathOperator{\tr}{tr}&#10;&#10;\begin{document}&#10;&#10;\begin{gather*}&#10;x+y&#10;\end{gather*}&#10;&#10;\end{document}"/>
+  <p:tag name="IGUANATEXSIZE" val="20"/>
+  <p:tag name="IGUANATEXCURSOR" val="447"/>
+  <p:tag name="TRANSPARENCY" val="True"/>
+  <p:tag name="FILENAME" val=""/>
+  <p:tag name="LATEXENGINEID" val="0"/>
+  <p:tag name="TEMPFOLDER" val="C:\Users\tn5093\iguanatex_temp\"/>
+  <p:tag name="LATEXFORMHEIGHT" val="522"/>
+  <p:tag name="LATEXFORMWIDTH" val="632"/>
+  <p:tag name="LATEXFORMWRAP" val="True"/>
+  <p:tag name="BITMAPVECTOR" val="0"/>
+</p:tagLst>
+</file>
+
+<file path=ppt/tags/tag5.xml><?xml version="1.0" encoding="utf-8"?>
+<p:tagLst xmlns:a="http://schemas.openxmlformats.org/drawingml/2006/main" xmlns:r="http://schemas.openxmlformats.org/officeDocument/2006/relationships" xmlns:p="http://schemas.openxmlformats.org/presentationml/2006/main">
+  <p:tag name="OUTPUTDPI" val="1200"/>
+  <p:tag name="ORIGINALHEIGHT" val="116.9854"/>
+  <p:tag name="ORIGINALWIDTH" val="362.2047"/>
+  <p:tag name="LATEXADDIN" val="\documentclass{article}&#10;\pagestyle{empty}&#10;&#10;\usepackage{amsmath}&#10;\usepackage{amsfonts}&#10;&#10;% Random variable&#10;\newcommand{\rv}[1]{\ensuremath{{\boldsymbol{#1}}}}&#10;% Vector&#10;\renewcommand{\vec}[1]{\ensuremath{{\underline{#1}}}}&#10;% Random vector&#10;\newcommand{\rvec}[1]{\ensuremath{{\boldsymbol{\underline{#1}}}}}&#10;% Matrix&#10;\newcommand{\mat}[1]{{\ensuremath{{\mathbf{#1}}}}}&#10;% trace operator&#10;\DeclareMathOperator{\tr}{tr}&#10;&#10;\begin{document}&#10;&#10;\begin{gather*}&#10;\hat{\vec{x}}_1,\ \mat{P}_1&#10;\end{gather*}&#10;&#10;\end{document}"/>
+  <p:tag name="IGUANATEXSIZE" val="20"/>
+  <p:tag name="IGUANATEXCURSOR" val="457"/>
+  <p:tag name="TRANSPARENCY" val="True"/>
+  <p:tag name="FILENAME" val=""/>
+  <p:tag name="LATEXENGINEID" val="0"/>
+  <p:tag name="TEMPFOLDER" val="C:\Users\tn5093\iguanatex_temp\"/>
+  <p:tag name="LATEXFORMHEIGHT" val="522"/>
+  <p:tag name="LATEXFORMWIDTH" val="632"/>
+  <p:tag name="LATEXFORMWRAP" val="True"/>
+  <p:tag name="BITMAPVECTOR" val="0"/>
+</p:tagLst>
+</file>
+
+<file path=ppt/tags/tag6.xml><?xml version="1.0" encoding="utf-8"?>
+<p:tagLst xmlns:a="http://schemas.openxmlformats.org/drawingml/2006/main" xmlns:r="http://schemas.openxmlformats.org/officeDocument/2006/relationships" xmlns:p="http://schemas.openxmlformats.org/presentationml/2006/main">
+  <p:tag name="OUTPUTDPI" val="1200"/>
+  <p:tag name="ORIGINALHEIGHT" val="116.9854"/>
+  <p:tag name="ORIGINALWIDTH" val="365.2043"/>
+  <p:tag name="LATEXADDIN" val="\documentclass{article}&#10;\pagestyle{empty}&#10;&#10;\usepackage{amsmath}&#10;\usepackage{amsfonts}&#10;&#10;% Random variable&#10;\newcommand{\rv}[1]{\ensuremath{{\boldsymbol{#1}}}}&#10;% Vector&#10;\renewcommand{\vec}[1]{\ensuremath{{\underline{#1}}}}&#10;% Random vector&#10;\newcommand{\rvec}[1]{\ensuremath{{\boldsymbol{\underline{#1}}}}}&#10;% Matrix&#10;\newcommand{\mat}[1]{{\ensuremath{{\mathbf{#1}}}}}&#10;% trace operator&#10;\DeclareMathOperator{\tr}{tr}&#10;&#10;\begin{document}&#10;&#10;\begin{gather*}&#10;\hat{\vec{x}}_2,\ \mat{P}_2&#10;\end{gather*}&#10;&#10;\end{document}"/>
+  <p:tag name="IGUANATEXSIZE" val="20"/>
+  <p:tag name="IGUANATEXCURSOR" val="471"/>
+  <p:tag name="TRANSPARENCY" val="True"/>
+  <p:tag name="FILENAME" val=""/>
+  <p:tag name="LATEXENGINEID" val="0"/>
+  <p:tag name="TEMPFOLDER" val="C:\Users\tn5093\iguanatex_temp\"/>
+  <p:tag name="LATEXFORMHEIGHT" val="522"/>
+  <p:tag name="LATEXFORMWIDTH" val="632"/>
+  <p:tag name="LATEXFORMWRAP" val="True"/>
+  <p:tag name="BITMAPVECTOR" val="0"/>
+</p:tagLst>
+</file>
+
+<file path=ppt/tags/tag7.xml><?xml version="1.0" encoding="utf-8"?>
+<p:tagLst xmlns:a="http://schemas.openxmlformats.org/drawingml/2006/main" xmlns:r="http://schemas.openxmlformats.org/officeDocument/2006/relationships" xmlns:p="http://schemas.openxmlformats.org/presentationml/2006/main">
+  <p:tag name="OUTPUTDPI" val="1200"/>
+  <p:tag name="ORIGINALHEIGHT" val="117.7353"/>
+  <p:tag name="ORIGINALWIDTH" val="390.7012"/>
+  <p:tag name="LATEXADDIN" val="\documentclass{article}&#10;\pagestyle{empty}&#10;&#10;\usepackage{amsmath}&#10;\usepackage{amsfonts}&#10;&#10;% Random variable&#10;\newcommand{\rv}[1]{\ensuremath{{\boldsymbol{#1}}}}&#10;% Vector&#10;\renewcommand{\vec}[1]{\ensuremath{{\underline{#1}}}}&#10;% Random vector&#10;\newcommand{\rvec}[1]{\ensuremath{{\boldsymbol{\underline{#1}}}}}&#10;% Matrix&#10;\newcommand{\mat}[1]{{\ensuremath{{\mathbf{#1}}}}}&#10;% trace operator&#10;\DeclareMathOperator{\tr}{tr}&#10;&#10;\begin{document}&#10;&#10;\begin{gather*}&#10;\hat{\vec{x}}_n,\ \mat{P}_n&#10;\end{gather*}&#10;&#10;\end{document}"/>
+  <p:tag name="IGUANATEXSIZE" val="20"/>
+  <p:tag name="IGUANATEXCURSOR" val="410"/>
+  <p:tag name="TRANSPARENCY" val="True"/>
+  <p:tag name="FILENAME" val=""/>
+  <p:tag name="LATEXENGINEID" val="0"/>
+  <p:tag name="TEMPFOLDER" val="C:\Users\tn5093\iguanatex_temp\"/>
+  <p:tag name="LATEXFORMHEIGHT" val="522"/>
+  <p:tag name="LATEXFORMWIDTH" val="632"/>
+  <p:tag name="LATEXFORMWRAP" val="True"/>
+  <p:tag name="BITMAPVECTOR" val="0"/>
+</p:tagLst>
+</file>
+
+<file path=ppt/tags/tag8.xml><?xml version="1.0" encoding="utf-8"?>
+<p:tagLst xmlns:a="http://schemas.openxmlformats.org/drawingml/2006/main" xmlns:r="http://schemas.openxmlformats.org/officeDocument/2006/relationships" xmlns:p="http://schemas.openxmlformats.org/presentationml/2006/main">
+  <p:tag name="OUTPUTDPI" val="1200"/>
+  <p:tag name="ORIGINALHEIGHT" val="341.2073"/>
+  <p:tag name="ORIGINALWIDTH" val="1116.61"/>
+  <p:tag name="LATEXADDIN" val="\documentclass{article}&#10;\pagestyle{empty}&#10;&#10;\usepackage{amsmath}&#10;\usepackage{amsfonts}&#10;&#10;% Random variable&#10;\newcommand{\rv}[1]{\ensuremath{{\boldsymbol{#1}}}}&#10;% Vector&#10;\renewcommand{\vec}[1]{\ensuremath{{\underline{#1}}}}&#10;% Random vector&#10;\newcommand{\rvec}[1]{\ensuremath{{\boldsymbol{\underline{#1}}}}}&#10;% Matrix&#10;\newcommand{\mat}[1]{{\ensuremath{{\mathbf{#1}}}}}&#10;% Mean of a random variable / vector&#10;\newcommand{\mean}[1]{\ensuremath{\hat{#1}}}&#10;&#10;\begin{document}&#10;&#10;\begin{gather*}&#10;\mat{P}^{-1} \mean{\vec{x}} =\sum_{i=1}^{n}\omega_i \mat{P}_i^{-1} \mean{\vec{x}}_i\end{gather*}&#10;&#10;\end{document}"/>
+  <p:tag name="IGUANATEXSIZE" val="24"/>
+  <p:tag name="IGUANATEXCURSOR" val="479"/>
+  <p:tag name="TRANSPARENCY" val="True"/>
+  <p:tag name="FILENAME" val=""/>
+  <p:tag name="LATEXENGINEID" val="0"/>
+  <p:tag name="TEMPFOLDER" val="C:\Users\tn5093\iguanatex_temp\"/>
+  <p:tag name="LATEXFORMHEIGHT" val="413"/>
+  <p:tag name="LATEXFORMWIDTH" val="608"/>
+  <p:tag name="LATEXFORMWRAP" val="True"/>
+  <p:tag name="BITMAPVECTOR" val="0"/>
+</p:tagLst>
+</file>
+
+<file path=ppt/tags/tag9.xml><?xml version="1.0" encoding="utf-8"?>
+<p:tagLst xmlns:a="http://schemas.openxmlformats.org/drawingml/2006/main" xmlns:r="http://schemas.openxmlformats.org/officeDocument/2006/relationships" xmlns:p="http://schemas.openxmlformats.org/presentationml/2006/main">
+  <p:tag name="OUTPUTDPI" val="1200"/>
+  <p:tag name="ORIGINALHEIGHT" val="341.2073"/>
+  <p:tag name="ORIGINALWIDTH" val="929.1339"/>
+  <p:tag name="LATEXADDIN" val="\documentclass{article}&#10;\pagestyle{empty}&#10;&#10;\usepackage{amsmath}&#10;\usepackage{amsfonts}&#10;&#10;% Random variable&#10;\newcommand{\rv}[1]{\ensuremath{{\boldsymbol{#1}}}}&#10;% Vector&#10;\renewcommand{\vec}[1]{\ensuremath{{\underline{#1}}}}&#10;% Random vector&#10;\newcommand{\rvec}[1]{\ensuremath{{\boldsymbol{\underline{#1}}}}}&#10;% Matrix&#10;\newcommand{\mat}[1]{{\ensuremath{{\mathbf{#1}}}}}&#10;\begin{document}&#10;&#10;\begin{gather*}&#10;\mat{P}^{-1}=\sum_{i=1}^{n}\omega_i \mat{P}_i^{-1}&#10;\end{gather*}&#10;&#10;\end{document}"/>
+  <p:tag name="IGUANATEXSIZE" val="24"/>
+  <p:tag name="IGUANATEXCURSOR" val="446"/>
+  <p:tag name="TRANSPARENCY" val="True"/>
+  <p:tag name="FILENAME" val=""/>
+  <p:tag name="LATEXENGINEID" val="0"/>
+  <p:tag name="TEMPFOLDER" val="C:\Users\tn5093\iguanatex_temp\"/>
+  <p:tag name="LATEXFORMHEIGHT" val="413"/>
+  <p:tag name="LATEXFORMWIDTH" val="608"/>
+  <p:tag name="LATEXFORMWRAP" val="True"/>
+  <p:tag name="BITMAPVECTOR" val="0"/>
+</p:tagLst>
 </file>
 
 <file path=ppt/theme/theme1.xml><?xml version="1.0" encoding="utf-8"?>

--- a/presentation/MFI2022_marko_ristic.pptx
+++ b/presentation/MFI2022_marko_ristic.pptx
@@ -15,10 +15,10 @@
     <p:sldId id="309" r:id="rId6"/>
     <p:sldId id="315" r:id="rId7"/>
     <p:sldId id="316" r:id="rId8"/>
-    <p:sldId id="310" r:id="rId9"/>
-    <p:sldId id="314" r:id="rId10"/>
-    <p:sldId id="311" r:id="rId11"/>
-    <p:sldId id="312" r:id="rId12"/>
+    <p:sldId id="314" r:id="rId9"/>
+    <p:sldId id="311" r:id="rId10"/>
+    <p:sldId id="312" r:id="rId11"/>
+    <p:sldId id="310" r:id="rId12"/>
     <p:sldId id="313" r:id="rId13"/>
   </p:sldIdLst>
   <p:sldSz cx="9144000" cy="5143500" type="screen16x9"/>
@@ -137,666 +137,6 @@
 </p:presentation>
 </file>
 
-<file path=ppt/changesInfos/changesInfo1.xml><?xml version="1.0" encoding="utf-8"?>
-<pc:chgInfo xmlns:a="http://schemas.openxmlformats.org/drawingml/2006/main" xmlns:r="http://schemas.openxmlformats.org/officeDocument/2006/relationships" xmlns:ac="http://schemas.microsoft.com/office/drawing/2013/main/command" xmlns:pc="http://schemas.microsoft.com/office/powerpoint/2013/main/command">
-  <pc:docChgLst>
-    <pc:chgData userId="ef9d56e66a0197e5" providerId="LiveId" clId="{52A6B880-CFE5-47DF-BD22-B9EE2FA666E8}"/>
-    <pc:docChg chg="undo redo custSel addSld delSld modSld sldOrd">
-      <pc:chgData name="" userId="ef9d56e66a0197e5" providerId="LiveId" clId="{52A6B880-CFE5-47DF-BD22-B9EE2FA666E8}" dt="2022-07-11T09:02:14.084" v="2645" actId="20577"/>
-      <pc:docMkLst>
-        <pc:docMk/>
-      </pc:docMkLst>
-      <pc:sldChg chg="delSp modSp modNotesTx">
-        <pc:chgData name="" userId="ef9d56e66a0197e5" providerId="LiveId" clId="{52A6B880-CFE5-47DF-BD22-B9EE2FA666E8}" dt="2022-07-11T08:26:37.474" v="2640" actId="1076"/>
-        <pc:sldMkLst>
-          <pc:docMk/>
-          <pc:sldMk cId="3554540521" sldId="256"/>
-        </pc:sldMkLst>
-        <pc:spChg chg="mod">
-          <ac:chgData name="" userId="ef9d56e66a0197e5" providerId="LiveId" clId="{52A6B880-CFE5-47DF-BD22-B9EE2FA666E8}" dt="2022-06-29T13:37:16.941" v="458" actId="27636"/>
-          <ac:spMkLst>
-            <pc:docMk/>
-            <pc:sldMk cId="3554540521" sldId="256"/>
-            <ac:spMk id="2" creationId="{2408EBF1-C351-4391-AA78-590DD9F8E928}"/>
-          </ac:spMkLst>
-        </pc:spChg>
-        <pc:spChg chg="mod">
-          <ac:chgData name="" userId="ef9d56e66a0197e5" providerId="LiveId" clId="{52A6B880-CFE5-47DF-BD22-B9EE2FA666E8}" dt="2022-06-29T13:37:31.572" v="488" actId="6549"/>
-          <ac:spMkLst>
-            <pc:docMk/>
-            <pc:sldMk cId="3554540521" sldId="256"/>
-            <ac:spMk id="3" creationId="{AB0F6F81-4275-4511-9A1E-AFC38B37D130}"/>
-          </ac:spMkLst>
-        </pc:spChg>
-        <pc:spChg chg="mod">
-          <ac:chgData name="" userId="ef9d56e66a0197e5" providerId="LiveId" clId="{52A6B880-CFE5-47DF-BD22-B9EE2FA666E8}" dt="2022-07-11T08:26:31.681" v="2639" actId="20577"/>
-          <ac:spMkLst>
-            <pc:docMk/>
-            <pc:sldMk cId="3554540521" sldId="256"/>
-            <ac:spMk id="5" creationId="{9E0B877C-33EB-41D0-82B9-B6A1FFE789B6}"/>
-          </ac:spMkLst>
-        </pc:spChg>
-        <pc:spChg chg="mod">
-          <ac:chgData name="" userId="ef9d56e66a0197e5" providerId="LiveId" clId="{52A6B880-CFE5-47DF-BD22-B9EE2FA666E8}" dt="2022-07-11T08:26:37.474" v="2640" actId="1076"/>
-          <ac:spMkLst>
-            <pc:docMk/>
-            <pc:sldMk cId="3554540521" sldId="256"/>
-            <ac:spMk id="6" creationId="{8A07874F-4463-4DA1-AEB7-6720EE10D906}"/>
-          </ac:spMkLst>
-        </pc:spChg>
-        <pc:picChg chg="del">
-          <ac:chgData name="" userId="ef9d56e66a0197e5" providerId="LiveId" clId="{52A6B880-CFE5-47DF-BD22-B9EE2FA666E8}" dt="2022-07-06T08:09:07.805" v="1249" actId="478"/>
-          <ac:picMkLst>
-            <pc:docMk/>
-            <pc:sldMk cId="3554540521" sldId="256"/>
-            <ac:picMk id="9" creationId="{D1CC9E0C-ADE4-4F3E-BEE0-48E19C27BDF4}"/>
-          </ac:picMkLst>
-        </pc:picChg>
-      </pc:sldChg>
-      <pc:sldChg chg="modSp modNotesTx">
-        <pc:chgData name="" userId="ef9d56e66a0197e5" providerId="LiveId" clId="{52A6B880-CFE5-47DF-BD22-B9EE2FA666E8}" dt="2022-07-11T08:26:08.858" v="2608" actId="20577"/>
-        <pc:sldMkLst>
-          <pc:docMk/>
-          <pc:sldMk cId="2805180611" sldId="275"/>
-        </pc:sldMkLst>
-        <pc:spChg chg="mod">
-          <ac:chgData name="" userId="ef9d56e66a0197e5" providerId="LiveId" clId="{52A6B880-CFE5-47DF-BD22-B9EE2FA666E8}" dt="2022-07-05T12:20:59.937" v="1247" actId="20577"/>
-          <ac:spMkLst>
-            <pc:docMk/>
-            <pc:sldMk cId="2805180611" sldId="275"/>
-            <ac:spMk id="2" creationId="{164BD722-B6FD-4C3B-9F84-AAC0ACB5D308}"/>
-          </ac:spMkLst>
-        </pc:spChg>
-        <pc:spChg chg="mod">
-          <ac:chgData name="" userId="ef9d56e66a0197e5" providerId="LiveId" clId="{52A6B880-CFE5-47DF-BD22-B9EE2FA666E8}" dt="2022-06-30T14:24:09.109" v="1123" actId="20577"/>
-          <ac:spMkLst>
-            <pc:docMk/>
-            <pc:sldMk cId="2805180611" sldId="275"/>
-            <ac:spMk id="3" creationId="{15D4B873-C414-4F02-9EE0-B7B3AF660983}"/>
-          </ac:spMkLst>
-        </pc:spChg>
-      </pc:sldChg>
-      <pc:sldChg chg="modSp">
-        <pc:chgData name="" userId="ef9d56e66a0197e5" providerId="LiveId" clId="{52A6B880-CFE5-47DF-BD22-B9EE2FA666E8}" dt="2022-06-30T14:24:14.795" v="1124"/>
-        <pc:sldMkLst>
-          <pc:docMk/>
-          <pc:sldMk cId="3307675266" sldId="276"/>
-        </pc:sldMkLst>
-        <pc:spChg chg="mod">
-          <ac:chgData name="" userId="ef9d56e66a0197e5" providerId="LiveId" clId="{52A6B880-CFE5-47DF-BD22-B9EE2FA666E8}" dt="2022-06-30T14:24:14.795" v="1124"/>
-          <ac:spMkLst>
-            <pc:docMk/>
-            <pc:sldMk cId="3307675266" sldId="276"/>
-            <ac:spMk id="3" creationId="{8DA52C03-67E5-4A94-98B4-CD61EDB71A39}"/>
-          </ac:spMkLst>
-        </pc:spChg>
-      </pc:sldChg>
-      <pc:sldChg chg="modSp modNotesTx">
-        <pc:chgData name="" userId="ef9d56e66a0197e5" providerId="LiveId" clId="{52A6B880-CFE5-47DF-BD22-B9EE2FA666E8}" dt="2022-07-07T14:12:06.755" v="1362" actId="20577"/>
-        <pc:sldMkLst>
-          <pc:docMk/>
-          <pc:sldMk cId="3931442861" sldId="277"/>
-        </pc:sldMkLst>
-        <pc:spChg chg="mod">
-          <ac:chgData name="" userId="ef9d56e66a0197e5" providerId="LiveId" clId="{52A6B880-CFE5-47DF-BD22-B9EE2FA666E8}" dt="2022-06-30T14:24:27.188" v="1126"/>
-          <ac:spMkLst>
-            <pc:docMk/>
-            <pc:sldMk cId="3931442861" sldId="277"/>
-            <ac:spMk id="3" creationId="{E004A100-CDD2-4C97-84F4-B7354206C814}"/>
-          </ac:spMkLst>
-        </pc:spChg>
-      </pc:sldChg>
-      <pc:sldChg chg="modSp modNotesTx">
-        <pc:chgData name="" userId="ef9d56e66a0197e5" providerId="LiveId" clId="{52A6B880-CFE5-47DF-BD22-B9EE2FA666E8}" dt="2022-07-07T14:11:23.530" v="1293" actId="20577"/>
-        <pc:sldMkLst>
-          <pc:docMk/>
-          <pc:sldMk cId="4078653405" sldId="278"/>
-        </pc:sldMkLst>
-        <pc:spChg chg="mod">
-          <ac:chgData name="" userId="ef9d56e66a0197e5" providerId="LiveId" clId="{52A6B880-CFE5-47DF-BD22-B9EE2FA666E8}" dt="2022-06-30T14:24:21.291" v="1125"/>
-          <ac:spMkLst>
-            <pc:docMk/>
-            <pc:sldMk cId="4078653405" sldId="278"/>
-            <ac:spMk id="3" creationId="{859C69A0-88E4-4623-B999-C13665A1748E}"/>
-          </ac:spMkLst>
-        </pc:spChg>
-      </pc:sldChg>
-      <pc:sldChg chg="modSp ord modNotesTx">
-        <pc:chgData name="" userId="ef9d56e66a0197e5" providerId="LiveId" clId="{52A6B880-CFE5-47DF-BD22-B9EE2FA666E8}" dt="2022-07-07T14:14:21.323" v="1569" actId="20577"/>
-        <pc:sldMkLst>
-          <pc:docMk/>
-          <pc:sldMk cId="696695550" sldId="279"/>
-        </pc:sldMkLst>
-        <pc:spChg chg="mod">
-          <ac:chgData name="" userId="ef9d56e66a0197e5" providerId="LiveId" clId="{52A6B880-CFE5-47DF-BD22-B9EE2FA666E8}" dt="2022-06-30T14:24:46.967" v="1130"/>
-          <ac:spMkLst>
-            <pc:docMk/>
-            <pc:sldMk cId="696695550" sldId="279"/>
-            <ac:spMk id="5" creationId="{B02237A0-0C11-4AA5-9473-BDAACE420B70}"/>
-          </ac:spMkLst>
-        </pc:spChg>
-        <pc:spChg chg="mod">
-          <ac:chgData name="" userId="ef9d56e66a0197e5" providerId="LiveId" clId="{52A6B880-CFE5-47DF-BD22-B9EE2FA666E8}" dt="2022-06-30T14:05:14.317" v="901" actId="20577"/>
-          <ac:spMkLst>
-            <pc:docMk/>
-            <pc:sldMk cId="696695550" sldId="279"/>
-            <ac:spMk id="7" creationId="{B2988FB1-1E0A-4A6B-8BAD-A3746304F680}"/>
-          </ac:spMkLst>
-        </pc:spChg>
-        <pc:spChg chg="mod">
-          <ac:chgData name="" userId="ef9d56e66a0197e5" providerId="LiveId" clId="{52A6B880-CFE5-47DF-BD22-B9EE2FA666E8}" dt="2022-06-29T13:30:34.778" v="344" actId="207"/>
-          <ac:spMkLst>
-            <pc:docMk/>
-            <pc:sldMk cId="696695550" sldId="279"/>
-            <ac:spMk id="8" creationId="{B91EAB58-309F-4393-BBB5-47F499F22BAF}"/>
-          </ac:spMkLst>
-        </pc:spChg>
-      </pc:sldChg>
-      <pc:sldChg chg="modSp ord modNotesTx">
-        <pc:chgData name="" userId="ef9d56e66a0197e5" providerId="LiveId" clId="{52A6B880-CFE5-47DF-BD22-B9EE2FA666E8}" dt="2022-07-07T14:12:29.419" v="1380" actId="20577"/>
-        <pc:sldMkLst>
-          <pc:docMk/>
-          <pc:sldMk cId="1880583632" sldId="280"/>
-        </pc:sldMkLst>
-        <pc:spChg chg="mod">
-          <ac:chgData name="" userId="ef9d56e66a0197e5" providerId="LiveId" clId="{52A6B880-CFE5-47DF-BD22-B9EE2FA666E8}" dt="2022-07-05T12:20:49.098" v="1239" actId="20577"/>
-          <ac:spMkLst>
-            <pc:docMk/>
-            <pc:sldMk cId="1880583632" sldId="280"/>
-            <ac:spMk id="2" creationId="{2C9E1CB7-ED01-42C3-A0A5-3F8A25174EF3}"/>
-          </ac:spMkLst>
-        </pc:spChg>
-        <pc:spChg chg="mod">
-          <ac:chgData name="" userId="ef9d56e66a0197e5" providerId="LiveId" clId="{52A6B880-CFE5-47DF-BD22-B9EE2FA666E8}" dt="2022-06-30T14:24:32.740" v="1127"/>
-          <ac:spMkLst>
-            <pc:docMk/>
-            <pc:sldMk cId="1880583632" sldId="280"/>
-            <ac:spMk id="3" creationId="{23A5B4A4-6169-4EC9-B4A0-D875C2F8A1A4}"/>
-          </ac:spMkLst>
-        </pc:spChg>
-      </pc:sldChg>
-      <pc:sldChg chg="modSp modNotesTx">
-        <pc:chgData name="" userId="ef9d56e66a0197e5" providerId="LiveId" clId="{52A6B880-CFE5-47DF-BD22-B9EE2FA666E8}" dt="2022-07-07T14:33:08.612" v="2486" actId="20577"/>
-        <pc:sldMkLst>
-          <pc:docMk/>
-          <pc:sldMk cId="2783177643" sldId="281"/>
-        </pc:sldMkLst>
-        <pc:spChg chg="mod">
-          <ac:chgData name="" userId="ef9d56e66a0197e5" providerId="LiveId" clId="{52A6B880-CFE5-47DF-BD22-B9EE2FA666E8}" dt="2022-06-30T14:10:19.334" v="1054" actId="20577"/>
-          <ac:spMkLst>
-            <pc:docMk/>
-            <pc:sldMk cId="2783177643" sldId="281"/>
-            <ac:spMk id="2" creationId="{C88E2D8D-A2DF-49F6-89D1-A11F187B26EB}"/>
-          </ac:spMkLst>
-        </pc:spChg>
-        <pc:spChg chg="mod">
-          <ac:chgData name="" userId="ef9d56e66a0197e5" providerId="LiveId" clId="{52A6B880-CFE5-47DF-BD22-B9EE2FA666E8}" dt="2022-06-30T14:25:57.379" v="1145"/>
-          <ac:spMkLst>
-            <pc:docMk/>
-            <pc:sldMk cId="2783177643" sldId="281"/>
-            <ac:spMk id="3" creationId="{236CF5FE-21D9-4D13-823B-EA9D8C834039}"/>
-          </ac:spMkLst>
-        </pc:spChg>
-      </pc:sldChg>
-      <pc:sldChg chg="modSp modNotesTx">
-        <pc:chgData name="" userId="ef9d56e66a0197e5" providerId="LiveId" clId="{52A6B880-CFE5-47DF-BD22-B9EE2FA666E8}" dt="2022-07-07T14:14:44.172" v="1610" actId="20577"/>
-        <pc:sldMkLst>
-          <pc:docMk/>
-          <pc:sldMk cId="3165807171" sldId="282"/>
-        </pc:sldMkLst>
-        <pc:spChg chg="mod">
-          <ac:chgData name="" userId="ef9d56e66a0197e5" providerId="LiveId" clId="{52A6B880-CFE5-47DF-BD22-B9EE2FA666E8}" dt="2022-06-30T14:24:51.145" v="1131"/>
-          <ac:spMkLst>
-            <pc:docMk/>
-            <pc:sldMk cId="3165807171" sldId="282"/>
-            <ac:spMk id="3" creationId="{1D351941-A4CB-4F6C-8F47-3558D9876725}"/>
-          </ac:spMkLst>
-        </pc:spChg>
-        <pc:spChg chg="mod">
-          <ac:chgData name="" userId="ef9d56e66a0197e5" providerId="LiveId" clId="{52A6B880-CFE5-47DF-BD22-B9EE2FA666E8}" dt="2022-06-30T14:26:42.924" v="1148" actId="20577"/>
-          <ac:spMkLst>
-            <pc:docMk/>
-            <pc:sldMk cId="3165807171" sldId="282"/>
-            <ac:spMk id="5" creationId="{857D9655-CF5F-4A61-8F27-08763978153A}"/>
-          </ac:spMkLst>
-        </pc:spChg>
-      </pc:sldChg>
-      <pc:sldChg chg="modSp ord modNotesTx">
-        <pc:chgData name="" userId="ef9d56e66a0197e5" providerId="LiveId" clId="{52A6B880-CFE5-47DF-BD22-B9EE2FA666E8}" dt="2022-07-08T12:36:40.642" v="2596" actId="20577"/>
-        <pc:sldMkLst>
-          <pc:docMk/>
-          <pc:sldMk cId="204905730" sldId="283"/>
-        </pc:sldMkLst>
-        <pc:spChg chg="mod">
-          <ac:chgData name="" userId="ef9d56e66a0197e5" providerId="LiveId" clId="{52A6B880-CFE5-47DF-BD22-B9EE2FA666E8}" dt="2022-06-29T13:31:03.964" v="347" actId="207"/>
-          <ac:spMkLst>
-            <pc:docMk/>
-            <pc:sldMk cId="204905730" sldId="283"/>
-            <ac:spMk id="2" creationId="{D2576860-C7B4-43BE-9FFC-05C094DA74C4}"/>
-          </ac:spMkLst>
-        </pc:spChg>
-        <pc:spChg chg="mod">
-          <ac:chgData name="" userId="ef9d56e66a0197e5" providerId="LiveId" clId="{52A6B880-CFE5-47DF-BD22-B9EE2FA666E8}" dt="2022-06-30T14:25:11.275" v="1135"/>
-          <ac:spMkLst>
-            <pc:docMk/>
-            <pc:sldMk cId="204905730" sldId="283"/>
-            <ac:spMk id="3" creationId="{CA3543EE-532A-47CE-AEC4-0A859630D3D8}"/>
-          </ac:spMkLst>
-        </pc:spChg>
-        <pc:spChg chg="mod">
-          <ac:chgData name="" userId="ef9d56e66a0197e5" providerId="LiveId" clId="{52A6B880-CFE5-47DF-BD22-B9EE2FA666E8}" dt="2022-07-08T12:36:40.642" v="2596" actId="20577"/>
-          <ac:spMkLst>
-            <pc:docMk/>
-            <pc:sldMk cId="204905730" sldId="283"/>
-            <ac:spMk id="5" creationId="{A6FE8F95-B6CF-48E4-B569-C6D11C5744A0}"/>
-          </ac:spMkLst>
-        </pc:spChg>
-      </pc:sldChg>
-      <pc:sldChg chg="modSp ord modNotesTx">
-        <pc:chgData name="" userId="ef9d56e66a0197e5" providerId="LiveId" clId="{52A6B880-CFE5-47DF-BD22-B9EE2FA666E8}" dt="2022-07-07T14:28:45.754" v="2021" actId="20577"/>
-        <pc:sldMkLst>
-          <pc:docMk/>
-          <pc:sldMk cId="2268901764" sldId="284"/>
-        </pc:sldMkLst>
-        <pc:spChg chg="mod">
-          <ac:chgData name="" userId="ef9d56e66a0197e5" providerId="LiveId" clId="{52A6B880-CFE5-47DF-BD22-B9EE2FA666E8}" dt="2022-06-29T13:31:14.187" v="349" actId="207"/>
-          <ac:spMkLst>
-            <pc:docMk/>
-            <pc:sldMk cId="2268901764" sldId="284"/>
-            <ac:spMk id="2" creationId="{5BFAEBCC-7A2A-4D8C-858B-5399DFB3EA8E}"/>
-          </ac:spMkLst>
-        </pc:spChg>
-        <pc:spChg chg="mod">
-          <ac:chgData name="" userId="ef9d56e66a0197e5" providerId="LiveId" clId="{52A6B880-CFE5-47DF-BD22-B9EE2FA666E8}" dt="2022-06-30T14:25:30.099" v="1139"/>
-          <ac:spMkLst>
-            <pc:docMk/>
-            <pc:sldMk cId="2268901764" sldId="284"/>
-            <ac:spMk id="3" creationId="{19EF86C6-3F2C-4B96-80EB-A40484CA3B90}"/>
-          </ac:spMkLst>
-        </pc:spChg>
-        <pc:spChg chg="mod">
-          <ac:chgData name="" userId="ef9d56e66a0197e5" providerId="LiveId" clId="{52A6B880-CFE5-47DF-BD22-B9EE2FA666E8}" dt="2022-06-30T14:06:24.828" v="1006" actId="20577"/>
-          <ac:spMkLst>
-            <pc:docMk/>
-            <pc:sldMk cId="2268901764" sldId="284"/>
-            <ac:spMk id="5" creationId="{0193939D-2E34-4261-B40E-299374CDE6A8}"/>
-          </ac:spMkLst>
-        </pc:spChg>
-      </pc:sldChg>
-      <pc:sldChg chg="modSp modNotesTx">
-        <pc:chgData name="" userId="ef9d56e66a0197e5" providerId="LiveId" clId="{52A6B880-CFE5-47DF-BD22-B9EE2FA666E8}" dt="2022-07-07T14:33:33.900" v="2550" actId="20577"/>
-        <pc:sldMkLst>
-          <pc:docMk/>
-          <pc:sldMk cId="1743846806" sldId="285"/>
-        </pc:sldMkLst>
-        <pc:spChg chg="mod">
-          <ac:chgData name="" userId="ef9d56e66a0197e5" providerId="LiveId" clId="{52A6B880-CFE5-47DF-BD22-B9EE2FA666E8}" dt="2022-06-30T14:11:11.381" v="1076" actId="20577"/>
-          <ac:spMkLst>
-            <pc:docMk/>
-            <pc:sldMk cId="1743846806" sldId="285"/>
-            <ac:spMk id="2" creationId="{CE236293-C439-4577-A889-C0C5841F9646}"/>
-          </ac:spMkLst>
-        </pc:spChg>
-        <pc:spChg chg="mod">
-          <ac:chgData name="" userId="ef9d56e66a0197e5" providerId="LiveId" clId="{52A6B880-CFE5-47DF-BD22-B9EE2FA666E8}" dt="2022-06-30T14:26:01.770" v="1146"/>
-          <ac:spMkLst>
-            <pc:docMk/>
-            <pc:sldMk cId="1743846806" sldId="285"/>
-            <ac:spMk id="3" creationId="{CBD224BF-76CA-43BA-889C-D1B1A25B996E}"/>
-          </ac:spMkLst>
-        </pc:spChg>
-      </pc:sldChg>
-      <pc:sldChg chg="modSp modNotesTx">
-        <pc:chgData name="" userId="ef9d56e66a0197e5" providerId="LiveId" clId="{52A6B880-CFE5-47DF-BD22-B9EE2FA666E8}" dt="2022-07-07T14:24:39.483" v="1727" actId="20577"/>
-        <pc:sldMkLst>
-          <pc:docMk/>
-          <pc:sldMk cId="2563995344" sldId="287"/>
-        </pc:sldMkLst>
-        <pc:spChg chg="mod">
-          <ac:chgData name="" userId="ef9d56e66a0197e5" providerId="LiveId" clId="{52A6B880-CFE5-47DF-BD22-B9EE2FA666E8}" dt="2022-06-30T14:25:07.219" v="1134"/>
-          <ac:spMkLst>
-            <pc:docMk/>
-            <pc:sldMk cId="2563995344" sldId="287"/>
-            <ac:spMk id="3" creationId="{CEE6320F-9356-442D-B81F-68D9A7788271}"/>
-          </ac:spMkLst>
-        </pc:spChg>
-        <pc:spChg chg="mod">
-          <ac:chgData name="" userId="ef9d56e66a0197e5" providerId="LiveId" clId="{52A6B880-CFE5-47DF-BD22-B9EE2FA666E8}" dt="2022-06-30T14:26:50.956" v="1154" actId="20577"/>
-          <ac:spMkLst>
-            <pc:docMk/>
-            <pc:sldMk cId="2563995344" sldId="287"/>
-            <ac:spMk id="5" creationId="{EC24C6F1-04A8-4724-8899-6A0765942884}"/>
-          </ac:spMkLst>
-        </pc:spChg>
-      </pc:sldChg>
-      <pc:sldChg chg="modSp">
-        <pc:chgData name="" userId="ef9d56e66a0197e5" providerId="LiveId" clId="{52A6B880-CFE5-47DF-BD22-B9EE2FA666E8}" dt="2022-06-30T14:26:59.029" v="1160" actId="20577"/>
-        <pc:sldMkLst>
-          <pc:docMk/>
-          <pc:sldMk cId="313950606" sldId="288"/>
-        </pc:sldMkLst>
-        <pc:spChg chg="mod">
-          <ac:chgData name="" userId="ef9d56e66a0197e5" providerId="LiveId" clId="{52A6B880-CFE5-47DF-BD22-B9EE2FA666E8}" dt="2022-06-30T14:25:25.394" v="1138"/>
-          <ac:spMkLst>
-            <pc:docMk/>
-            <pc:sldMk cId="313950606" sldId="288"/>
-            <ac:spMk id="3" creationId="{0181B47A-CBAE-4C61-A352-AA73E43FF058}"/>
-          </ac:spMkLst>
-        </pc:spChg>
-        <pc:spChg chg="mod">
-          <ac:chgData name="" userId="ef9d56e66a0197e5" providerId="LiveId" clId="{52A6B880-CFE5-47DF-BD22-B9EE2FA666E8}" dt="2022-06-30T14:26:59.029" v="1160" actId="20577"/>
-          <ac:spMkLst>
-            <pc:docMk/>
-            <pc:sldMk cId="313950606" sldId="288"/>
-            <ac:spMk id="5" creationId="{CFAA4629-B108-47C6-BE8B-19D9B91B7116}"/>
-          </ac:spMkLst>
-        </pc:spChg>
-      </pc:sldChg>
-      <pc:sldChg chg="modSp modNotesTx">
-        <pc:chgData name="" userId="ef9d56e66a0197e5" providerId="LiveId" clId="{52A6B880-CFE5-47DF-BD22-B9EE2FA666E8}" dt="2022-07-07T14:31:54.610" v="2263" actId="20577"/>
-        <pc:sldMkLst>
-          <pc:docMk/>
-          <pc:sldMk cId="3784799675" sldId="290"/>
-        </pc:sldMkLst>
-        <pc:spChg chg="mod">
-          <ac:chgData name="" userId="ef9d56e66a0197e5" providerId="LiveId" clId="{52A6B880-CFE5-47DF-BD22-B9EE2FA666E8}" dt="2022-06-30T12:14:00.736" v="820"/>
-          <ac:spMkLst>
-            <pc:docMk/>
-            <pc:sldMk cId="3784799675" sldId="290"/>
-            <ac:spMk id="2" creationId="{D0F0F087-29B8-47BF-8C5C-0DEE9D7E9A30}"/>
-          </ac:spMkLst>
-        </pc:spChg>
-        <pc:spChg chg="mod">
-          <ac:chgData name="" userId="ef9d56e66a0197e5" providerId="LiveId" clId="{52A6B880-CFE5-47DF-BD22-B9EE2FA666E8}" dt="2022-06-30T14:25:48.732" v="1143"/>
-          <ac:spMkLst>
-            <pc:docMk/>
-            <pc:sldMk cId="3784799675" sldId="290"/>
-            <ac:spMk id="3" creationId="{5C877AEC-97FF-4C3D-813B-50BF8BE63A42}"/>
-          </ac:spMkLst>
-        </pc:spChg>
-        <pc:spChg chg="mod">
-          <ac:chgData name="" userId="ef9d56e66a0197e5" providerId="LiveId" clId="{52A6B880-CFE5-47DF-BD22-B9EE2FA666E8}" dt="2022-06-30T14:27:08.462" v="1168" actId="20577"/>
-          <ac:spMkLst>
-            <pc:docMk/>
-            <pc:sldMk cId="3784799675" sldId="290"/>
-            <ac:spMk id="5" creationId="{AFDDE6CE-F8F5-4193-909E-41062B8CE440}"/>
-          </ac:spMkLst>
-        </pc:spChg>
-      </pc:sldChg>
-      <pc:sldChg chg="modSp modNotesTx">
-        <pc:chgData name="" userId="ef9d56e66a0197e5" providerId="LiveId" clId="{52A6B880-CFE5-47DF-BD22-B9EE2FA666E8}" dt="2022-07-07T14:14:51.419" v="1617" actId="20577"/>
-        <pc:sldMkLst>
-          <pc:docMk/>
-          <pc:sldMk cId="608280341" sldId="291"/>
-        </pc:sldMkLst>
-        <pc:spChg chg="mod">
-          <ac:chgData name="" userId="ef9d56e66a0197e5" providerId="LiveId" clId="{52A6B880-CFE5-47DF-BD22-B9EE2FA666E8}" dt="2022-06-30T14:24:55.865" v="1132"/>
-          <ac:spMkLst>
-            <pc:docMk/>
-            <pc:sldMk cId="608280341" sldId="291"/>
-            <ac:spMk id="3" creationId="{2CEFB793-CADB-4B07-9E06-9AFBAD2EF239}"/>
-          </ac:spMkLst>
-        </pc:spChg>
-        <pc:spChg chg="mod">
-          <ac:chgData name="" userId="ef9d56e66a0197e5" providerId="LiveId" clId="{52A6B880-CFE5-47DF-BD22-B9EE2FA666E8}" dt="2022-06-30T14:26:46.077" v="1150" actId="20577"/>
-          <ac:spMkLst>
-            <pc:docMk/>
-            <pc:sldMk cId="608280341" sldId="291"/>
-            <ac:spMk id="5" creationId="{34A769B1-2E4E-46B0-ADF8-8CB0E1A32105}"/>
-          </ac:spMkLst>
-        </pc:spChg>
-      </pc:sldChg>
-      <pc:sldChg chg="modSp modNotesTx">
-        <pc:chgData name="" userId="ef9d56e66a0197e5" providerId="LiveId" clId="{52A6B880-CFE5-47DF-BD22-B9EE2FA666E8}" dt="2022-07-07T14:25:43.459" v="1830" actId="20577"/>
-        <pc:sldMkLst>
-          <pc:docMk/>
-          <pc:sldMk cId="2778051574" sldId="293"/>
-        </pc:sldMkLst>
-        <pc:spChg chg="mod">
-          <ac:chgData name="" userId="ef9d56e66a0197e5" providerId="LiveId" clId="{52A6B880-CFE5-47DF-BD22-B9EE2FA666E8}" dt="2022-06-30T14:25:15.734" v="1136"/>
-          <ac:spMkLst>
-            <pc:docMk/>
-            <pc:sldMk cId="2778051574" sldId="293"/>
-            <ac:spMk id="3" creationId="{A9573C9D-C099-42FC-ABB5-2C2AB07F066F}"/>
-          </ac:spMkLst>
-        </pc:spChg>
-        <pc:spChg chg="mod">
-          <ac:chgData name="" userId="ef9d56e66a0197e5" providerId="LiveId" clId="{52A6B880-CFE5-47DF-BD22-B9EE2FA666E8}" dt="2022-06-30T14:26:53.565" v="1156" actId="20577"/>
-          <ac:spMkLst>
-            <pc:docMk/>
-            <pc:sldMk cId="2778051574" sldId="293"/>
-            <ac:spMk id="5" creationId="{B45BA2EC-9400-4B2D-8F7E-259E4B471FD5}"/>
-          </ac:spMkLst>
-        </pc:spChg>
-      </pc:sldChg>
-      <pc:sldChg chg="modSp modNotesTx">
-        <pc:chgData name="" userId="ef9d56e66a0197e5" providerId="LiveId" clId="{52A6B880-CFE5-47DF-BD22-B9EE2FA666E8}" dt="2022-07-07T14:26:33.458" v="1908" actId="20577"/>
-        <pc:sldMkLst>
-          <pc:docMk/>
-          <pc:sldMk cId="3210006667" sldId="294"/>
-        </pc:sldMkLst>
-        <pc:spChg chg="mod">
-          <ac:chgData name="" userId="ef9d56e66a0197e5" providerId="LiveId" clId="{52A6B880-CFE5-47DF-BD22-B9EE2FA666E8}" dt="2022-06-30T14:25:20.633" v="1137"/>
-          <ac:spMkLst>
-            <pc:docMk/>
-            <pc:sldMk cId="3210006667" sldId="294"/>
-            <ac:spMk id="3" creationId="{A9573C9D-C099-42FC-ABB5-2C2AB07F066F}"/>
-          </ac:spMkLst>
-        </pc:spChg>
-        <pc:spChg chg="mod">
-          <ac:chgData name="" userId="ef9d56e66a0197e5" providerId="LiveId" clId="{52A6B880-CFE5-47DF-BD22-B9EE2FA666E8}" dt="2022-06-30T14:26:56.205" v="1158" actId="20577"/>
-          <ac:spMkLst>
-            <pc:docMk/>
-            <pc:sldMk cId="3210006667" sldId="294"/>
-            <ac:spMk id="5" creationId="{B45BA2EC-9400-4B2D-8F7E-259E4B471FD5}"/>
-          </ac:spMkLst>
-        </pc:spChg>
-      </pc:sldChg>
-      <pc:sldChg chg="modSp modNotesTx">
-        <pc:chgData name="" userId="ef9d56e66a0197e5" providerId="LiveId" clId="{52A6B880-CFE5-47DF-BD22-B9EE2FA666E8}" dt="2022-07-07T14:15:30.026" v="1634" actId="20577"/>
-        <pc:sldMkLst>
-          <pc:docMk/>
-          <pc:sldMk cId="478673554" sldId="295"/>
-        </pc:sldMkLst>
-        <pc:spChg chg="mod">
-          <ac:chgData name="" userId="ef9d56e66a0197e5" providerId="LiveId" clId="{52A6B880-CFE5-47DF-BD22-B9EE2FA666E8}" dt="2022-06-30T14:25:01.251" v="1133"/>
-          <ac:spMkLst>
-            <pc:docMk/>
-            <pc:sldMk cId="478673554" sldId="295"/>
-            <ac:spMk id="3" creationId="{2CEFB793-CADB-4B07-9E06-9AFBAD2EF239}"/>
-          </ac:spMkLst>
-        </pc:spChg>
-        <pc:spChg chg="mod">
-          <ac:chgData name="" userId="ef9d56e66a0197e5" providerId="LiveId" clId="{52A6B880-CFE5-47DF-BD22-B9EE2FA666E8}" dt="2022-06-30T14:26:48.604" v="1152" actId="20577"/>
-          <ac:spMkLst>
-            <pc:docMk/>
-            <pc:sldMk cId="478673554" sldId="295"/>
-            <ac:spMk id="5" creationId="{34A769B1-2E4E-46B0-ADF8-8CB0E1A32105}"/>
-          </ac:spMkLst>
-        </pc:spChg>
-      </pc:sldChg>
-      <pc:sldChg chg="modSp modNotesTx">
-        <pc:chgData name="" userId="ef9d56e66a0197e5" providerId="LiveId" clId="{52A6B880-CFE5-47DF-BD22-B9EE2FA666E8}" dt="2022-07-07T14:28:52.771" v="2022" actId="6549"/>
-        <pc:sldMkLst>
-          <pc:docMk/>
-          <pc:sldMk cId="1221576735" sldId="296"/>
-        </pc:sldMkLst>
-        <pc:spChg chg="mod">
-          <ac:chgData name="" userId="ef9d56e66a0197e5" providerId="LiveId" clId="{52A6B880-CFE5-47DF-BD22-B9EE2FA666E8}" dt="2022-06-30T14:25:35.643" v="1140"/>
-          <ac:spMkLst>
-            <pc:docMk/>
-            <pc:sldMk cId="1221576735" sldId="296"/>
-            <ac:spMk id="3" creationId="{97FE0473-F29E-49E7-A418-BBCD7DD20E18}"/>
-          </ac:spMkLst>
-        </pc:spChg>
-        <pc:spChg chg="mod">
-          <ac:chgData name="" userId="ef9d56e66a0197e5" providerId="LiveId" clId="{52A6B880-CFE5-47DF-BD22-B9EE2FA666E8}" dt="2022-06-30T14:27:02.766" v="1162" actId="20577"/>
-          <ac:spMkLst>
-            <pc:docMk/>
-            <pc:sldMk cId="1221576735" sldId="296"/>
-            <ac:spMk id="5" creationId="{E6F8CA5D-C5BE-45CD-BDCE-7C24575AA483}"/>
-          </ac:spMkLst>
-        </pc:spChg>
-      </pc:sldChg>
-      <pc:sldChg chg="modSp">
-        <pc:chgData name="" userId="ef9d56e66a0197e5" providerId="LiveId" clId="{52A6B880-CFE5-47DF-BD22-B9EE2FA666E8}" dt="2022-06-30T14:27:06.693" v="1166" actId="20577"/>
-        <pc:sldMkLst>
-          <pc:docMk/>
-          <pc:sldMk cId="1261944753" sldId="299"/>
-        </pc:sldMkLst>
-        <pc:spChg chg="mod">
-          <ac:chgData name="" userId="ef9d56e66a0197e5" providerId="LiveId" clId="{52A6B880-CFE5-47DF-BD22-B9EE2FA666E8}" dt="2022-06-30T14:25:44.429" v="1142"/>
-          <ac:spMkLst>
-            <pc:docMk/>
-            <pc:sldMk cId="1261944753" sldId="299"/>
-            <ac:spMk id="3" creationId="{97FE0473-F29E-49E7-A418-BBCD7DD20E18}"/>
-          </ac:spMkLst>
-        </pc:spChg>
-        <pc:spChg chg="mod">
-          <ac:chgData name="" userId="ef9d56e66a0197e5" providerId="LiveId" clId="{52A6B880-CFE5-47DF-BD22-B9EE2FA666E8}" dt="2022-06-30T14:27:06.693" v="1166" actId="20577"/>
-          <ac:spMkLst>
-            <pc:docMk/>
-            <pc:sldMk cId="1261944753" sldId="299"/>
-            <ac:spMk id="5" creationId="{E6F8CA5D-C5BE-45CD-BDCE-7C24575AA483}"/>
-          </ac:spMkLst>
-        </pc:spChg>
-      </pc:sldChg>
-      <pc:sldChg chg="modSp modNotesTx">
-        <pc:chgData name="" userId="ef9d56e66a0197e5" providerId="LiveId" clId="{52A6B880-CFE5-47DF-BD22-B9EE2FA666E8}" dt="2022-07-11T09:02:14.084" v="2645" actId="20577"/>
-        <pc:sldMkLst>
-          <pc:docMk/>
-          <pc:sldMk cId="922483636" sldId="300"/>
-        </pc:sldMkLst>
-        <pc:spChg chg="mod">
-          <ac:chgData name="" userId="ef9d56e66a0197e5" providerId="LiveId" clId="{52A6B880-CFE5-47DF-BD22-B9EE2FA666E8}" dt="2022-07-11T09:02:14.084" v="2645" actId="20577"/>
-          <ac:spMkLst>
-            <pc:docMk/>
-            <pc:sldMk cId="922483636" sldId="300"/>
-            <ac:spMk id="2" creationId="{BA6F1C05-7715-4432-8C8C-EBDA6C30D155}"/>
-          </ac:spMkLst>
-        </pc:spChg>
-        <pc:spChg chg="mod">
-          <ac:chgData name="" userId="ef9d56e66a0197e5" providerId="LiveId" clId="{52A6B880-CFE5-47DF-BD22-B9EE2FA666E8}" dt="2022-06-30T14:25:39.947" v="1141"/>
-          <ac:spMkLst>
-            <pc:docMk/>
-            <pc:sldMk cId="922483636" sldId="300"/>
-            <ac:spMk id="3" creationId="{97FE0473-F29E-49E7-A418-BBCD7DD20E18}"/>
-          </ac:spMkLst>
-        </pc:spChg>
-        <pc:spChg chg="mod">
-          <ac:chgData name="" userId="ef9d56e66a0197e5" providerId="LiveId" clId="{52A6B880-CFE5-47DF-BD22-B9EE2FA666E8}" dt="2022-06-30T14:27:04.933" v="1164" actId="20577"/>
-          <ac:spMkLst>
-            <pc:docMk/>
-            <pc:sldMk cId="922483636" sldId="300"/>
-            <ac:spMk id="5" creationId="{E6F8CA5D-C5BE-45CD-BDCE-7C24575AA483}"/>
-          </ac:spMkLst>
-        </pc:spChg>
-      </pc:sldChg>
-      <pc:sldChg chg="modSp modNotesTx">
-        <pc:chgData name="" userId="ef9d56e66a0197e5" providerId="LiveId" clId="{52A6B880-CFE5-47DF-BD22-B9EE2FA666E8}" dt="2022-07-07T14:12:53.739" v="1411" actId="6549"/>
-        <pc:sldMkLst>
-          <pc:docMk/>
-          <pc:sldMk cId="3953339225" sldId="301"/>
-        </pc:sldMkLst>
-        <pc:spChg chg="mod">
-          <ac:chgData name="" userId="ef9d56e66a0197e5" providerId="LiveId" clId="{52A6B880-CFE5-47DF-BD22-B9EE2FA666E8}" dt="2022-06-29T13:32:55.627" v="379" actId="20577"/>
-          <ac:spMkLst>
-            <pc:docMk/>
-            <pc:sldMk cId="3953339225" sldId="301"/>
-            <ac:spMk id="2" creationId="{9197F2CD-52D3-44E9-A546-CBDEF2880A57}"/>
-          </ac:spMkLst>
-        </pc:spChg>
-        <pc:spChg chg="mod">
-          <ac:chgData name="" userId="ef9d56e66a0197e5" providerId="LiveId" clId="{52A6B880-CFE5-47DF-BD22-B9EE2FA666E8}" dt="2022-06-29T13:32:59.564" v="387" actId="20577"/>
-          <ac:spMkLst>
-            <pc:docMk/>
-            <pc:sldMk cId="3953339225" sldId="301"/>
-            <ac:spMk id="3" creationId="{D22BEA54-71B4-46B7-B940-C262100E71DA}"/>
-          </ac:spMkLst>
-        </pc:spChg>
-        <pc:spChg chg="mod">
-          <ac:chgData name="" userId="ef9d56e66a0197e5" providerId="LiveId" clId="{52A6B880-CFE5-47DF-BD22-B9EE2FA666E8}" dt="2022-06-30T14:24:38.067" v="1128"/>
-          <ac:spMkLst>
-            <pc:docMk/>
-            <pc:sldMk cId="3953339225" sldId="301"/>
-            <ac:spMk id="5" creationId="{3BF7E5EB-C46E-4367-B32F-093554E8F64F}"/>
-          </ac:spMkLst>
-        </pc:spChg>
-      </pc:sldChg>
-      <pc:sldChg chg="modSp">
-        <pc:chgData name="" userId="ef9d56e66a0197e5" providerId="LiveId" clId="{52A6B880-CFE5-47DF-BD22-B9EE2FA666E8}" dt="2022-06-30T14:23:56.313" v="1091" actId="20577"/>
-        <pc:sldMkLst>
-          <pc:docMk/>
-          <pc:sldMk cId="761347017" sldId="302"/>
-        </pc:sldMkLst>
-        <pc:spChg chg="mod">
-          <ac:chgData name="" userId="ef9d56e66a0197e5" providerId="LiveId" clId="{52A6B880-CFE5-47DF-BD22-B9EE2FA666E8}" dt="2022-06-30T14:23:56.313" v="1091" actId="20577"/>
-          <ac:spMkLst>
-            <pc:docMk/>
-            <pc:sldMk cId="761347017" sldId="302"/>
-            <ac:spMk id="5" creationId="{6EAFC2DE-2276-4C08-AC0E-D18FB74D5D88}"/>
-          </ac:spMkLst>
-        </pc:spChg>
-      </pc:sldChg>
-      <pc:sldChg chg="modSp modNotesTx">
-        <pc:chgData name="" userId="ef9d56e66a0197e5" providerId="LiveId" clId="{52A6B880-CFE5-47DF-BD22-B9EE2FA666E8}" dt="2022-07-07T14:32:09.139" v="2281" actId="20577"/>
-        <pc:sldMkLst>
-          <pc:docMk/>
-          <pc:sldMk cId="1550332639" sldId="304"/>
-        </pc:sldMkLst>
-        <pc:spChg chg="mod">
-          <ac:chgData name="" userId="ef9d56e66a0197e5" providerId="LiveId" clId="{52A6B880-CFE5-47DF-BD22-B9EE2FA666E8}" dt="2022-06-30T12:07:59.210" v="527" actId="20577"/>
-          <ac:spMkLst>
-            <pc:docMk/>
-            <pc:sldMk cId="1550332639" sldId="304"/>
-            <ac:spMk id="3" creationId="{A33D752F-5B03-414A-93BD-A6BA4B67BCCE}"/>
-          </ac:spMkLst>
-        </pc:spChg>
-        <pc:spChg chg="mod">
-          <ac:chgData name="" userId="ef9d56e66a0197e5" providerId="LiveId" clId="{52A6B880-CFE5-47DF-BD22-B9EE2FA666E8}" dt="2022-06-30T14:25:53.329" v="1144"/>
-          <ac:spMkLst>
-            <pc:docMk/>
-            <pc:sldMk cId="1550332639" sldId="304"/>
-            <ac:spMk id="5" creationId="{E8D85D2C-C0F5-418F-A400-4CB9B7113BE4}"/>
-          </ac:spMkLst>
-        </pc:spChg>
-      </pc:sldChg>
-      <pc:sldChg chg="modSp add ord modNotesTx">
-        <pc:chgData name="" userId="ef9d56e66a0197e5" providerId="LiveId" clId="{52A6B880-CFE5-47DF-BD22-B9EE2FA666E8}" dt="2022-07-07T14:13:40.603" v="1527" actId="20577"/>
-        <pc:sldMkLst>
-          <pc:docMk/>
-          <pc:sldMk cId="2256699676" sldId="305"/>
-        </pc:sldMkLst>
-        <pc:spChg chg="mod">
-          <ac:chgData name="" userId="ef9d56e66a0197e5" providerId="LiveId" clId="{52A6B880-CFE5-47DF-BD22-B9EE2FA666E8}" dt="2022-06-29T13:28:35.419" v="325"/>
-          <ac:spMkLst>
-            <pc:docMk/>
-            <pc:sldMk cId="2256699676" sldId="305"/>
-            <ac:spMk id="2" creationId="{369D5E84-57D2-4F99-B0F8-5E8CB96A6BE2}"/>
-          </ac:spMkLst>
-        </pc:spChg>
-        <pc:spChg chg="mod">
-          <ac:chgData name="" userId="ef9d56e66a0197e5" providerId="LiveId" clId="{52A6B880-CFE5-47DF-BD22-B9EE2FA666E8}" dt="2022-06-30T14:24:42.675" v="1129"/>
-          <ac:spMkLst>
-            <pc:docMk/>
-            <pc:sldMk cId="2256699676" sldId="305"/>
-            <ac:spMk id="3" creationId="{E004A100-CDD2-4C97-84F4-B7354206C814}"/>
-          </ac:spMkLst>
-        </pc:spChg>
-        <pc:spChg chg="mod">
-          <ac:chgData name="" userId="ef9d56e66a0197e5" providerId="LiveId" clId="{52A6B880-CFE5-47DF-BD22-B9EE2FA666E8}" dt="2022-06-29T13:31:45.235" v="351" actId="207"/>
-          <ac:spMkLst>
-            <pc:docMk/>
-            <pc:sldMk cId="2256699676" sldId="305"/>
-            <ac:spMk id="5" creationId="{24A49880-E4D5-498E-957D-3CD8FED79D6B}"/>
-          </ac:spMkLst>
-        </pc:spChg>
-      </pc:sldChg>
-    </pc:docChg>
-  </pc:docChgLst>
-</pc:chgInfo>
-</file>
-
 <file path=ppt/notesMasters/notesMaster1.xml><?xml version="1.0" encoding="utf-8"?>
 <p:notesMaster xmlns:a="http://schemas.openxmlformats.org/drawingml/2006/main" xmlns:r="http://schemas.openxmlformats.org/officeDocument/2006/relationships" xmlns:p="http://schemas.openxmlformats.org/presentationml/2006/main">
   <p:cSld>
@@ -879,7 +219,7 @@
           <a:p>
             <a:fld id="{0D99E343-260D-4C58-8D1C-AF418110B6B9}" type="datetimeFigureOut">
               <a:rPr lang="de-DE" smtClean="0"/>
-              <a:t>05.09.2022</a:t>
+              <a:t>06.09.2022</a:t>
             </a:fld>
             <a:endParaRPr lang="de-DE"/>
           </a:p>
@@ -8871,7 +8211,7 @@
               <a:rPr lang="en-US" sz="1111" dirty="0">
                 <a:latin typeface="LM Sans 8" panose="00000500000000000000" pitchFamily="50" charset="0"/>
               </a:rPr>
-              <a:t>XX.09.2022</a:t>
+              <a:t>20.09.2022</a:t>
             </a:r>
           </a:p>
         </p:txBody>
@@ -8965,7 +8305,7 @@
           <p:cNvPr id="2" name="Content Placeholder 1">
             <a:extLst>
               <a:ext uri="{FF2B5EF4-FFF2-40B4-BE49-F238E27FC236}">
-                <a16:creationId xmlns:a16="http://schemas.microsoft.com/office/drawing/2014/main" id="{051C62F2-6726-4356-9258-2687952C7A0B}"/>
+                <a16:creationId xmlns:a16="http://schemas.microsoft.com/office/drawing/2014/main" id="{BBC84B17-BD81-46FF-88D8-CEFB573FE316}"/>
               </a:ext>
             </a:extLst>
           </p:cNvPr>
@@ -8981,7 +8321,74 @@
           <a:bodyPr/>
           <a:lstStyle/>
           <a:p>
-            <a:endParaRPr lang="en-AU"/>
+            <a:r>
+              <a:rPr lang="en-AU" i="1" dirty="0"/>
+              <a:t>All</a:t>
+            </a:r>
+            <a:r>
+              <a:rPr lang="en-AU" dirty="0"/>
+              <a:t> individual sensor input is encrypted by </a:t>
+            </a:r>
+            <a:r>
+              <a:rPr lang="en-AU" dirty="0" err="1"/>
+              <a:t>Paillier</a:t>
+            </a:r>
+            <a:r>
+              <a:rPr lang="en-AU" dirty="0"/>
+              <a:t> encryption</a:t>
+            </a:r>
+          </a:p>
+          <a:p>
+            <a:endParaRPr lang="en-AU" dirty="0"/>
+          </a:p>
+          <a:p>
+            <a:endParaRPr lang="en-AU" dirty="0"/>
+          </a:p>
+          <a:p>
+            <a:r>
+              <a:rPr lang="en-AU" dirty="0"/>
+              <a:t>Implicit leakage of state dimension and number of sensors connected remains</a:t>
+            </a:r>
+          </a:p>
+          <a:p>
+            <a:endParaRPr lang="en-AU" dirty="0"/>
+          </a:p>
+          <a:p>
+            <a:endParaRPr lang="en-AU" dirty="0"/>
+          </a:p>
+          <a:p>
+            <a:r>
+              <a:rPr lang="en-AU" dirty="0">
+                <a:solidFill>
+                  <a:schemeClr val="accent1"/>
+                </a:solidFill>
+              </a:rPr>
+              <a:t>No identifying sensor information available to fuser or eavesdroppers</a:t>
+            </a:r>
+          </a:p>
+          <a:p>
+            <a:endParaRPr lang="en-AU" dirty="0">
+              <a:solidFill>
+                <a:schemeClr val="accent1"/>
+              </a:solidFill>
+            </a:endParaRPr>
+          </a:p>
+          <a:p>
+            <a:endParaRPr lang="en-AU" dirty="0">
+              <a:solidFill>
+                <a:schemeClr val="accent1"/>
+              </a:solidFill>
+            </a:endParaRPr>
+          </a:p>
+          <a:p>
+            <a:r>
+              <a:rPr lang="en-AU" dirty="0">
+                <a:solidFill>
+                  <a:schemeClr val="accent1"/>
+                </a:solidFill>
+              </a:rPr>
+              <a:t>No individual sensor input available to querying party</a:t>
+            </a:r>
           </a:p>
         </p:txBody>
       </p:sp>
@@ -8990,7 +8397,7 @@
           <p:cNvPr id="3" name="Footer Placeholder 2">
             <a:extLst>
               <a:ext uri="{FF2B5EF4-FFF2-40B4-BE49-F238E27FC236}">
-                <a16:creationId xmlns:a16="http://schemas.microsoft.com/office/drawing/2014/main" id="{EEAA95F5-5A73-44F2-AE6D-400CF2CC0918}"/>
+                <a16:creationId xmlns:a16="http://schemas.microsoft.com/office/drawing/2014/main" id="{1A77ACDC-A869-43B9-95A8-D6DF0366FDE9}"/>
               </a:ext>
             </a:extLst>
           </p:cNvPr>
@@ -9023,7 +8430,7 @@
           <p:cNvPr id="4" name="Slide Number Placeholder 3">
             <a:extLst>
               <a:ext uri="{FF2B5EF4-FFF2-40B4-BE49-F238E27FC236}">
-                <a16:creationId xmlns:a16="http://schemas.microsoft.com/office/drawing/2014/main" id="{C6BC647A-8C6B-476C-B1B4-8FD6CB36EE70}"/>
+                <a16:creationId xmlns:a16="http://schemas.microsoft.com/office/drawing/2014/main" id="{42DAD7E0-5EE1-45B9-BD0B-F5B3D092ACA3}"/>
               </a:ext>
             </a:extLst>
           </p:cNvPr>
@@ -9052,7 +8459,7 @@
           <p:cNvPr id="5" name="Title 4">
             <a:extLst>
               <a:ext uri="{FF2B5EF4-FFF2-40B4-BE49-F238E27FC236}">
-                <a16:creationId xmlns:a16="http://schemas.microsoft.com/office/drawing/2014/main" id="{9D6250A6-3F72-406B-A68F-79189E025B24}"/>
+                <a16:creationId xmlns:a16="http://schemas.microsoft.com/office/drawing/2014/main" id="{0FACBAA4-D45D-487C-B915-866FDCE7B32C}"/>
               </a:ext>
             </a:extLst>
           </p:cNvPr>
@@ -9070,45 +8477,15 @@
           <a:p>
             <a:r>
               <a:rPr lang="en-AU" dirty="0"/>
-              <a:t>Complexity</a:t>
+              <a:t>Security</a:t>
             </a:r>
           </a:p>
         </p:txBody>
       </p:sp>
-      <p:pic>
-        <p:nvPicPr>
-          <p:cNvPr id="6" name="Picture 5">
-            <a:extLst>
-              <a:ext uri="{FF2B5EF4-FFF2-40B4-BE49-F238E27FC236}">
-                <a16:creationId xmlns:a16="http://schemas.microsoft.com/office/drawing/2014/main" id="{5D4C1727-7F5D-42DB-A2A2-CBC2A1C699D9}"/>
-              </a:ext>
-            </a:extLst>
-          </p:cNvPr>
-          <p:cNvPicPr>
-            <a:picLocks noChangeAspect="1"/>
-          </p:cNvPicPr>
-          <p:nvPr/>
-        </p:nvPicPr>
-        <p:blipFill>
-          <a:blip r:embed="rId2"/>
-          <a:stretch>
-            <a:fillRect/>
-          </a:stretch>
-        </p:blipFill>
-        <p:spPr>
-          <a:xfrm>
-            <a:off x="3036180" y="2708121"/>
-            <a:ext cx="3071640" cy="1308089"/>
-          </a:xfrm>
-          <a:prstGeom prst="rect">
-            <a:avLst/>
-          </a:prstGeom>
-        </p:spPr>
-      </p:pic>
     </p:spTree>
     <p:extLst>
       <p:ext uri="{BB962C8B-B14F-4D97-AF65-F5344CB8AC3E}">
-        <p14:creationId xmlns:p14="http://schemas.microsoft.com/office/powerpoint/2010/main" val="3498739408"/>
+        <p14:creationId xmlns:p14="http://schemas.microsoft.com/office/powerpoint/2010/main" val="4162566588"/>
       </p:ext>
     </p:extLst>
   </p:cSld>
@@ -9137,10 +8514,10 @@
       </p:grpSpPr>
       <p:sp>
         <p:nvSpPr>
-          <p:cNvPr id="2" name="Content Placeholder 1">
+          <p:cNvPr id="6" name="Text Placeholder 5">
             <a:extLst>
               <a:ext uri="{FF2B5EF4-FFF2-40B4-BE49-F238E27FC236}">
-                <a16:creationId xmlns:a16="http://schemas.microsoft.com/office/drawing/2014/main" id="{BBC84B17-BD81-46FF-88D8-CEFB573FE316}"/>
+                <a16:creationId xmlns:a16="http://schemas.microsoft.com/office/drawing/2014/main" id="{F73FE937-1CAF-4BFA-9234-4FAAD066EAE0}"/>
               </a:ext>
             </a:extLst>
           </p:cNvPr>
@@ -9148,7 +8525,7 @@
             <a:spLocks noGrp="1"/>
           </p:cNvSpPr>
           <p:nvPr>
-            <p:ph idx="1"/>
+            <p:ph type="body" idx="1"/>
           </p:nvPr>
         </p:nvSpPr>
         <p:spPr/>
@@ -9156,7 +8533,176 @@
           <a:bodyPr/>
           <a:lstStyle/>
           <a:p>
-            <a:endParaRPr lang="en-AU"/>
+            <a:r>
+              <a:rPr lang="en-AU" dirty="0"/>
+              <a:t>Weights not leaked</a:t>
+            </a:r>
+          </a:p>
+        </p:txBody>
+      </p:sp>
+      <p:sp>
+        <p:nvSpPr>
+          <p:cNvPr id="7" name="Content Placeholder 6">
+            <a:extLst>
+              <a:ext uri="{FF2B5EF4-FFF2-40B4-BE49-F238E27FC236}">
+                <a16:creationId xmlns:a16="http://schemas.microsoft.com/office/drawing/2014/main" id="{33B9BA28-5943-484A-B9B4-22CAC37CE9CB}"/>
+              </a:ext>
+            </a:extLst>
+          </p:cNvPr>
+          <p:cNvSpPr>
+            <a:spLocks noGrp="1"/>
+          </p:cNvSpPr>
+          <p:nvPr>
+            <p:ph sz="half" idx="2"/>
+          </p:nvPr>
+        </p:nvSpPr>
+        <p:spPr/>
+        <p:txBody>
+          <a:bodyPr/>
+          <a:lstStyle/>
+          <a:p>
+            <a:endParaRPr lang="en-AU" dirty="0"/>
+          </a:p>
+          <a:p>
+            <a:r>
+              <a:rPr lang="en-AU" dirty="0">
+                <a:solidFill>
+                  <a:schemeClr val="accent1"/>
+                </a:solidFill>
+              </a:rPr>
+              <a:t>Fuser learns no information about individual estimates</a:t>
+            </a:r>
+          </a:p>
+          <a:p>
+            <a:endParaRPr lang="en-AU" dirty="0">
+              <a:solidFill>
+                <a:schemeClr val="accent1"/>
+              </a:solidFill>
+            </a:endParaRPr>
+          </a:p>
+          <a:p>
+            <a:r>
+              <a:rPr lang="en-AU" dirty="0">
+                <a:solidFill>
+                  <a:schemeClr val="accent1"/>
+                </a:solidFill>
+              </a:rPr>
+              <a:t>Third party requires additional computations to obtain result</a:t>
+            </a:r>
+          </a:p>
+          <a:p>
+            <a:endParaRPr lang="en-AU" dirty="0">
+              <a:solidFill>
+                <a:schemeClr val="accent1"/>
+              </a:solidFill>
+            </a:endParaRPr>
+          </a:p>
+          <a:p>
+            <a:r>
+              <a:rPr lang="en-AU" dirty="0">
+                <a:solidFill>
+                  <a:schemeClr val="accent1"/>
+                </a:solidFill>
+              </a:rPr>
+              <a:t>Computational overhead for one encryption scheme</a:t>
+            </a:r>
+          </a:p>
+        </p:txBody>
+      </p:sp>
+      <p:sp>
+        <p:nvSpPr>
+          <p:cNvPr id="8" name="Text Placeholder 7">
+            <a:extLst>
+              <a:ext uri="{FF2B5EF4-FFF2-40B4-BE49-F238E27FC236}">
+                <a16:creationId xmlns:a16="http://schemas.microsoft.com/office/drawing/2014/main" id="{A67D12B8-2429-4CEF-AF66-18CB163E7D93}"/>
+              </a:ext>
+            </a:extLst>
+          </p:cNvPr>
+          <p:cNvSpPr>
+            <a:spLocks noGrp="1"/>
+          </p:cNvSpPr>
+          <p:nvPr>
+            <p:ph type="body" sz="quarter" idx="3"/>
+          </p:nvPr>
+        </p:nvSpPr>
+        <p:spPr/>
+        <p:txBody>
+          <a:bodyPr/>
+          <a:lstStyle/>
+          <a:p>
+            <a:r>
+              <a:rPr lang="en-AU" dirty="0"/>
+              <a:t>Leaked weights</a:t>
+            </a:r>
+          </a:p>
+        </p:txBody>
+      </p:sp>
+      <p:sp>
+        <p:nvSpPr>
+          <p:cNvPr id="9" name="Content Placeholder 8">
+            <a:extLst>
+              <a:ext uri="{FF2B5EF4-FFF2-40B4-BE49-F238E27FC236}">
+                <a16:creationId xmlns:a16="http://schemas.microsoft.com/office/drawing/2014/main" id="{32C77E94-A8C9-4BB4-8944-314E93D17C7C}"/>
+              </a:ext>
+            </a:extLst>
+          </p:cNvPr>
+          <p:cNvSpPr>
+            <a:spLocks noGrp="1"/>
+          </p:cNvSpPr>
+          <p:nvPr>
+            <p:ph sz="quarter" idx="4"/>
+          </p:nvPr>
+        </p:nvSpPr>
+        <p:spPr/>
+        <p:txBody>
+          <a:bodyPr/>
+          <a:lstStyle/>
+          <a:p>
+            <a:endParaRPr lang="en-AU" dirty="0"/>
+          </a:p>
+          <a:p>
+            <a:r>
+              <a:rPr lang="en-AU" dirty="0">
+                <a:solidFill>
+                  <a:schemeClr val="accent2"/>
+                </a:solidFill>
+              </a:rPr>
+              <a:t>Fuser learns relative estimate errors (covariance traces)</a:t>
+            </a:r>
+          </a:p>
+          <a:p>
+            <a:endParaRPr lang="en-AU" dirty="0">
+              <a:solidFill>
+                <a:schemeClr val="accent2"/>
+              </a:solidFill>
+            </a:endParaRPr>
+          </a:p>
+          <a:p>
+            <a:r>
+              <a:rPr lang="en-AU" dirty="0">
+                <a:solidFill>
+                  <a:schemeClr val="accent2"/>
+                </a:solidFill>
+              </a:rPr>
+              <a:t>Only decryption is required at third party</a:t>
+            </a:r>
+          </a:p>
+          <a:p>
+            <a:endParaRPr lang="en-AU" dirty="0">
+              <a:solidFill>
+                <a:schemeClr val="accent2"/>
+              </a:solidFill>
+            </a:endParaRPr>
+          </a:p>
+          <a:p>
+            <a:r>
+              <a:rPr lang="en-AU" dirty="0">
+                <a:solidFill>
+                  <a:schemeClr val="accent2"/>
+                </a:solidFill>
+              </a:rPr>
+              <a:t>Computational overhead for two encryption schemes</a:t>
+            </a:r>
           </a:p>
         </p:txBody>
       </p:sp>
@@ -9165,7 +8711,7 @@
           <p:cNvPr id="3" name="Footer Placeholder 2">
             <a:extLst>
               <a:ext uri="{FF2B5EF4-FFF2-40B4-BE49-F238E27FC236}">
-                <a16:creationId xmlns:a16="http://schemas.microsoft.com/office/drawing/2014/main" id="{1A77ACDC-A869-43B9-95A8-D6DF0366FDE9}"/>
+                <a16:creationId xmlns:a16="http://schemas.microsoft.com/office/drawing/2014/main" id="{8A83146E-123C-472B-A599-918A70F20DD2}"/>
               </a:ext>
             </a:extLst>
           </p:cNvPr>
@@ -9182,14 +8728,13 @@
           <a:lstStyle/>
           <a:p>
             <a:r>
-              <a:rPr lang="en-AU"/>
+              <a:rPr lang="en-AU" dirty="0"/>
               <a:t>Encrypted Fast Covariance Intersection</a:t>
             </a:r>
             <a:r>
-              <a:rPr lang="en-US"/>
+              <a:rPr lang="en-US" dirty="0"/>
               <a:t> | Marko Ristic</a:t>
             </a:r>
-            <a:endParaRPr lang="en-US" dirty="0"/>
           </a:p>
         </p:txBody>
       </p:sp>
@@ -9198,7 +8743,7 @@
           <p:cNvPr id="4" name="Slide Number Placeholder 3">
             <a:extLst>
               <a:ext uri="{FF2B5EF4-FFF2-40B4-BE49-F238E27FC236}">
-                <a16:creationId xmlns:a16="http://schemas.microsoft.com/office/drawing/2014/main" id="{42DAD7E0-5EE1-45B9-BD0B-F5B3D092ACA3}"/>
+                <a16:creationId xmlns:a16="http://schemas.microsoft.com/office/drawing/2014/main" id="{656BBA1D-79F3-4974-9F46-64E879CABB53}"/>
               </a:ext>
             </a:extLst>
           </p:cNvPr>
@@ -9227,7 +8772,7 @@
           <p:cNvPr id="5" name="Title 4">
             <a:extLst>
               <a:ext uri="{FF2B5EF4-FFF2-40B4-BE49-F238E27FC236}">
-                <a16:creationId xmlns:a16="http://schemas.microsoft.com/office/drawing/2014/main" id="{0FACBAA4-D45D-487C-B915-866FDCE7B32C}"/>
+                <a16:creationId xmlns:a16="http://schemas.microsoft.com/office/drawing/2014/main" id="{190954DA-6DA3-4DF9-A6C7-0FD0408B9E96}"/>
               </a:ext>
             </a:extLst>
           </p:cNvPr>
@@ -9245,7 +8790,7 @@
           <a:p>
             <a:r>
               <a:rPr lang="en-AU" dirty="0"/>
-              <a:t>Security</a:t>
+              <a:t>Comparison with Leaking Weights</a:t>
             </a:r>
           </a:p>
         </p:txBody>
@@ -9253,7 +8798,7 @@
     </p:spTree>
     <p:extLst>
       <p:ext uri="{BB962C8B-B14F-4D97-AF65-F5344CB8AC3E}">
-        <p14:creationId xmlns:p14="http://schemas.microsoft.com/office/powerpoint/2010/main" val="4162566588"/>
+        <p14:creationId xmlns:p14="http://schemas.microsoft.com/office/powerpoint/2010/main" val="4057636188"/>
       </p:ext>
     </p:extLst>
   </p:cSld>
@@ -9296,12 +8841,80 @@
             <p:ph idx="1"/>
           </p:nvPr>
         </p:nvSpPr>
-        <p:spPr/>
+        <p:spPr>
+          <a:xfrm>
+            <a:off x="359999" y="3550722"/>
+            <a:ext cx="4212001" cy="1229096"/>
+          </a:xfrm>
+        </p:spPr>
         <p:txBody>
-          <a:bodyPr/>
+          <a:bodyPr>
+            <a:normAutofit/>
+          </a:bodyPr>
           <a:lstStyle/>
           <a:p>
-            <a:endParaRPr lang="en-AU"/>
+            <a:pPr marL="0" indent="0">
+              <a:buNone/>
+            </a:pPr>
+            <a:r>
+              <a:rPr lang="en-AU" sz="1000" dirty="0"/>
+              <a:t>References</a:t>
+            </a:r>
+          </a:p>
+          <a:p>
+            <a:pPr lvl="1"/>
+            <a:r>
+              <a:rPr lang="en-AU" sz="800" dirty="0">
+                <a:hlinkClick r:id="rId2"/>
+              </a:rPr>
+              <a:t>https://citeseerx.ist.psu.edu/viewdoc/download?doi=10.1.1.106.8515&amp;rep=rep1&amp;type=pdf</a:t>
+            </a:r>
+            <a:endParaRPr lang="en-AU" sz="800" dirty="0"/>
+          </a:p>
+          <a:p>
+            <a:pPr lvl="1"/>
+            <a:r>
+              <a:rPr lang="en-AU" sz="800" dirty="0"/>
+              <a:t>M. Ristic, B. Noack, and U. D. </a:t>
+            </a:r>
+            <a:r>
+              <a:rPr lang="en-AU" sz="800" dirty="0" err="1"/>
+              <a:t>Hanebeck</a:t>
+            </a:r>
+            <a:r>
+              <a:rPr lang="en-AU" sz="800" dirty="0"/>
+              <a:t>, ‘Secure Fast Covariance Intersection Using Partially Homomorphic and Order Revealing Encryption Schemes’, </a:t>
+            </a:r>
+            <a:r>
+              <a:rPr lang="en-AU" sz="800" i="1" dirty="0"/>
+              <a:t>IEEE Control Systems Letters</a:t>
+            </a:r>
+            <a:r>
+              <a:rPr lang="en-AU" sz="800" dirty="0"/>
+              <a:t>, vol. 5, no. 1, pp. 217–222, Jan. 2021, </a:t>
+            </a:r>
+            <a:r>
+              <a:rPr lang="en-AU" sz="800" dirty="0" err="1"/>
+              <a:t>doi</a:t>
+            </a:r>
+            <a:r>
+              <a:rPr lang="en-AU" sz="800" dirty="0"/>
+              <a:t>: </a:t>
+            </a:r>
+            <a:r>
+              <a:rPr lang="en-AU" sz="800" dirty="0">
+                <a:hlinkClick r:id="rId3"/>
+              </a:rPr>
+              <a:t>10.1109/LCSYS.2020.3000649</a:t>
+            </a:r>
+            <a:r>
+              <a:rPr lang="en-AU" sz="800" dirty="0"/>
+              <a:t>.</a:t>
+            </a:r>
+          </a:p>
+          <a:p>
+            <a:pPr lvl="1"/>
+            <a:endParaRPr lang="en-AU" dirty="0"/>
           </a:p>
         </p:txBody>
       </p:sp>
@@ -9395,6 +9008,212 @@
           </a:p>
         </p:txBody>
       </p:sp>
+      <p:sp>
+        <p:nvSpPr>
+          <p:cNvPr id="6" name="TextBox 5">
+            <a:extLst>
+              <a:ext uri="{FF2B5EF4-FFF2-40B4-BE49-F238E27FC236}">
+                <a16:creationId xmlns:a16="http://schemas.microsoft.com/office/drawing/2014/main" id="{BF49E9F1-1D75-487C-910E-0276D9D98DC2}"/>
+              </a:ext>
+            </a:extLst>
+          </p:cNvPr>
+          <p:cNvSpPr txBox="1"/>
+          <p:nvPr/>
+        </p:nvSpPr>
+        <p:spPr>
+          <a:xfrm>
+            <a:off x="3731064" y="1703018"/>
+            <a:ext cx="1681871" cy="532133"/>
+          </a:xfrm>
+          <a:prstGeom prst="rect">
+            <a:avLst/>
+          </a:prstGeom>
+          <a:noFill/>
+        </p:spPr>
+        <p:txBody>
+          <a:bodyPr wrap="none" rtlCol="0">
+            <a:spAutoFit/>
+          </a:bodyPr>
+          <a:lstStyle/>
+          <a:p>
+            <a:r>
+              <a:rPr lang="en-AU" dirty="0">
+                <a:solidFill>
+                  <a:schemeClr val="accent1"/>
+                </a:solidFill>
+              </a:rPr>
+              <a:t>Questions</a:t>
+            </a:r>
+          </a:p>
+        </p:txBody>
+      </p:sp>
+      <p:grpSp>
+        <p:nvGrpSpPr>
+          <p:cNvPr id="10" name="Group 9">
+            <a:extLst>
+              <a:ext uri="{FF2B5EF4-FFF2-40B4-BE49-F238E27FC236}">
+                <a16:creationId xmlns:a16="http://schemas.microsoft.com/office/drawing/2014/main" id="{C672CFB5-6801-47DE-8D69-42DC6614D65B}"/>
+              </a:ext>
+            </a:extLst>
+          </p:cNvPr>
+          <p:cNvGrpSpPr/>
+          <p:nvPr/>
+        </p:nvGrpSpPr>
+        <p:grpSpPr>
+          <a:xfrm>
+            <a:off x="4740119" y="3775502"/>
+            <a:ext cx="4043882" cy="779536"/>
+            <a:chOff x="2894236" y="2571750"/>
+            <a:chExt cx="4043882" cy="779536"/>
+          </a:xfrm>
+        </p:grpSpPr>
+        <p:sp>
+          <p:nvSpPr>
+            <p:cNvPr id="7" name="TextBox 6">
+              <a:extLst>
+                <a:ext uri="{FF2B5EF4-FFF2-40B4-BE49-F238E27FC236}">
+                  <a16:creationId xmlns:a16="http://schemas.microsoft.com/office/drawing/2014/main" id="{41AE1A06-DF55-4E76-AC39-5EC2B946D4C2}"/>
+                </a:ext>
+              </a:extLst>
+            </p:cNvPr>
+            <p:cNvSpPr txBox="1"/>
+            <p:nvPr/>
+          </p:nvSpPr>
+          <p:spPr>
+            <a:xfrm>
+              <a:off x="3731063" y="2571750"/>
+              <a:ext cx="3207054" cy="276999"/>
+            </a:xfrm>
+            <a:prstGeom prst="rect">
+              <a:avLst/>
+            </a:prstGeom>
+            <a:noFill/>
+          </p:spPr>
+          <p:txBody>
+            <a:bodyPr wrap="square" lIns="0" rtlCol="0">
+              <a:spAutoFit/>
+            </a:bodyPr>
+            <a:lstStyle/>
+            <a:p>
+              <a:r>
+                <a:rPr lang="en-US" sz="1200" b="1" dirty="0"/>
+                <a:t>Marko Ristic</a:t>
+              </a:r>
+            </a:p>
+          </p:txBody>
+        </p:sp>
+        <p:sp>
+          <p:nvSpPr>
+            <p:cNvPr id="8" name="TextBox 7">
+              <a:extLst>
+                <a:ext uri="{FF2B5EF4-FFF2-40B4-BE49-F238E27FC236}">
+                  <a16:creationId xmlns:a16="http://schemas.microsoft.com/office/drawing/2014/main" id="{75792AAC-1EB1-4A9A-A991-E6CCF00BE333}"/>
+                </a:ext>
+              </a:extLst>
+            </p:cNvPr>
+            <p:cNvSpPr txBox="1"/>
+            <p:nvPr/>
+          </p:nvSpPr>
+          <p:spPr>
+            <a:xfrm>
+              <a:off x="3731064" y="2842332"/>
+              <a:ext cx="3207054" cy="507831"/>
+            </a:xfrm>
+            <a:prstGeom prst="rect">
+              <a:avLst/>
+            </a:prstGeom>
+            <a:noFill/>
+          </p:spPr>
+          <p:txBody>
+            <a:bodyPr wrap="square" lIns="0" rtlCol="0">
+              <a:spAutoFit/>
+            </a:bodyPr>
+            <a:lstStyle/>
+            <a:p>
+              <a:r>
+                <a:rPr lang="en-US" sz="900" dirty="0">
+                  <a:latin typeface="LM Sans 8" panose="00000500000000000000" pitchFamily="50" charset="0"/>
+                </a:rPr>
+                <a:t>Prof. Dr.-Ing. Benjamin Noack</a:t>
+              </a:r>
+            </a:p>
+            <a:p>
+              <a:r>
+                <a:rPr lang="en-US" sz="900" dirty="0">
+                  <a:latin typeface="LM Sans 8" panose="00000500000000000000" pitchFamily="50" charset="0"/>
+                </a:rPr>
+                <a:t>Autonomous </a:t>
+              </a:r>
+              <a:r>
+                <a:rPr lang="en-US" sz="900" dirty="0" err="1">
+                  <a:latin typeface="LM Sans 8" panose="00000500000000000000" pitchFamily="50" charset="0"/>
+                </a:rPr>
+                <a:t>Multisensor</a:t>
+              </a:r>
+              <a:r>
+                <a:rPr lang="en-US" sz="900" dirty="0">
+                  <a:latin typeface="LM Sans 8" panose="00000500000000000000" pitchFamily="50" charset="0"/>
+                </a:rPr>
+                <a:t> Systems Group (AMS)</a:t>
+              </a:r>
+            </a:p>
+            <a:p>
+              <a:r>
+                <a:rPr lang="en-US" sz="900" dirty="0">
+                  <a:latin typeface="LM Sans 8" panose="00000500000000000000" pitchFamily="50" charset="0"/>
+                </a:rPr>
+                <a:t>Otto von Guericke University, Magdeburg, Germany (OVGU)</a:t>
+              </a:r>
+            </a:p>
+          </p:txBody>
+        </p:sp>
+        <p:pic>
+          <p:nvPicPr>
+            <p:cNvPr id="9" name="Picture 8">
+              <a:extLst>
+                <a:ext uri="{FF2B5EF4-FFF2-40B4-BE49-F238E27FC236}">
+                  <a16:creationId xmlns:a16="http://schemas.microsoft.com/office/drawing/2014/main" id="{1F938904-ECC3-4E20-A263-D0DBD1B11624}"/>
+                </a:ext>
+              </a:extLst>
+            </p:cNvPr>
+            <p:cNvPicPr>
+              <a:picLocks noChangeAspect="1"/>
+            </p:cNvPicPr>
+            <p:nvPr/>
+          </p:nvPicPr>
+          <p:blipFill>
+            <a:blip r:embed="rId4">
+              <a:extLst>
+                <a:ext uri="{28A0092B-C50C-407E-A947-70E740481C1C}">
+                  <a14:useLocalDpi xmlns:a14="http://schemas.microsoft.com/office/drawing/2010/main" val="0"/>
+                </a:ext>
+              </a:extLst>
+            </a:blip>
+            <a:stretch>
+              <a:fillRect/>
+            </a:stretch>
+          </p:blipFill>
+          <p:spPr>
+            <a:xfrm>
+              <a:off x="2894236" y="2571750"/>
+              <a:ext cx="606469" cy="779536"/>
+            </a:xfrm>
+            <a:prstGeom prst="rect">
+              <a:avLst/>
+            </a:prstGeom>
+            <a:ln>
+              <a:noFill/>
+            </a:ln>
+            <a:effectLst>
+              <a:outerShdw blurRad="190500" algn="tl" rotWithShape="0">
+                <a:srgbClr val="000000">
+                  <a:alpha val="70000"/>
+                </a:srgbClr>
+              </a:outerShdw>
+            </a:effectLst>
+          </p:spPr>
+        </p:pic>
+      </p:grpSp>
     </p:spTree>
     <p:extLst>
       <p:ext uri="{BB962C8B-B14F-4D97-AF65-F5344CB8AC3E}">
@@ -9451,7 +9270,45 @@
           <a:bodyPr/>
           <a:lstStyle/>
           <a:p>
+            <a:r>
+              <a:rPr lang="en-AU" dirty="0"/>
+              <a:t>Growing number of public networks</a:t>
+            </a:r>
+          </a:p>
+          <a:p>
             <a:endParaRPr lang="en-AU" dirty="0"/>
+          </a:p>
+          <a:p>
+            <a:r>
+              <a:rPr lang="en-AU" dirty="0"/>
+              <a:t>Increasingly used by distributed sensors</a:t>
+            </a:r>
+          </a:p>
+          <a:p>
+            <a:endParaRPr lang="en-AU" dirty="0"/>
+          </a:p>
+          <a:p>
+            <a:r>
+              <a:rPr lang="en-AU" dirty="0">
+                <a:solidFill>
+                  <a:schemeClr val="accent1"/>
+                </a:solidFill>
+              </a:rPr>
+              <a:t>State estimation and data fusion typically computed centrally</a:t>
+            </a:r>
+          </a:p>
+          <a:p>
+            <a:endParaRPr lang="en-AU" dirty="0"/>
+          </a:p>
+          <a:p>
+            <a:r>
+              <a:rPr lang="en-AU" dirty="0">
+                <a:solidFill>
+                  <a:schemeClr val="accent1"/>
+                </a:solidFill>
+              </a:rPr>
+              <a:t>Untrusted server operators are a concern</a:t>
+            </a:r>
           </a:p>
         </p:txBody>
       </p:sp>
@@ -11268,10 +11125,50 @@
           </a:xfrm>
         </p:spPr>
         <p:txBody>
-          <a:bodyPr/>
+          <a:bodyPr>
+            <a:normAutofit fontScale="92500" lnSpcReduction="20000"/>
+          </a:bodyPr>
           <a:lstStyle/>
           <a:p>
-            <a:endParaRPr lang="en-AU"/>
+            <a:r>
+              <a:rPr lang="en-AU" dirty="0"/>
+              <a:t>Fusion of distributed estimates</a:t>
+            </a:r>
+          </a:p>
+          <a:p>
+            <a:endParaRPr lang="en-AU" dirty="0"/>
+          </a:p>
+          <a:p>
+            <a:r>
+              <a:rPr lang="en-AU" dirty="0"/>
+              <a:t>Centralised fusion with unknown cross-correlations</a:t>
+            </a:r>
+          </a:p>
+          <a:p>
+            <a:endParaRPr lang="en-AU" dirty="0"/>
+          </a:p>
+          <a:p>
+            <a:r>
+              <a:rPr lang="en-AU" dirty="0">
+                <a:solidFill>
+                  <a:schemeClr val="accent1"/>
+                </a:solidFill>
+              </a:rPr>
+              <a:t>Untrusted fuser (cloud)</a:t>
+            </a:r>
+          </a:p>
+          <a:p>
+            <a:endParaRPr lang="en-AU" dirty="0"/>
+          </a:p>
+          <a:p>
+            <a:r>
+              <a:rPr lang="en-AU" dirty="0">
+                <a:solidFill>
+                  <a:schemeClr val="accent1"/>
+                </a:solidFill>
+              </a:rPr>
+              <a:t>Trusted querying third-party</a:t>
+            </a:r>
           </a:p>
         </p:txBody>
       </p:sp>
@@ -11404,26 +11301,17 @@
             <a:prstGeom prst="cloud">
               <a:avLst/>
             </a:prstGeom>
-            <a:solidFill>
-              <a:srgbClr val="FF0000"/>
-            </a:solidFill>
-            <a:ln>
-              <a:solidFill>
-                <a:srgbClr val="C00000"/>
-              </a:solidFill>
-            </a:ln>
+            <a:ln/>
           </p:spPr>
           <p:style>
-            <a:lnRef idx="2">
-              <a:schemeClr val="accent1">
-                <a:shade val="50000"/>
-              </a:schemeClr>
+            <a:lnRef idx="1">
+              <a:schemeClr val="accent2"/>
             </a:lnRef>
-            <a:fillRef idx="1">
-              <a:schemeClr val="accent1"/>
+            <a:fillRef idx="3">
+              <a:schemeClr val="accent2"/>
             </a:fillRef>
-            <a:effectRef idx="0">
-              <a:schemeClr val="accent1"/>
+            <a:effectRef idx="2">
+              <a:schemeClr val="accent2"/>
             </a:effectRef>
             <a:fontRef idx="minor">
               <a:schemeClr val="lt1"/>
@@ -12054,18 +11942,27 @@
           <p:spPr>
             <a:xfrm>
               <a:off x="3421741" y="3174692"/>
-              <a:ext cx="666811" cy="215444"/>
+              <a:ext cx="688833" cy="215444"/>
             </a:xfrm>
             <a:prstGeom prst="rect">
               <a:avLst/>
             </a:prstGeom>
-            <a:noFill/>
-            <a:ln w="19050">
-              <a:solidFill>
-                <a:srgbClr val="FFC000"/>
-              </a:solidFill>
-            </a:ln>
+            <a:ln/>
           </p:spPr>
+          <p:style>
+            <a:lnRef idx="2">
+              <a:schemeClr val="accent6"/>
+            </a:lnRef>
+            <a:fillRef idx="1">
+              <a:schemeClr val="lt1"/>
+            </a:fillRef>
+            <a:effectRef idx="0">
+              <a:schemeClr val="accent6"/>
+            </a:effectRef>
+            <a:fontRef idx="minor">
+              <a:schemeClr val="dk1"/>
+            </a:fontRef>
+          </p:style>
           <p:txBody>
             <a:bodyPr wrap="square" rtlCol="0">
               <a:spAutoFit/>
@@ -12094,18 +11991,27 @@
           <p:spPr>
             <a:xfrm>
               <a:off x="3427787" y="3618463"/>
-              <a:ext cx="666811" cy="215444"/>
+              <a:ext cx="688833" cy="215444"/>
             </a:xfrm>
             <a:prstGeom prst="rect">
               <a:avLst/>
             </a:prstGeom>
-            <a:noFill/>
-            <a:ln w="19050">
-              <a:solidFill>
-                <a:srgbClr val="FFC000"/>
-              </a:solidFill>
-            </a:ln>
+            <a:ln/>
           </p:spPr>
+          <p:style>
+            <a:lnRef idx="2">
+              <a:schemeClr val="accent6"/>
+            </a:lnRef>
+            <a:fillRef idx="1">
+              <a:schemeClr val="lt1"/>
+            </a:fillRef>
+            <a:effectRef idx="0">
+              <a:schemeClr val="accent6"/>
+            </a:effectRef>
+            <a:fontRef idx="minor">
+              <a:schemeClr val="dk1"/>
+            </a:fontRef>
+          </p:style>
           <p:txBody>
             <a:bodyPr wrap="square" rtlCol="0">
               <a:spAutoFit/>
@@ -12134,18 +12040,27 @@
           <p:spPr>
             <a:xfrm>
               <a:off x="3427788" y="4378552"/>
-              <a:ext cx="666811" cy="215444"/>
+              <a:ext cx="688833" cy="215444"/>
             </a:xfrm>
             <a:prstGeom prst="rect">
               <a:avLst/>
             </a:prstGeom>
-            <a:noFill/>
-            <a:ln w="19050">
-              <a:solidFill>
-                <a:srgbClr val="FFC000"/>
-              </a:solidFill>
-            </a:ln>
+            <a:ln/>
           </p:spPr>
+          <p:style>
+            <a:lnRef idx="2">
+              <a:schemeClr val="accent6"/>
+            </a:lnRef>
+            <a:fillRef idx="1">
+              <a:schemeClr val="lt1"/>
+            </a:fillRef>
+            <a:effectRef idx="0">
+              <a:schemeClr val="accent6"/>
+            </a:effectRef>
+            <a:fontRef idx="minor">
+              <a:schemeClr val="dk1"/>
+            </a:fontRef>
+          </p:style>
           <p:txBody>
             <a:bodyPr wrap="square" rtlCol="0">
               <a:spAutoFit/>
@@ -12154,7 +12069,7 @@
             <a:p>
               <a:r>
                 <a:rPr lang="en-AU" sz="800" dirty="0"/>
-                <a:t>Estimate n</a:t>
+                <a:t>Estimate m</a:t>
               </a:r>
             </a:p>
           </p:txBody>
@@ -12179,13 +12094,22 @@
             <a:prstGeom prst="rect">
               <a:avLst/>
             </a:prstGeom>
-            <a:noFill/>
-            <a:ln w="19050">
-              <a:solidFill>
-                <a:schemeClr val="accent2"/>
-              </a:solidFill>
-            </a:ln>
+            <a:ln/>
           </p:spPr>
+          <p:style>
+            <a:lnRef idx="2">
+              <a:schemeClr val="accent2"/>
+            </a:lnRef>
+            <a:fillRef idx="1">
+              <a:schemeClr val="lt1"/>
+            </a:fillRef>
+            <a:effectRef idx="0">
+              <a:schemeClr val="accent2"/>
+            </a:effectRef>
+            <a:fontRef idx="minor">
+              <a:schemeClr val="dk1"/>
+            </a:fontRef>
+          </p:style>
           <p:txBody>
             <a:bodyPr wrap="square" rtlCol="0">
               <a:spAutoFit/>
@@ -12214,7 +12138,15 @@
             <p:nvPr/>
           </p:nvPicPr>
           <p:blipFill>
-            <a:blip r:embed="rId9"/>
+            <a:blip r:embed="rId9">
+              <a:duotone>
+                <a:schemeClr val="accent6">
+                  <a:shade val="45000"/>
+                  <a:satMod val="135000"/>
+                </a:schemeClr>
+                <a:prstClr val="white"/>
+              </a:duotone>
+            </a:blip>
             <a:stretch>
               <a:fillRect/>
             </a:stretch>
@@ -12358,7 +12290,74 @@
           <a:bodyPr/>
           <a:lstStyle/>
           <a:p>
-            <a:endParaRPr lang="en-AU"/>
+            <a:r>
+              <a:rPr lang="en-AU" dirty="0">
+                <a:solidFill>
+                  <a:schemeClr val="accent1"/>
+                </a:solidFill>
+              </a:rPr>
+              <a:t>Fully homomorphic computation with encrypted data</a:t>
+            </a:r>
+          </a:p>
+          <a:p>
+            <a:pPr lvl="1"/>
+            <a:endParaRPr lang="en-AU" dirty="0"/>
+          </a:p>
+          <a:p>
+            <a:pPr lvl="1"/>
+            <a:r>
+              <a:rPr lang="en-AU" dirty="0"/>
+              <a:t>Typically too computationally slow in practice</a:t>
+            </a:r>
+          </a:p>
+          <a:p>
+            <a:pPr lvl="1"/>
+            <a:endParaRPr lang="en-AU" dirty="0"/>
+          </a:p>
+          <a:p>
+            <a:endParaRPr lang="en-AU" dirty="0"/>
+          </a:p>
+          <a:p>
+            <a:r>
+              <a:rPr lang="en-AU" dirty="0">
+                <a:solidFill>
+                  <a:schemeClr val="accent1"/>
+                </a:solidFill>
+              </a:rPr>
+              <a:t>Solution with leakage of relative sensor errors</a:t>
+            </a:r>
+          </a:p>
+          <a:p>
+            <a:pPr lvl="1"/>
+            <a:endParaRPr lang="en-AU" dirty="0"/>
+          </a:p>
+          <a:p>
+            <a:pPr lvl="1"/>
+            <a:r>
+              <a:rPr lang="en-AU" dirty="0"/>
+              <a:t>Covariance intersection algorithm</a:t>
+            </a:r>
+          </a:p>
+          <a:p>
+            <a:pPr lvl="1"/>
+            <a:r>
+              <a:rPr lang="en-AU" dirty="0"/>
+              <a:t>Two encryption schemes</a:t>
+            </a:r>
+          </a:p>
+          <a:p>
+            <a:pPr lvl="1"/>
+            <a:r>
+              <a:rPr lang="en-AU" dirty="0"/>
+              <a:t>Approximate weights leaked at fuser</a:t>
+            </a:r>
+          </a:p>
+          <a:p>
+            <a:pPr lvl="1"/>
+            <a:r>
+              <a:rPr lang="en-AU" dirty="0"/>
+              <a:t>Potentially identifying information leaked (state and sensor type inference a possibility)</a:t>
+            </a:r>
           </a:p>
         </p:txBody>
       </p:sp>
@@ -12502,7 +12501,38 @@
           <a:bodyPr/>
           <a:lstStyle/>
           <a:p>
-            <a:endParaRPr lang="en-AU"/>
+            <a:r>
+              <a:rPr lang="en-AU" dirty="0"/>
+              <a:t>Covariance Intersection fuses conservatively when cross-correlations are unknown</a:t>
+            </a:r>
+          </a:p>
+          <a:p>
+            <a:endParaRPr lang="en-AU" dirty="0"/>
+          </a:p>
+          <a:p>
+            <a:endParaRPr lang="en-AU" dirty="0"/>
+          </a:p>
+          <a:p>
+            <a:endParaRPr lang="en-AU" dirty="0"/>
+          </a:p>
+          <a:p>
+            <a:endParaRPr lang="en-AU" dirty="0"/>
+          </a:p>
+          <a:p>
+            <a:endParaRPr lang="en-AU" dirty="0"/>
+          </a:p>
+          <a:p>
+            <a:endParaRPr lang="en-AU" dirty="0"/>
+          </a:p>
+          <a:p>
+            <a:r>
+              <a:rPr lang="en-AU" dirty="0" err="1"/>
+              <a:t>Paillier</a:t>
+            </a:r>
+            <a:r>
+              <a:rPr lang="en-AU" dirty="0"/>
+              <a:t> encryption allows the homomorphic addition of cyphertexts without decryption</a:t>
+            </a:r>
           </a:p>
         </p:txBody>
       </p:sp>
@@ -12617,8 +12647,8 @@
         </p:nvGrpSpPr>
         <p:grpSpPr>
           <a:xfrm>
-            <a:off x="1323712" y="2460358"/>
-            <a:ext cx="2905920" cy="1332296"/>
+            <a:off x="3466349" y="3743827"/>
+            <a:ext cx="2211298" cy="1013828"/>
             <a:chOff x="906235" y="2146723"/>
             <a:chExt cx="2503716" cy="1303207"/>
           </a:xfrm>
@@ -12638,7 +12668,7 @@
             <p:nvPr/>
           </p:nvPicPr>
           <p:blipFill>
-            <a:blip r:embed="rId5"/>
+            <a:blip r:embed="rId7"/>
             <a:stretch>
               <a:fillRect/>
             </a:stretch>
@@ -12667,12 +12697,12 @@
             </p:cNvPicPr>
             <p:nvPr>
               <p:custDataLst>
-                <p:tags r:id="rId1"/>
+                <p:tags r:id="rId3"/>
               </p:custDataLst>
             </p:nvPr>
           </p:nvPicPr>
           <p:blipFill>
-            <a:blip r:embed="rId6">
+            <a:blip r:embed="rId8">
               <a:extLst>
                 <a:ext uri="{28A0092B-C50C-407E-A947-70E740481C1C}">
                   <a14:useLocalDpi xmlns:a14="http://schemas.microsoft.com/office/drawing/2010/main" val="0"/>
@@ -12707,12 +12737,12 @@
             </p:cNvPicPr>
             <p:nvPr>
               <p:custDataLst>
-                <p:tags r:id="rId2"/>
+                <p:tags r:id="rId4"/>
               </p:custDataLst>
             </p:nvPr>
           </p:nvPicPr>
           <p:blipFill>
-            <a:blip r:embed="rId7">
+            <a:blip r:embed="rId9">
               <a:extLst>
                 <a:ext uri="{28A0092B-C50C-407E-A947-70E740481C1C}">
                   <a14:useLocalDpi xmlns:a14="http://schemas.microsoft.com/office/drawing/2010/main" val="0"/>
@@ -12747,12 +12777,12 @@
             </p:cNvPicPr>
             <p:nvPr>
               <p:custDataLst>
-                <p:tags r:id="rId3"/>
+                <p:tags r:id="rId5"/>
               </p:custDataLst>
             </p:nvPr>
           </p:nvPicPr>
           <p:blipFill>
-            <a:blip r:embed="rId8">
+            <a:blip r:embed="rId10">
               <a:extLst>
                 <a:ext uri="{28A0092B-C50C-407E-A947-70E740481C1C}">
                   <a14:useLocalDpi xmlns:a14="http://schemas.microsoft.com/office/drawing/2010/main" val="0"/>
@@ -12774,6 +12804,116 @@
           </p:spPr>
         </p:pic>
       </p:grpSp>
+      <p:pic>
+        <p:nvPicPr>
+          <p:cNvPr id="22" name="Picture 21" descr="\documentclass{article}&#10;\pagestyle{empty}&#10;&#10;\usepackage{amsmath}&#10;\usepackage{amsfonts}&#10;&#10;% Random variable&#10;\newcommand{\rv}[1]{\ensuremath{{\boldsymbol{#1}}}}&#10;% Vector&#10;\renewcommand{\vec}[1]{\ensuremath{{\underline{#1}}}}&#10;% Random vector&#10;\newcommand{\rvec}[1]{\ensuremath{{\boldsymbol{\underline{#1}}}}}&#10;% Matrix&#10;\newcommand{\mat}[1]{{\ensuremath{{\mathbf{#1}}}}}&#10;% Mean of a random variable / vector&#10;\newcommand{\mean}[1]{\ensuremath{\hat{#1}}}&#10;&#10;\begin{document}&#10;&#10;\begin{gather*}&#10;\mean{\vec{x}} =\mat{P}\sum_{i=1}^{m}\omega_i \mat{P}_i^{-1} \mean{\vec{x}}_i\end{gather*}&#10;&#10;\end{document}" title="IguanaTex Bitmap Display">
+            <a:extLst>
+              <a:ext uri="{FF2B5EF4-FFF2-40B4-BE49-F238E27FC236}">
+                <a16:creationId xmlns:a16="http://schemas.microsoft.com/office/drawing/2014/main" id="{09DCB24C-C53C-4CC1-B3E0-BA16E623B30E}"/>
+              </a:ext>
+            </a:extLst>
+          </p:cNvPr>
+          <p:cNvPicPr>
+            <a:picLocks noChangeAspect="1"/>
+          </p:cNvPicPr>
+          <p:nvPr>
+            <p:custDataLst>
+              <p:tags r:id="rId1"/>
+            </p:custDataLst>
+          </p:nvPr>
+        </p:nvPicPr>
+        <p:blipFill>
+          <a:blip r:embed="rId11">
+            <a:extLst>
+              <a:ext uri="{28A0092B-C50C-407E-A947-70E740481C1C}">
+                <a14:useLocalDpi xmlns:a14="http://schemas.microsoft.com/office/drawing/2010/main" val="0"/>
+              </a:ext>
+            </a:extLst>
+          </a:blip>
+          <a:stretch>
+            <a:fillRect/>
+          </a:stretch>
+        </p:blipFill>
+        <p:spPr>
+          <a:xfrm>
+            <a:off x="2443876" y="2472510"/>
+            <a:ext cx="1153058" cy="390068"/>
+          </a:xfrm>
+          <a:prstGeom prst="rect">
+            <a:avLst/>
+          </a:prstGeom>
+        </p:spPr>
+      </p:pic>
+      <p:pic>
+        <p:nvPicPr>
+          <p:cNvPr id="20" name="Picture 19" descr="\documentclass{article}&#10;\pagestyle{empty}&#10;&#10;\usepackage{amsmath}&#10;\usepackage{amsfonts}&#10;&#10;% Random variable&#10;\newcommand{\rv}[1]{\ensuremath{{\boldsymbol{#1}}}}&#10;% Vector&#10;\renewcommand{\vec}[1]{\ensuremath{{\underline{#1}}}}&#10;% Random vector&#10;\newcommand{\rvec}[1]{\ensuremath{{\boldsymbol{\underline{#1}}}}}&#10;% Matrix&#10;\newcommand{\mat}[1]{{\ensuremath{{\mathbf{#1}}}}}&#10;\begin{document}&#10;&#10;\begin{gather*}&#10;\mat{P}=\left(\sum_{i=1}^{m}\omega_i \mat{P}_i^{-1}\right)^{-1}&#10;\end{gather*}&#10;&#10;\end{document}" title="IguanaTex Bitmap Display">
+            <a:extLst>
+              <a:ext uri="{FF2B5EF4-FFF2-40B4-BE49-F238E27FC236}">
+                <a16:creationId xmlns:a16="http://schemas.microsoft.com/office/drawing/2014/main" id="{9BD91CAB-9C40-448B-B3C5-BC87AAECE168}"/>
+              </a:ext>
+            </a:extLst>
+          </p:cNvPr>
+          <p:cNvPicPr>
+            <a:picLocks noChangeAspect="1"/>
+          </p:cNvPicPr>
+          <p:nvPr>
+            <p:custDataLst>
+              <p:tags r:id="rId2"/>
+            </p:custDataLst>
+          </p:nvPr>
+        </p:nvPicPr>
+        <p:blipFill>
+          <a:blip r:embed="rId12">
+            <a:extLst>
+              <a:ext uri="{28A0092B-C50C-407E-A947-70E740481C1C}">
+                <a14:useLocalDpi xmlns:a14="http://schemas.microsoft.com/office/drawing/2010/main" val="0"/>
+              </a:ext>
+            </a:extLst>
+          </a:blip>
+          <a:stretch>
+            <a:fillRect/>
+          </a:stretch>
+        </p:blipFill>
+        <p:spPr>
+          <a:xfrm>
+            <a:off x="2443876" y="1710106"/>
+            <a:ext cx="1293178" cy="459759"/>
+          </a:xfrm>
+          <a:prstGeom prst="rect">
+            <a:avLst/>
+          </a:prstGeom>
+        </p:spPr>
+      </p:pic>
+      <p:pic>
+        <p:nvPicPr>
+          <p:cNvPr id="18" name="Picture 17">
+            <a:extLst>
+              <a:ext uri="{FF2B5EF4-FFF2-40B4-BE49-F238E27FC236}">
+                <a16:creationId xmlns:a16="http://schemas.microsoft.com/office/drawing/2014/main" id="{CAD3A10A-9EFD-4586-81E0-46AC1EE6FDC4}"/>
+              </a:ext>
+            </a:extLst>
+          </p:cNvPr>
+          <p:cNvPicPr>
+            <a:picLocks noChangeAspect="1"/>
+          </p:cNvPicPr>
+          <p:nvPr/>
+        </p:nvPicPr>
+        <p:blipFill>
+          <a:blip r:embed="rId13"/>
+          <a:stretch>
+            <a:fillRect/>
+          </a:stretch>
+        </p:blipFill>
+        <p:spPr>
+          <a:xfrm>
+            <a:off x="5406947" y="1537002"/>
+            <a:ext cx="1558342" cy="1479843"/>
+          </a:xfrm>
+          <a:prstGeom prst="rect">
+            <a:avLst/>
+          </a:prstGeom>
+        </p:spPr>
+      </p:pic>
     </p:spTree>
     <p:extLst>
       <p:ext uri="{BB962C8B-B14F-4D97-AF65-F5344CB8AC3E}">
@@ -12820,12 +12960,20 @@
             <p:ph idx="1"/>
           </p:nvPr>
         </p:nvSpPr>
-        <p:spPr/>
+        <p:spPr>
+          <a:xfrm>
+            <a:off x="359999" y="1070366"/>
+            <a:ext cx="8424000" cy="514257"/>
+          </a:xfrm>
+        </p:spPr>
         <p:txBody>
           <a:bodyPr/>
           <a:lstStyle/>
           <a:p>
-            <a:endParaRPr lang="en-AU"/>
+            <a:r>
+              <a:rPr lang="en-AU" dirty="0"/>
+              <a:t>Reduce fusion of information to summations</a:t>
+            </a:r>
           </a:p>
         </p:txBody>
       </p:sp>
@@ -12919,12 +13067,147 @@
           </a:p>
         </p:txBody>
       </p:sp>
+      <p:sp>
+        <p:nvSpPr>
+          <p:cNvPr id="35" name="TextBox 34">
+            <a:extLst>
+              <a:ext uri="{FF2B5EF4-FFF2-40B4-BE49-F238E27FC236}">
+                <a16:creationId xmlns:a16="http://schemas.microsoft.com/office/drawing/2014/main" id="{E462FCEB-D628-4092-8FCD-CA114F4FC4DA}"/>
+              </a:ext>
+            </a:extLst>
+          </p:cNvPr>
+          <p:cNvSpPr txBox="1"/>
+          <p:nvPr/>
+        </p:nvSpPr>
+        <p:spPr>
+          <a:xfrm>
+            <a:off x="5071817" y="3125948"/>
+            <a:ext cx="1146724" cy="1442324"/>
+          </a:xfrm>
+          <a:prstGeom prst="rect">
+            <a:avLst/>
+          </a:prstGeom>
+          <a:noFill/>
+          <a:ln w="9525" cap="flat" cmpd="sng" algn="ctr">
+            <a:solidFill>
+              <a:schemeClr val="accent2"/>
+            </a:solidFill>
+            <a:prstDash val="solid"/>
+            <a:round/>
+            <a:headEnd type="none" w="med" len="med"/>
+            <a:tailEnd type="none" w="med" len="med"/>
+          </a:ln>
+        </p:spPr>
+        <p:style>
+          <a:lnRef idx="0">
+            <a:scrgbClr r="0" g="0" b="0"/>
+          </a:lnRef>
+          <a:fillRef idx="0">
+            <a:scrgbClr r="0" g="0" b="0"/>
+          </a:fillRef>
+          <a:effectRef idx="0">
+            <a:scrgbClr r="0" g="0" b="0"/>
+          </a:effectRef>
+          <a:fontRef idx="minor">
+            <a:schemeClr val="accent2"/>
+          </a:fontRef>
+        </p:style>
+        <p:txBody>
+          <a:bodyPr wrap="square" rtlCol="0">
+            <a:spAutoFit/>
+          </a:bodyPr>
+          <a:lstStyle/>
+          <a:p>
+            <a:endParaRPr lang="en-AU" sz="800" dirty="0"/>
+          </a:p>
+        </p:txBody>
+      </p:sp>
+      <p:pic>
+        <p:nvPicPr>
+          <p:cNvPr id="64" name="Picture 63" descr="\documentclass{article}&#10;\pagestyle{empty}&#10;&#10;\usepackage{amsmath}&#10;\usepackage{amsfonts}&#10;&#10;% Random variable&#10;\newcommand{\rv}[1]{\ensuremath{{\boldsymbol{#1}}}}&#10;% Vector&#10;\renewcommand{\vec}[1]{\ensuremath{{\underline{#1}}}}&#10;% Random vector&#10;\newcommand{\rvec}[1]{\ensuremath{{\boldsymbol{\underline{#1}}}}}&#10;% Matrix&#10;\newcommand{\mat}[1]{{\ensuremath{{\mathbf{#1}}}}}&#10;% Mean of a random variable / vector&#10;\newcommand{\mean}[1]{\ensuremath{\hat{#1}}}&#10;&#10;\begin{document}&#10;&#10;\begin{gather*}&#10;\sum_{i=1}^{m}\frac{1}{\text{tr}(\mat{P}_i)} \mat{P}_i^{-1} \mean{\vec{x}}_i\end{gather*}&#10;&#10;\end{document}" title="IguanaTex Bitmap Display">
+            <a:extLst>
+              <a:ext uri="{FF2B5EF4-FFF2-40B4-BE49-F238E27FC236}">
+                <a16:creationId xmlns:a16="http://schemas.microsoft.com/office/drawing/2014/main" id="{AF6D91BC-E7E2-40B6-9FEF-2A63CB38C4AB}"/>
+              </a:ext>
+            </a:extLst>
+          </p:cNvPr>
+          <p:cNvPicPr>
+            <a:picLocks noChangeAspect="1"/>
+          </p:cNvPicPr>
+          <p:nvPr>
+            <p:custDataLst>
+              <p:tags r:id="rId1"/>
+            </p:custDataLst>
+          </p:nvPr>
+        </p:nvPicPr>
+        <p:blipFill>
+          <a:blip r:embed="rId12">
+            <a:extLst>
+              <a:ext uri="{28A0092B-C50C-407E-A947-70E740481C1C}">
+                <a14:useLocalDpi xmlns:a14="http://schemas.microsoft.com/office/drawing/2010/main" val="0"/>
+              </a:ext>
+            </a:extLst>
+          </a:blip>
+          <a:stretch>
+            <a:fillRect/>
+          </a:stretch>
+        </p:blipFill>
+        <p:spPr>
+          <a:xfrm>
+            <a:off x="5141760" y="3181202"/>
+            <a:ext cx="1018463" cy="390068"/>
+          </a:xfrm>
+          <a:prstGeom prst="rect">
+            <a:avLst/>
+          </a:prstGeom>
+        </p:spPr>
+      </p:pic>
+      <p:pic>
+        <p:nvPicPr>
+          <p:cNvPr id="66" name="Picture 65" descr="\documentclass{article}&#10;\pagestyle{empty}&#10;&#10;\usepackage{amsmath}&#10;\usepackage{amsfonts}&#10;&#10;% Random variable&#10;\newcommand{\rv}[1]{\ensuremath{{\boldsymbol{#1}}}}&#10;% Vector&#10;\renewcommand{\vec}[1]{\ensuremath{{\underline{#1}}}}&#10;% Random vector&#10;\newcommand{\rvec}[1]{\ensuremath{{\boldsymbol{\underline{#1}}}}}&#10;% Matrix&#10;\newcommand{\mat}[1]{{\ensuremath{{\mathbf{#1}}}}}&#10;\begin{document}&#10;&#10;\begin{gather*}&#10;\sum_{i=1}^{m}\frac{1}{\text{tr}(\mat{P}_i)} \mat{P}_i^{-1}&#10;\end{gather*}&#10;&#10;\end{document}" title="IguanaTex Bitmap Display">
+            <a:extLst>
+              <a:ext uri="{FF2B5EF4-FFF2-40B4-BE49-F238E27FC236}">
+                <a16:creationId xmlns:a16="http://schemas.microsoft.com/office/drawing/2014/main" id="{E5DEAAE6-1465-44E3-AA48-907B65FE3148}"/>
+              </a:ext>
+            </a:extLst>
+          </p:cNvPr>
+          <p:cNvPicPr>
+            <a:picLocks noChangeAspect="1"/>
+          </p:cNvPicPr>
+          <p:nvPr>
+            <p:custDataLst>
+              <p:tags r:id="rId2"/>
+            </p:custDataLst>
+          </p:nvPr>
+        </p:nvPicPr>
+        <p:blipFill>
+          <a:blip r:embed="rId13">
+            <a:extLst>
+              <a:ext uri="{28A0092B-C50C-407E-A947-70E740481C1C}">
+                <a14:useLocalDpi xmlns:a14="http://schemas.microsoft.com/office/drawing/2010/main" val="0"/>
+              </a:ext>
+            </a:extLst>
+          </a:blip>
+          <a:stretch>
+            <a:fillRect/>
+          </a:stretch>
+        </p:blipFill>
+        <p:spPr>
+          <a:xfrm>
+            <a:off x="5141758" y="3628602"/>
+            <a:ext cx="888521" cy="391742"/>
+          </a:xfrm>
+          <a:prstGeom prst="rect">
+            <a:avLst/>
+          </a:prstGeom>
+        </p:spPr>
+      </p:pic>
       <p:grpSp>
         <p:nvGrpSpPr>
-          <p:cNvPr id="6" name="Group 5">
+          <p:cNvPr id="62" name="Group 61">
             <a:extLst>
               <a:ext uri="{FF2B5EF4-FFF2-40B4-BE49-F238E27FC236}">
-                <a16:creationId xmlns:a16="http://schemas.microsoft.com/office/drawing/2014/main" id="{5E57F158-EB0A-458A-ACE9-13015B825BF6}"/>
+                <a16:creationId xmlns:a16="http://schemas.microsoft.com/office/drawing/2014/main" id="{1F5698C4-5514-4351-905E-1248562ED0B1}"/>
               </a:ext>
             </a:extLst>
           </p:cNvPr>
@@ -12933,1185 +13216,1058 @@
         </p:nvGrpSpPr>
         <p:grpSpPr>
           <a:xfrm>
-            <a:off x="790121" y="1665484"/>
-            <a:ext cx="7563758" cy="2290089"/>
-            <a:chOff x="456292" y="1529083"/>
-            <a:chExt cx="8063776" cy="2441480"/>
+            <a:off x="382016" y="1719774"/>
+            <a:ext cx="7563758" cy="1875521"/>
+            <a:chOff x="382016" y="1719774"/>
+            <a:chExt cx="7563758" cy="1875521"/>
           </a:xfrm>
         </p:grpSpPr>
-        <p:grpSp>
-          <p:nvGrpSpPr>
-            <p:cNvPr id="7" name="Group 6">
+        <p:pic>
+          <p:nvPicPr>
+            <p:cNvPr id="12" name="Picture 11">
               <a:extLst>
                 <a:ext uri="{FF2B5EF4-FFF2-40B4-BE49-F238E27FC236}">
-                  <a16:creationId xmlns:a16="http://schemas.microsoft.com/office/drawing/2014/main" id="{58565CDE-EEDB-4AD4-BDB9-23A7BAAA8F9E}"/>
+                  <a16:creationId xmlns:a16="http://schemas.microsoft.com/office/drawing/2014/main" id="{346D04FB-4B45-4C39-91C8-F4F32D758EE0}"/>
                 </a:ext>
               </a:extLst>
             </p:cNvPr>
-            <p:cNvGrpSpPr/>
+            <p:cNvPicPr>
+              <a:picLocks noChangeAspect="1"/>
+            </p:cNvPicPr>
+            <p:nvPr>
+              <p:custDataLst>
+                <p:tags r:id="rId7"/>
+              </p:custDataLst>
+            </p:nvPr>
+          </p:nvPicPr>
+          <p:blipFill>
+            <a:blip r:embed="rId14">
+              <a:extLst>
+                <a:ext uri="{28A0092B-C50C-407E-A947-70E740481C1C}">
+                  <a14:useLocalDpi xmlns:a14="http://schemas.microsoft.com/office/drawing/2010/main" val="0"/>
+                </a:ext>
+              </a:extLst>
+            </a:blip>
+            <a:stretch>
+              <a:fillRect/>
+            </a:stretch>
+          </p:blipFill>
+          <p:spPr>
+            <a:xfrm>
+              <a:off x="2723150" y="1875992"/>
+              <a:ext cx="485375" cy="156767"/>
+            </a:xfrm>
+            <a:prstGeom prst="rect">
+              <a:avLst/>
+            </a:prstGeom>
+          </p:spPr>
+        </p:pic>
+        <p:pic>
+          <p:nvPicPr>
+            <p:cNvPr id="13" name="Picture 12">
+              <a:extLst>
+                <a:ext uri="{FF2B5EF4-FFF2-40B4-BE49-F238E27FC236}">
+                  <a16:creationId xmlns:a16="http://schemas.microsoft.com/office/drawing/2014/main" id="{6BB10A09-7D1E-49B9-B170-07AC4CF5A909}"/>
+                </a:ext>
+              </a:extLst>
+            </p:cNvPr>
+            <p:cNvPicPr>
+              <a:picLocks noChangeAspect="1"/>
+            </p:cNvPicPr>
+            <p:nvPr>
+              <p:custDataLst>
+                <p:tags r:id="rId8"/>
+              </p:custDataLst>
+            </p:nvPr>
+          </p:nvPicPr>
+          <p:blipFill>
+            <a:blip r:embed="rId15">
+              <a:extLst>
+                <a:ext uri="{28A0092B-C50C-407E-A947-70E740481C1C}">
+                  <a14:useLocalDpi xmlns:a14="http://schemas.microsoft.com/office/drawing/2010/main" val="0"/>
+                </a:ext>
+              </a:extLst>
+            </a:blip>
+            <a:stretch>
+              <a:fillRect/>
+            </a:stretch>
+          </p:blipFill>
+          <p:spPr>
+            <a:xfrm>
+              <a:off x="2719805" y="2401701"/>
+              <a:ext cx="489395" cy="156767"/>
+            </a:xfrm>
+            <a:prstGeom prst="rect">
+              <a:avLst/>
+            </a:prstGeom>
+          </p:spPr>
+        </p:pic>
+        <p:pic>
+          <p:nvPicPr>
+            <p:cNvPr id="61" name="Picture 60" descr="\documentclass{article}&#10;\pagestyle{empty}&#10;&#10;\usepackage{amsmath}&#10;\usepackage{amsfonts}&#10;&#10;% Random variable&#10;\newcommand{\rv}[1]{\ensuremath{{\boldsymbol{#1}}}}&#10;% Vector&#10;\renewcommand{\vec}[1]{\ensuremath{{\underline{#1}}}}&#10;% Random vector&#10;\newcommand{\rvec}[1]{\ensuremath{{\boldsymbol{\underline{#1}}}}}&#10;% Matrix&#10;\newcommand{\mat}[1]{{\ensuremath{{\mathbf{#1}}}}}&#10;% trace operator&#10;\DeclareMathOperator{\tr}{tr}&#10;&#10;\begin{document}&#10;&#10;\begin{gather*}&#10;\hat{\vec{x}}_m,\ \mat{P}_m&#10;\end{gather*}&#10;&#10;\end{document}" title="IguanaTex Bitmap Display">
+              <a:extLst>
+                <a:ext uri="{FF2B5EF4-FFF2-40B4-BE49-F238E27FC236}">
+                  <a16:creationId xmlns:a16="http://schemas.microsoft.com/office/drawing/2014/main" id="{14813C62-BE56-4F8E-8081-2D9EFA1F80BF}"/>
+                </a:ext>
+              </a:extLst>
+            </p:cNvPr>
+            <p:cNvPicPr>
+              <a:picLocks noChangeAspect="1"/>
+            </p:cNvPicPr>
+            <p:nvPr>
+              <p:custDataLst>
+                <p:tags r:id="rId9"/>
+              </p:custDataLst>
+            </p:nvPr>
+          </p:nvPicPr>
+          <p:blipFill>
+            <a:blip r:embed="rId16">
+              <a:extLst>
+                <a:ext uri="{28A0092B-C50C-407E-A947-70E740481C1C}">
+                  <a14:useLocalDpi xmlns:a14="http://schemas.microsoft.com/office/drawing/2010/main" val="0"/>
+                </a:ext>
+              </a:extLst>
+            </a:blip>
+            <a:stretch>
+              <a:fillRect/>
+            </a:stretch>
+          </p:blipFill>
+          <p:spPr>
+            <a:xfrm>
+              <a:off x="2660603" y="3313113"/>
+              <a:ext cx="595916" cy="157772"/>
+            </a:xfrm>
+            <a:prstGeom prst="rect">
+              <a:avLst/>
+            </a:prstGeom>
+          </p:spPr>
+        </p:pic>
+        <p:sp>
+          <p:nvSpPr>
+            <p:cNvPr id="19" name="Cloud 18">
+              <a:extLst>
+                <a:ext uri="{FF2B5EF4-FFF2-40B4-BE49-F238E27FC236}">
+                  <a16:creationId xmlns:a16="http://schemas.microsoft.com/office/drawing/2014/main" id="{C8607C44-B28C-422A-BD78-291CBBDCB63B}"/>
+                </a:ext>
+              </a:extLst>
+            </p:cNvPr>
+            <p:cNvSpPr/>
             <p:nvPr/>
-          </p:nvGrpSpPr>
-          <p:grpSpPr>
+          </p:nvSpPr>
+          <p:spPr>
             <a:xfrm>
-              <a:off x="456292" y="1529083"/>
-              <a:ext cx="8063776" cy="2441480"/>
-              <a:chOff x="396000" y="1655636"/>
-              <a:chExt cx="8343900" cy="2526294"/>
+              <a:off x="5102852" y="2175873"/>
+              <a:ext cx="990566" cy="884328"/>
             </a:xfrm>
-          </p:grpSpPr>
-          <p:pic>
-            <p:nvPicPr>
-              <p:cNvPr id="12" name="Picture 11">
-                <a:extLst>
-                  <a:ext uri="{FF2B5EF4-FFF2-40B4-BE49-F238E27FC236}">
-                    <a16:creationId xmlns:a16="http://schemas.microsoft.com/office/drawing/2014/main" id="{346D04FB-4B45-4C39-91C8-F4F32D758EE0}"/>
-                  </a:ext>
-                </a:extLst>
-              </p:cNvPr>
-              <p:cNvPicPr>
-                <a:picLocks noChangeAspect="1"/>
-              </p:cNvPicPr>
-              <p:nvPr>
-                <p:custDataLst>
-                  <p:tags r:id="rId1"/>
-                </p:custDataLst>
-              </p:nvPr>
-            </p:nvPicPr>
-            <p:blipFill>
-              <a:blip r:embed="rId8">
-                <a:extLst>
-                  <a:ext uri="{28A0092B-C50C-407E-A947-70E740481C1C}">
-                    <a14:useLocalDpi xmlns:a14="http://schemas.microsoft.com/office/drawing/2010/main" val="0"/>
-                  </a:ext>
-                </a:extLst>
-              </a:blip>
-              <a:stretch>
-                <a:fillRect/>
-              </a:stretch>
-            </p:blipFill>
-            <p:spPr>
-              <a:xfrm>
-                <a:off x="2978603" y="1827967"/>
-                <a:ext cx="535438" cy="172936"/>
-              </a:xfrm>
-              <a:prstGeom prst="rect">
-                <a:avLst/>
-              </a:prstGeom>
-            </p:spPr>
-          </p:pic>
-          <p:pic>
-            <p:nvPicPr>
-              <p:cNvPr id="13" name="Picture 12">
-                <a:extLst>
-                  <a:ext uri="{FF2B5EF4-FFF2-40B4-BE49-F238E27FC236}">
-                    <a16:creationId xmlns:a16="http://schemas.microsoft.com/office/drawing/2014/main" id="{6BB10A09-7D1E-49B9-B170-07AC4CF5A909}"/>
-                  </a:ext>
-                </a:extLst>
-              </p:cNvPr>
-              <p:cNvPicPr>
-                <a:picLocks noChangeAspect="1"/>
-              </p:cNvPicPr>
-              <p:nvPr>
-                <p:custDataLst>
-                  <p:tags r:id="rId2"/>
-                </p:custDataLst>
-              </p:nvPr>
-            </p:nvPicPr>
-            <p:blipFill>
-              <a:blip r:embed="rId9">
-                <a:extLst>
-                  <a:ext uri="{28A0092B-C50C-407E-A947-70E740481C1C}">
-                    <a14:useLocalDpi xmlns:a14="http://schemas.microsoft.com/office/drawing/2010/main" val="0"/>
-                  </a:ext>
-                </a:extLst>
-              </a:blip>
-              <a:stretch>
-                <a:fillRect/>
-              </a:stretch>
-            </p:blipFill>
-            <p:spPr>
-              <a:xfrm>
-                <a:off x="2974914" y="2407898"/>
-                <a:ext cx="539872" cy="172936"/>
-              </a:xfrm>
-              <a:prstGeom prst="rect">
-                <a:avLst/>
-              </a:prstGeom>
-            </p:spPr>
-          </p:pic>
-          <p:pic>
-            <p:nvPicPr>
-              <p:cNvPr id="14" name="Picture 13">
-                <a:extLst>
-                  <a:ext uri="{FF2B5EF4-FFF2-40B4-BE49-F238E27FC236}">
-                    <a16:creationId xmlns:a16="http://schemas.microsoft.com/office/drawing/2014/main" id="{5979899F-7C3A-42BC-BDE9-21C5803A2D48}"/>
-                  </a:ext>
-                </a:extLst>
-              </p:cNvPr>
-              <p:cNvPicPr>
-                <a:picLocks noChangeAspect="1"/>
-              </p:cNvPicPr>
-              <p:nvPr>
-                <p:custDataLst>
-                  <p:tags r:id="rId3"/>
-                </p:custDataLst>
-              </p:nvPr>
-            </p:nvPicPr>
-            <p:blipFill>
-              <a:blip r:embed="rId10">
-                <a:extLst>
-                  <a:ext uri="{28A0092B-C50C-407E-A947-70E740481C1C}">
-                    <a14:useLocalDpi xmlns:a14="http://schemas.microsoft.com/office/drawing/2010/main" val="0"/>
-                  </a:ext>
-                </a:extLst>
-              </a:blip>
-              <a:stretch>
-                <a:fillRect/>
-              </a:stretch>
-            </p:blipFill>
-            <p:spPr>
-              <a:xfrm>
-                <a:off x="2957542" y="3425548"/>
-                <a:ext cx="577563" cy="174045"/>
-              </a:xfrm>
-              <a:prstGeom prst="rect">
-                <a:avLst/>
-              </a:prstGeom>
-            </p:spPr>
-          </p:pic>
-          <p:grpSp>
-            <p:nvGrpSpPr>
-              <p:cNvPr id="15" name="Group 14">
-                <a:extLst>
-                  <a:ext uri="{FF2B5EF4-FFF2-40B4-BE49-F238E27FC236}">
-                    <a16:creationId xmlns:a16="http://schemas.microsoft.com/office/drawing/2014/main" id="{ADE3B00F-DC56-4F72-87FE-73DDDDD4F0AC}"/>
-                  </a:ext>
-                </a:extLst>
-              </p:cNvPr>
-              <p:cNvGrpSpPr/>
-              <p:nvPr/>
-            </p:nvGrpSpPr>
-            <p:grpSpPr>
-              <a:xfrm>
-                <a:off x="396000" y="1655636"/>
-                <a:ext cx="8343900" cy="2526294"/>
-                <a:chOff x="396000" y="1655636"/>
-                <a:chExt cx="8343900" cy="2526294"/>
-              </a:xfrm>
-            </p:grpSpPr>
-            <p:grpSp>
-              <p:nvGrpSpPr>
-                <p:cNvPr id="16" name="Group 15">
-                  <a:extLst>
-                    <a:ext uri="{FF2B5EF4-FFF2-40B4-BE49-F238E27FC236}">
-                      <a16:creationId xmlns:a16="http://schemas.microsoft.com/office/drawing/2014/main" id="{DDE15683-1077-4B2A-9272-EFC2EE6EA617}"/>
-                    </a:ext>
-                  </a:extLst>
-                </p:cNvPr>
-                <p:cNvGrpSpPr/>
-                <p:nvPr/>
-              </p:nvGrpSpPr>
-              <p:grpSpPr>
-                <a:xfrm>
-                  <a:off x="396000" y="1655636"/>
-                  <a:ext cx="8343900" cy="2526294"/>
-                  <a:chOff x="1614071" y="3087463"/>
-                  <a:chExt cx="6285383" cy="1903034"/>
-                </a:xfrm>
-              </p:grpSpPr>
-              <p:sp>
-                <p:nvSpPr>
-                  <p:cNvPr id="19" name="Cloud 18">
-                    <a:extLst>
-                      <a:ext uri="{FF2B5EF4-FFF2-40B4-BE49-F238E27FC236}">
-                        <a16:creationId xmlns:a16="http://schemas.microsoft.com/office/drawing/2014/main" id="{C8607C44-B28C-422A-BD78-291CBBDCB63B}"/>
-                      </a:ext>
-                    </a:extLst>
-                  </p:cNvPr>
-                  <p:cNvSpPr/>
-                  <p:nvPr/>
-                </p:nvSpPr>
-                <p:spPr>
-                  <a:xfrm>
-                    <a:off x="5537023" y="3466475"/>
-                    <a:ext cx="823147" cy="734865"/>
-                  </a:xfrm>
-                  <a:prstGeom prst="cloud">
-                    <a:avLst/>
-                  </a:prstGeom>
-                  <a:solidFill>
-                    <a:srgbClr val="FF0000"/>
-                  </a:solidFill>
-                  <a:ln>
-                    <a:solidFill>
-                      <a:srgbClr val="C00000"/>
-                    </a:solidFill>
-                  </a:ln>
-                </p:spPr>
-                <p:style>
-                  <a:lnRef idx="2">
-                    <a:schemeClr val="accent1">
-                      <a:shade val="50000"/>
-                    </a:schemeClr>
-                  </a:lnRef>
-                  <a:fillRef idx="1">
-                    <a:schemeClr val="accent1"/>
-                  </a:fillRef>
-                  <a:effectRef idx="0">
-                    <a:schemeClr val="accent1"/>
-                  </a:effectRef>
-                  <a:fontRef idx="minor">
-                    <a:schemeClr val="lt1"/>
-                  </a:fontRef>
-                </p:style>
-                <p:txBody>
-                  <a:bodyPr rtlCol="0" anchor="ctr"/>
-                  <a:lstStyle/>
-                  <a:p>
-                    <a:pPr algn="ctr"/>
-                    <a:endParaRPr lang="en-AU" dirty="0"/>
-                  </a:p>
-                </p:txBody>
-              </p:sp>
-              <p:pic>
-                <p:nvPicPr>
-                  <p:cNvPr id="20" name="Picture 19">
-                    <a:extLst>
-                      <a:ext uri="{FF2B5EF4-FFF2-40B4-BE49-F238E27FC236}">
-                        <a16:creationId xmlns:a16="http://schemas.microsoft.com/office/drawing/2014/main" id="{05D0B2D4-182D-4A79-87DB-2F3B58895BE7}"/>
-                      </a:ext>
-                    </a:extLst>
-                  </p:cNvPr>
-                  <p:cNvPicPr>
-                    <a:picLocks noChangeAspect="1"/>
-                  </p:cNvPicPr>
-                  <p:nvPr/>
-                </p:nvPicPr>
-                <p:blipFill>
-                  <a:blip r:embed="rId11"/>
-                  <a:stretch>
-                    <a:fillRect/>
-                  </a:stretch>
-                </p:blipFill>
-                <p:spPr>
-                  <a:xfrm>
-                    <a:off x="3018841" y="3561094"/>
-                    <a:ext cx="319443" cy="315729"/>
-                  </a:xfrm>
-                  <a:prstGeom prst="rect">
-                    <a:avLst/>
-                  </a:prstGeom>
-                </p:spPr>
-              </p:pic>
-              <p:pic>
-                <p:nvPicPr>
-                  <p:cNvPr id="21" name="Picture 20">
-                    <a:extLst>
-                      <a:ext uri="{FF2B5EF4-FFF2-40B4-BE49-F238E27FC236}">
-                        <a16:creationId xmlns:a16="http://schemas.microsoft.com/office/drawing/2014/main" id="{CFF830C3-7410-4C4C-B2D6-29EDAD3911E3}"/>
-                      </a:ext>
-                    </a:extLst>
-                  </p:cNvPr>
-                  <p:cNvPicPr>
-                    <a:picLocks noChangeAspect="1"/>
-                  </p:cNvPicPr>
-                  <p:nvPr/>
-                </p:nvPicPr>
-                <p:blipFill>
-                  <a:blip r:embed="rId12">
-                    <a:extLst>
-                      <a:ext uri="{28A0092B-C50C-407E-A947-70E740481C1C}">
-                        <a14:useLocalDpi xmlns:a14="http://schemas.microsoft.com/office/drawing/2010/main" val="0"/>
-                      </a:ext>
-                    </a:extLst>
-                  </a:blip>
-                  <a:stretch>
-                    <a:fillRect/>
-                  </a:stretch>
-                </p:blipFill>
-                <p:spPr>
-                  <a:xfrm>
-                    <a:off x="5799109" y="3676044"/>
-                    <a:ext cx="298976" cy="315729"/>
-                  </a:xfrm>
-                  <a:prstGeom prst="rect">
-                    <a:avLst/>
-                  </a:prstGeom>
-                </p:spPr>
-              </p:pic>
-              <p:pic>
-                <p:nvPicPr>
-                  <p:cNvPr id="22" name="Picture 21">
-                    <a:extLst>
-                      <a:ext uri="{FF2B5EF4-FFF2-40B4-BE49-F238E27FC236}">
-                        <a16:creationId xmlns:a16="http://schemas.microsoft.com/office/drawing/2014/main" id="{3A872772-EC68-4234-9101-2F1470A0442C}"/>
-                      </a:ext>
-                    </a:extLst>
-                  </p:cNvPr>
-                  <p:cNvPicPr>
-                    <a:picLocks noChangeAspect="1"/>
-                  </p:cNvPicPr>
-                  <p:nvPr/>
-                </p:nvPicPr>
-                <p:blipFill>
-                  <a:blip r:embed="rId13"/>
-                  <a:stretch>
-                    <a:fillRect/>
-                  </a:stretch>
-                </p:blipFill>
-                <p:spPr>
-                  <a:xfrm>
-                    <a:off x="3018841" y="3087463"/>
-                    <a:ext cx="319443" cy="315729"/>
-                  </a:xfrm>
-                  <a:prstGeom prst="rect">
-                    <a:avLst/>
-                  </a:prstGeom>
-                </p:spPr>
-              </p:pic>
-              <p:pic>
-                <p:nvPicPr>
-                  <p:cNvPr id="23" name="Picture 22">
-                    <a:extLst>
-                      <a:ext uri="{FF2B5EF4-FFF2-40B4-BE49-F238E27FC236}">
-                        <a16:creationId xmlns:a16="http://schemas.microsoft.com/office/drawing/2014/main" id="{7F12B7B5-91A7-4F0C-8EF4-CAFE58F8AE1D}"/>
-                      </a:ext>
-                    </a:extLst>
-                  </p:cNvPr>
-                  <p:cNvPicPr>
-                    <a:picLocks noChangeAspect="1"/>
-                  </p:cNvPicPr>
-                  <p:nvPr/>
-                </p:nvPicPr>
-                <p:blipFill>
-                  <a:blip r:embed="rId14">
-                    <a:extLst>
-                      <a:ext uri="{28A0092B-C50C-407E-A947-70E740481C1C}">
-                        <a14:useLocalDpi xmlns:a14="http://schemas.microsoft.com/office/drawing/2010/main" val="0"/>
-                      </a:ext>
-                    </a:extLst>
-                  </a:blip>
-                  <a:stretch>
-                    <a:fillRect/>
-                  </a:stretch>
-                </p:blipFill>
-                <p:spPr>
-                  <a:xfrm rot="10800000">
-                    <a:off x="3019863" y="4326553"/>
-                    <a:ext cx="319443" cy="319443"/>
-                  </a:xfrm>
-                  <a:prstGeom prst="rect">
-                    <a:avLst/>
-                  </a:prstGeom>
-                </p:spPr>
-              </p:pic>
-              <p:pic>
-                <p:nvPicPr>
-                  <p:cNvPr id="24" name="Picture 23">
-                    <a:extLst>
-                      <a:ext uri="{FF2B5EF4-FFF2-40B4-BE49-F238E27FC236}">
-                        <a16:creationId xmlns:a16="http://schemas.microsoft.com/office/drawing/2014/main" id="{1A75AA63-FC09-472B-8CB0-0AB78E173947}"/>
-                      </a:ext>
-                    </a:extLst>
-                  </p:cNvPr>
-                  <p:cNvPicPr>
-                    <a:picLocks noChangeAspect="1"/>
-                  </p:cNvPicPr>
-                  <p:nvPr/>
-                </p:nvPicPr>
-                <p:blipFill>
-                  <a:blip r:embed="rId15"/>
-                  <a:stretch>
-                    <a:fillRect/>
-                  </a:stretch>
-                </p:blipFill>
-                <p:spPr>
-                  <a:xfrm>
-                    <a:off x="1614071" y="3496625"/>
-                    <a:ext cx="603050" cy="592999"/>
-                  </a:xfrm>
-                  <a:prstGeom prst="rect">
-                    <a:avLst/>
-                  </a:prstGeom>
-                </p:spPr>
-              </p:pic>
-              <p:cxnSp>
-                <p:nvCxnSpPr>
-                  <p:cNvPr id="25" name="Straight Connector 24">
-                    <a:extLst>
-                      <a:ext uri="{FF2B5EF4-FFF2-40B4-BE49-F238E27FC236}">
-                        <a16:creationId xmlns:a16="http://schemas.microsoft.com/office/drawing/2014/main" id="{86F4C363-0EA6-4BD5-88C5-7DEDED9B1649}"/>
-                      </a:ext>
-                    </a:extLst>
-                  </p:cNvPr>
-                  <p:cNvCxnSpPr>
-                    <a:cxnSpLocks/>
-                  </p:cNvCxnSpPr>
-                  <p:nvPr/>
-                </p:nvCxnSpPr>
-                <p:spPr>
-                  <a:xfrm flipH="1">
-                    <a:off x="2290645" y="3282414"/>
-                    <a:ext cx="635492" cy="296512"/>
-                  </a:xfrm>
-                  <a:prstGeom prst="line">
-                    <a:avLst/>
-                  </a:prstGeom>
-                  <a:ln w="19050">
-                    <a:solidFill>
-                      <a:srgbClr val="00B0F0"/>
-                    </a:solidFill>
-                    <a:prstDash val="sysDash"/>
-                  </a:ln>
-                </p:spPr>
-                <p:style>
-                  <a:lnRef idx="1">
-                    <a:schemeClr val="accent1"/>
-                  </a:lnRef>
-                  <a:fillRef idx="0">
-                    <a:schemeClr val="accent1"/>
-                  </a:fillRef>
-                  <a:effectRef idx="0">
-                    <a:schemeClr val="accent1"/>
-                  </a:effectRef>
-                  <a:fontRef idx="minor">
-                    <a:schemeClr val="tx1"/>
-                  </a:fontRef>
-                </p:style>
-              </p:cxnSp>
-              <p:cxnSp>
-                <p:nvCxnSpPr>
-                  <p:cNvPr id="26" name="Straight Connector 25">
-                    <a:extLst>
-                      <a:ext uri="{FF2B5EF4-FFF2-40B4-BE49-F238E27FC236}">
-                        <a16:creationId xmlns:a16="http://schemas.microsoft.com/office/drawing/2014/main" id="{5BBD6446-325E-482A-9793-A312F8339E9B}"/>
-                      </a:ext>
-                    </a:extLst>
-                  </p:cNvPr>
-                  <p:cNvCxnSpPr>
-                    <a:cxnSpLocks/>
-                  </p:cNvCxnSpPr>
-                  <p:nvPr/>
-                </p:nvCxnSpPr>
-                <p:spPr>
-                  <a:xfrm flipH="1">
-                    <a:off x="2290645" y="3773857"/>
-                    <a:ext cx="635493" cy="35863"/>
-                  </a:xfrm>
-                  <a:prstGeom prst="line">
-                    <a:avLst/>
-                  </a:prstGeom>
-                  <a:ln w="19050">
-                    <a:solidFill>
-                      <a:srgbClr val="00B0F0"/>
-                    </a:solidFill>
-                    <a:prstDash val="sysDash"/>
-                  </a:ln>
-                </p:spPr>
-                <p:style>
-                  <a:lnRef idx="1">
-                    <a:schemeClr val="accent1"/>
-                  </a:lnRef>
-                  <a:fillRef idx="0">
-                    <a:schemeClr val="accent1"/>
-                  </a:fillRef>
-                  <a:effectRef idx="0">
-                    <a:schemeClr val="accent1"/>
-                  </a:effectRef>
-                  <a:fontRef idx="minor">
-                    <a:schemeClr val="tx1"/>
-                  </a:fontRef>
-                </p:style>
-              </p:cxnSp>
-              <p:cxnSp>
-                <p:nvCxnSpPr>
-                  <p:cNvPr id="27" name="Straight Connector 26">
-                    <a:extLst>
-                      <a:ext uri="{FF2B5EF4-FFF2-40B4-BE49-F238E27FC236}">
-                        <a16:creationId xmlns:a16="http://schemas.microsoft.com/office/drawing/2014/main" id="{87F57782-2144-414E-B13D-92A703A0707A}"/>
-                      </a:ext>
-                    </a:extLst>
-                  </p:cNvPr>
-                  <p:cNvCxnSpPr>
-                    <a:cxnSpLocks/>
-                  </p:cNvCxnSpPr>
-                  <p:nvPr/>
-                </p:nvCxnSpPr>
-                <p:spPr>
-                  <a:xfrm flipH="1" flipV="1">
-                    <a:off x="2315476" y="4004651"/>
-                    <a:ext cx="615904" cy="459345"/>
-                  </a:xfrm>
-                  <a:prstGeom prst="line">
-                    <a:avLst/>
-                  </a:prstGeom>
-                  <a:ln w="19050">
-                    <a:solidFill>
-                      <a:srgbClr val="00B0F0"/>
-                    </a:solidFill>
-                    <a:prstDash val="sysDash"/>
-                  </a:ln>
-                </p:spPr>
-                <p:style>
-                  <a:lnRef idx="1">
-                    <a:schemeClr val="accent1"/>
-                  </a:lnRef>
-                  <a:fillRef idx="0">
-                    <a:schemeClr val="accent1"/>
-                  </a:fillRef>
-                  <a:effectRef idx="0">
-                    <a:schemeClr val="accent1"/>
-                  </a:effectRef>
-                  <a:fontRef idx="minor">
-                    <a:schemeClr val="tx1"/>
-                  </a:fontRef>
-                </p:style>
-              </p:cxnSp>
-              <p:pic>
-                <p:nvPicPr>
-                  <p:cNvPr id="28" name="Picture 27">
-                    <a:extLst>
-                      <a:ext uri="{FF2B5EF4-FFF2-40B4-BE49-F238E27FC236}">
-                        <a16:creationId xmlns:a16="http://schemas.microsoft.com/office/drawing/2014/main" id="{F109CC28-B9ED-4388-951F-23C450CC097A}"/>
-                      </a:ext>
-                    </a:extLst>
-                  </p:cNvPr>
-                  <p:cNvPicPr>
-                    <a:picLocks noChangeAspect="1"/>
-                  </p:cNvPicPr>
-                  <p:nvPr>
-                    <p:custDataLst>
-                      <p:tags r:id="rId6"/>
-                    </p:custDataLst>
-                  </p:nvPr>
-                </p:nvPicPr>
-                <p:blipFill>
-                  <a:blip r:embed="rId16">
-                    <a:extLst>
-                      <a:ext uri="{28A0092B-C50C-407E-A947-70E740481C1C}">
-                        <a14:useLocalDpi xmlns:a14="http://schemas.microsoft.com/office/drawing/2010/main" val="0"/>
-                      </a:ext>
-                    </a:extLst>
-                  </a:blip>
-                  <a:stretch>
-                    <a:fillRect/>
-                  </a:stretch>
-                </p:blipFill>
-                <p:spPr>
-                  <a:xfrm rot="16200000">
-                    <a:off x="3033663" y="4085231"/>
-                    <a:ext cx="301714" cy="32914"/>
-                  </a:xfrm>
-                  <a:prstGeom prst="rect">
-                    <a:avLst/>
-                  </a:prstGeom>
-                </p:spPr>
-              </p:pic>
-              <p:sp>
-                <p:nvSpPr>
-                  <p:cNvPr id="29" name="Freeform: Shape 28">
-                    <a:extLst>
-                      <a:ext uri="{FF2B5EF4-FFF2-40B4-BE49-F238E27FC236}">
-                        <a16:creationId xmlns:a16="http://schemas.microsoft.com/office/drawing/2014/main" id="{BE6CA712-43A1-431A-BEC9-5C9356F537CD}"/>
-                      </a:ext>
-                    </a:extLst>
-                  </p:cNvPr>
-                  <p:cNvSpPr/>
-                  <p:nvPr/>
-                </p:nvSpPr>
-                <p:spPr>
-                  <a:xfrm>
-                    <a:off x="4342214" y="3282414"/>
-                    <a:ext cx="1118109" cy="463550"/>
-                  </a:xfrm>
-                  <a:custGeom>
-                    <a:avLst/>
-                    <a:gdLst>
-                      <a:gd name="connsiteX0" fmla="*/ 0 w 1298575"/>
-                      <a:gd name="connsiteY0" fmla="*/ 0 h 454025"/>
-                      <a:gd name="connsiteX1" fmla="*/ 660400 w 1298575"/>
-                      <a:gd name="connsiteY1" fmla="*/ 292100 h 454025"/>
-                      <a:gd name="connsiteX2" fmla="*/ 1298575 w 1298575"/>
-                      <a:gd name="connsiteY2" fmla="*/ 454025 h 454025"/>
-                    </a:gdLst>
-                    <a:ahLst/>
-                    <a:cxnLst>
-                      <a:cxn ang="0">
-                        <a:pos x="connsiteX0" y="connsiteY0"/>
-                      </a:cxn>
-                      <a:cxn ang="0">
-                        <a:pos x="connsiteX1" y="connsiteY1"/>
-                      </a:cxn>
-                      <a:cxn ang="0">
-                        <a:pos x="connsiteX2" y="connsiteY2"/>
-                      </a:cxn>
-                    </a:cxnLst>
-                    <a:rect l="l" t="t" r="r" b="b"/>
-                    <a:pathLst>
-                      <a:path w="1298575" h="454025">
-                        <a:moveTo>
-                          <a:pt x="0" y="0"/>
-                        </a:moveTo>
-                        <a:cubicBezTo>
-                          <a:pt x="221985" y="108214"/>
-                          <a:pt x="443971" y="216429"/>
-                          <a:pt x="660400" y="292100"/>
-                        </a:cubicBezTo>
-                        <a:cubicBezTo>
-                          <a:pt x="876829" y="367771"/>
-                          <a:pt x="1087702" y="410898"/>
-                          <a:pt x="1298575" y="454025"/>
-                        </a:cubicBezTo>
-                      </a:path>
-                    </a:pathLst>
-                  </a:custGeom>
-                  <a:noFill/>
-                  <a:ln>
-                    <a:headEnd type="none" w="med" len="med"/>
-                    <a:tailEnd type="arrow" w="med" len="med"/>
-                  </a:ln>
-                </p:spPr>
-                <p:style>
-                  <a:lnRef idx="2">
-                    <a:schemeClr val="accent1">
-                      <a:shade val="50000"/>
-                    </a:schemeClr>
-                  </a:lnRef>
-                  <a:fillRef idx="1">
-                    <a:schemeClr val="accent1"/>
-                  </a:fillRef>
-                  <a:effectRef idx="0">
-                    <a:schemeClr val="accent1"/>
-                  </a:effectRef>
-                  <a:fontRef idx="minor">
-                    <a:schemeClr val="lt1"/>
-                  </a:fontRef>
-                </p:style>
-                <p:txBody>
-                  <a:bodyPr rtlCol="0" anchor="ctr"/>
-                  <a:lstStyle/>
-                  <a:p>
-                    <a:pPr algn="ctr"/>
-                    <a:endParaRPr lang="en-AU"/>
-                  </a:p>
-                </p:txBody>
-              </p:sp>
-              <p:sp>
-                <p:nvSpPr>
-                  <p:cNvPr id="30" name="Freeform: Shape 29">
-                    <a:extLst>
-                      <a:ext uri="{FF2B5EF4-FFF2-40B4-BE49-F238E27FC236}">
-                        <a16:creationId xmlns:a16="http://schemas.microsoft.com/office/drawing/2014/main" id="{CD483230-49A9-40FB-9022-2FB67296799E}"/>
-                      </a:ext>
-                    </a:extLst>
-                  </p:cNvPr>
-                  <p:cNvSpPr/>
-                  <p:nvPr/>
-                </p:nvSpPr>
-                <p:spPr>
-                  <a:xfrm>
-                    <a:off x="4339040" y="3745964"/>
-                    <a:ext cx="1118108" cy="116548"/>
-                  </a:xfrm>
-                  <a:custGeom>
-                    <a:avLst/>
-                    <a:gdLst>
-                      <a:gd name="connsiteX0" fmla="*/ 0 w 952500"/>
-                      <a:gd name="connsiteY0" fmla="*/ 0 h 142875"/>
-                      <a:gd name="connsiteX1" fmla="*/ 463550 w 952500"/>
-                      <a:gd name="connsiteY1" fmla="*/ 107950 h 142875"/>
-                      <a:gd name="connsiteX2" fmla="*/ 952500 w 952500"/>
-                      <a:gd name="connsiteY2" fmla="*/ 142875 h 142875"/>
-                    </a:gdLst>
-                    <a:ahLst/>
-                    <a:cxnLst>
-                      <a:cxn ang="0">
-                        <a:pos x="connsiteX0" y="connsiteY0"/>
-                      </a:cxn>
-                      <a:cxn ang="0">
-                        <a:pos x="connsiteX1" y="connsiteY1"/>
-                      </a:cxn>
-                      <a:cxn ang="0">
-                        <a:pos x="connsiteX2" y="connsiteY2"/>
-                      </a:cxn>
-                    </a:cxnLst>
-                    <a:rect l="l" t="t" r="r" b="b"/>
-                    <a:pathLst>
-                      <a:path w="952500" h="142875">
-                        <a:moveTo>
-                          <a:pt x="0" y="0"/>
-                        </a:moveTo>
-                        <a:cubicBezTo>
-                          <a:pt x="152400" y="42069"/>
-                          <a:pt x="304800" y="84138"/>
-                          <a:pt x="463550" y="107950"/>
-                        </a:cubicBezTo>
-                        <a:cubicBezTo>
-                          <a:pt x="622300" y="131762"/>
-                          <a:pt x="787400" y="137318"/>
-                          <a:pt x="952500" y="142875"/>
-                        </a:cubicBezTo>
-                      </a:path>
-                    </a:pathLst>
-                  </a:custGeom>
-                  <a:noFill/>
-                  <a:ln>
-                    <a:headEnd type="none" w="med" len="med"/>
-                    <a:tailEnd type="arrow" w="med" len="med"/>
-                  </a:ln>
-                </p:spPr>
-                <p:style>
-                  <a:lnRef idx="2">
-                    <a:schemeClr val="accent1">
-                      <a:shade val="50000"/>
-                    </a:schemeClr>
-                  </a:lnRef>
-                  <a:fillRef idx="1">
-                    <a:schemeClr val="accent1"/>
-                  </a:fillRef>
-                  <a:effectRef idx="0">
-                    <a:schemeClr val="accent1"/>
-                  </a:effectRef>
-                  <a:fontRef idx="minor">
-                    <a:schemeClr val="lt1"/>
-                  </a:fontRef>
-                </p:style>
-                <p:txBody>
-                  <a:bodyPr rtlCol="0" anchor="ctr"/>
-                  <a:lstStyle/>
-                  <a:p>
-                    <a:pPr algn="ctr"/>
-                    <a:endParaRPr lang="en-AU"/>
-                  </a:p>
-                </p:txBody>
-              </p:sp>
-              <p:sp>
-                <p:nvSpPr>
-                  <p:cNvPr id="31" name="Freeform: Shape 30">
-                    <a:extLst>
-                      <a:ext uri="{FF2B5EF4-FFF2-40B4-BE49-F238E27FC236}">
-                        <a16:creationId xmlns:a16="http://schemas.microsoft.com/office/drawing/2014/main" id="{5631582E-7B96-4A92-9DF6-1E0AC53FA2FA}"/>
-                      </a:ext>
-                    </a:extLst>
-                  </p:cNvPr>
-                  <p:cNvSpPr/>
-                  <p:nvPr/>
-                </p:nvSpPr>
-                <p:spPr>
-                  <a:xfrm>
-                    <a:off x="4338918" y="3975603"/>
-                    <a:ext cx="1124580" cy="459346"/>
-                  </a:xfrm>
-                  <a:custGeom>
-                    <a:avLst/>
-                    <a:gdLst>
-                      <a:gd name="connsiteX0" fmla="*/ 0 w 1333500"/>
-                      <a:gd name="connsiteY0" fmla="*/ 501650 h 501650"/>
-                      <a:gd name="connsiteX1" fmla="*/ 460375 w 1333500"/>
-                      <a:gd name="connsiteY1" fmla="*/ 184150 h 501650"/>
-                      <a:gd name="connsiteX2" fmla="*/ 1333500 w 1333500"/>
-                      <a:gd name="connsiteY2" fmla="*/ 0 h 501650"/>
-                    </a:gdLst>
-                    <a:ahLst/>
-                    <a:cxnLst>
-                      <a:cxn ang="0">
-                        <a:pos x="connsiteX0" y="connsiteY0"/>
-                      </a:cxn>
-                      <a:cxn ang="0">
-                        <a:pos x="connsiteX1" y="connsiteY1"/>
-                      </a:cxn>
-                      <a:cxn ang="0">
-                        <a:pos x="connsiteX2" y="connsiteY2"/>
-                      </a:cxn>
-                    </a:cxnLst>
-                    <a:rect l="l" t="t" r="r" b="b"/>
-                    <a:pathLst>
-                      <a:path w="1333500" h="501650">
-                        <a:moveTo>
-                          <a:pt x="0" y="501650"/>
-                        </a:moveTo>
-                        <a:cubicBezTo>
-                          <a:pt x="119062" y="384704"/>
-                          <a:pt x="238125" y="267758"/>
-                          <a:pt x="460375" y="184150"/>
-                        </a:cubicBezTo>
-                        <a:cubicBezTo>
-                          <a:pt x="682625" y="100542"/>
-                          <a:pt x="1008062" y="50271"/>
-                          <a:pt x="1333500" y="0"/>
-                        </a:cubicBezTo>
-                      </a:path>
-                    </a:pathLst>
-                  </a:custGeom>
-                  <a:noFill/>
-                  <a:ln>
-                    <a:headEnd type="none" w="med" len="med"/>
-                    <a:tailEnd type="arrow" w="med" len="med"/>
-                  </a:ln>
-                </p:spPr>
-                <p:style>
-                  <a:lnRef idx="2">
-                    <a:schemeClr val="accent1">
-                      <a:shade val="50000"/>
-                    </a:schemeClr>
-                  </a:lnRef>
-                  <a:fillRef idx="1">
-                    <a:schemeClr val="accent1"/>
-                  </a:fillRef>
-                  <a:effectRef idx="0">
-                    <a:schemeClr val="accent1"/>
-                  </a:effectRef>
-                  <a:fontRef idx="minor">
-                    <a:schemeClr val="lt1"/>
-                  </a:fontRef>
-                </p:style>
-                <p:txBody>
-                  <a:bodyPr rtlCol="0" anchor="ctr"/>
-                  <a:lstStyle/>
-                  <a:p>
-                    <a:pPr algn="ctr"/>
-                    <a:endParaRPr lang="en-AU" dirty="0"/>
-                  </a:p>
-                </p:txBody>
-              </p:sp>
-              <p:sp>
-                <p:nvSpPr>
-                  <p:cNvPr id="32" name="TextBox 31">
-                    <a:extLst>
-                      <a:ext uri="{FF2B5EF4-FFF2-40B4-BE49-F238E27FC236}">
-                        <a16:creationId xmlns:a16="http://schemas.microsoft.com/office/drawing/2014/main" id="{EE812E9C-1C64-47E1-A9CD-E716A4F20445}"/>
-                      </a:ext>
-                    </a:extLst>
-                  </p:cNvPr>
-                  <p:cNvSpPr txBox="1"/>
-                  <p:nvPr/>
-                </p:nvSpPr>
-                <p:spPr>
-                  <a:xfrm>
-                    <a:off x="3421741" y="3174692"/>
-                    <a:ext cx="666811" cy="197017"/>
-                  </a:xfrm>
-                  <a:prstGeom prst="rect">
-                    <a:avLst/>
-                  </a:prstGeom>
-                  <a:noFill/>
-                  <a:ln w="19050">
-                    <a:solidFill>
-                      <a:srgbClr val="FFC000"/>
-                    </a:solidFill>
-                  </a:ln>
-                </p:spPr>
-                <p:txBody>
-                  <a:bodyPr wrap="square" rtlCol="0">
-                    <a:spAutoFit/>
-                  </a:bodyPr>
-                  <a:lstStyle/>
-                  <a:p>
-                    <a:endParaRPr lang="en-AU" sz="800" dirty="0"/>
-                  </a:p>
-                </p:txBody>
-              </p:sp>
-              <p:sp>
-                <p:nvSpPr>
-                  <p:cNvPr id="33" name="TextBox 32">
-                    <a:extLst>
-                      <a:ext uri="{FF2B5EF4-FFF2-40B4-BE49-F238E27FC236}">
-                        <a16:creationId xmlns:a16="http://schemas.microsoft.com/office/drawing/2014/main" id="{514724F0-E0AE-4AD9-81FB-73C6963E1CB9}"/>
-                      </a:ext>
-                    </a:extLst>
-                  </p:cNvPr>
-                  <p:cNvSpPr txBox="1"/>
-                  <p:nvPr/>
-                </p:nvSpPr>
-                <p:spPr>
-                  <a:xfrm>
-                    <a:off x="3427787" y="3618463"/>
-                    <a:ext cx="666811" cy="197017"/>
-                  </a:xfrm>
-                  <a:prstGeom prst="rect">
-                    <a:avLst/>
-                  </a:prstGeom>
-                  <a:noFill/>
-                  <a:ln w="19050">
-                    <a:solidFill>
-                      <a:srgbClr val="FFC000"/>
-                    </a:solidFill>
-                  </a:ln>
-                </p:spPr>
-                <p:txBody>
-                  <a:bodyPr wrap="square" rtlCol="0">
-                    <a:spAutoFit/>
-                  </a:bodyPr>
-                  <a:lstStyle/>
-                  <a:p>
-                    <a:endParaRPr lang="en-AU" sz="800" dirty="0"/>
-                  </a:p>
-                </p:txBody>
-              </p:sp>
-              <p:sp>
-                <p:nvSpPr>
-                  <p:cNvPr id="34" name="TextBox 33">
-                    <a:extLst>
-                      <a:ext uri="{FF2B5EF4-FFF2-40B4-BE49-F238E27FC236}">
-                        <a16:creationId xmlns:a16="http://schemas.microsoft.com/office/drawing/2014/main" id="{10513E2E-BA93-45F6-A93E-523F58CFF817}"/>
-                      </a:ext>
-                    </a:extLst>
-                  </p:cNvPr>
-                  <p:cNvSpPr txBox="1"/>
-                  <p:nvPr/>
-                </p:nvSpPr>
-                <p:spPr>
-                  <a:xfrm>
-                    <a:off x="3427788" y="4378552"/>
-                    <a:ext cx="666811" cy="197017"/>
-                  </a:xfrm>
-                  <a:prstGeom prst="rect">
-                    <a:avLst/>
-                  </a:prstGeom>
-                  <a:noFill/>
-                  <a:ln w="19050">
-                    <a:solidFill>
-                      <a:srgbClr val="FFC000"/>
-                    </a:solidFill>
-                  </a:ln>
-                </p:spPr>
-                <p:txBody>
-                  <a:bodyPr wrap="square" rtlCol="0">
-                    <a:spAutoFit/>
-                  </a:bodyPr>
-                  <a:lstStyle/>
-                  <a:p>
-                    <a:endParaRPr lang="en-AU" sz="800" dirty="0"/>
-                  </a:p>
-                </p:txBody>
-              </p:sp>
-              <p:sp>
-                <p:nvSpPr>
-                  <p:cNvPr id="35" name="TextBox 34">
-                    <a:extLst>
-                      <a:ext uri="{FF2B5EF4-FFF2-40B4-BE49-F238E27FC236}">
-                        <a16:creationId xmlns:a16="http://schemas.microsoft.com/office/drawing/2014/main" id="{E462FCEB-D628-4092-8FCD-CA114F4FC4DA}"/>
-                      </a:ext>
-                    </a:extLst>
-                  </p:cNvPr>
-                  <p:cNvSpPr txBox="1"/>
-                  <p:nvPr/>
-                </p:nvSpPr>
-                <p:spPr>
-                  <a:xfrm>
-                    <a:off x="5381655" y="4269357"/>
-                    <a:ext cx="1156600" cy="721140"/>
-                  </a:xfrm>
-                  <a:prstGeom prst="rect">
-                    <a:avLst/>
-                  </a:prstGeom>
-                  <a:noFill/>
-                  <a:ln w="19050">
-                    <a:solidFill>
-                      <a:schemeClr val="accent2"/>
-                    </a:solidFill>
-                  </a:ln>
-                </p:spPr>
-                <p:txBody>
-                  <a:bodyPr wrap="square" rtlCol="0">
-                    <a:spAutoFit/>
-                  </a:bodyPr>
-                  <a:lstStyle/>
-                  <a:p>
-                    <a:endParaRPr lang="en-AU" sz="800" dirty="0"/>
-                  </a:p>
-                </p:txBody>
-              </p:sp>
-              <p:pic>
-                <p:nvPicPr>
-                  <p:cNvPr id="36" name="Picture 35">
-                    <a:extLst>
-                      <a:ext uri="{FF2B5EF4-FFF2-40B4-BE49-F238E27FC236}">
-                        <a16:creationId xmlns:a16="http://schemas.microsoft.com/office/drawing/2014/main" id="{D40C0A5B-B581-4EE8-B518-CB5D62374B42}"/>
-                      </a:ext>
-                    </a:extLst>
-                  </p:cNvPr>
-                  <p:cNvPicPr>
-                    <a:picLocks noChangeAspect="1"/>
-                  </p:cNvPicPr>
-                  <p:nvPr/>
-                </p:nvPicPr>
-                <p:blipFill>
-                  <a:blip r:embed="rId17"/>
-                  <a:stretch>
-                    <a:fillRect/>
-                  </a:stretch>
-                </p:blipFill>
-                <p:spPr>
-                  <a:xfrm>
-                    <a:off x="7610452" y="3615639"/>
-                    <a:ext cx="289002" cy="486049"/>
-                  </a:xfrm>
-                  <a:prstGeom prst="rect">
-                    <a:avLst/>
-                  </a:prstGeom>
-                </p:spPr>
-              </p:pic>
-              <p:sp>
-                <p:nvSpPr>
-                  <p:cNvPr id="37" name="Freeform: Shape 36">
-                    <a:extLst>
-                      <a:ext uri="{FF2B5EF4-FFF2-40B4-BE49-F238E27FC236}">
-                        <a16:creationId xmlns:a16="http://schemas.microsoft.com/office/drawing/2014/main" id="{90800CAE-F38C-473D-842D-CAFA2BF0F3C2}"/>
-                      </a:ext>
-                    </a:extLst>
-                  </p:cNvPr>
-                  <p:cNvSpPr/>
-                  <p:nvPr/>
-                </p:nvSpPr>
-                <p:spPr>
-                  <a:xfrm>
-                    <a:off x="6442681" y="3846064"/>
-                    <a:ext cx="1040043" cy="0"/>
-                  </a:xfrm>
-                  <a:custGeom>
-                    <a:avLst/>
-                    <a:gdLst>
-                      <a:gd name="connsiteX0" fmla="*/ 0 w 1040043"/>
-                      <a:gd name="connsiteY0" fmla="*/ 0 h 0"/>
-                      <a:gd name="connsiteX1" fmla="*/ 1040043 w 1040043"/>
-                      <a:gd name="connsiteY1" fmla="*/ 0 h 0"/>
-                    </a:gdLst>
-                    <a:ahLst/>
-                    <a:cxnLst>
-                      <a:cxn ang="0">
-                        <a:pos x="connsiteX0" y="connsiteY0"/>
-                      </a:cxn>
-                      <a:cxn ang="0">
-                        <a:pos x="connsiteX1" y="connsiteY1"/>
-                      </a:cxn>
-                    </a:cxnLst>
-                    <a:rect l="l" t="t" r="r" b="b"/>
-                    <a:pathLst>
-                      <a:path w="1040043">
-                        <a:moveTo>
-                          <a:pt x="0" y="0"/>
-                        </a:moveTo>
-                        <a:lnTo>
-                          <a:pt x="1040043" y="0"/>
-                        </a:lnTo>
-                      </a:path>
-                    </a:pathLst>
-                  </a:custGeom>
-                  <a:noFill/>
-                  <a:ln>
-                    <a:headEnd type="arrow" w="med" len="med"/>
-                    <a:tailEnd type="arrow" w="med" len="med"/>
-                  </a:ln>
-                </p:spPr>
-                <p:style>
-                  <a:lnRef idx="2">
-                    <a:schemeClr val="accent1">
-                      <a:shade val="50000"/>
-                    </a:schemeClr>
-                  </a:lnRef>
-                  <a:fillRef idx="1">
-                    <a:schemeClr val="accent1"/>
-                  </a:fillRef>
-                  <a:effectRef idx="0">
-                    <a:schemeClr val="accent1"/>
-                  </a:effectRef>
-                  <a:fontRef idx="minor">
-                    <a:schemeClr val="lt1"/>
-                  </a:fontRef>
-                </p:style>
-                <p:txBody>
-                  <a:bodyPr rtlCol="0" anchor="ctr"/>
-                  <a:lstStyle/>
-                  <a:p>
-                    <a:pPr algn="ctr"/>
-                    <a:endParaRPr lang="en-AU"/>
-                  </a:p>
-                </p:txBody>
-              </p:sp>
-            </p:grpSp>
-            <p:pic>
-              <p:nvPicPr>
-                <p:cNvPr id="17" name="Picture 16">
-                  <a:extLst>
-                    <a:ext uri="{FF2B5EF4-FFF2-40B4-BE49-F238E27FC236}">
-                      <a16:creationId xmlns:a16="http://schemas.microsoft.com/office/drawing/2014/main" id="{53D59AE5-7948-4906-9FBD-F11E9EE51E91}"/>
-                    </a:ext>
-                  </a:extLst>
-                </p:cNvPr>
-                <p:cNvPicPr>
-                  <a:picLocks noChangeAspect="1"/>
-                </p:cNvPicPr>
-                <p:nvPr>
-                  <p:custDataLst>
-                    <p:tags r:id="rId4"/>
-                  </p:custDataLst>
-                </p:nvPr>
-              </p:nvPicPr>
-              <p:blipFill>
-                <a:blip r:embed="rId18">
-                  <a:extLst>
-                    <a:ext uri="{28A0092B-C50C-407E-A947-70E740481C1C}">
-                      <a14:useLocalDpi xmlns:a14="http://schemas.microsoft.com/office/drawing/2010/main" val="0"/>
-                    </a:ext>
-                  </a:extLst>
-                </a:blip>
-                <a:stretch>
-                  <a:fillRect/>
-                </a:stretch>
-              </p:blipFill>
-              <p:spPr>
-                <a:xfrm>
-                  <a:off x="5446033" y="3256237"/>
-                  <a:ext cx="1408170" cy="430301"/>
-                </a:xfrm>
-                <a:prstGeom prst="rect">
-                  <a:avLst/>
-                </a:prstGeom>
-              </p:spPr>
-            </p:pic>
-            <p:pic>
-              <p:nvPicPr>
-                <p:cNvPr id="18" name="Picture 17">
-                  <a:extLst>
-                    <a:ext uri="{FF2B5EF4-FFF2-40B4-BE49-F238E27FC236}">
-                      <a16:creationId xmlns:a16="http://schemas.microsoft.com/office/drawing/2014/main" id="{1F3433C1-A1D1-41A0-AE49-49AA184266C9}"/>
-                    </a:ext>
-                  </a:extLst>
-                </p:cNvPr>
-                <p:cNvPicPr>
-                  <a:picLocks noChangeAspect="1"/>
-                </p:cNvPicPr>
-                <p:nvPr>
-                  <p:custDataLst>
-                    <p:tags r:id="rId5"/>
-                  </p:custDataLst>
-                </p:nvPr>
-              </p:nvPicPr>
-              <p:blipFill>
-                <a:blip r:embed="rId19">
-                  <a:extLst>
-                    <a:ext uri="{28A0092B-C50C-407E-A947-70E740481C1C}">
-                      <a14:useLocalDpi xmlns:a14="http://schemas.microsoft.com/office/drawing/2010/main" val="0"/>
-                    </a:ext>
-                  </a:extLst>
-                </a:blip>
-                <a:stretch>
-                  <a:fillRect/>
-                </a:stretch>
-              </p:blipFill>
-              <p:spPr>
-                <a:xfrm>
-                  <a:off x="5561733" y="3718163"/>
-                  <a:ext cx="1176769" cy="432147"/>
-                </a:xfrm>
-                <a:prstGeom prst="rect">
-                  <a:avLst/>
-                </a:prstGeom>
-              </p:spPr>
-            </p:pic>
-          </p:grpSp>
-        </p:grpSp>
+            <a:prstGeom prst="cloud">
+              <a:avLst/>
+            </a:prstGeom>
+            <a:ln/>
+          </p:spPr>
+          <p:style>
+            <a:lnRef idx="1">
+              <a:schemeClr val="accent2"/>
+            </a:lnRef>
+            <a:fillRef idx="3">
+              <a:schemeClr val="accent2"/>
+            </a:fillRef>
+            <a:effectRef idx="2">
+              <a:schemeClr val="accent2"/>
+            </a:effectRef>
+            <a:fontRef idx="minor">
+              <a:schemeClr val="lt1"/>
+            </a:fontRef>
+          </p:style>
+          <p:txBody>
+            <a:bodyPr rtlCol="0" anchor="ctr"/>
+            <a:lstStyle/>
+            <a:p>
+              <a:pPr algn="ctr"/>
+              <a:endParaRPr lang="en-AU" dirty="0"/>
+            </a:p>
+          </p:txBody>
+        </p:sp>
+        <p:pic>
+          <p:nvPicPr>
+            <p:cNvPr id="20" name="Picture 19">
+              <a:extLst>
+                <a:ext uri="{FF2B5EF4-FFF2-40B4-BE49-F238E27FC236}">
+                  <a16:creationId xmlns:a16="http://schemas.microsoft.com/office/drawing/2014/main" id="{05D0B2D4-182D-4A79-87DB-2F3B58895BE7}"/>
+                </a:ext>
+              </a:extLst>
+            </p:cNvPr>
+            <p:cNvPicPr>
+              <a:picLocks noChangeAspect="1"/>
+            </p:cNvPicPr>
+            <p:nvPr/>
+          </p:nvPicPr>
+          <p:blipFill>
+            <a:blip r:embed="rId17"/>
+            <a:stretch>
+              <a:fillRect/>
+            </a:stretch>
+          </p:blipFill>
+          <p:spPr>
+            <a:xfrm>
+              <a:off x="2072500" y="2289736"/>
+              <a:ext cx="384414" cy="379945"/>
+            </a:xfrm>
+            <a:prstGeom prst="rect">
+              <a:avLst/>
+            </a:prstGeom>
+          </p:spPr>
+        </p:pic>
+        <p:pic>
+          <p:nvPicPr>
+            <p:cNvPr id="21" name="Picture 20">
+              <a:extLst>
+                <a:ext uri="{FF2B5EF4-FFF2-40B4-BE49-F238E27FC236}">
+                  <a16:creationId xmlns:a16="http://schemas.microsoft.com/office/drawing/2014/main" id="{CFF830C3-7410-4C4C-B2D6-29EDAD3911E3}"/>
+                </a:ext>
+              </a:extLst>
+            </p:cNvPr>
+            <p:cNvPicPr>
+              <a:picLocks noChangeAspect="1"/>
+            </p:cNvPicPr>
+            <p:nvPr/>
+          </p:nvPicPr>
+          <p:blipFill>
+            <a:blip r:embed="rId18">
+              <a:extLst>
+                <a:ext uri="{28A0092B-C50C-407E-A947-70E740481C1C}">
+                  <a14:useLocalDpi xmlns:a14="http://schemas.microsoft.com/office/drawing/2010/main" val="0"/>
+                </a:ext>
+              </a:extLst>
+            </a:blip>
+            <a:stretch>
+              <a:fillRect/>
+            </a:stretch>
+          </p:blipFill>
+          <p:spPr>
+            <a:xfrm>
+              <a:off x="5418243" y="2428066"/>
+              <a:ext cx="359784" cy="379945"/>
+            </a:xfrm>
+            <a:prstGeom prst="rect">
+              <a:avLst/>
+            </a:prstGeom>
+          </p:spPr>
+        </p:pic>
+        <p:pic>
+          <p:nvPicPr>
+            <p:cNvPr id="22" name="Picture 21">
+              <a:extLst>
+                <a:ext uri="{FF2B5EF4-FFF2-40B4-BE49-F238E27FC236}">
+                  <a16:creationId xmlns:a16="http://schemas.microsoft.com/office/drawing/2014/main" id="{3A872772-EC68-4234-9101-2F1470A0442C}"/>
+                </a:ext>
+              </a:extLst>
+            </p:cNvPr>
+            <p:cNvPicPr>
+              <a:picLocks noChangeAspect="1"/>
+            </p:cNvPicPr>
+            <p:nvPr/>
+          </p:nvPicPr>
+          <p:blipFill>
+            <a:blip r:embed="rId19"/>
+            <a:stretch>
+              <a:fillRect/>
+            </a:stretch>
+          </p:blipFill>
+          <p:spPr>
+            <a:xfrm>
+              <a:off x="2072500" y="1719774"/>
+              <a:ext cx="384414" cy="379945"/>
+            </a:xfrm>
+            <a:prstGeom prst="rect">
+              <a:avLst/>
+            </a:prstGeom>
+          </p:spPr>
+        </p:pic>
+        <p:pic>
+          <p:nvPicPr>
+            <p:cNvPr id="23" name="Picture 22">
+              <a:extLst>
+                <a:ext uri="{FF2B5EF4-FFF2-40B4-BE49-F238E27FC236}">
+                  <a16:creationId xmlns:a16="http://schemas.microsoft.com/office/drawing/2014/main" id="{7F12B7B5-91A7-4F0C-8EF4-CAFE58F8AE1D}"/>
+                </a:ext>
+              </a:extLst>
+            </p:cNvPr>
+            <p:cNvPicPr>
+              <a:picLocks noChangeAspect="1"/>
+            </p:cNvPicPr>
+            <p:nvPr/>
+          </p:nvPicPr>
+          <p:blipFill>
+            <a:blip r:embed="rId20">
+              <a:extLst>
+                <a:ext uri="{28A0092B-C50C-407E-A947-70E740481C1C}">
+                  <a14:useLocalDpi xmlns:a14="http://schemas.microsoft.com/office/drawing/2010/main" val="0"/>
+                </a:ext>
+              </a:extLst>
+            </a:blip>
+            <a:stretch>
+              <a:fillRect/>
+            </a:stretch>
+          </p:blipFill>
+          <p:spPr>
+            <a:xfrm rot="10800000">
+              <a:off x="2073730" y="3210881"/>
+              <a:ext cx="384414" cy="384414"/>
+            </a:xfrm>
+            <a:prstGeom prst="rect">
+              <a:avLst/>
+            </a:prstGeom>
+          </p:spPr>
+        </p:pic>
+        <p:pic>
+          <p:nvPicPr>
+            <p:cNvPr id="24" name="Picture 23">
+              <a:extLst>
+                <a:ext uri="{FF2B5EF4-FFF2-40B4-BE49-F238E27FC236}">
+                  <a16:creationId xmlns:a16="http://schemas.microsoft.com/office/drawing/2014/main" id="{1A75AA63-FC09-472B-8CB0-0AB78E173947}"/>
+                </a:ext>
+              </a:extLst>
+            </p:cNvPr>
+            <p:cNvPicPr>
+              <a:picLocks noChangeAspect="1"/>
+            </p:cNvPicPr>
+            <p:nvPr/>
+          </p:nvPicPr>
+          <p:blipFill>
+            <a:blip r:embed="rId21"/>
+            <a:stretch>
+              <a:fillRect/>
+            </a:stretch>
+          </p:blipFill>
+          <p:spPr>
+            <a:xfrm>
+              <a:off x="382016" y="2212155"/>
+              <a:ext cx="725703" cy="713608"/>
+            </a:xfrm>
+            <a:prstGeom prst="rect">
+              <a:avLst/>
+            </a:prstGeom>
+          </p:spPr>
+        </p:pic>
+        <p:cxnSp>
+          <p:nvCxnSpPr>
+            <p:cNvPr id="25" name="Straight Connector 24">
+              <a:extLst>
+                <a:ext uri="{FF2B5EF4-FFF2-40B4-BE49-F238E27FC236}">
+                  <a16:creationId xmlns:a16="http://schemas.microsoft.com/office/drawing/2014/main" id="{86F4C363-0EA6-4BD5-88C5-7DEDED9B1649}"/>
+                </a:ext>
+              </a:extLst>
+            </p:cNvPr>
+            <p:cNvCxnSpPr>
+              <a:cxnSpLocks/>
+            </p:cNvCxnSpPr>
+            <p:nvPr/>
+          </p:nvCxnSpPr>
+          <p:spPr>
+            <a:xfrm flipH="1">
+              <a:off x="1196197" y="1954376"/>
+              <a:ext cx="764744" cy="356819"/>
+            </a:xfrm>
+            <a:prstGeom prst="line">
+              <a:avLst/>
+            </a:prstGeom>
+            <a:ln w="19050">
+              <a:solidFill>
+                <a:srgbClr val="00B0F0"/>
+              </a:solidFill>
+              <a:prstDash val="sysDash"/>
+            </a:ln>
+          </p:spPr>
+          <p:style>
+            <a:lnRef idx="1">
+              <a:schemeClr val="accent1"/>
+            </a:lnRef>
+            <a:fillRef idx="0">
+              <a:schemeClr val="accent1"/>
+            </a:fillRef>
+            <a:effectRef idx="0">
+              <a:schemeClr val="accent1"/>
+            </a:effectRef>
+            <a:fontRef idx="minor">
+              <a:schemeClr val="tx1"/>
+            </a:fontRef>
+          </p:style>
+        </p:cxnSp>
+        <p:cxnSp>
+          <p:nvCxnSpPr>
+            <p:cNvPr id="26" name="Straight Connector 25">
+              <a:extLst>
+                <a:ext uri="{FF2B5EF4-FFF2-40B4-BE49-F238E27FC236}">
+                  <a16:creationId xmlns:a16="http://schemas.microsoft.com/office/drawing/2014/main" id="{5BBD6446-325E-482A-9793-A312F8339E9B}"/>
+                </a:ext>
+              </a:extLst>
+            </p:cNvPr>
+            <p:cNvCxnSpPr>
+              <a:cxnSpLocks/>
+            </p:cNvCxnSpPr>
+            <p:nvPr/>
+          </p:nvCxnSpPr>
+          <p:spPr>
+            <a:xfrm flipH="1">
+              <a:off x="1196197" y="2545773"/>
+              <a:ext cx="764745" cy="43157"/>
+            </a:xfrm>
+            <a:prstGeom prst="line">
+              <a:avLst/>
+            </a:prstGeom>
+            <a:ln w="19050">
+              <a:solidFill>
+                <a:srgbClr val="00B0F0"/>
+              </a:solidFill>
+              <a:prstDash val="sysDash"/>
+            </a:ln>
+          </p:spPr>
+          <p:style>
+            <a:lnRef idx="1">
+              <a:schemeClr val="accent1"/>
+            </a:lnRef>
+            <a:fillRef idx="0">
+              <a:schemeClr val="accent1"/>
+            </a:fillRef>
+            <a:effectRef idx="0">
+              <a:schemeClr val="accent1"/>
+            </a:effectRef>
+            <a:fontRef idx="minor">
+              <a:schemeClr val="tx1"/>
+            </a:fontRef>
+          </p:style>
+        </p:cxnSp>
+        <p:cxnSp>
+          <p:nvCxnSpPr>
+            <p:cNvPr id="27" name="Straight Connector 26">
+              <a:extLst>
+                <a:ext uri="{FF2B5EF4-FFF2-40B4-BE49-F238E27FC236}">
+                  <a16:creationId xmlns:a16="http://schemas.microsoft.com/office/drawing/2014/main" id="{87F57782-2144-414E-B13D-92A703A0707A}"/>
+                </a:ext>
+              </a:extLst>
+            </p:cNvPr>
+            <p:cNvCxnSpPr>
+              <a:cxnSpLocks/>
+            </p:cNvCxnSpPr>
+            <p:nvPr/>
+          </p:nvCxnSpPr>
+          <p:spPr>
+            <a:xfrm flipH="1" flipV="1">
+              <a:off x="1226079" y="2823507"/>
+              <a:ext cx="741172" cy="552770"/>
+            </a:xfrm>
+            <a:prstGeom prst="line">
+              <a:avLst/>
+            </a:prstGeom>
+            <a:ln w="19050">
+              <a:solidFill>
+                <a:srgbClr val="00B0F0"/>
+              </a:solidFill>
+              <a:prstDash val="sysDash"/>
+            </a:ln>
+          </p:spPr>
+          <p:style>
+            <a:lnRef idx="1">
+              <a:schemeClr val="accent1"/>
+            </a:lnRef>
+            <a:fillRef idx="0">
+              <a:schemeClr val="accent1"/>
+            </a:fillRef>
+            <a:effectRef idx="0">
+              <a:schemeClr val="accent1"/>
+            </a:effectRef>
+            <a:fontRef idx="minor">
+              <a:schemeClr val="tx1"/>
+            </a:fontRef>
+          </p:style>
+        </p:cxnSp>
+        <p:pic>
+          <p:nvPicPr>
+            <p:cNvPr id="28" name="Picture 27">
+              <a:extLst>
+                <a:ext uri="{FF2B5EF4-FFF2-40B4-BE49-F238E27FC236}">
+                  <a16:creationId xmlns:a16="http://schemas.microsoft.com/office/drawing/2014/main" id="{F109CC28-B9ED-4388-951F-23C450CC097A}"/>
+                </a:ext>
+              </a:extLst>
+            </p:cNvPr>
+            <p:cNvPicPr>
+              <a:picLocks noChangeAspect="1"/>
+            </p:cNvPicPr>
+            <p:nvPr>
+              <p:custDataLst>
+                <p:tags r:id="rId10"/>
+              </p:custDataLst>
+            </p:nvPr>
+          </p:nvPicPr>
+          <p:blipFill>
+            <a:blip r:embed="rId22">
+              <a:extLst>
+                <a:ext uri="{28A0092B-C50C-407E-A947-70E740481C1C}">
+                  <a14:useLocalDpi xmlns:a14="http://schemas.microsoft.com/office/drawing/2010/main" val="0"/>
+                </a:ext>
+              </a:extLst>
+            </a:blip>
+            <a:stretch>
+              <a:fillRect/>
+            </a:stretch>
+          </p:blipFill>
+          <p:spPr>
+            <a:xfrm rot="16200000">
+              <a:off x="2090337" y="2920476"/>
+              <a:ext cx="363079" cy="39608"/>
+            </a:xfrm>
+            <a:prstGeom prst="rect">
+              <a:avLst/>
+            </a:prstGeom>
+          </p:spPr>
+        </p:pic>
+        <p:sp>
+          <p:nvSpPr>
+            <p:cNvPr id="29" name="Freeform: Shape 28">
+              <a:extLst>
+                <a:ext uri="{FF2B5EF4-FFF2-40B4-BE49-F238E27FC236}">
+                  <a16:creationId xmlns:a16="http://schemas.microsoft.com/office/drawing/2014/main" id="{BE6CA712-43A1-431A-BEC9-5C9356F537CD}"/>
+                </a:ext>
+              </a:extLst>
+            </p:cNvPr>
+            <p:cNvSpPr/>
+            <p:nvPr/>
+          </p:nvSpPr>
+          <p:spPr>
+            <a:xfrm>
+              <a:off x="3665032" y="1954376"/>
+              <a:ext cx="1345520" cy="557831"/>
+            </a:xfrm>
+            <a:custGeom>
+              <a:avLst/>
+              <a:gdLst>
+                <a:gd name="connsiteX0" fmla="*/ 0 w 1298575"/>
+                <a:gd name="connsiteY0" fmla="*/ 0 h 454025"/>
+                <a:gd name="connsiteX1" fmla="*/ 660400 w 1298575"/>
+                <a:gd name="connsiteY1" fmla="*/ 292100 h 454025"/>
+                <a:gd name="connsiteX2" fmla="*/ 1298575 w 1298575"/>
+                <a:gd name="connsiteY2" fmla="*/ 454025 h 454025"/>
+              </a:gdLst>
+              <a:ahLst/>
+              <a:cxnLst>
+                <a:cxn ang="0">
+                  <a:pos x="connsiteX0" y="connsiteY0"/>
+                </a:cxn>
+                <a:cxn ang="0">
+                  <a:pos x="connsiteX1" y="connsiteY1"/>
+                </a:cxn>
+                <a:cxn ang="0">
+                  <a:pos x="connsiteX2" y="connsiteY2"/>
+                </a:cxn>
+              </a:cxnLst>
+              <a:rect l="l" t="t" r="r" b="b"/>
+              <a:pathLst>
+                <a:path w="1298575" h="454025">
+                  <a:moveTo>
+                    <a:pt x="0" y="0"/>
+                  </a:moveTo>
+                  <a:cubicBezTo>
+                    <a:pt x="221985" y="108214"/>
+                    <a:pt x="443971" y="216429"/>
+                    <a:pt x="660400" y="292100"/>
+                  </a:cubicBezTo>
+                  <a:cubicBezTo>
+                    <a:pt x="876829" y="367771"/>
+                    <a:pt x="1087702" y="410898"/>
+                    <a:pt x="1298575" y="454025"/>
+                  </a:cubicBezTo>
+                </a:path>
+              </a:pathLst>
+            </a:custGeom>
+            <a:noFill/>
+            <a:ln>
+              <a:headEnd type="none" w="med" len="med"/>
+              <a:tailEnd type="arrow" w="med" len="med"/>
+            </a:ln>
+          </p:spPr>
+          <p:style>
+            <a:lnRef idx="2">
+              <a:schemeClr val="accent1">
+                <a:shade val="50000"/>
+              </a:schemeClr>
+            </a:lnRef>
+            <a:fillRef idx="1">
+              <a:schemeClr val="accent1"/>
+            </a:fillRef>
+            <a:effectRef idx="0">
+              <a:schemeClr val="accent1"/>
+            </a:effectRef>
+            <a:fontRef idx="minor">
+              <a:schemeClr val="lt1"/>
+            </a:fontRef>
+          </p:style>
+          <p:txBody>
+            <a:bodyPr rtlCol="0" anchor="ctr"/>
+            <a:lstStyle/>
+            <a:p>
+              <a:pPr algn="ctr"/>
+              <a:endParaRPr lang="en-AU"/>
+            </a:p>
+          </p:txBody>
+        </p:sp>
+        <p:sp>
+          <p:nvSpPr>
+            <p:cNvPr id="30" name="Freeform: Shape 29">
+              <a:extLst>
+                <a:ext uri="{FF2B5EF4-FFF2-40B4-BE49-F238E27FC236}">
+                  <a16:creationId xmlns:a16="http://schemas.microsoft.com/office/drawing/2014/main" id="{CD483230-49A9-40FB-9022-2FB67296799E}"/>
+                </a:ext>
+              </a:extLst>
+            </p:cNvPr>
+            <p:cNvSpPr/>
+            <p:nvPr/>
+          </p:nvSpPr>
+          <p:spPr>
+            <a:xfrm>
+              <a:off x="3661213" y="2512206"/>
+              <a:ext cx="1345518" cy="140253"/>
+            </a:xfrm>
+            <a:custGeom>
+              <a:avLst/>
+              <a:gdLst>
+                <a:gd name="connsiteX0" fmla="*/ 0 w 952500"/>
+                <a:gd name="connsiteY0" fmla="*/ 0 h 142875"/>
+                <a:gd name="connsiteX1" fmla="*/ 463550 w 952500"/>
+                <a:gd name="connsiteY1" fmla="*/ 107950 h 142875"/>
+                <a:gd name="connsiteX2" fmla="*/ 952500 w 952500"/>
+                <a:gd name="connsiteY2" fmla="*/ 142875 h 142875"/>
+              </a:gdLst>
+              <a:ahLst/>
+              <a:cxnLst>
+                <a:cxn ang="0">
+                  <a:pos x="connsiteX0" y="connsiteY0"/>
+                </a:cxn>
+                <a:cxn ang="0">
+                  <a:pos x="connsiteX1" y="connsiteY1"/>
+                </a:cxn>
+                <a:cxn ang="0">
+                  <a:pos x="connsiteX2" y="connsiteY2"/>
+                </a:cxn>
+              </a:cxnLst>
+              <a:rect l="l" t="t" r="r" b="b"/>
+              <a:pathLst>
+                <a:path w="952500" h="142875">
+                  <a:moveTo>
+                    <a:pt x="0" y="0"/>
+                  </a:moveTo>
+                  <a:cubicBezTo>
+                    <a:pt x="152400" y="42069"/>
+                    <a:pt x="304800" y="84138"/>
+                    <a:pt x="463550" y="107950"/>
+                  </a:cubicBezTo>
+                  <a:cubicBezTo>
+                    <a:pt x="622300" y="131762"/>
+                    <a:pt x="787400" y="137318"/>
+                    <a:pt x="952500" y="142875"/>
+                  </a:cubicBezTo>
+                </a:path>
+              </a:pathLst>
+            </a:custGeom>
+            <a:noFill/>
+            <a:ln>
+              <a:headEnd type="none" w="med" len="med"/>
+              <a:tailEnd type="arrow" w="med" len="med"/>
+            </a:ln>
+          </p:spPr>
+          <p:style>
+            <a:lnRef idx="2">
+              <a:schemeClr val="accent1">
+                <a:shade val="50000"/>
+              </a:schemeClr>
+            </a:lnRef>
+            <a:fillRef idx="1">
+              <a:schemeClr val="accent1"/>
+            </a:fillRef>
+            <a:effectRef idx="0">
+              <a:schemeClr val="accent1"/>
+            </a:effectRef>
+            <a:fontRef idx="minor">
+              <a:schemeClr val="lt1"/>
+            </a:fontRef>
+          </p:style>
+          <p:txBody>
+            <a:bodyPr rtlCol="0" anchor="ctr"/>
+            <a:lstStyle/>
+            <a:p>
+              <a:pPr algn="ctr"/>
+              <a:endParaRPr lang="en-AU"/>
+            </a:p>
+          </p:txBody>
+        </p:sp>
+        <p:sp>
+          <p:nvSpPr>
+            <p:cNvPr id="31" name="Freeform: Shape 30">
+              <a:extLst>
+                <a:ext uri="{FF2B5EF4-FFF2-40B4-BE49-F238E27FC236}">
+                  <a16:creationId xmlns:a16="http://schemas.microsoft.com/office/drawing/2014/main" id="{5631582E-7B96-4A92-9DF6-1E0AC53FA2FA}"/>
+                </a:ext>
+              </a:extLst>
+            </p:cNvPr>
+            <p:cNvSpPr/>
+            <p:nvPr/>
+          </p:nvSpPr>
+          <p:spPr>
+            <a:xfrm>
+              <a:off x="3661066" y="2788551"/>
+              <a:ext cx="1353307" cy="552772"/>
+            </a:xfrm>
+            <a:custGeom>
+              <a:avLst/>
+              <a:gdLst>
+                <a:gd name="connsiteX0" fmla="*/ 0 w 1333500"/>
+                <a:gd name="connsiteY0" fmla="*/ 501650 h 501650"/>
+                <a:gd name="connsiteX1" fmla="*/ 460375 w 1333500"/>
+                <a:gd name="connsiteY1" fmla="*/ 184150 h 501650"/>
+                <a:gd name="connsiteX2" fmla="*/ 1333500 w 1333500"/>
+                <a:gd name="connsiteY2" fmla="*/ 0 h 501650"/>
+              </a:gdLst>
+              <a:ahLst/>
+              <a:cxnLst>
+                <a:cxn ang="0">
+                  <a:pos x="connsiteX0" y="connsiteY0"/>
+                </a:cxn>
+                <a:cxn ang="0">
+                  <a:pos x="connsiteX1" y="connsiteY1"/>
+                </a:cxn>
+                <a:cxn ang="0">
+                  <a:pos x="connsiteX2" y="connsiteY2"/>
+                </a:cxn>
+              </a:cxnLst>
+              <a:rect l="l" t="t" r="r" b="b"/>
+              <a:pathLst>
+                <a:path w="1333500" h="501650">
+                  <a:moveTo>
+                    <a:pt x="0" y="501650"/>
+                  </a:moveTo>
+                  <a:cubicBezTo>
+                    <a:pt x="119062" y="384704"/>
+                    <a:pt x="238125" y="267758"/>
+                    <a:pt x="460375" y="184150"/>
+                  </a:cubicBezTo>
+                  <a:cubicBezTo>
+                    <a:pt x="682625" y="100542"/>
+                    <a:pt x="1008062" y="50271"/>
+                    <a:pt x="1333500" y="0"/>
+                  </a:cubicBezTo>
+                </a:path>
+              </a:pathLst>
+            </a:custGeom>
+            <a:noFill/>
+            <a:ln>
+              <a:headEnd type="none" w="med" len="med"/>
+              <a:tailEnd type="arrow" w="med" len="med"/>
+            </a:ln>
+          </p:spPr>
+          <p:style>
+            <a:lnRef idx="2">
+              <a:schemeClr val="accent1">
+                <a:shade val="50000"/>
+              </a:schemeClr>
+            </a:lnRef>
+            <a:fillRef idx="1">
+              <a:schemeClr val="accent1"/>
+            </a:fillRef>
+            <a:effectRef idx="0">
+              <a:schemeClr val="accent1"/>
+            </a:effectRef>
+            <a:fontRef idx="minor">
+              <a:schemeClr val="lt1"/>
+            </a:fontRef>
+          </p:style>
+          <p:txBody>
+            <a:bodyPr rtlCol="0" anchor="ctr"/>
+            <a:lstStyle/>
+            <a:p>
+              <a:pPr algn="ctr"/>
+              <a:endParaRPr lang="en-AU" dirty="0"/>
+            </a:p>
+          </p:txBody>
+        </p:sp>
+        <p:sp>
+          <p:nvSpPr>
+            <p:cNvPr id="32" name="TextBox 31">
+              <a:extLst>
+                <a:ext uri="{FF2B5EF4-FFF2-40B4-BE49-F238E27FC236}">
+                  <a16:creationId xmlns:a16="http://schemas.microsoft.com/office/drawing/2014/main" id="{EE812E9C-1C64-47E1-A9CD-E716A4F20445}"/>
+                </a:ext>
+              </a:extLst>
+            </p:cNvPr>
+            <p:cNvSpPr txBox="1"/>
+            <p:nvPr/>
+          </p:nvSpPr>
+          <p:spPr>
+            <a:xfrm>
+              <a:off x="2557345" y="1824744"/>
+              <a:ext cx="802433" cy="237088"/>
+            </a:xfrm>
+            <a:prstGeom prst="rect">
+              <a:avLst/>
+            </a:prstGeom>
+            <a:noFill/>
+            <a:ln w="9525" cap="flat" cmpd="sng" algn="ctr">
+              <a:solidFill>
+                <a:schemeClr val="accent6"/>
+              </a:solidFill>
+              <a:prstDash val="solid"/>
+              <a:round/>
+              <a:headEnd type="none" w="med" len="med"/>
+              <a:tailEnd type="none" w="med" len="med"/>
+            </a:ln>
+          </p:spPr>
+          <p:style>
+            <a:lnRef idx="0">
+              <a:scrgbClr r="0" g="0" b="0"/>
+            </a:lnRef>
+            <a:fillRef idx="0">
+              <a:scrgbClr r="0" g="0" b="0"/>
+            </a:fillRef>
+            <a:effectRef idx="0">
+              <a:scrgbClr r="0" g="0" b="0"/>
+            </a:effectRef>
+            <a:fontRef idx="minor">
+              <a:schemeClr val="accent6"/>
+            </a:fontRef>
+          </p:style>
+          <p:txBody>
+            <a:bodyPr wrap="square" rtlCol="0">
+              <a:spAutoFit/>
+            </a:bodyPr>
+            <a:lstStyle/>
+            <a:p>
+              <a:endParaRPr lang="en-AU" sz="800" dirty="0"/>
+            </a:p>
+          </p:txBody>
+        </p:sp>
+        <p:sp>
+          <p:nvSpPr>
+            <p:cNvPr id="33" name="TextBox 32">
+              <a:extLst>
+                <a:ext uri="{FF2B5EF4-FFF2-40B4-BE49-F238E27FC236}">
+                  <a16:creationId xmlns:a16="http://schemas.microsoft.com/office/drawing/2014/main" id="{514724F0-E0AE-4AD9-81FB-73C6963E1CB9}"/>
+                </a:ext>
+              </a:extLst>
+            </p:cNvPr>
+            <p:cNvSpPr txBox="1"/>
+            <p:nvPr/>
+          </p:nvSpPr>
+          <p:spPr>
+            <a:xfrm>
+              <a:off x="2564621" y="2358773"/>
+              <a:ext cx="802433" cy="237088"/>
+            </a:xfrm>
+            <a:prstGeom prst="rect">
+              <a:avLst/>
+            </a:prstGeom>
+            <a:noFill/>
+            <a:ln w="9525" cap="flat" cmpd="sng" algn="ctr">
+              <a:solidFill>
+                <a:schemeClr val="accent6"/>
+              </a:solidFill>
+              <a:prstDash val="solid"/>
+              <a:round/>
+              <a:headEnd type="none" w="med" len="med"/>
+              <a:tailEnd type="none" w="med" len="med"/>
+            </a:ln>
+          </p:spPr>
+          <p:style>
+            <a:lnRef idx="0">
+              <a:scrgbClr r="0" g="0" b="0"/>
+            </a:lnRef>
+            <a:fillRef idx="0">
+              <a:scrgbClr r="0" g="0" b="0"/>
+            </a:fillRef>
+            <a:effectRef idx="0">
+              <a:scrgbClr r="0" g="0" b="0"/>
+            </a:effectRef>
+            <a:fontRef idx="minor">
+              <a:schemeClr val="accent6"/>
+            </a:fontRef>
+          </p:style>
+          <p:txBody>
+            <a:bodyPr wrap="square" rtlCol="0">
+              <a:spAutoFit/>
+            </a:bodyPr>
+            <a:lstStyle/>
+            <a:p>
+              <a:endParaRPr lang="en-AU" sz="800" dirty="0"/>
+            </a:p>
+          </p:txBody>
+        </p:sp>
+        <p:sp>
+          <p:nvSpPr>
+            <p:cNvPr id="34" name="TextBox 33">
+              <a:extLst>
+                <a:ext uri="{FF2B5EF4-FFF2-40B4-BE49-F238E27FC236}">
+                  <a16:creationId xmlns:a16="http://schemas.microsoft.com/office/drawing/2014/main" id="{10513E2E-BA93-45F6-A93E-523F58CFF817}"/>
+                </a:ext>
+              </a:extLst>
+            </p:cNvPr>
+            <p:cNvSpPr txBox="1"/>
+            <p:nvPr/>
+          </p:nvSpPr>
+          <p:spPr>
+            <a:xfrm>
+              <a:off x="2564622" y="3273455"/>
+              <a:ext cx="802433" cy="237088"/>
+            </a:xfrm>
+            <a:prstGeom prst="rect">
+              <a:avLst/>
+            </a:prstGeom>
+            <a:noFill/>
+            <a:ln w="9525" cap="flat" cmpd="sng" algn="ctr">
+              <a:solidFill>
+                <a:schemeClr val="accent6"/>
+              </a:solidFill>
+              <a:prstDash val="solid"/>
+              <a:round/>
+              <a:headEnd type="none" w="med" len="med"/>
+              <a:tailEnd type="none" w="med" len="med"/>
+            </a:ln>
+          </p:spPr>
+          <p:style>
+            <a:lnRef idx="0">
+              <a:scrgbClr r="0" g="0" b="0"/>
+            </a:lnRef>
+            <a:fillRef idx="0">
+              <a:scrgbClr r="0" g="0" b="0"/>
+            </a:fillRef>
+            <a:effectRef idx="0">
+              <a:scrgbClr r="0" g="0" b="0"/>
+            </a:effectRef>
+            <a:fontRef idx="minor">
+              <a:schemeClr val="accent6"/>
+            </a:fontRef>
+          </p:style>
+          <p:txBody>
+            <a:bodyPr wrap="square" rtlCol="0">
+              <a:spAutoFit/>
+            </a:bodyPr>
+            <a:lstStyle/>
+            <a:p>
+              <a:endParaRPr lang="en-AU" sz="800" dirty="0"/>
+            </a:p>
+          </p:txBody>
+        </p:sp>
+        <p:pic>
+          <p:nvPicPr>
+            <p:cNvPr id="36" name="Picture 35">
+              <a:extLst>
+                <a:ext uri="{FF2B5EF4-FFF2-40B4-BE49-F238E27FC236}">
+                  <a16:creationId xmlns:a16="http://schemas.microsoft.com/office/drawing/2014/main" id="{D40C0A5B-B581-4EE8-B518-CB5D62374B42}"/>
+                </a:ext>
+              </a:extLst>
+            </p:cNvPr>
+            <p:cNvPicPr>
+              <a:picLocks noChangeAspect="1"/>
+            </p:cNvPicPr>
+            <p:nvPr/>
+          </p:nvPicPr>
+          <p:blipFill>
+            <a:blip r:embed="rId23">
+              <a:duotone>
+                <a:schemeClr val="accent6">
+                  <a:shade val="45000"/>
+                  <a:satMod val="135000"/>
+                </a:schemeClr>
+                <a:prstClr val="white"/>
+              </a:duotone>
+            </a:blip>
+            <a:stretch>
+              <a:fillRect/>
+            </a:stretch>
+          </p:blipFill>
+          <p:spPr>
+            <a:xfrm>
+              <a:off x="7597992" y="2355375"/>
+              <a:ext cx="347782" cy="584906"/>
+            </a:xfrm>
+            <a:prstGeom prst="rect">
+              <a:avLst/>
+            </a:prstGeom>
+          </p:spPr>
+        </p:pic>
+        <p:sp>
+          <p:nvSpPr>
+            <p:cNvPr id="37" name="Freeform: Shape 36">
+              <a:extLst>
+                <a:ext uri="{FF2B5EF4-FFF2-40B4-BE49-F238E27FC236}">
+                  <a16:creationId xmlns:a16="http://schemas.microsoft.com/office/drawing/2014/main" id="{90800CAE-F38C-473D-842D-CAFA2BF0F3C2}"/>
+                </a:ext>
+              </a:extLst>
+            </p:cNvPr>
+            <p:cNvSpPr/>
+            <p:nvPr/>
+          </p:nvSpPr>
+          <p:spPr>
+            <a:xfrm>
+              <a:off x="6192710" y="2632666"/>
+              <a:ext cx="1251576" cy="0"/>
+            </a:xfrm>
+            <a:custGeom>
+              <a:avLst/>
+              <a:gdLst>
+                <a:gd name="connsiteX0" fmla="*/ 0 w 1040043"/>
+                <a:gd name="connsiteY0" fmla="*/ 0 h 0"/>
+                <a:gd name="connsiteX1" fmla="*/ 1040043 w 1040043"/>
+                <a:gd name="connsiteY1" fmla="*/ 0 h 0"/>
+              </a:gdLst>
+              <a:ahLst/>
+              <a:cxnLst>
+                <a:cxn ang="0">
+                  <a:pos x="connsiteX0" y="connsiteY0"/>
+                </a:cxn>
+                <a:cxn ang="0">
+                  <a:pos x="connsiteX1" y="connsiteY1"/>
+                </a:cxn>
+              </a:cxnLst>
+              <a:rect l="l" t="t" r="r" b="b"/>
+              <a:pathLst>
+                <a:path w="1040043">
+                  <a:moveTo>
+                    <a:pt x="0" y="0"/>
+                  </a:moveTo>
+                  <a:lnTo>
+                    <a:pt x="1040043" y="0"/>
+                  </a:lnTo>
+                </a:path>
+              </a:pathLst>
+            </a:custGeom>
+            <a:noFill/>
+            <a:ln>
+              <a:headEnd type="arrow" w="med" len="med"/>
+              <a:tailEnd type="arrow" w="med" len="med"/>
+            </a:ln>
+          </p:spPr>
+          <p:style>
+            <a:lnRef idx="2">
+              <a:schemeClr val="accent1">
+                <a:shade val="50000"/>
+              </a:schemeClr>
+            </a:lnRef>
+            <a:fillRef idx="1">
+              <a:schemeClr val="accent1"/>
+            </a:fillRef>
+            <a:effectRef idx="0">
+              <a:schemeClr val="accent1"/>
+            </a:effectRef>
+            <a:fontRef idx="minor">
+              <a:schemeClr val="lt1"/>
+            </a:fontRef>
+          </p:style>
+          <p:txBody>
+            <a:bodyPr rtlCol="0" anchor="ctr"/>
+            <a:lstStyle/>
+            <a:p>
+              <a:pPr algn="ctr"/>
+              <a:endParaRPr lang="en-AU"/>
+            </a:p>
+          </p:txBody>
+        </p:sp>
         <p:pic>
           <p:nvPicPr>
             <p:cNvPr id="8" name="Picture 7">
@@ -14127,15 +14283,15 @@
             <p:nvPr/>
           </p:nvPicPr>
           <p:blipFill>
-            <a:blip r:embed="rId20"/>
+            <a:blip r:embed="rId24"/>
             <a:stretch>
               <a:fillRect/>
             </a:stretch>
           </p:blipFill>
           <p:spPr>
             <a:xfrm>
-              <a:off x="3705217" y="2256090"/>
-              <a:ext cx="176424" cy="176424"/>
+              <a:off x="3429482" y="2401701"/>
+              <a:ext cx="165484" cy="165484"/>
             </a:xfrm>
             <a:prstGeom prst="rect">
               <a:avLst/>
@@ -14157,15 +14313,15 @@
             <p:nvPr/>
           </p:nvPicPr>
           <p:blipFill>
-            <a:blip r:embed="rId20"/>
+            <a:blip r:embed="rId24"/>
             <a:stretch>
               <a:fillRect/>
             </a:stretch>
           </p:blipFill>
           <p:spPr>
             <a:xfrm>
-              <a:off x="3706875" y="1679161"/>
-              <a:ext cx="176424" cy="176424"/>
+              <a:off x="3431037" y="1860546"/>
+              <a:ext cx="165484" cy="165484"/>
             </a:xfrm>
             <a:prstGeom prst="rect">
               <a:avLst/>
@@ -14187,45 +14343,15 @@
             <p:nvPr/>
           </p:nvPicPr>
           <p:blipFill>
-            <a:blip r:embed="rId20"/>
+            <a:blip r:embed="rId24"/>
             <a:stretch>
               <a:fillRect/>
             </a:stretch>
           </p:blipFill>
           <p:spPr>
             <a:xfrm>
-              <a:off x="3705217" y="3206881"/>
-              <a:ext cx="176424" cy="176424"/>
-            </a:xfrm>
-            <a:prstGeom prst="rect">
-              <a:avLst/>
-            </a:prstGeom>
-          </p:spPr>
-        </p:pic>
-        <p:pic>
-          <p:nvPicPr>
-            <p:cNvPr id="11" name="Picture 10">
-              <a:extLst>
-                <a:ext uri="{FF2B5EF4-FFF2-40B4-BE49-F238E27FC236}">
-                  <a16:creationId xmlns:a16="http://schemas.microsoft.com/office/drawing/2014/main" id="{2EEF7E7E-C74B-4A2D-9943-1BCCB12035B7}"/>
-                </a:ext>
-              </a:extLst>
-            </p:cNvPr>
-            <p:cNvPicPr>
-              <a:picLocks noChangeAspect="1"/>
-            </p:cNvPicPr>
-            <p:nvPr/>
-          </p:nvPicPr>
-          <p:blipFill>
-            <a:blip r:embed="rId20"/>
-            <a:stretch>
-              <a:fillRect/>
-            </a:stretch>
-          </p:blipFill>
-          <p:spPr>
-            <a:xfrm>
-              <a:off x="6820634" y="3419761"/>
-              <a:ext cx="176424" cy="176424"/>
+              <a:off x="3429482" y="3293535"/>
+              <a:ext cx="165484" cy="165484"/>
             </a:xfrm>
             <a:prstGeom prst="rect">
               <a:avLst/>
@@ -14233,6 +14359,281 @@
           </p:spPr>
         </p:pic>
       </p:grpSp>
+      <p:pic>
+        <p:nvPicPr>
+          <p:cNvPr id="11" name="Picture 10">
+            <a:extLst>
+              <a:ext uri="{FF2B5EF4-FFF2-40B4-BE49-F238E27FC236}">
+                <a16:creationId xmlns:a16="http://schemas.microsoft.com/office/drawing/2014/main" id="{2EEF7E7E-C74B-4A2D-9943-1BCCB12035B7}"/>
+              </a:ext>
+            </a:extLst>
+          </p:cNvPr>
+          <p:cNvPicPr>
+            <a:picLocks noChangeAspect="1"/>
+          </p:cNvPicPr>
+          <p:nvPr/>
+        </p:nvPicPr>
+        <p:blipFill>
+          <a:blip r:embed="rId24"/>
+          <a:stretch>
+            <a:fillRect/>
+          </a:stretch>
+        </p:blipFill>
+        <p:spPr>
+          <a:xfrm>
+            <a:off x="6288482" y="3729113"/>
+            <a:ext cx="165484" cy="165484"/>
+          </a:xfrm>
+          <a:prstGeom prst="rect">
+            <a:avLst/>
+          </a:prstGeom>
+        </p:spPr>
+      </p:pic>
+      <p:sp>
+        <p:nvSpPr>
+          <p:cNvPr id="38" name="TextBox 37">
+            <a:extLst>
+              <a:ext uri="{FF2B5EF4-FFF2-40B4-BE49-F238E27FC236}">
+                <a16:creationId xmlns:a16="http://schemas.microsoft.com/office/drawing/2014/main" id="{54DA3125-CE9B-4572-9EF9-58377F92C11D}"/>
+              </a:ext>
+            </a:extLst>
+          </p:cNvPr>
+          <p:cNvSpPr txBox="1"/>
+          <p:nvPr/>
+        </p:nvSpPr>
+        <p:spPr>
+          <a:xfrm>
+            <a:off x="7119183" y="3104681"/>
+            <a:ext cx="1419592" cy="1467482"/>
+          </a:xfrm>
+          <a:prstGeom prst="rect">
+            <a:avLst/>
+          </a:prstGeom>
+          <a:noFill/>
+          <a:ln w="9525" cap="flat" cmpd="sng" algn="ctr">
+            <a:solidFill>
+              <a:schemeClr val="accent6"/>
+            </a:solidFill>
+            <a:prstDash val="solid"/>
+            <a:round/>
+            <a:headEnd type="none" w="med" len="med"/>
+            <a:tailEnd type="none" w="med" len="med"/>
+          </a:ln>
+        </p:spPr>
+        <p:style>
+          <a:lnRef idx="0">
+            <a:scrgbClr r="0" g="0" b="0"/>
+          </a:lnRef>
+          <a:fillRef idx="0">
+            <a:scrgbClr r="0" g="0" b="0"/>
+          </a:fillRef>
+          <a:effectRef idx="0">
+            <a:scrgbClr r="0" g="0" b="0"/>
+          </a:effectRef>
+          <a:fontRef idx="minor">
+            <a:schemeClr val="accent6"/>
+          </a:fontRef>
+        </p:style>
+        <p:txBody>
+          <a:bodyPr wrap="square" rtlCol="0">
+            <a:spAutoFit/>
+          </a:bodyPr>
+          <a:lstStyle/>
+          <a:p>
+            <a:endParaRPr lang="en-AU" sz="800" dirty="0"/>
+          </a:p>
+        </p:txBody>
+      </p:sp>
+      <p:pic>
+        <p:nvPicPr>
+          <p:cNvPr id="70" name="Picture 69" descr="\documentclass{article}&#10;\pagestyle{empty}&#10;&#10;\usepackage{amsmath}&#10;\usepackage{amsfonts}&#10;&#10;% Random variable&#10;\newcommand{\rv}[1]{\ensuremath{{\boldsymbol{#1}}}}&#10;% Vector&#10;\renewcommand{\vec}[1]{\ensuremath{{\underline{#1}}}}&#10;% Random vector&#10;\newcommand{\rvec}[1]{\ensuremath{{\boldsymbol{\underline{#1}}}}}&#10;% Matrix&#10;\newcommand{\mat}[1]{{\ensuremath{{\mathbf{#1}}}}}&#10;% Mean of a random variable / vector&#10;\newcommand{\mean}[1]{\ensuremath{\hat{#1}}}&#10;&#10;\begin{document}&#10;&#10;\begin{gather*}&#10;\mean{\vec{x}} =\mat{P}\sum_{i=1}^{m}\omega_i \mat{P}_i^{-1} \mean{\vec{x}}_i\end{gather*}&#10;&#10;\end{document}" title="IguanaTex Bitmap Display">
+            <a:extLst>
+              <a:ext uri="{FF2B5EF4-FFF2-40B4-BE49-F238E27FC236}">
+                <a16:creationId xmlns:a16="http://schemas.microsoft.com/office/drawing/2014/main" id="{1A7BD626-92CC-4FFC-8E71-0B902CA1AD21}"/>
+              </a:ext>
+            </a:extLst>
+          </p:cNvPr>
+          <p:cNvPicPr>
+            <a:picLocks noChangeAspect="1"/>
+          </p:cNvPicPr>
+          <p:nvPr>
+            <p:custDataLst>
+              <p:tags r:id="rId3"/>
+            </p:custDataLst>
+          </p:nvPr>
+        </p:nvPicPr>
+        <p:blipFill>
+          <a:blip r:embed="rId25">
+            <a:extLst>
+              <a:ext uri="{28A0092B-C50C-407E-A947-70E740481C1C}">
+                <a14:useLocalDpi xmlns:a14="http://schemas.microsoft.com/office/drawing/2010/main" val="0"/>
+              </a:ext>
+            </a:extLst>
+          </a:blip>
+          <a:stretch>
+            <a:fillRect/>
+          </a:stretch>
+        </p:blipFill>
+        <p:spPr>
+          <a:xfrm>
+            <a:off x="7182781" y="3166377"/>
+            <a:ext cx="1153058" cy="390068"/>
+          </a:xfrm>
+          <a:prstGeom prst="rect">
+            <a:avLst/>
+          </a:prstGeom>
+        </p:spPr>
+      </p:pic>
+      <p:pic>
+        <p:nvPicPr>
+          <p:cNvPr id="72" name="Picture 71" descr="\documentclass{article}&#10;\pagestyle{empty}&#10;&#10;\usepackage{amsmath}&#10;\usepackage{amsfonts}&#10;&#10;% Random variable&#10;\newcommand{\rv}[1]{\ensuremath{{\boldsymbol{#1}}}}&#10;% Vector&#10;\renewcommand{\vec}[1]{\ensuremath{{\underline{#1}}}}&#10;% Random vector&#10;\newcommand{\rvec}[1]{\ensuremath{{\boldsymbol{\underline{#1}}}}}&#10;% Matrix&#10;\newcommand{\mat}[1]{{\ensuremath{{\mathbf{#1}}}}}&#10;\begin{document}&#10;&#10;\begin{gather*}&#10;\mat{P}=\left(\sum_{i=1}^{m}\omega_i \mat{P}_i^{-1}\right)^{-1}&#10;\end{gather*}&#10;&#10;\end{document}" title="IguanaTex Bitmap Display">
+            <a:extLst>
+              <a:ext uri="{FF2B5EF4-FFF2-40B4-BE49-F238E27FC236}">
+                <a16:creationId xmlns:a16="http://schemas.microsoft.com/office/drawing/2014/main" id="{AF8B3CA6-37FA-4F92-8688-42AB44F8FFEF}"/>
+              </a:ext>
+            </a:extLst>
+          </p:cNvPr>
+          <p:cNvPicPr>
+            <a:picLocks noChangeAspect="1"/>
+          </p:cNvPicPr>
+          <p:nvPr>
+            <p:custDataLst>
+              <p:tags r:id="rId4"/>
+            </p:custDataLst>
+          </p:nvPr>
+        </p:nvPicPr>
+        <p:blipFill>
+          <a:blip r:embed="rId26">
+            <a:extLst>
+              <a:ext uri="{28A0092B-C50C-407E-A947-70E740481C1C}">
+                <a14:useLocalDpi xmlns:a14="http://schemas.microsoft.com/office/drawing/2010/main" val="0"/>
+              </a:ext>
+            </a:extLst>
+          </a:blip>
+          <a:stretch>
+            <a:fillRect/>
+          </a:stretch>
+        </p:blipFill>
+        <p:spPr>
+          <a:xfrm>
+            <a:off x="7182781" y="3628150"/>
+            <a:ext cx="1293178" cy="459759"/>
+          </a:xfrm>
+          <a:prstGeom prst="rect">
+            <a:avLst/>
+          </a:prstGeom>
+        </p:spPr>
+      </p:pic>
+      <p:pic>
+        <p:nvPicPr>
+          <p:cNvPr id="41" name="Picture 40">
+            <a:extLst>
+              <a:ext uri="{FF2B5EF4-FFF2-40B4-BE49-F238E27FC236}">
+                <a16:creationId xmlns:a16="http://schemas.microsoft.com/office/drawing/2014/main" id="{F6913BF4-0C9C-45CF-8AC2-E9050484D5B4}"/>
+              </a:ext>
+            </a:extLst>
+          </p:cNvPr>
+          <p:cNvPicPr>
+            <a:picLocks noChangeAspect="1"/>
+          </p:cNvPicPr>
+          <p:nvPr/>
+        </p:nvPicPr>
+        <p:blipFill>
+          <a:blip r:embed="rId24"/>
+          <a:stretch>
+            <a:fillRect/>
+          </a:stretch>
+        </p:blipFill>
+        <p:spPr>
+          <a:xfrm>
+            <a:off x="8596500" y="3729113"/>
+            <a:ext cx="165484" cy="165484"/>
+          </a:xfrm>
+          <a:prstGeom prst="rect">
+            <a:avLst/>
+          </a:prstGeom>
+        </p:spPr>
+      </p:pic>
+      <p:pic>
+        <p:nvPicPr>
+          <p:cNvPr id="74" name="Picture 73" descr="\documentclass{article}&#10;\usepackage{amsmath}&#10;\usepackage{amsfonts}&#10;\usepackage{bm}&#10;\usepackage{trfsigns}&#10;\pagestyle{empty}&#10;&#10;\renewcommand{\vec}[1]{\ensuremath{{\underline{#1}}}}&#10;\newcommand{\mat}[1]{{\ensuremath{{\mathbf{#1}}}}}&#10;&#10;\begin{document}&#10;\begin{equation*}&#10;\omega_i = \frac{1 / \text{tr}(\mat{P}_i)}{\sum_{i=1}^m 1/\text{tr}(\mat{P}_i)}&#10;\end{equation*}&#10;\end{document}" title="IguanaTex Bitmap Display">
+            <a:extLst>
+              <a:ext uri="{FF2B5EF4-FFF2-40B4-BE49-F238E27FC236}">
+                <a16:creationId xmlns:a16="http://schemas.microsoft.com/office/drawing/2014/main" id="{887D5309-A78A-407B-B968-600C0C1FF206}"/>
+              </a:ext>
+            </a:extLst>
+          </p:cNvPr>
+          <p:cNvPicPr>
+            <a:picLocks noChangeAspect="1"/>
+          </p:cNvPicPr>
+          <p:nvPr>
+            <p:custDataLst>
+              <p:tags r:id="rId5"/>
+            </p:custDataLst>
+          </p:nvPr>
+        </p:nvPicPr>
+        <p:blipFill>
+          <a:blip r:embed="rId27">
+            <a:extLst>
+              <a:ext uri="{28A0092B-C50C-407E-A947-70E740481C1C}">
+                <a14:useLocalDpi xmlns:a14="http://schemas.microsoft.com/office/drawing/2010/main" val="0"/>
+              </a:ext>
+            </a:extLst>
+          </a:blip>
+          <a:stretch>
+            <a:fillRect/>
+          </a:stretch>
+        </p:blipFill>
+        <p:spPr>
+          <a:xfrm>
+            <a:off x="7182781" y="4164119"/>
+            <a:ext cx="1251576" cy="351243"/>
+          </a:xfrm>
+          <a:prstGeom prst="rect">
+            <a:avLst/>
+          </a:prstGeom>
+        </p:spPr>
+      </p:pic>
+      <p:pic>
+        <p:nvPicPr>
+          <p:cNvPr id="68" name="Picture 67" descr="\documentclass{article}&#10;\usepackage{amsmath}&#10;\usepackage{amsfonts}&#10;\usepackage{bm}&#10;\usepackage{trfsigns}&#10;\pagestyle{empty}&#10;&#10;\renewcommand{\vec}[1]{\ensuremath{{\underline{#1}}}}&#10;\newcommand{\mat}[1]{{\ensuremath{{\mathbf{#1}}}}}&#10;&#10;\begin{document}&#10;\begin{equation*}&#10;\sum_{i=1}^m\frac{1}{\text{tr}(\mat{P}_i)}&#10;\end{equation*}&#10;\end{document}" title="IguanaTex Bitmap Display">
+            <a:extLst>
+              <a:ext uri="{FF2B5EF4-FFF2-40B4-BE49-F238E27FC236}">
+                <a16:creationId xmlns:a16="http://schemas.microsoft.com/office/drawing/2014/main" id="{1CFA11B6-3A8A-4362-B9DE-B621CA641C27}"/>
+              </a:ext>
+            </a:extLst>
+          </p:cNvPr>
+          <p:cNvPicPr>
+            <a:picLocks noChangeAspect="1"/>
+          </p:cNvPicPr>
+          <p:nvPr>
+            <p:custDataLst>
+              <p:tags r:id="rId6"/>
+            </p:custDataLst>
+          </p:nvPr>
+        </p:nvPicPr>
+        <p:blipFill>
+          <a:blip r:embed="rId28">
+            <a:extLst>
+              <a:ext uri="{28A0092B-C50C-407E-A947-70E740481C1C}">
+                <a14:useLocalDpi xmlns:a14="http://schemas.microsoft.com/office/drawing/2010/main" val="0"/>
+              </a:ext>
+            </a:extLst>
+          </a:blip>
+          <a:stretch>
+            <a:fillRect/>
+          </a:stretch>
+        </p:blipFill>
+        <p:spPr>
+          <a:xfrm>
+            <a:off x="5155827" y="4081560"/>
+            <a:ext cx="607846" cy="382531"/>
+          </a:xfrm>
+          <a:prstGeom prst="rect">
+            <a:avLst/>
+          </a:prstGeom>
+        </p:spPr>
+      </p:pic>
     </p:spTree>
     <p:extLst>
       <p:ext uri="{BB962C8B-B14F-4D97-AF65-F5344CB8AC3E}">
@@ -14279,12 +14680,28 @@
             <p:ph idx="1"/>
           </p:nvPr>
         </p:nvSpPr>
-        <p:spPr/>
+        <p:spPr>
+          <a:xfrm>
+            <a:off x="359999" y="1127291"/>
+            <a:ext cx="8424000" cy="387914"/>
+          </a:xfrm>
+        </p:spPr>
         <p:txBody>
           <a:bodyPr/>
           <a:lstStyle/>
           <a:p>
-            <a:endParaRPr lang="en-AU"/>
+            <a:r>
+              <a:rPr lang="en-AU" dirty="0"/>
+              <a:t>Compute fusion homomorphically with </a:t>
+            </a:r>
+            <a:r>
+              <a:rPr lang="en-AU" dirty="0" err="1"/>
+              <a:t>Paillier</a:t>
+            </a:r>
+            <a:r>
+              <a:rPr lang="en-AU" dirty="0"/>
+              <a:t> encryption scheme</a:t>
+            </a:r>
           </a:p>
         </p:txBody>
       </p:sp>
@@ -14380,10 +14797,10 @@
       </p:sp>
       <p:grpSp>
         <p:nvGrpSpPr>
-          <p:cNvPr id="6" name="Group 5">
+          <p:cNvPr id="73" name="Group 72">
             <a:extLst>
               <a:ext uri="{FF2B5EF4-FFF2-40B4-BE49-F238E27FC236}">
-                <a16:creationId xmlns:a16="http://schemas.microsoft.com/office/drawing/2014/main" id="{0E48C1D4-11E2-4989-B135-AD6406FF636C}"/>
+                <a16:creationId xmlns:a16="http://schemas.microsoft.com/office/drawing/2014/main" id="{A9E2669D-DDC7-408D-982D-981385FC7A78}"/>
               </a:ext>
             </a:extLst>
           </p:cNvPr>
@@ -14392,1191 +14809,63 @@
         </p:nvGrpSpPr>
         <p:grpSpPr>
           <a:xfrm>
-            <a:off x="790121" y="1665484"/>
-            <a:ext cx="7563758" cy="2290089"/>
-            <a:chOff x="456292" y="1529083"/>
-            <a:chExt cx="8063776" cy="2441480"/>
+            <a:off x="4076716" y="1767293"/>
+            <a:ext cx="990566" cy="884328"/>
+            <a:chOff x="4081251" y="1617582"/>
+            <a:chExt cx="990566" cy="884328"/>
           </a:xfrm>
         </p:grpSpPr>
-        <p:grpSp>
-          <p:nvGrpSpPr>
-            <p:cNvPr id="7" name="Group 6">
+        <p:sp>
+          <p:nvSpPr>
+            <p:cNvPr id="42" name="Cloud 41">
               <a:extLst>
                 <a:ext uri="{FF2B5EF4-FFF2-40B4-BE49-F238E27FC236}">
-                  <a16:creationId xmlns:a16="http://schemas.microsoft.com/office/drawing/2014/main" id="{D3540E53-60C7-4463-866A-BA74889AC4C6}"/>
+                  <a16:creationId xmlns:a16="http://schemas.microsoft.com/office/drawing/2014/main" id="{172AAAF3-C28B-4253-8F41-C63AEE3EEB92}"/>
                 </a:ext>
               </a:extLst>
             </p:cNvPr>
-            <p:cNvGrpSpPr/>
+            <p:cNvSpPr/>
             <p:nvPr/>
-          </p:nvGrpSpPr>
-          <p:grpSpPr>
+          </p:nvSpPr>
+          <p:spPr>
             <a:xfrm>
-              <a:off x="456292" y="1529083"/>
-              <a:ext cx="8063776" cy="2441480"/>
-              <a:chOff x="396000" y="1655636"/>
-              <a:chExt cx="8343900" cy="2526294"/>
+              <a:off x="4081251" y="1617582"/>
+              <a:ext cx="990566" cy="884328"/>
             </a:xfrm>
-          </p:grpSpPr>
-          <p:pic>
-            <p:nvPicPr>
-              <p:cNvPr id="12" name="Picture 11">
-                <a:extLst>
-                  <a:ext uri="{FF2B5EF4-FFF2-40B4-BE49-F238E27FC236}">
-                    <a16:creationId xmlns:a16="http://schemas.microsoft.com/office/drawing/2014/main" id="{DA05C17D-7475-49EA-8C07-34B38EE6143F}"/>
-                  </a:ext>
-                </a:extLst>
-              </p:cNvPr>
-              <p:cNvPicPr>
-                <a:picLocks noChangeAspect="1"/>
-              </p:cNvPicPr>
-              <p:nvPr>
-                <p:custDataLst>
-                  <p:tags r:id="rId1"/>
-                </p:custDataLst>
-              </p:nvPr>
-            </p:nvPicPr>
-            <p:blipFill>
-              <a:blip r:embed="rId8">
-                <a:extLst>
-                  <a:ext uri="{28A0092B-C50C-407E-A947-70E740481C1C}">
-                    <a14:useLocalDpi xmlns:a14="http://schemas.microsoft.com/office/drawing/2010/main" val="0"/>
-                  </a:ext>
-                </a:extLst>
-              </a:blip>
-              <a:stretch>
-                <a:fillRect/>
-              </a:stretch>
-            </p:blipFill>
-            <p:spPr>
-              <a:xfrm>
-                <a:off x="2978603" y="1827967"/>
-                <a:ext cx="535438" cy="172936"/>
-              </a:xfrm>
-              <a:prstGeom prst="rect">
-                <a:avLst/>
-              </a:prstGeom>
-            </p:spPr>
-          </p:pic>
-          <p:pic>
-            <p:nvPicPr>
-              <p:cNvPr id="13" name="Picture 12">
-                <a:extLst>
-                  <a:ext uri="{FF2B5EF4-FFF2-40B4-BE49-F238E27FC236}">
-                    <a16:creationId xmlns:a16="http://schemas.microsoft.com/office/drawing/2014/main" id="{02990A06-C22F-44EC-8B84-E27BA92B334F}"/>
-                  </a:ext>
-                </a:extLst>
-              </p:cNvPr>
-              <p:cNvPicPr>
-                <a:picLocks noChangeAspect="1"/>
-              </p:cNvPicPr>
-              <p:nvPr>
-                <p:custDataLst>
-                  <p:tags r:id="rId2"/>
-                </p:custDataLst>
-              </p:nvPr>
-            </p:nvPicPr>
-            <p:blipFill>
-              <a:blip r:embed="rId9">
-                <a:extLst>
-                  <a:ext uri="{28A0092B-C50C-407E-A947-70E740481C1C}">
-                    <a14:useLocalDpi xmlns:a14="http://schemas.microsoft.com/office/drawing/2010/main" val="0"/>
-                  </a:ext>
-                </a:extLst>
-              </a:blip>
-              <a:stretch>
-                <a:fillRect/>
-              </a:stretch>
-            </p:blipFill>
-            <p:spPr>
-              <a:xfrm>
-                <a:off x="2974914" y="2407898"/>
-                <a:ext cx="539872" cy="172936"/>
-              </a:xfrm>
-              <a:prstGeom prst="rect">
-                <a:avLst/>
-              </a:prstGeom>
-            </p:spPr>
-          </p:pic>
-          <p:pic>
-            <p:nvPicPr>
-              <p:cNvPr id="14" name="Picture 13">
-                <a:extLst>
-                  <a:ext uri="{FF2B5EF4-FFF2-40B4-BE49-F238E27FC236}">
-                    <a16:creationId xmlns:a16="http://schemas.microsoft.com/office/drawing/2014/main" id="{3990F990-FEBB-478A-AC25-147F9069CA33}"/>
-                  </a:ext>
-                </a:extLst>
-              </p:cNvPr>
-              <p:cNvPicPr>
-                <a:picLocks noChangeAspect="1"/>
-              </p:cNvPicPr>
-              <p:nvPr>
-                <p:custDataLst>
-                  <p:tags r:id="rId3"/>
-                </p:custDataLst>
-              </p:nvPr>
-            </p:nvPicPr>
-            <p:blipFill>
-              <a:blip r:embed="rId10">
-                <a:extLst>
-                  <a:ext uri="{28A0092B-C50C-407E-A947-70E740481C1C}">
-                    <a14:useLocalDpi xmlns:a14="http://schemas.microsoft.com/office/drawing/2010/main" val="0"/>
-                  </a:ext>
-                </a:extLst>
-              </a:blip>
-              <a:stretch>
-                <a:fillRect/>
-              </a:stretch>
-            </p:blipFill>
-            <p:spPr>
-              <a:xfrm>
-                <a:off x="2957542" y="3425548"/>
-                <a:ext cx="577563" cy="174045"/>
-              </a:xfrm>
-              <a:prstGeom prst="rect">
-                <a:avLst/>
-              </a:prstGeom>
-            </p:spPr>
-          </p:pic>
-          <p:grpSp>
-            <p:nvGrpSpPr>
-              <p:cNvPr id="15" name="Group 14">
-                <a:extLst>
-                  <a:ext uri="{FF2B5EF4-FFF2-40B4-BE49-F238E27FC236}">
-                    <a16:creationId xmlns:a16="http://schemas.microsoft.com/office/drawing/2014/main" id="{F66839C8-F9B4-4DDD-A721-D0B436655F3B}"/>
-                  </a:ext>
-                </a:extLst>
-              </p:cNvPr>
-              <p:cNvGrpSpPr/>
-              <p:nvPr/>
-            </p:nvGrpSpPr>
-            <p:grpSpPr>
-              <a:xfrm>
-                <a:off x="396000" y="1655636"/>
-                <a:ext cx="8343900" cy="2526294"/>
-                <a:chOff x="396000" y="1655636"/>
-                <a:chExt cx="8343900" cy="2526294"/>
-              </a:xfrm>
-            </p:grpSpPr>
-            <p:grpSp>
-              <p:nvGrpSpPr>
-                <p:cNvPr id="16" name="Group 15">
-                  <a:extLst>
-                    <a:ext uri="{FF2B5EF4-FFF2-40B4-BE49-F238E27FC236}">
-                      <a16:creationId xmlns:a16="http://schemas.microsoft.com/office/drawing/2014/main" id="{98775483-316B-499B-B6AE-C84856F7DDD9}"/>
-                    </a:ext>
-                  </a:extLst>
-                </p:cNvPr>
-                <p:cNvGrpSpPr/>
-                <p:nvPr/>
-              </p:nvGrpSpPr>
-              <p:grpSpPr>
-                <a:xfrm>
-                  <a:off x="396000" y="1655636"/>
-                  <a:ext cx="8343900" cy="2526294"/>
-                  <a:chOff x="1614071" y="3087463"/>
-                  <a:chExt cx="6285383" cy="1903034"/>
-                </a:xfrm>
-              </p:grpSpPr>
-              <p:sp>
-                <p:nvSpPr>
-                  <p:cNvPr id="19" name="Cloud 18">
-                    <a:extLst>
-                      <a:ext uri="{FF2B5EF4-FFF2-40B4-BE49-F238E27FC236}">
-                        <a16:creationId xmlns:a16="http://schemas.microsoft.com/office/drawing/2014/main" id="{D33B779C-297A-4805-AFEE-09654B858003}"/>
-                      </a:ext>
-                    </a:extLst>
-                  </p:cNvPr>
-                  <p:cNvSpPr/>
-                  <p:nvPr/>
-                </p:nvSpPr>
-                <p:spPr>
-                  <a:xfrm>
-                    <a:off x="5537023" y="3466475"/>
-                    <a:ext cx="823147" cy="734865"/>
-                  </a:xfrm>
-                  <a:prstGeom prst="cloud">
-                    <a:avLst/>
-                  </a:prstGeom>
-                  <a:solidFill>
-                    <a:srgbClr val="FF0000"/>
-                  </a:solidFill>
-                  <a:ln>
-                    <a:solidFill>
-                      <a:srgbClr val="C00000"/>
-                    </a:solidFill>
-                  </a:ln>
-                </p:spPr>
-                <p:style>
-                  <a:lnRef idx="2">
-                    <a:schemeClr val="accent1">
-                      <a:shade val="50000"/>
-                    </a:schemeClr>
-                  </a:lnRef>
-                  <a:fillRef idx="1">
-                    <a:schemeClr val="accent1"/>
-                  </a:fillRef>
-                  <a:effectRef idx="0">
-                    <a:schemeClr val="accent1"/>
-                  </a:effectRef>
-                  <a:fontRef idx="minor">
-                    <a:schemeClr val="lt1"/>
-                  </a:fontRef>
-                </p:style>
-                <p:txBody>
-                  <a:bodyPr rtlCol="0" anchor="ctr"/>
-                  <a:lstStyle/>
-                  <a:p>
-                    <a:pPr algn="ctr"/>
-                    <a:endParaRPr lang="en-AU" dirty="0"/>
-                  </a:p>
-                </p:txBody>
-              </p:sp>
-              <p:pic>
-                <p:nvPicPr>
-                  <p:cNvPr id="20" name="Picture 19">
-                    <a:extLst>
-                      <a:ext uri="{FF2B5EF4-FFF2-40B4-BE49-F238E27FC236}">
-                        <a16:creationId xmlns:a16="http://schemas.microsoft.com/office/drawing/2014/main" id="{6005CC77-E9CB-4767-870E-CD05F87E5410}"/>
-                      </a:ext>
-                    </a:extLst>
-                  </p:cNvPr>
-                  <p:cNvPicPr>
-                    <a:picLocks noChangeAspect="1"/>
-                  </p:cNvPicPr>
-                  <p:nvPr/>
-                </p:nvPicPr>
-                <p:blipFill>
-                  <a:blip r:embed="rId11"/>
-                  <a:stretch>
-                    <a:fillRect/>
-                  </a:stretch>
-                </p:blipFill>
-                <p:spPr>
-                  <a:xfrm>
-                    <a:off x="3018841" y="3561094"/>
-                    <a:ext cx="319443" cy="315729"/>
-                  </a:xfrm>
-                  <a:prstGeom prst="rect">
-                    <a:avLst/>
-                  </a:prstGeom>
-                </p:spPr>
-              </p:pic>
-              <p:pic>
-                <p:nvPicPr>
-                  <p:cNvPr id="21" name="Picture 20">
-                    <a:extLst>
-                      <a:ext uri="{FF2B5EF4-FFF2-40B4-BE49-F238E27FC236}">
-                        <a16:creationId xmlns:a16="http://schemas.microsoft.com/office/drawing/2014/main" id="{1AC17E54-E24D-47B6-8BB0-83D65FB1FB45}"/>
-                      </a:ext>
-                    </a:extLst>
-                  </p:cNvPr>
-                  <p:cNvPicPr>
-                    <a:picLocks noChangeAspect="1"/>
-                  </p:cNvPicPr>
-                  <p:nvPr/>
-                </p:nvPicPr>
-                <p:blipFill>
-                  <a:blip r:embed="rId12">
-                    <a:extLst>
-                      <a:ext uri="{28A0092B-C50C-407E-A947-70E740481C1C}">
-                        <a14:useLocalDpi xmlns:a14="http://schemas.microsoft.com/office/drawing/2010/main" val="0"/>
-                      </a:ext>
-                    </a:extLst>
-                  </a:blip>
-                  <a:stretch>
-                    <a:fillRect/>
-                  </a:stretch>
-                </p:blipFill>
-                <p:spPr>
-                  <a:xfrm>
-                    <a:off x="5799109" y="3676044"/>
-                    <a:ext cx="298976" cy="315729"/>
-                  </a:xfrm>
-                  <a:prstGeom prst="rect">
-                    <a:avLst/>
-                  </a:prstGeom>
-                </p:spPr>
-              </p:pic>
-              <p:pic>
-                <p:nvPicPr>
-                  <p:cNvPr id="22" name="Picture 21">
-                    <a:extLst>
-                      <a:ext uri="{FF2B5EF4-FFF2-40B4-BE49-F238E27FC236}">
-                        <a16:creationId xmlns:a16="http://schemas.microsoft.com/office/drawing/2014/main" id="{B616505A-D45B-4FDD-A1C6-CE98F0AD4F63}"/>
-                      </a:ext>
-                    </a:extLst>
-                  </p:cNvPr>
-                  <p:cNvPicPr>
-                    <a:picLocks noChangeAspect="1"/>
-                  </p:cNvPicPr>
-                  <p:nvPr/>
-                </p:nvPicPr>
-                <p:blipFill>
-                  <a:blip r:embed="rId13"/>
-                  <a:stretch>
-                    <a:fillRect/>
-                  </a:stretch>
-                </p:blipFill>
-                <p:spPr>
-                  <a:xfrm>
-                    <a:off x="3018841" y="3087463"/>
-                    <a:ext cx="319443" cy="315729"/>
-                  </a:xfrm>
-                  <a:prstGeom prst="rect">
-                    <a:avLst/>
-                  </a:prstGeom>
-                </p:spPr>
-              </p:pic>
-              <p:pic>
-                <p:nvPicPr>
-                  <p:cNvPr id="23" name="Picture 22">
-                    <a:extLst>
-                      <a:ext uri="{FF2B5EF4-FFF2-40B4-BE49-F238E27FC236}">
-                        <a16:creationId xmlns:a16="http://schemas.microsoft.com/office/drawing/2014/main" id="{15062903-4A8D-46BC-AA5B-03F1F8AED189}"/>
-                      </a:ext>
-                    </a:extLst>
-                  </p:cNvPr>
-                  <p:cNvPicPr>
-                    <a:picLocks noChangeAspect="1"/>
-                  </p:cNvPicPr>
-                  <p:nvPr/>
-                </p:nvPicPr>
-                <p:blipFill>
-                  <a:blip r:embed="rId14">
-                    <a:extLst>
-                      <a:ext uri="{28A0092B-C50C-407E-A947-70E740481C1C}">
-                        <a14:useLocalDpi xmlns:a14="http://schemas.microsoft.com/office/drawing/2010/main" val="0"/>
-                      </a:ext>
-                    </a:extLst>
-                  </a:blip>
-                  <a:stretch>
-                    <a:fillRect/>
-                  </a:stretch>
-                </p:blipFill>
-                <p:spPr>
-                  <a:xfrm rot="10800000">
-                    <a:off x="3019863" y="4326553"/>
-                    <a:ext cx="319443" cy="319443"/>
-                  </a:xfrm>
-                  <a:prstGeom prst="rect">
-                    <a:avLst/>
-                  </a:prstGeom>
-                </p:spPr>
-              </p:pic>
-              <p:pic>
-                <p:nvPicPr>
-                  <p:cNvPr id="24" name="Picture 23">
-                    <a:extLst>
-                      <a:ext uri="{FF2B5EF4-FFF2-40B4-BE49-F238E27FC236}">
-                        <a16:creationId xmlns:a16="http://schemas.microsoft.com/office/drawing/2014/main" id="{05DD22E2-65FB-4166-B5CC-0E1F6BFA1CCE}"/>
-                      </a:ext>
-                    </a:extLst>
-                  </p:cNvPr>
-                  <p:cNvPicPr>
-                    <a:picLocks noChangeAspect="1"/>
-                  </p:cNvPicPr>
-                  <p:nvPr/>
-                </p:nvPicPr>
-                <p:blipFill>
-                  <a:blip r:embed="rId15"/>
-                  <a:stretch>
-                    <a:fillRect/>
-                  </a:stretch>
-                </p:blipFill>
-                <p:spPr>
-                  <a:xfrm>
-                    <a:off x="1614071" y="3496625"/>
-                    <a:ext cx="603050" cy="592999"/>
-                  </a:xfrm>
-                  <a:prstGeom prst="rect">
-                    <a:avLst/>
-                  </a:prstGeom>
-                </p:spPr>
-              </p:pic>
-              <p:cxnSp>
-                <p:nvCxnSpPr>
-                  <p:cNvPr id="25" name="Straight Connector 24">
-                    <a:extLst>
-                      <a:ext uri="{FF2B5EF4-FFF2-40B4-BE49-F238E27FC236}">
-                        <a16:creationId xmlns:a16="http://schemas.microsoft.com/office/drawing/2014/main" id="{492350D7-145D-4D02-88FE-B4C61737AC48}"/>
-                      </a:ext>
-                    </a:extLst>
-                  </p:cNvPr>
-                  <p:cNvCxnSpPr>
-                    <a:cxnSpLocks/>
-                  </p:cNvCxnSpPr>
-                  <p:nvPr/>
-                </p:nvCxnSpPr>
-                <p:spPr>
-                  <a:xfrm flipH="1">
-                    <a:off x="2290645" y="3282414"/>
-                    <a:ext cx="635492" cy="296512"/>
-                  </a:xfrm>
-                  <a:prstGeom prst="line">
-                    <a:avLst/>
-                  </a:prstGeom>
-                  <a:ln w="19050">
-                    <a:solidFill>
-                      <a:srgbClr val="00B0F0"/>
-                    </a:solidFill>
-                    <a:prstDash val="sysDash"/>
-                  </a:ln>
-                </p:spPr>
-                <p:style>
-                  <a:lnRef idx="1">
-                    <a:schemeClr val="accent1"/>
-                  </a:lnRef>
-                  <a:fillRef idx="0">
-                    <a:schemeClr val="accent1"/>
-                  </a:fillRef>
-                  <a:effectRef idx="0">
-                    <a:schemeClr val="accent1"/>
-                  </a:effectRef>
-                  <a:fontRef idx="minor">
-                    <a:schemeClr val="tx1"/>
-                  </a:fontRef>
-                </p:style>
-              </p:cxnSp>
-              <p:cxnSp>
-                <p:nvCxnSpPr>
-                  <p:cNvPr id="26" name="Straight Connector 25">
-                    <a:extLst>
-                      <a:ext uri="{FF2B5EF4-FFF2-40B4-BE49-F238E27FC236}">
-                        <a16:creationId xmlns:a16="http://schemas.microsoft.com/office/drawing/2014/main" id="{B2F37318-3804-436E-9ECC-444B45C33E97}"/>
-                      </a:ext>
-                    </a:extLst>
-                  </p:cNvPr>
-                  <p:cNvCxnSpPr>
-                    <a:cxnSpLocks/>
-                  </p:cNvCxnSpPr>
-                  <p:nvPr/>
-                </p:nvCxnSpPr>
-                <p:spPr>
-                  <a:xfrm flipH="1">
-                    <a:off x="2290645" y="3773857"/>
-                    <a:ext cx="635493" cy="35863"/>
-                  </a:xfrm>
-                  <a:prstGeom prst="line">
-                    <a:avLst/>
-                  </a:prstGeom>
-                  <a:ln w="19050">
-                    <a:solidFill>
-                      <a:srgbClr val="00B0F0"/>
-                    </a:solidFill>
-                    <a:prstDash val="sysDash"/>
-                  </a:ln>
-                </p:spPr>
-                <p:style>
-                  <a:lnRef idx="1">
-                    <a:schemeClr val="accent1"/>
-                  </a:lnRef>
-                  <a:fillRef idx="0">
-                    <a:schemeClr val="accent1"/>
-                  </a:fillRef>
-                  <a:effectRef idx="0">
-                    <a:schemeClr val="accent1"/>
-                  </a:effectRef>
-                  <a:fontRef idx="minor">
-                    <a:schemeClr val="tx1"/>
-                  </a:fontRef>
-                </p:style>
-              </p:cxnSp>
-              <p:cxnSp>
-                <p:nvCxnSpPr>
-                  <p:cNvPr id="27" name="Straight Connector 26">
-                    <a:extLst>
-                      <a:ext uri="{FF2B5EF4-FFF2-40B4-BE49-F238E27FC236}">
-                        <a16:creationId xmlns:a16="http://schemas.microsoft.com/office/drawing/2014/main" id="{FECF8685-0DBF-4DFE-B9E0-A1CC36F14D01}"/>
-                      </a:ext>
-                    </a:extLst>
-                  </p:cNvPr>
-                  <p:cNvCxnSpPr>
-                    <a:cxnSpLocks/>
-                  </p:cNvCxnSpPr>
-                  <p:nvPr/>
-                </p:nvCxnSpPr>
-                <p:spPr>
-                  <a:xfrm flipH="1" flipV="1">
-                    <a:off x="2315476" y="4004651"/>
-                    <a:ext cx="615904" cy="459345"/>
-                  </a:xfrm>
-                  <a:prstGeom prst="line">
-                    <a:avLst/>
-                  </a:prstGeom>
-                  <a:ln w="19050">
-                    <a:solidFill>
-                      <a:srgbClr val="00B0F0"/>
-                    </a:solidFill>
-                    <a:prstDash val="sysDash"/>
-                  </a:ln>
-                </p:spPr>
-                <p:style>
-                  <a:lnRef idx="1">
-                    <a:schemeClr val="accent1"/>
-                  </a:lnRef>
-                  <a:fillRef idx="0">
-                    <a:schemeClr val="accent1"/>
-                  </a:fillRef>
-                  <a:effectRef idx="0">
-                    <a:schemeClr val="accent1"/>
-                  </a:effectRef>
-                  <a:fontRef idx="minor">
-                    <a:schemeClr val="tx1"/>
-                  </a:fontRef>
-                </p:style>
-              </p:cxnSp>
-              <p:pic>
-                <p:nvPicPr>
-                  <p:cNvPr id="28" name="Picture 27">
-                    <a:extLst>
-                      <a:ext uri="{FF2B5EF4-FFF2-40B4-BE49-F238E27FC236}">
-                        <a16:creationId xmlns:a16="http://schemas.microsoft.com/office/drawing/2014/main" id="{5D17AE79-084E-4FDE-8383-DBC5D855838E}"/>
-                      </a:ext>
-                    </a:extLst>
-                  </p:cNvPr>
-                  <p:cNvPicPr>
-                    <a:picLocks noChangeAspect="1"/>
-                  </p:cNvPicPr>
-                  <p:nvPr>
-                    <p:custDataLst>
-                      <p:tags r:id="rId6"/>
-                    </p:custDataLst>
-                  </p:nvPr>
-                </p:nvPicPr>
-                <p:blipFill>
-                  <a:blip r:embed="rId16">
-                    <a:extLst>
-                      <a:ext uri="{28A0092B-C50C-407E-A947-70E740481C1C}">
-                        <a14:useLocalDpi xmlns:a14="http://schemas.microsoft.com/office/drawing/2010/main" val="0"/>
-                      </a:ext>
-                    </a:extLst>
-                  </a:blip>
-                  <a:stretch>
-                    <a:fillRect/>
-                  </a:stretch>
-                </p:blipFill>
-                <p:spPr>
-                  <a:xfrm rot="16200000">
-                    <a:off x="3033663" y="4085231"/>
-                    <a:ext cx="301714" cy="32914"/>
-                  </a:xfrm>
-                  <a:prstGeom prst="rect">
-                    <a:avLst/>
-                  </a:prstGeom>
-                </p:spPr>
-              </p:pic>
-              <p:sp>
-                <p:nvSpPr>
-                  <p:cNvPr id="29" name="Freeform: Shape 28">
-                    <a:extLst>
-                      <a:ext uri="{FF2B5EF4-FFF2-40B4-BE49-F238E27FC236}">
-                        <a16:creationId xmlns:a16="http://schemas.microsoft.com/office/drawing/2014/main" id="{A7DAB838-9BC9-4BD6-9AEA-52F2DDE718D8}"/>
-                      </a:ext>
-                    </a:extLst>
-                  </p:cNvPr>
-                  <p:cNvSpPr/>
-                  <p:nvPr/>
-                </p:nvSpPr>
-                <p:spPr>
-                  <a:xfrm>
-                    <a:off x="4342214" y="3282414"/>
-                    <a:ext cx="1118109" cy="463550"/>
-                  </a:xfrm>
-                  <a:custGeom>
-                    <a:avLst/>
-                    <a:gdLst>
-                      <a:gd name="connsiteX0" fmla="*/ 0 w 1298575"/>
-                      <a:gd name="connsiteY0" fmla="*/ 0 h 454025"/>
-                      <a:gd name="connsiteX1" fmla="*/ 660400 w 1298575"/>
-                      <a:gd name="connsiteY1" fmla="*/ 292100 h 454025"/>
-                      <a:gd name="connsiteX2" fmla="*/ 1298575 w 1298575"/>
-                      <a:gd name="connsiteY2" fmla="*/ 454025 h 454025"/>
-                    </a:gdLst>
-                    <a:ahLst/>
-                    <a:cxnLst>
-                      <a:cxn ang="0">
-                        <a:pos x="connsiteX0" y="connsiteY0"/>
-                      </a:cxn>
-                      <a:cxn ang="0">
-                        <a:pos x="connsiteX1" y="connsiteY1"/>
-                      </a:cxn>
-                      <a:cxn ang="0">
-                        <a:pos x="connsiteX2" y="connsiteY2"/>
-                      </a:cxn>
-                    </a:cxnLst>
-                    <a:rect l="l" t="t" r="r" b="b"/>
-                    <a:pathLst>
-                      <a:path w="1298575" h="454025">
-                        <a:moveTo>
-                          <a:pt x="0" y="0"/>
-                        </a:moveTo>
-                        <a:cubicBezTo>
-                          <a:pt x="221985" y="108214"/>
-                          <a:pt x="443971" y="216429"/>
-                          <a:pt x="660400" y="292100"/>
-                        </a:cubicBezTo>
-                        <a:cubicBezTo>
-                          <a:pt x="876829" y="367771"/>
-                          <a:pt x="1087702" y="410898"/>
-                          <a:pt x="1298575" y="454025"/>
-                        </a:cubicBezTo>
-                      </a:path>
-                    </a:pathLst>
-                  </a:custGeom>
-                  <a:noFill/>
-                  <a:ln>
-                    <a:headEnd type="none" w="med" len="med"/>
-                    <a:tailEnd type="arrow" w="med" len="med"/>
-                  </a:ln>
-                </p:spPr>
-                <p:style>
-                  <a:lnRef idx="2">
-                    <a:schemeClr val="accent1">
-                      <a:shade val="50000"/>
-                    </a:schemeClr>
-                  </a:lnRef>
-                  <a:fillRef idx="1">
-                    <a:schemeClr val="accent1"/>
-                  </a:fillRef>
-                  <a:effectRef idx="0">
-                    <a:schemeClr val="accent1"/>
-                  </a:effectRef>
-                  <a:fontRef idx="minor">
-                    <a:schemeClr val="lt1"/>
-                  </a:fontRef>
-                </p:style>
-                <p:txBody>
-                  <a:bodyPr rtlCol="0" anchor="ctr"/>
-                  <a:lstStyle/>
-                  <a:p>
-                    <a:pPr algn="ctr"/>
-                    <a:endParaRPr lang="en-AU"/>
-                  </a:p>
-                </p:txBody>
-              </p:sp>
-              <p:sp>
-                <p:nvSpPr>
-                  <p:cNvPr id="30" name="Freeform: Shape 29">
-                    <a:extLst>
-                      <a:ext uri="{FF2B5EF4-FFF2-40B4-BE49-F238E27FC236}">
-                        <a16:creationId xmlns:a16="http://schemas.microsoft.com/office/drawing/2014/main" id="{698D0428-B824-470D-8FDF-75593BF24BBC}"/>
-                      </a:ext>
-                    </a:extLst>
-                  </p:cNvPr>
-                  <p:cNvSpPr/>
-                  <p:nvPr/>
-                </p:nvSpPr>
-                <p:spPr>
-                  <a:xfrm>
-                    <a:off x="4339040" y="3745964"/>
-                    <a:ext cx="1118108" cy="116548"/>
-                  </a:xfrm>
-                  <a:custGeom>
-                    <a:avLst/>
-                    <a:gdLst>
-                      <a:gd name="connsiteX0" fmla="*/ 0 w 952500"/>
-                      <a:gd name="connsiteY0" fmla="*/ 0 h 142875"/>
-                      <a:gd name="connsiteX1" fmla="*/ 463550 w 952500"/>
-                      <a:gd name="connsiteY1" fmla="*/ 107950 h 142875"/>
-                      <a:gd name="connsiteX2" fmla="*/ 952500 w 952500"/>
-                      <a:gd name="connsiteY2" fmla="*/ 142875 h 142875"/>
-                    </a:gdLst>
-                    <a:ahLst/>
-                    <a:cxnLst>
-                      <a:cxn ang="0">
-                        <a:pos x="connsiteX0" y="connsiteY0"/>
-                      </a:cxn>
-                      <a:cxn ang="0">
-                        <a:pos x="connsiteX1" y="connsiteY1"/>
-                      </a:cxn>
-                      <a:cxn ang="0">
-                        <a:pos x="connsiteX2" y="connsiteY2"/>
-                      </a:cxn>
-                    </a:cxnLst>
-                    <a:rect l="l" t="t" r="r" b="b"/>
-                    <a:pathLst>
-                      <a:path w="952500" h="142875">
-                        <a:moveTo>
-                          <a:pt x="0" y="0"/>
-                        </a:moveTo>
-                        <a:cubicBezTo>
-                          <a:pt x="152400" y="42069"/>
-                          <a:pt x="304800" y="84138"/>
-                          <a:pt x="463550" y="107950"/>
-                        </a:cubicBezTo>
-                        <a:cubicBezTo>
-                          <a:pt x="622300" y="131762"/>
-                          <a:pt x="787400" y="137318"/>
-                          <a:pt x="952500" y="142875"/>
-                        </a:cubicBezTo>
-                      </a:path>
-                    </a:pathLst>
-                  </a:custGeom>
-                  <a:noFill/>
-                  <a:ln>
-                    <a:headEnd type="none" w="med" len="med"/>
-                    <a:tailEnd type="arrow" w="med" len="med"/>
-                  </a:ln>
-                </p:spPr>
-                <p:style>
-                  <a:lnRef idx="2">
-                    <a:schemeClr val="accent1">
-                      <a:shade val="50000"/>
-                    </a:schemeClr>
-                  </a:lnRef>
-                  <a:fillRef idx="1">
-                    <a:schemeClr val="accent1"/>
-                  </a:fillRef>
-                  <a:effectRef idx="0">
-                    <a:schemeClr val="accent1"/>
-                  </a:effectRef>
-                  <a:fontRef idx="minor">
-                    <a:schemeClr val="lt1"/>
-                  </a:fontRef>
-                </p:style>
-                <p:txBody>
-                  <a:bodyPr rtlCol="0" anchor="ctr"/>
-                  <a:lstStyle/>
-                  <a:p>
-                    <a:pPr algn="ctr"/>
-                    <a:endParaRPr lang="en-AU"/>
-                  </a:p>
-                </p:txBody>
-              </p:sp>
-              <p:sp>
-                <p:nvSpPr>
-                  <p:cNvPr id="31" name="Freeform: Shape 30">
-                    <a:extLst>
-                      <a:ext uri="{FF2B5EF4-FFF2-40B4-BE49-F238E27FC236}">
-                        <a16:creationId xmlns:a16="http://schemas.microsoft.com/office/drawing/2014/main" id="{C0FB81B3-55DD-488A-B001-DB2853EF8AC8}"/>
-                      </a:ext>
-                    </a:extLst>
-                  </p:cNvPr>
-                  <p:cNvSpPr/>
-                  <p:nvPr/>
-                </p:nvSpPr>
-                <p:spPr>
-                  <a:xfrm>
-                    <a:off x="4338918" y="3975603"/>
-                    <a:ext cx="1124580" cy="459346"/>
-                  </a:xfrm>
-                  <a:custGeom>
-                    <a:avLst/>
-                    <a:gdLst>
-                      <a:gd name="connsiteX0" fmla="*/ 0 w 1333500"/>
-                      <a:gd name="connsiteY0" fmla="*/ 501650 h 501650"/>
-                      <a:gd name="connsiteX1" fmla="*/ 460375 w 1333500"/>
-                      <a:gd name="connsiteY1" fmla="*/ 184150 h 501650"/>
-                      <a:gd name="connsiteX2" fmla="*/ 1333500 w 1333500"/>
-                      <a:gd name="connsiteY2" fmla="*/ 0 h 501650"/>
-                    </a:gdLst>
-                    <a:ahLst/>
-                    <a:cxnLst>
-                      <a:cxn ang="0">
-                        <a:pos x="connsiteX0" y="connsiteY0"/>
-                      </a:cxn>
-                      <a:cxn ang="0">
-                        <a:pos x="connsiteX1" y="connsiteY1"/>
-                      </a:cxn>
-                      <a:cxn ang="0">
-                        <a:pos x="connsiteX2" y="connsiteY2"/>
-                      </a:cxn>
-                    </a:cxnLst>
-                    <a:rect l="l" t="t" r="r" b="b"/>
-                    <a:pathLst>
-                      <a:path w="1333500" h="501650">
-                        <a:moveTo>
-                          <a:pt x="0" y="501650"/>
-                        </a:moveTo>
-                        <a:cubicBezTo>
-                          <a:pt x="119062" y="384704"/>
-                          <a:pt x="238125" y="267758"/>
-                          <a:pt x="460375" y="184150"/>
-                        </a:cubicBezTo>
-                        <a:cubicBezTo>
-                          <a:pt x="682625" y="100542"/>
-                          <a:pt x="1008062" y="50271"/>
-                          <a:pt x="1333500" y="0"/>
-                        </a:cubicBezTo>
-                      </a:path>
-                    </a:pathLst>
-                  </a:custGeom>
-                  <a:noFill/>
-                  <a:ln>
-                    <a:headEnd type="none" w="med" len="med"/>
-                    <a:tailEnd type="arrow" w="med" len="med"/>
-                  </a:ln>
-                </p:spPr>
-                <p:style>
-                  <a:lnRef idx="2">
-                    <a:schemeClr val="accent1">
-                      <a:shade val="50000"/>
-                    </a:schemeClr>
-                  </a:lnRef>
-                  <a:fillRef idx="1">
-                    <a:schemeClr val="accent1"/>
-                  </a:fillRef>
-                  <a:effectRef idx="0">
-                    <a:schemeClr val="accent1"/>
-                  </a:effectRef>
-                  <a:fontRef idx="minor">
-                    <a:schemeClr val="lt1"/>
-                  </a:fontRef>
-                </p:style>
-                <p:txBody>
-                  <a:bodyPr rtlCol="0" anchor="ctr"/>
-                  <a:lstStyle/>
-                  <a:p>
-                    <a:pPr algn="ctr"/>
-                    <a:endParaRPr lang="en-AU" dirty="0"/>
-                  </a:p>
-                </p:txBody>
-              </p:sp>
-              <p:sp>
-                <p:nvSpPr>
-                  <p:cNvPr id="32" name="TextBox 31">
-                    <a:extLst>
-                      <a:ext uri="{FF2B5EF4-FFF2-40B4-BE49-F238E27FC236}">
-                        <a16:creationId xmlns:a16="http://schemas.microsoft.com/office/drawing/2014/main" id="{60DC3D3C-E426-4F85-AD5A-F73CCDB10E4F}"/>
-                      </a:ext>
-                    </a:extLst>
-                  </p:cNvPr>
-                  <p:cNvSpPr txBox="1"/>
-                  <p:nvPr/>
-                </p:nvSpPr>
-                <p:spPr>
-                  <a:xfrm>
-                    <a:off x="3421741" y="3174692"/>
-                    <a:ext cx="666811" cy="197017"/>
-                  </a:xfrm>
-                  <a:prstGeom prst="rect">
-                    <a:avLst/>
-                  </a:prstGeom>
-                  <a:noFill/>
-                  <a:ln w="19050">
-                    <a:solidFill>
-                      <a:srgbClr val="FFC000"/>
-                    </a:solidFill>
-                  </a:ln>
-                </p:spPr>
-                <p:txBody>
-                  <a:bodyPr wrap="square" rtlCol="0">
-                    <a:spAutoFit/>
-                  </a:bodyPr>
-                  <a:lstStyle/>
-                  <a:p>
-                    <a:endParaRPr lang="en-AU" sz="800" dirty="0"/>
-                  </a:p>
-                </p:txBody>
-              </p:sp>
-              <p:sp>
-                <p:nvSpPr>
-                  <p:cNvPr id="33" name="TextBox 32">
-                    <a:extLst>
-                      <a:ext uri="{FF2B5EF4-FFF2-40B4-BE49-F238E27FC236}">
-                        <a16:creationId xmlns:a16="http://schemas.microsoft.com/office/drawing/2014/main" id="{C1E11393-3832-4AAD-8841-AE5B564CF128}"/>
-                      </a:ext>
-                    </a:extLst>
-                  </p:cNvPr>
-                  <p:cNvSpPr txBox="1"/>
-                  <p:nvPr/>
-                </p:nvSpPr>
-                <p:spPr>
-                  <a:xfrm>
-                    <a:off x="3427787" y="3618463"/>
-                    <a:ext cx="666811" cy="197017"/>
-                  </a:xfrm>
-                  <a:prstGeom prst="rect">
-                    <a:avLst/>
-                  </a:prstGeom>
-                  <a:noFill/>
-                  <a:ln w="19050">
-                    <a:solidFill>
-                      <a:srgbClr val="FFC000"/>
-                    </a:solidFill>
-                  </a:ln>
-                </p:spPr>
-                <p:txBody>
-                  <a:bodyPr wrap="square" rtlCol="0">
-                    <a:spAutoFit/>
-                  </a:bodyPr>
-                  <a:lstStyle/>
-                  <a:p>
-                    <a:endParaRPr lang="en-AU" sz="800" dirty="0"/>
-                  </a:p>
-                </p:txBody>
-              </p:sp>
-              <p:sp>
-                <p:nvSpPr>
-                  <p:cNvPr id="34" name="TextBox 33">
-                    <a:extLst>
-                      <a:ext uri="{FF2B5EF4-FFF2-40B4-BE49-F238E27FC236}">
-                        <a16:creationId xmlns:a16="http://schemas.microsoft.com/office/drawing/2014/main" id="{05DC36A8-00C9-476B-B50D-A31782F5C482}"/>
-                      </a:ext>
-                    </a:extLst>
-                  </p:cNvPr>
-                  <p:cNvSpPr txBox="1"/>
-                  <p:nvPr/>
-                </p:nvSpPr>
-                <p:spPr>
-                  <a:xfrm>
-                    <a:off x="3427788" y="4378552"/>
-                    <a:ext cx="666811" cy="197017"/>
-                  </a:xfrm>
-                  <a:prstGeom prst="rect">
-                    <a:avLst/>
-                  </a:prstGeom>
-                  <a:noFill/>
-                  <a:ln w="19050">
-                    <a:solidFill>
-                      <a:srgbClr val="FFC000"/>
-                    </a:solidFill>
-                  </a:ln>
-                </p:spPr>
-                <p:txBody>
-                  <a:bodyPr wrap="square" rtlCol="0">
-                    <a:spAutoFit/>
-                  </a:bodyPr>
-                  <a:lstStyle/>
-                  <a:p>
-                    <a:endParaRPr lang="en-AU" sz="800" dirty="0"/>
-                  </a:p>
-                </p:txBody>
-              </p:sp>
-              <p:sp>
-                <p:nvSpPr>
-                  <p:cNvPr id="35" name="TextBox 34">
-                    <a:extLst>
-                      <a:ext uri="{FF2B5EF4-FFF2-40B4-BE49-F238E27FC236}">
-                        <a16:creationId xmlns:a16="http://schemas.microsoft.com/office/drawing/2014/main" id="{1BAD6E17-F188-45D8-A29D-070B41E42B58}"/>
-                      </a:ext>
-                    </a:extLst>
-                  </p:cNvPr>
-                  <p:cNvSpPr txBox="1"/>
-                  <p:nvPr/>
-                </p:nvSpPr>
-                <p:spPr>
-                  <a:xfrm>
-                    <a:off x="5381655" y="4269357"/>
-                    <a:ext cx="1156600" cy="721140"/>
-                  </a:xfrm>
-                  <a:prstGeom prst="rect">
-                    <a:avLst/>
-                  </a:prstGeom>
-                  <a:noFill/>
-                  <a:ln w="19050">
-                    <a:solidFill>
-                      <a:schemeClr val="accent2"/>
-                    </a:solidFill>
-                  </a:ln>
-                </p:spPr>
-                <p:txBody>
-                  <a:bodyPr wrap="square" rtlCol="0">
-                    <a:spAutoFit/>
-                  </a:bodyPr>
-                  <a:lstStyle/>
-                  <a:p>
-                    <a:endParaRPr lang="en-AU" sz="800" dirty="0"/>
-                  </a:p>
-                </p:txBody>
-              </p:sp>
-              <p:pic>
-                <p:nvPicPr>
-                  <p:cNvPr id="36" name="Picture 35">
-                    <a:extLst>
-                      <a:ext uri="{FF2B5EF4-FFF2-40B4-BE49-F238E27FC236}">
-                        <a16:creationId xmlns:a16="http://schemas.microsoft.com/office/drawing/2014/main" id="{AEBB047E-6434-418B-A378-E57A8887FDA6}"/>
-                      </a:ext>
-                    </a:extLst>
-                  </p:cNvPr>
-                  <p:cNvPicPr>
-                    <a:picLocks noChangeAspect="1"/>
-                  </p:cNvPicPr>
-                  <p:nvPr/>
-                </p:nvPicPr>
-                <p:blipFill>
-                  <a:blip r:embed="rId17"/>
-                  <a:stretch>
-                    <a:fillRect/>
-                  </a:stretch>
-                </p:blipFill>
-                <p:spPr>
-                  <a:xfrm>
-                    <a:off x="7610452" y="3615639"/>
-                    <a:ext cx="289002" cy="486049"/>
-                  </a:xfrm>
-                  <a:prstGeom prst="rect">
-                    <a:avLst/>
-                  </a:prstGeom>
-                </p:spPr>
-              </p:pic>
-              <p:sp>
-                <p:nvSpPr>
-                  <p:cNvPr id="37" name="Freeform: Shape 36">
-                    <a:extLst>
-                      <a:ext uri="{FF2B5EF4-FFF2-40B4-BE49-F238E27FC236}">
-                        <a16:creationId xmlns:a16="http://schemas.microsoft.com/office/drawing/2014/main" id="{BB5980A9-1D0C-48D0-9C8D-4785C5B1AB1E}"/>
-                      </a:ext>
-                    </a:extLst>
-                  </p:cNvPr>
-                  <p:cNvSpPr/>
-                  <p:nvPr/>
-                </p:nvSpPr>
-                <p:spPr>
-                  <a:xfrm>
-                    <a:off x="6442681" y="3846064"/>
-                    <a:ext cx="1040043" cy="0"/>
-                  </a:xfrm>
-                  <a:custGeom>
-                    <a:avLst/>
-                    <a:gdLst>
-                      <a:gd name="connsiteX0" fmla="*/ 0 w 1040043"/>
-                      <a:gd name="connsiteY0" fmla="*/ 0 h 0"/>
-                      <a:gd name="connsiteX1" fmla="*/ 1040043 w 1040043"/>
-                      <a:gd name="connsiteY1" fmla="*/ 0 h 0"/>
-                    </a:gdLst>
-                    <a:ahLst/>
-                    <a:cxnLst>
-                      <a:cxn ang="0">
-                        <a:pos x="connsiteX0" y="connsiteY0"/>
-                      </a:cxn>
-                      <a:cxn ang="0">
-                        <a:pos x="connsiteX1" y="connsiteY1"/>
-                      </a:cxn>
-                    </a:cxnLst>
-                    <a:rect l="l" t="t" r="r" b="b"/>
-                    <a:pathLst>
-                      <a:path w="1040043">
-                        <a:moveTo>
-                          <a:pt x="0" y="0"/>
-                        </a:moveTo>
-                        <a:lnTo>
-                          <a:pt x="1040043" y="0"/>
-                        </a:lnTo>
-                      </a:path>
-                    </a:pathLst>
-                  </a:custGeom>
-                  <a:noFill/>
-                  <a:ln>
-                    <a:headEnd type="arrow" w="med" len="med"/>
-                    <a:tailEnd type="arrow" w="med" len="med"/>
-                  </a:ln>
-                </p:spPr>
-                <p:style>
-                  <a:lnRef idx="2">
-                    <a:schemeClr val="accent1">
-                      <a:shade val="50000"/>
-                    </a:schemeClr>
-                  </a:lnRef>
-                  <a:fillRef idx="1">
-                    <a:schemeClr val="accent1"/>
-                  </a:fillRef>
-                  <a:effectRef idx="0">
-                    <a:schemeClr val="accent1"/>
-                  </a:effectRef>
-                  <a:fontRef idx="minor">
-                    <a:schemeClr val="lt1"/>
-                  </a:fontRef>
-                </p:style>
-                <p:txBody>
-                  <a:bodyPr rtlCol="0" anchor="ctr"/>
-                  <a:lstStyle/>
-                  <a:p>
-                    <a:pPr algn="ctr"/>
-                    <a:endParaRPr lang="en-AU"/>
-                  </a:p>
-                </p:txBody>
-              </p:sp>
-            </p:grpSp>
-            <p:pic>
-              <p:nvPicPr>
-                <p:cNvPr id="17" name="Picture 16">
-                  <a:extLst>
-                    <a:ext uri="{FF2B5EF4-FFF2-40B4-BE49-F238E27FC236}">
-                      <a16:creationId xmlns:a16="http://schemas.microsoft.com/office/drawing/2014/main" id="{69DEDC1A-1E42-4F90-81AC-6E121EEB534B}"/>
-                    </a:ext>
-                  </a:extLst>
-                </p:cNvPr>
-                <p:cNvPicPr>
-                  <a:picLocks noChangeAspect="1"/>
-                </p:cNvPicPr>
-                <p:nvPr>
-                  <p:custDataLst>
-                    <p:tags r:id="rId4"/>
-                  </p:custDataLst>
-                </p:nvPr>
-              </p:nvPicPr>
-              <p:blipFill>
-                <a:blip r:embed="rId18">
-                  <a:extLst>
-                    <a:ext uri="{28A0092B-C50C-407E-A947-70E740481C1C}">
-                      <a14:useLocalDpi xmlns:a14="http://schemas.microsoft.com/office/drawing/2010/main" val="0"/>
-                    </a:ext>
-                  </a:extLst>
-                </a:blip>
-                <a:stretch>
-                  <a:fillRect/>
-                </a:stretch>
-              </p:blipFill>
-              <p:spPr>
-                <a:xfrm>
-                  <a:off x="5446033" y="3256237"/>
-                  <a:ext cx="1408170" cy="430301"/>
-                </a:xfrm>
-                <a:prstGeom prst="rect">
-                  <a:avLst/>
-                </a:prstGeom>
-              </p:spPr>
-            </p:pic>
-            <p:pic>
-              <p:nvPicPr>
-                <p:cNvPr id="18" name="Picture 17">
-                  <a:extLst>
-                    <a:ext uri="{FF2B5EF4-FFF2-40B4-BE49-F238E27FC236}">
-                      <a16:creationId xmlns:a16="http://schemas.microsoft.com/office/drawing/2014/main" id="{303AC79D-9616-41A5-817F-3C58B4CAF873}"/>
-                    </a:ext>
-                  </a:extLst>
-                </p:cNvPr>
-                <p:cNvPicPr>
-                  <a:picLocks noChangeAspect="1"/>
-                </p:cNvPicPr>
-                <p:nvPr>
-                  <p:custDataLst>
-                    <p:tags r:id="rId5"/>
-                  </p:custDataLst>
-                </p:nvPr>
-              </p:nvPicPr>
-              <p:blipFill>
-                <a:blip r:embed="rId19">
-                  <a:extLst>
-                    <a:ext uri="{28A0092B-C50C-407E-A947-70E740481C1C}">
-                      <a14:useLocalDpi xmlns:a14="http://schemas.microsoft.com/office/drawing/2010/main" val="0"/>
-                    </a:ext>
-                  </a:extLst>
-                </a:blip>
-                <a:stretch>
-                  <a:fillRect/>
-                </a:stretch>
-              </p:blipFill>
-              <p:spPr>
-                <a:xfrm>
-                  <a:off x="5561733" y="3718163"/>
-                  <a:ext cx="1176769" cy="432147"/>
-                </a:xfrm>
-                <a:prstGeom prst="rect">
-                  <a:avLst/>
-                </a:prstGeom>
-              </p:spPr>
-            </p:pic>
-          </p:grpSp>
-        </p:grpSp>
+            <a:prstGeom prst="cloud">
+              <a:avLst/>
+            </a:prstGeom>
+            <a:ln/>
+          </p:spPr>
+          <p:style>
+            <a:lnRef idx="1">
+              <a:schemeClr val="accent2"/>
+            </a:lnRef>
+            <a:fillRef idx="3">
+              <a:schemeClr val="accent2"/>
+            </a:fillRef>
+            <a:effectRef idx="2">
+              <a:schemeClr val="accent2"/>
+            </a:effectRef>
+            <a:fontRef idx="minor">
+              <a:schemeClr val="lt1"/>
+            </a:fontRef>
+          </p:style>
+          <p:txBody>
+            <a:bodyPr rtlCol="0" anchor="ctr"/>
+            <a:lstStyle/>
+            <a:p>
+              <a:pPr algn="ctr"/>
+              <a:endParaRPr lang="en-AU" dirty="0"/>
+            </a:p>
+          </p:txBody>
+        </p:sp>
         <p:pic>
           <p:nvPicPr>
-            <p:cNvPr id="8" name="Picture 7">
+            <p:cNvPr id="44" name="Picture 43">
               <a:extLst>
                 <a:ext uri="{FF2B5EF4-FFF2-40B4-BE49-F238E27FC236}">
-                  <a16:creationId xmlns:a16="http://schemas.microsoft.com/office/drawing/2014/main" id="{9835E72B-3C3F-4410-B081-19F0A1AA0579}"/>
+                  <a16:creationId xmlns:a16="http://schemas.microsoft.com/office/drawing/2014/main" id="{CB0B7A17-A7E7-49D1-8EF1-23903AFF4D1E}"/>
                 </a:ext>
               </a:extLst>
             </p:cNvPr>
@@ -15586,15 +14875,120 @@
             <p:nvPr/>
           </p:nvPicPr>
           <p:blipFill>
-            <a:blip r:embed="rId20"/>
+            <a:blip r:embed="rId13">
+              <a:extLst>
+                <a:ext uri="{28A0092B-C50C-407E-A947-70E740481C1C}">
+                  <a14:useLocalDpi xmlns:a14="http://schemas.microsoft.com/office/drawing/2010/main" val="0"/>
+                </a:ext>
+              </a:extLst>
+            </a:blip>
             <a:stretch>
               <a:fillRect/>
             </a:stretch>
           </p:blipFill>
           <p:spPr>
             <a:xfrm>
-              <a:off x="3705217" y="2256090"/>
-              <a:ext cx="176424" cy="176424"/>
+              <a:off x="4396642" y="1869775"/>
+              <a:ext cx="359784" cy="379945"/>
+            </a:xfrm>
+            <a:prstGeom prst="rect">
+              <a:avLst/>
+            </a:prstGeom>
+          </p:spPr>
+        </p:pic>
+      </p:grpSp>
+      <p:pic>
+        <p:nvPicPr>
+          <p:cNvPr id="59" name="Picture 58">
+            <a:extLst>
+              <a:ext uri="{FF2B5EF4-FFF2-40B4-BE49-F238E27FC236}">
+                <a16:creationId xmlns:a16="http://schemas.microsoft.com/office/drawing/2014/main" id="{9961C33F-D1E2-4C21-B85D-453C128531C9}"/>
+              </a:ext>
+            </a:extLst>
+          </p:cNvPr>
+          <p:cNvPicPr>
+            <a:picLocks noChangeAspect="1"/>
+          </p:cNvPicPr>
+          <p:nvPr/>
+        </p:nvPicPr>
+        <p:blipFill>
+          <a:blip r:embed="rId14">
+            <a:duotone>
+              <a:schemeClr val="accent6">
+                <a:shade val="45000"/>
+                <a:satMod val="135000"/>
+              </a:schemeClr>
+              <a:prstClr val="white"/>
+            </a:duotone>
+          </a:blip>
+          <a:stretch>
+            <a:fillRect/>
+          </a:stretch>
+        </p:blipFill>
+        <p:spPr>
+          <a:xfrm>
+            <a:off x="7585419" y="1917004"/>
+            <a:ext cx="347782" cy="584906"/>
+          </a:xfrm>
+          <a:prstGeom prst="rect">
+            <a:avLst/>
+          </a:prstGeom>
+        </p:spPr>
+      </p:pic>
+      <p:grpSp>
+        <p:nvGrpSpPr>
+          <p:cNvPr id="121" name="Group 120">
+            <a:extLst>
+              <a:ext uri="{FF2B5EF4-FFF2-40B4-BE49-F238E27FC236}">
+                <a16:creationId xmlns:a16="http://schemas.microsoft.com/office/drawing/2014/main" id="{35381C93-BD8F-4FF4-B776-4ECEDDA44F88}"/>
+              </a:ext>
+            </a:extLst>
+          </p:cNvPr>
+          <p:cNvGrpSpPr/>
+          <p:nvPr/>
+        </p:nvGrpSpPr>
+        <p:grpSpPr>
+          <a:xfrm>
+            <a:off x="7112721" y="3223819"/>
+            <a:ext cx="1293178" cy="1348985"/>
+            <a:chOff x="7112721" y="3223819"/>
+            <a:chExt cx="1293178" cy="1348985"/>
+          </a:xfrm>
+        </p:grpSpPr>
+        <p:pic>
+          <p:nvPicPr>
+            <p:cNvPr id="112" name="Picture 111" descr="\documentclass{article}&#10;\pagestyle{empty}&#10;&#10;\usepackage{amsmath}&#10;\usepackage{amsfonts}&#10;&#10;% Random variable&#10;\newcommand{\rv}[1]{\ensuremath{{\boldsymbol{#1}}}}&#10;% Vector&#10;\renewcommand{\vec}[1]{\ensuremath{{\underline{#1}}}}&#10;% Random vector&#10;\newcommand{\rvec}[1]{\ensuremath{{\boldsymbol{\underline{#1}}}}}&#10;% Matrix&#10;\newcommand{\mat}[1]{{\ensuremath{{\mathbf{#1}}}}}&#10;% Mean of a random variable / vector&#10;\newcommand{\mean}[1]{\ensuremath{\hat{#1}}}&#10;&#10;\begin{document}&#10;&#10;\begin{gather*}&#10;\mean{\vec{x}} =\mat{P}\sum_{i=1}^{m}\omega_i \mat{P}_i^{-1} \mean{\vec{x}}_i\end{gather*}&#10;&#10;\end{document}" title="IguanaTex Bitmap Display">
+              <a:extLst>
+                <a:ext uri="{FF2B5EF4-FFF2-40B4-BE49-F238E27FC236}">
+                  <a16:creationId xmlns:a16="http://schemas.microsoft.com/office/drawing/2014/main" id="{FC5F7501-ECAE-4F42-99DE-CB314A68F373}"/>
+                </a:ext>
+              </a:extLst>
+            </p:cNvPr>
+            <p:cNvPicPr>
+              <a:picLocks noChangeAspect="1"/>
+            </p:cNvPicPr>
+            <p:nvPr>
+              <p:custDataLst>
+                <p:tags r:id="rId9"/>
+              </p:custDataLst>
+            </p:nvPr>
+          </p:nvPicPr>
+          <p:blipFill>
+            <a:blip r:embed="rId15">
+              <a:extLst>
+                <a:ext uri="{28A0092B-C50C-407E-A947-70E740481C1C}">
+                  <a14:useLocalDpi xmlns:a14="http://schemas.microsoft.com/office/drawing/2010/main" val="0"/>
+                </a:ext>
+              </a:extLst>
+            </a:blip>
+            <a:stretch>
+              <a:fillRect/>
+            </a:stretch>
+          </p:blipFill>
+          <p:spPr>
+            <a:xfrm>
+              <a:off x="7112721" y="3223819"/>
+              <a:ext cx="1153058" cy="390068"/>
             </a:xfrm>
             <a:prstGeom prst="rect">
               <a:avLst/>
@@ -15603,10 +14997,393 @@
         </p:pic>
         <p:pic>
           <p:nvPicPr>
-            <p:cNvPr id="9" name="Picture 8">
+            <p:cNvPr id="116" name="Picture 115" descr="\documentclass{article}&#10;\pagestyle{empty}&#10;&#10;\usepackage{amsmath}&#10;\usepackage{amsfonts}&#10;&#10;% Random variable&#10;\newcommand{\rv}[1]{\ensuremath{{\boldsymbol{#1}}}}&#10;% Vector&#10;\renewcommand{\vec}[1]{\ensuremath{{\underline{#1}}}}&#10;% Random vector&#10;\newcommand{\rvec}[1]{\ensuremath{{\boldsymbol{\underline{#1}}}}}&#10;% Matrix&#10;\newcommand{\mat}[1]{{\ensuremath{{\mathbf{#1}}}}}&#10;\begin{document}&#10;&#10;\begin{gather*}&#10;\mat{P}=\left(\sum_{i=1}^{m}\omega_i \mat{P}_i^{-1}\right)^{-1}&#10;\end{gather*}&#10;&#10;\end{document}" title="IguanaTex Bitmap Display">
               <a:extLst>
                 <a:ext uri="{FF2B5EF4-FFF2-40B4-BE49-F238E27FC236}">
-                  <a16:creationId xmlns:a16="http://schemas.microsoft.com/office/drawing/2014/main" id="{F6A23BD6-FB1A-4BFE-8494-FC7C9B5F9959}"/>
+                  <a16:creationId xmlns:a16="http://schemas.microsoft.com/office/drawing/2014/main" id="{213BB1E1-3B22-4EC4-8DD7-F318657A6813}"/>
+                </a:ext>
+              </a:extLst>
+            </p:cNvPr>
+            <p:cNvPicPr>
+              <a:picLocks noChangeAspect="1"/>
+            </p:cNvPicPr>
+            <p:nvPr>
+              <p:custDataLst>
+                <p:tags r:id="rId10"/>
+              </p:custDataLst>
+            </p:nvPr>
+          </p:nvPicPr>
+          <p:blipFill>
+            <a:blip r:embed="rId16">
+              <a:extLst>
+                <a:ext uri="{28A0092B-C50C-407E-A947-70E740481C1C}">
+                  <a14:useLocalDpi xmlns:a14="http://schemas.microsoft.com/office/drawing/2010/main" val="0"/>
+                </a:ext>
+              </a:extLst>
+            </a:blip>
+            <a:stretch>
+              <a:fillRect/>
+            </a:stretch>
+          </p:blipFill>
+          <p:spPr>
+            <a:xfrm>
+              <a:off x="7112721" y="3685592"/>
+              <a:ext cx="1293178" cy="459759"/>
+            </a:xfrm>
+            <a:prstGeom prst="rect">
+              <a:avLst/>
+            </a:prstGeom>
+          </p:spPr>
+        </p:pic>
+        <p:pic>
+          <p:nvPicPr>
+            <p:cNvPr id="120" name="Picture 119" descr="\documentclass{article}&#10;\usepackage{amsmath}&#10;\usepackage{amsfonts}&#10;\usepackage{bm}&#10;\usepackage{trfsigns}&#10;\pagestyle{empty}&#10;&#10;\renewcommand{\vec}[1]{\ensuremath{{\underline{#1}}}}&#10;\newcommand{\mat}[1]{{\ensuremath{{\mathbf{#1}}}}}&#10;&#10;\begin{document}&#10;\begin{equation*}&#10;\omega_i = \frac{1 / \text{tr}(\mat{P}_i)}{\sum_{i=1}^m 1/\text{tr}(\mat{P}_i)}&#10;\end{equation*}&#10;\end{document}" title="IguanaTex Bitmap Display">
+              <a:extLst>
+                <a:ext uri="{FF2B5EF4-FFF2-40B4-BE49-F238E27FC236}">
+                  <a16:creationId xmlns:a16="http://schemas.microsoft.com/office/drawing/2014/main" id="{963AB6AC-6831-4528-95A5-6CDD14B65BAF}"/>
+                </a:ext>
+              </a:extLst>
+            </p:cNvPr>
+            <p:cNvPicPr>
+              <a:picLocks noChangeAspect="1"/>
+            </p:cNvPicPr>
+            <p:nvPr>
+              <p:custDataLst>
+                <p:tags r:id="rId11"/>
+              </p:custDataLst>
+            </p:nvPr>
+          </p:nvPicPr>
+          <p:blipFill>
+            <a:blip r:embed="rId17">
+              <a:extLst>
+                <a:ext uri="{28A0092B-C50C-407E-A947-70E740481C1C}">
+                  <a14:useLocalDpi xmlns:a14="http://schemas.microsoft.com/office/drawing/2010/main" val="0"/>
+                </a:ext>
+              </a:extLst>
+            </a:blip>
+            <a:stretch>
+              <a:fillRect/>
+            </a:stretch>
+          </p:blipFill>
+          <p:spPr>
+            <a:xfrm>
+              <a:off x="7112721" y="4221561"/>
+              <a:ext cx="1251576" cy="351243"/>
+            </a:xfrm>
+            <a:prstGeom prst="rect">
+              <a:avLst/>
+            </a:prstGeom>
+          </p:spPr>
+        </p:pic>
+      </p:grpSp>
+      <p:grpSp>
+        <p:nvGrpSpPr>
+          <p:cNvPr id="109" name="Group 108">
+            <a:extLst>
+              <a:ext uri="{FF2B5EF4-FFF2-40B4-BE49-F238E27FC236}">
+                <a16:creationId xmlns:a16="http://schemas.microsoft.com/office/drawing/2014/main" id="{ED0CFCD6-24A7-47C0-A4C4-3A04150B2665}"/>
+              </a:ext>
+            </a:extLst>
+          </p:cNvPr>
+          <p:cNvGrpSpPr/>
+          <p:nvPr/>
+        </p:nvGrpSpPr>
+        <p:grpSpPr>
+          <a:xfrm>
+            <a:off x="4062767" y="3223819"/>
+            <a:ext cx="1018465" cy="1282889"/>
+            <a:chOff x="4062767" y="3223819"/>
+            <a:chExt cx="1018465" cy="1282889"/>
+          </a:xfrm>
+        </p:grpSpPr>
+        <p:pic>
+          <p:nvPicPr>
+            <p:cNvPr id="100" name="Picture 99" descr="\documentclass{article}&#10;\pagestyle{empty}&#10;&#10;\usepackage{amsmath}&#10;\usepackage{amsfonts}&#10;&#10;% Random variable&#10;\newcommand{\rv}[1]{\ensuremath{{\boldsymbol{#1}}}}&#10;% Vector&#10;\renewcommand{\vec}[1]{\ensuremath{{\underline{#1}}}}&#10;% Random vector&#10;\newcommand{\rvec}[1]{\ensuremath{{\boldsymbol{\underline{#1}}}}}&#10;% Matrix&#10;\newcommand{\mat}[1]{{\ensuremath{{\mathbf{#1}}}}}&#10;% Mean of a random variable / vector&#10;\newcommand{\mean}[1]{\ensuremath{\hat{#1}}}&#10;&#10;\begin{document}&#10;&#10;\begin{gather*}&#10;\sum_{i=1}^{m}\frac{1}{\text{tr}(\mat{P}_i)} \mat{P}_i^{-1} \mean{\vec{x}}_i\end{gather*}&#10;&#10;\end{document}" title="IguanaTex Bitmap Display">
+              <a:extLst>
+                <a:ext uri="{FF2B5EF4-FFF2-40B4-BE49-F238E27FC236}">
+                  <a16:creationId xmlns:a16="http://schemas.microsoft.com/office/drawing/2014/main" id="{0F423CD9-5140-4198-AD56-687F7857CC8D}"/>
+                </a:ext>
+              </a:extLst>
+            </p:cNvPr>
+            <p:cNvPicPr>
+              <a:picLocks noChangeAspect="1"/>
+            </p:cNvPicPr>
+            <p:nvPr>
+              <p:custDataLst>
+                <p:tags r:id="rId6"/>
+              </p:custDataLst>
+            </p:nvPr>
+          </p:nvPicPr>
+          <p:blipFill>
+            <a:blip r:embed="rId18">
+              <a:extLst>
+                <a:ext uri="{28A0092B-C50C-407E-A947-70E740481C1C}">
+                  <a14:useLocalDpi xmlns:a14="http://schemas.microsoft.com/office/drawing/2010/main" val="0"/>
+                </a:ext>
+              </a:extLst>
+            </a:blip>
+            <a:stretch>
+              <a:fillRect/>
+            </a:stretch>
+          </p:blipFill>
+          <p:spPr>
+            <a:xfrm>
+              <a:off x="4062769" y="3223819"/>
+              <a:ext cx="1018463" cy="390068"/>
+            </a:xfrm>
+            <a:prstGeom prst="rect">
+              <a:avLst/>
+            </a:prstGeom>
+          </p:spPr>
+        </p:pic>
+        <p:pic>
+          <p:nvPicPr>
+            <p:cNvPr id="104" name="Picture 103" descr="\documentclass{article}&#10;\pagestyle{empty}&#10;&#10;\usepackage{amsmath}&#10;\usepackage{amsfonts}&#10;&#10;% Random variable&#10;\newcommand{\rv}[1]{\ensuremath{{\boldsymbol{#1}}}}&#10;% Vector&#10;\renewcommand{\vec}[1]{\ensuremath{{\underline{#1}}}}&#10;% Random vector&#10;\newcommand{\rvec}[1]{\ensuremath{{\boldsymbol{\underline{#1}}}}}&#10;% Matrix&#10;\newcommand{\mat}[1]{{\ensuremath{{\mathbf{#1}}}}}&#10;\begin{document}&#10;&#10;\begin{gather*}&#10;\sum_{i=1}^{m}\frac{1}{\text{tr}(\mat{P}_i)} \mat{P}_i^{-1}&#10;\end{gather*}&#10;&#10;\end{document}" title="IguanaTex Bitmap Display">
+              <a:extLst>
+                <a:ext uri="{FF2B5EF4-FFF2-40B4-BE49-F238E27FC236}">
+                  <a16:creationId xmlns:a16="http://schemas.microsoft.com/office/drawing/2014/main" id="{68982262-C773-4762-A4D9-90B4A149564C}"/>
+                </a:ext>
+              </a:extLst>
+            </p:cNvPr>
+            <p:cNvPicPr>
+              <a:picLocks noChangeAspect="1"/>
+            </p:cNvPicPr>
+            <p:nvPr>
+              <p:custDataLst>
+                <p:tags r:id="rId7"/>
+              </p:custDataLst>
+            </p:nvPr>
+          </p:nvPicPr>
+          <p:blipFill>
+            <a:blip r:embed="rId19">
+              <a:extLst>
+                <a:ext uri="{28A0092B-C50C-407E-A947-70E740481C1C}">
+                  <a14:useLocalDpi xmlns:a14="http://schemas.microsoft.com/office/drawing/2010/main" val="0"/>
+                </a:ext>
+              </a:extLst>
+            </a:blip>
+            <a:stretch>
+              <a:fillRect/>
+            </a:stretch>
+          </p:blipFill>
+          <p:spPr>
+            <a:xfrm>
+              <a:off x="4062767" y="3671219"/>
+              <a:ext cx="888521" cy="391742"/>
+            </a:xfrm>
+            <a:prstGeom prst="rect">
+              <a:avLst/>
+            </a:prstGeom>
+          </p:spPr>
+        </p:pic>
+        <p:pic>
+          <p:nvPicPr>
+            <p:cNvPr id="108" name="Picture 107" descr="\documentclass{article}&#10;\usepackage{amsmath}&#10;\usepackage{amsfonts}&#10;\usepackage{bm}&#10;\usepackage{trfsigns}&#10;\pagestyle{empty}&#10;&#10;\renewcommand{\vec}[1]{\ensuremath{{\underline{#1}}}}&#10;\newcommand{\mat}[1]{{\ensuremath{{\mathbf{#1}}}}}&#10;&#10;\begin{document}&#10;\begin{equation*}&#10;\sum_{i=1}^m\frac{1}{\text{tr}(\mat{P}_i)}&#10;\end{equation*}&#10;\end{document}" title="IguanaTex Bitmap Display">
+              <a:extLst>
+                <a:ext uri="{FF2B5EF4-FFF2-40B4-BE49-F238E27FC236}">
+                  <a16:creationId xmlns:a16="http://schemas.microsoft.com/office/drawing/2014/main" id="{04EFD6AC-DD7D-4AF1-913B-0C8CBE4BFB3D}"/>
+                </a:ext>
+              </a:extLst>
+            </p:cNvPr>
+            <p:cNvPicPr>
+              <a:picLocks noChangeAspect="1"/>
+            </p:cNvPicPr>
+            <p:nvPr>
+              <p:custDataLst>
+                <p:tags r:id="rId8"/>
+              </p:custDataLst>
+            </p:nvPr>
+          </p:nvPicPr>
+          <p:blipFill>
+            <a:blip r:embed="rId20">
+              <a:extLst>
+                <a:ext uri="{28A0092B-C50C-407E-A947-70E740481C1C}">
+                  <a14:useLocalDpi xmlns:a14="http://schemas.microsoft.com/office/drawing/2010/main" val="0"/>
+                </a:ext>
+              </a:extLst>
+            </a:blip>
+            <a:stretch>
+              <a:fillRect/>
+            </a:stretch>
+          </p:blipFill>
+          <p:spPr>
+            <a:xfrm>
+              <a:off x="4076836" y="4124177"/>
+              <a:ext cx="607846" cy="382531"/>
+            </a:xfrm>
+            <a:prstGeom prst="rect">
+              <a:avLst/>
+            </a:prstGeom>
+          </p:spPr>
+        </p:pic>
+      </p:grpSp>
+      <p:grpSp>
+        <p:nvGrpSpPr>
+          <p:cNvPr id="87" name="Group 86">
+            <a:extLst>
+              <a:ext uri="{FF2B5EF4-FFF2-40B4-BE49-F238E27FC236}">
+                <a16:creationId xmlns:a16="http://schemas.microsoft.com/office/drawing/2014/main" id="{115486AF-2161-41FD-BDD6-90C934C34CAE}"/>
+              </a:ext>
+            </a:extLst>
+          </p:cNvPr>
+          <p:cNvGrpSpPr/>
+          <p:nvPr/>
+        </p:nvGrpSpPr>
+        <p:grpSpPr>
+          <a:xfrm>
+            <a:off x="1466185" y="3222684"/>
+            <a:ext cx="779279" cy="1218994"/>
+            <a:chOff x="1435243" y="3063665"/>
+            <a:chExt cx="779279" cy="1218994"/>
+          </a:xfrm>
+        </p:grpSpPr>
+        <p:pic>
+          <p:nvPicPr>
+            <p:cNvPr id="78" name="Picture 77" descr="\documentclass{article}&#10;\pagestyle{empty}&#10;&#10;\usepackage{amsmath}&#10;\usepackage{amsfonts}&#10;&#10;% Random variable&#10;\newcommand{\rv}[1]{\ensuremath{{\boldsymbol{#1}}}}&#10;% Vector&#10;\renewcommand{\vec}[1]{\ensuremath{{\underline{#1}}}}&#10;% Random vector&#10;\newcommand{\rvec}[1]{\ensuremath{{\boldsymbol{\underline{#1}}}}}&#10;% Matrix&#10;\newcommand{\mat}[1]{{\ensuremath{{\mathbf{#1}}}}}&#10;% Mean of a random variable / vector&#10;\newcommand{\mean}[1]{\ensuremath{\hat{#1}}}&#10;&#10;\begin{document}&#10;&#10;\begin{gather*}&#10;\frac{1}{\text{tr}(\mat{P}_i)} \mat{P}_i^{-1} \mean{\vec{x}}_i\end{gather*}&#10;&#10;\end{document}" title="IguanaTex Bitmap Display">
+              <a:extLst>
+                <a:ext uri="{FF2B5EF4-FFF2-40B4-BE49-F238E27FC236}">
+                  <a16:creationId xmlns:a16="http://schemas.microsoft.com/office/drawing/2014/main" id="{879EF10D-586B-4C5E-8824-9ED30F5A4EB0}"/>
+                </a:ext>
+              </a:extLst>
+            </p:cNvPr>
+            <p:cNvPicPr>
+              <a:picLocks noChangeAspect="1"/>
+            </p:cNvPicPr>
+            <p:nvPr>
+              <p:custDataLst>
+                <p:tags r:id="rId3"/>
+              </p:custDataLst>
+            </p:nvPr>
+          </p:nvPicPr>
+          <p:blipFill>
+            <a:blip r:embed="rId21">
+              <a:extLst>
+                <a:ext uri="{28A0092B-C50C-407E-A947-70E740481C1C}">
+                  <a14:useLocalDpi xmlns:a14="http://schemas.microsoft.com/office/drawing/2010/main" val="0"/>
+                </a:ext>
+              </a:extLst>
+            </a:blip>
+            <a:stretch>
+              <a:fillRect/>
+            </a:stretch>
+          </p:blipFill>
+          <p:spPr>
+            <a:xfrm>
+              <a:off x="1435244" y="3063665"/>
+              <a:ext cx="779278" cy="324914"/>
+            </a:xfrm>
+            <a:prstGeom prst="rect">
+              <a:avLst/>
+            </a:prstGeom>
+          </p:spPr>
+        </p:pic>
+        <p:pic>
+          <p:nvPicPr>
+            <p:cNvPr id="80" name="Picture 79" descr="\documentclass{article}&#10;\pagestyle{empty}&#10;&#10;\usepackage{amsmath}&#10;\usepackage{amsfonts}&#10;&#10;% Random variable&#10;\newcommand{\rv}[1]{\ensuremath{{\boldsymbol{#1}}}}&#10;% Vector&#10;\renewcommand{\vec}[1]{\ensuremath{{\underline{#1}}}}&#10;% Random vector&#10;\newcommand{\rvec}[1]{\ensuremath{{\boldsymbol{\underline{#1}}}}}&#10;% Matrix&#10;\newcommand{\mat}[1]{{\ensuremath{{\mathbf{#1}}}}}&#10;\begin{document}&#10;&#10;\begin{gather*}&#10;\frac{1}{\text{tr}(\mat{P}_i)} \mat{P}_i^{-1}&#10;\end{gather*}&#10;&#10;\end{document}" title="IguanaTex Bitmap Display">
+              <a:extLst>
+                <a:ext uri="{FF2B5EF4-FFF2-40B4-BE49-F238E27FC236}">
+                  <a16:creationId xmlns:a16="http://schemas.microsoft.com/office/drawing/2014/main" id="{92D5F312-25DD-43F0-B510-C7F7966221D5}"/>
+                </a:ext>
+              </a:extLst>
+            </p:cNvPr>
+            <p:cNvPicPr>
+              <a:picLocks noChangeAspect="1"/>
+            </p:cNvPicPr>
+            <p:nvPr>
+              <p:custDataLst>
+                <p:tags r:id="rId4"/>
+              </p:custDataLst>
+            </p:nvPr>
+          </p:nvPicPr>
+          <p:blipFill>
+            <a:blip r:embed="rId22">
+              <a:extLst>
+                <a:ext uri="{28A0092B-C50C-407E-A947-70E740481C1C}">
+                  <a14:useLocalDpi xmlns:a14="http://schemas.microsoft.com/office/drawing/2010/main" val="0"/>
+                </a:ext>
+              </a:extLst>
+            </a:blip>
+            <a:stretch>
+              <a:fillRect/>
+            </a:stretch>
+          </p:blipFill>
+          <p:spPr>
+            <a:xfrm>
+              <a:off x="1435243" y="3511065"/>
+              <a:ext cx="648310" cy="326308"/>
+            </a:xfrm>
+            <a:prstGeom prst="rect">
+              <a:avLst/>
+            </a:prstGeom>
+          </p:spPr>
+        </p:pic>
+        <p:pic>
+          <p:nvPicPr>
+            <p:cNvPr id="82" name="Picture 81" descr="\documentclass{article}&#10;\usepackage{amsmath}&#10;\usepackage{amsfonts}&#10;\usepackage{bm}&#10;\usepackage{trfsigns}&#10;\pagestyle{empty}&#10;&#10;\renewcommand{\vec}[1]{\ensuremath{{\underline{#1}}}}&#10;\newcommand{\mat}[1]{{\ensuremath{{\mathbf{#1}}}}}&#10;&#10;\begin{document}&#10;\begin{equation*}&#10;\frac{1}{\text{tr}(\mat{P}_i)}&#10;\end{equation*}&#10;\end{document}" title="IguanaTex Bitmap Display">
+              <a:extLst>
+                <a:ext uri="{FF2B5EF4-FFF2-40B4-BE49-F238E27FC236}">
+                  <a16:creationId xmlns:a16="http://schemas.microsoft.com/office/drawing/2014/main" id="{3AE11524-8350-41EE-B9FC-78B46147365B}"/>
+                </a:ext>
+              </a:extLst>
+            </p:cNvPr>
+            <p:cNvPicPr>
+              <a:picLocks noChangeAspect="1"/>
+            </p:cNvPicPr>
+            <p:nvPr>
+              <p:custDataLst>
+                <p:tags r:id="rId5"/>
+              </p:custDataLst>
+            </p:nvPr>
+          </p:nvPicPr>
+          <p:blipFill>
+            <a:blip r:embed="rId23">
+              <a:extLst>
+                <a:ext uri="{28A0092B-C50C-407E-A947-70E740481C1C}">
+                  <a14:useLocalDpi xmlns:a14="http://schemas.microsoft.com/office/drawing/2010/main" val="0"/>
+                </a:ext>
+              </a:extLst>
+            </a:blip>
+            <a:stretch>
+              <a:fillRect/>
+            </a:stretch>
+          </p:blipFill>
+          <p:spPr>
+            <a:xfrm>
+              <a:off x="1449312" y="3964023"/>
+              <a:ext cx="374124" cy="318636"/>
+            </a:xfrm>
+            <a:prstGeom prst="rect">
+              <a:avLst/>
+            </a:prstGeom>
+          </p:spPr>
+        </p:pic>
+      </p:grpSp>
+      <p:grpSp>
+        <p:nvGrpSpPr>
+          <p:cNvPr id="97" name="Group 96">
+            <a:extLst>
+              <a:ext uri="{FF2B5EF4-FFF2-40B4-BE49-F238E27FC236}">
+                <a16:creationId xmlns:a16="http://schemas.microsoft.com/office/drawing/2014/main" id="{E6E3731F-8DF7-4BBB-804B-E0EBE656A458}"/>
+              </a:ext>
+            </a:extLst>
+          </p:cNvPr>
+          <p:cNvGrpSpPr/>
+          <p:nvPr/>
+        </p:nvGrpSpPr>
+        <p:grpSpPr>
+          <a:xfrm>
+            <a:off x="949976" y="1943817"/>
+            <a:ext cx="1719694" cy="534856"/>
+            <a:chOff x="949976" y="1943817"/>
+            <a:chExt cx="1719694" cy="534856"/>
+          </a:xfrm>
+        </p:grpSpPr>
+        <p:pic>
+          <p:nvPicPr>
+            <p:cNvPr id="43" name="Picture 42">
+              <a:extLst>
+                <a:ext uri="{FF2B5EF4-FFF2-40B4-BE49-F238E27FC236}">
+                  <a16:creationId xmlns:a16="http://schemas.microsoft.com/office/drawing/2014/main" id="{A3F1C033-5781-4E25-9B50-9B30EB019A70}"/>
                 </a:ext>
               </a:extLst>
             </p:cNvPr>
@@ -15616,15 +15393,23 @@
             <p:nvPr/>
           </p:nvPicPr>
           <p:blipFill>
-            <a:blip r:embed="rId20"/>
+            <a:blip r:embed="rId24">
+              <a:duotone>
+                <a:schemeClr val="accent6">
+                  <a:shade val="45000"/>
+                  <a:satMod val="135000"/>
+                </a:schemeClr>
+                <a:prstClr val="white"/>
+              </a:duotone>
+            </a:blip>
             <a:stretch>
               <a:fillRect/>
             </a:stretch>
           </p:blipFill>
           <p:spPr>
             <a:xfrm>
-              <a:off x="3706875" y="1679161"/>
-              <a:ext cx="176424" cy="176424"/>
+              <a:off x="1402901" y="2093091"/>
+              <a:ext cx="384414" cy="379945"/>
             </a:xfrm>
             <a:prstGeom prst="rect">
               <a:avLst/>
@@ -15633,10 +15418,10 @@
         </p:pic>
         <p:pic>
           <p:nvPicPr>
-            <p:cNvPr id="10" name="Picture 9">
+            <p:cNvPr id="45" name="Picture 44">
               <a:extLst>
                 <a:ext uri="{FF2B5EF4-FFF2-40B4-BE49-F238E27FC236}">
-                  <a16:creationId xmlns:a16="http://schemas.microsoft.com/office/drawing/2014/main" id="{513CB5F8-88B0-4F14-B590-D94A8AA6FF8F}"/>
+                  <a16:creationId xmlns:a16="http://schemas.microsoft.com/office/drawing/2014/main" id="{BBEBE8D5-C4D8-4ECC-9122-6511F82EA432}"/>
                 </a:ext>
               </a:extLst>
             </p:cNvPr>
@@ -15646,15 +15431,23 @@
             <p:nvPr/>
           </p:nvPicPr>
           <p:blipFill>
-            <a:blip r:embed="rId20"/>
+            <a:blip r:embed="rId25">
+              <a:duotone>
+                <a:schemeClr val="accent6">
+                  <a:shade val="45000"/>
+                  <a:satMod val="135000"/>
+                </a:schemeClr>
+                <a:prstClr val="white"/>
+              </a:duotone>
+            </a:blip>
             <a:stretch>
               <a:fillRect/>
             </a:stretch>
           </p:blipFill>
           <p:spPr>
             <a:xfrm>
-              <a:off x="3705217" y="3206881"/>
-              <a:ext cx="176424" cy="176424"/>
+              <a:off x="949976" y="2069928"/>
+              <a:ext cx="384414" cy="379945"/>
             </a:xfrm>
             <a:prstGeom prst="rect">
               <a:avLst/>
@@ -15663,10 +15456,10 @@
         </p:pic>
         <p:pic>
           <p:nvPicPr>
-            <p:cNvPr id="11" name="Picture 10">
+            <p:cNvPr id="46" name="Picture 45">
               <a:extLst>
                 <a:ext uri="{FF2B5EF4-FFF2-40B4-BE49-F238E27FC236}">
-                  <a16:creationId xmlns:a16="http://schemas.microsoft.com/office/drawing/2014/main" id="{523FF35C-76C0-464A-B57A-A79DC29CCBC8}"/>
+                  <a16:creationId xmlns:a16="http://schemas.microsoft.com/office/drawing/2014/main" id="{D3237F31-F833-406F-A391-0753E877A9FC}"/>
                 </a:ext>
               </a:extLst>
             </p:cNvPr>
@@ -15676,15 +15469,115 @@
             <p:nvPr/>
           </p:nvPicPr>
           <p:blipFill>
-            <a:blip r:embed="rId20"/>
+            <a:blip r:embed="rId26">
+              <a:duotone>
+                <a:schemeClr val="accent6">
+                  <a:shade val="45000"/>
+                  <a:satMod val="135000"/>
+                </a:schemeClr>
+                <a:prstClr val="white"/>
+              </a:duotone>
+              <a:extLst>
+                <a:ext uri="{28A0092B-C50C-407E-A947-70E740481C1C}">
+                  <a14:useLocalDpi xmlns:a14="http://schemas.microsoft.com/office/drawing/2010/main" val="0"/>
+                </a:ext>
+              </a:extLst>
+            </a:blip>
+            <a:stretch>
+              <a:fillRect/>
+            </a:stretch>
+          </p:blipFill>
+          <p:spPr>
+            <a:xfrm rot="10800000">
+              <a:off x="2285256" y="2094259"/>
+              <a:ext cx="384414" cy="384414"/>
+            </a:xfrm>
+            <a:prstGeom prst="rect">
+              <a:avLst/>
+            </a:prstGeom>
+          </p:spPr>
+        </p:pic>
+        <p:pic>
+          <p:nvPicPr>
+            <p:cNvPr id="51" name="Picture 50">
+              <a:extLst>
+                <a:ext uri="{FF2B5EF4-FFF2-40B4-BE49-F238E27FC236}">
+                  <a16:creationId xmlns:a16="http://schemas.microsoft.com/office/drawing/2014/main" id="{FB3B095F-0E24-414E-A354-2C90A0921FA4}"/>
+                </a:ext>
+              </a:extLst>
+            </p:cNvPr>
+            <p:cNvPicPr>
+              <a:picLocks noChangeAspect="1"/>
+            </p:cNvPicPr>
+            <p:nvPr>
+              <p:custDataLst>
+                <p:tags r:id="rId1"/>
+              </p:custDataLst>
+            </p:nvPr>
+          </p:nvPicPr>
+          <p:blipFill>
+            <a:blip r:embed="rId27">
+              <a:duotone>
+                <a:schemeClr val="accent6">
+                  <a:shade val="45000"/>
+                  <a:satMod val="135000"/>
+                </a:schemeClr>
+                <a:prstClr val="white"/>
+              </a:duotone>
+              <a:extLst>
+                <a:ext uri="{28A0092B-C50C-407E-A947-70E740481C1C}">
+                  <a14:useLocalDpi xmlns:a14="http://schemas.microsoft.com/office/drawing/2010/main" val="0"/>
+                </a:ext>
+              </a:extLst>
+            </a:blip>
+            <a:stretch>
+              <a:fillRect/>
+            </a:stretch>
+          </p:blipFill>
+          <p:spPr>
+            <a:xfrm rot="10800000">
+              <a:off x="1855826" y="2266662"/>
+              <a:ext cx="363079" cy="39608"/>
+            </a:xfrm>
+            <a:prstGeom prst="rect">
+              <a:avLst/>
+            </a:prstGeom>
+          </p:spPr>
+        </p:pic>
+        <p:pic>
+          <p:nvPicPr>
+            <p:cNvPr id="96" name="Picture 95" descr="\documentclass{article}&#10;\usepackage{amsmath}&#10;\usepackage{amsfonts}&#10;\usepackage{bm}&#10;\usepackage{trfsigns}&#10;\pagestyle{empty}&#10;&#10;\renewcommand{\vec}[1]{\ensuremath{{\underline{#1}}}}&#10;\newcommand{\mat}[1]{{\ensuremath{{\mathbf{#1}}}}}&#10;&#10;\begin{document}&#10;\begin{equation*}&#10;i \in [1\dots m]&#10;\end{equation*}&#10;\end{document}" title="IguanaTex Bitmap Display">
+              <a:extLst>
+                <a:ext uri="{FF2B5EF4-FFF2-40B4-BE49-F238E27FC236}">
+                  <a16:creationId xmlns:a16="http://schemas.microsoft.com/office/drawing/2014/main" id="{4065D273-2C9A-48FD-BBA1-DC6FB7E5F306}"/>
+                </a:ext>
+              </a:extLst>
+            </p:cNvPr>
+            <p:cNvPicPr>
+              <a:picLocks noChangeAspect="1"/>
+            </p:cNvPicPr>
+            <p:nvPr>
+              <p:custDataLst>
+                <p:tags r:id="rId2"/>
+              </p:custDataLst>
+            </p:nvPr>
+          </p:nvPicPr>
+          <p:blipFill>
+            <a:blip r:embed="rId28">
+              <a:extLst>
+                <a:ext uri="{28A0092B-C50C-407E-A947-70E740481C1C}">
+                  <a14:useLocalDpi xmlns:a14="http://schemas.microsoft.com/office/drawing/2010/main" val="0"/>
+                </a:ext>
+              </a:extLst>
+            </a:blip>
             <a:stretch>
               <a:fillRect/>
             </a:stretch>
           </p:blipFill>
           <p:spPr>
             <a:xfrm>
-              <a:off x="6820634" y="3419761"/>
-              <a:ext cx="176424" cy="176424"/>
+              <a:off x="1490088" y="1943817"/>
+              <a:ext cx="609412" cy="126111"/>
             </a:xfrm>
             <a:prstGeom prst="rect">
               <a:avLst/>
@@ -15692,6 +15585,242 @@
           </p:spPr>
         </p:pic>
       </p:grpSp>
+      <p:sp>
+        <p:nvSpPr>
+          <p:cNvPr id="89" name="TextBox 88">
+            <a:extLst>
+              <a:ext uri="{FF2B5EF4-FFF2-40B4-BE49-F238E27FC236}">
+                <a16:creationId xmlns:a16="http://schemas.microsoft.com/office/drawing/2014/main" id="{F1B5A449-0A17-40AB-A052-2A79917E11F0}"/>
+              </a:ext>
+            </a:extLst>
+          </p:cNvPr>
+          <p:cNvSpPr txBox="1"/>
+          <p:nvPr/>
+        </p:nvSpPr>
+        <p:spPr>
+          <a:xfrm>
+            <a:off x="1452393" y="2818997"/>
+            <a:ext cx="684803" cy="276999"/>
+          </a:xfrm>
+          <a:prstGeom prst="rect">
+            <a:avLst/>
+          </a:prstGeom>
+        </p:spPr>
+        <p:style>
+          <a:lnRef idx="1">
+            <a:schemeClr val="accent6"/>
+          </a:lnRef>
+          <a:fillRef idx="3">
+            <a:schemeClr val="accent6"/>
+          </a:fillRef>
+          <a:effectRef idx="2">
+            <a:schemeClr val="accent6"/>
+          </a:effectRef>
+          <a:fontRef idx="minor">
+            <a:schemeClr val="lt1"/>
+          </a:fontRef>
+        </p:style>
+        <p:txBody>
+          <a:bodyPr wrap="none" rtlCol="0">
+            <a:spAutoFit/>
+          </a:bodyPr>
+          <a:lstStyle/>
+          <a:p>
+            <a:r>
+              <a:rPr lang="en-AU" sz="1200" dirty="0"/>
+              <a:t>Encrypt</a:t>
+            </a:r>
+          </a:p>
+        </p:txBody>
+      </p:sp>
+      <p:sp>
+        <p:nvSpPr>
+          <p:cNvPr id="90" name="TextBox 89">
+            <a:extLst>
+              <a:ext uri="{FF2B5EF4-FFF2-40B4-BE49-F238E27FC236}">
+                <a16:creationId xmlns:a16="http://schemas.microsoft.com/office/drawing/2014/main" id="{9225CB6A-D2E1-42E9-BBD2-81CF5015D35D}"/>
+              </a:ext>
+            </a:extLst>
+          </p:cNvPr>
+          <p:cNvSpPr txBox="1"/>
+          <p:nvPr/>
+        </p:nvSpPr>
+        <p:spPr>
+          <a:xfrm>
+            <a:off x="3768477" y="2809703"/>
+            <a:ext cx="1607043" cy="276999"/>
+          </a:xfrm>
+          <a:prstGeom prst="rect">
+            <a:avLst/>
+          </a:prstGeom>
+        </p:spPr>
+        <p:style>
+          <a:lnRef idx="1">
+            <a:schemeClr val="accent2"/>
+          </a:lnRef>
+          <a:fillRef idx="3">
+            <a:schemeClr val="accent2"/>
+          </a:fillRef>
+          <a:effectRef idx="2">
+            <a:schemeClr val="accent2"/>
+          </a:effectRef>
+          <a:fontRef idx="minor">
+            <a:schemeClr val="lt1"/>
+          </a:fontRef>
+        </p:style>
+        <p:txBody>
+          <a:bodyPr wrap="none" rtlCol="0">
+            <a:spAutoFit/>
+          </a:bodyPr>
+          <a:lstStyle/>
+          <a:p>
+            <a:r>
+              <a:rPr lang="en-AU" sz="1200" dirty="0"/>
+              <a:t>Homomorphically fuse</a:t>
+            </a:r>
+          </a:p>
+        </p:txBody>
+      </p:sp>
+      <p:sp>
+        <p:nvSpPr>
+          <p:cNvPr id="91" name="TextBox 90">
+            <a:extLst>
+              <a:ext uri="{FF2B5EF4-FFF2-40B4-BE49-F238E27FC236}">
+                <a16:creationId xmlns:a16="http://schemas.microsoft.com/office/drawing/2014/main" id="{F8F0D299-9F2C-42E9-9944-B057279217EF}"/>
+              </a:ext>
+            </a:extLst>
+          </p:cNvPr>
+          <p:cNvSpPr txBox="1"/>
+          <p:nvPr/>
+        </p:nvSpPr>
+        <p:spPr>
+          <a:xfrm>
+            <a:off x="6980090" y="2819575"/>
+            <a:ext cx="1558440" cy="276999"/>
+          </a:xfrm>
+          <a:prstGeom prst="rect">
+            <a:avLst/>
+          </a:prstGeom>
+        </p:spPr>
+        <p:style>
+          <a:lnRef idx="1">
+            <a:schemeClr val="accent6"/>
+          </a:lnRef>
+          <a:fillRef idx="3">
+            <a:schemeClr val="accent6"/>
+          </a:fillRef>
+          <a:effectRef idx="2">
+            <a:schemeClr val="accent6"/>
+          </a:effectRef>
+          <a:fontRef idx="minor">
+            <a:schemeClr val="lt1"/>
+          </a:fontRef>
+        </p:style>
+        <p:txBody>
+          <a:bodyPr wrap="none" rtlCol="0">
+            <a:spAutoFit/>
+          </a:bodyPr>
+          <a:lstStyle/>
+          <a:p>
+            <a:r>
+              <a:rPr lang="en-AU" sz="1200" dirty="0"/>
+              <a:t>Decrypt and evaluate</a:t>
+            </a:r>
+          </a:p>
+        </p:txBody>
+      </p:sp>
+      <p:sp>
+        <p:nvSpPr>
+          <p:cNvPr id="92" name="Arrow: Right 91">
+            <a:extLst>
+              <a:ext uri="{FF2B5EF4-FFF2-40B4-BE49-F238E27FC236}">
+                <a16:creationId xmlns:a16="http://schemas.microsoft.com/office/drawing/2014/main" id="{3EEE2DB1-CAB2-4E31-96ED-5B326CE6283F}"/>
+              </a:ext>
+            </a:extLst>
+          </p:cNvPr>
+          <p:cNvSpPr/>
+          <p:nvPr/>
+        </p:nvSpPr>
+        <p:spPr>
+          <a:xfrm>
+            <a:off x="2827857" y="2957495"/>
+            <a:ext cx="249958" cy="56033"/>
+          </a:xfrm>
+          <a:prstGeom prst="rightArrow">
+            <a:avLst/>
+          </a:prstGeom>
+        </p:spPr>
+        <p:style>
+          <a:lnRef idx="2">
+            <a:schemeClr val="accent1">
+              <a:shade val="50000"/>
+            </a:schemeClr>
+          </a:lnRef>
+          <a:fillRef idx="1">
+            <a:schemeClr val="accent1"/>
+          </a:fillRef>
+          <a:effectRef idx="0">
+            <a:schemeClr val="accent1"/>
+          </a:effectRef>
+          <a:fontRef idx="minor">
+            <a:schemeClr val="lt1"/>
+          </a:fontRef>
+        </p:style>
+        <p:txBody>
+          <a:bodyPr rtlCol="0" anchor="ctr"/>
+          <a:lstStyle/>
+          <a:p>
+            <a:pPr algn="ctr"/>
+            <a:endParaRPr lang="en-AU"/>
+          </a:p>
+        </p:txBody>
+      </p:sp>
+      <p:sp>
+        <p:nvSpPr>
+          <p:cNvPr id="93" name="Arrow: Right 92">
+            <a:extLst>
+              <a:ext uri="{FF2B5EF4-FFF2-40B4-BE49-F238E27FC236}">
+                <a16:creationId xmlns:a16="http://schemas.microsoft.com/office/drawing/2014/main" id="{2C35DC1C-AC56-4612-85BC-42481D6E0E6D}"/>
+              </a:ext>
+            </a:extLst>
+          </p:cNvPr>
+          <p:cNvSpPr/>
+          <p:nvPr/>
+        </p:nvSpPr>
+        <p:spPr>
+          <a:xfrm>
+            <a:off x="6052826" y="2957495"/>
+            <a:ext cx="249958" cy="56033"/>
+          </a:xfrm>
+          <a:prstGeom prst="rightArrow">
+            <a:avLst/>
+          </a:prstGeom>
+        </p:spPr>
+        <p:style>
+          <a:lnRef idx="2">
+            <a:schemeClr val="accent1">
+              <a:shade val="50000"/>
+            </a:schemeClr>
+          </a:lnRef>
+          <a:fillRef idx="1">
+            <a:schemeClr val="accent1"/>
+          </a:fillRef>
+          <a:effectRef idx="0">
+            <a:schemeClr val="accent1"/>
+          </a:effectRef>
+          <a:fontRef idx="minor">
+            <a:schemeClr val="lt1"/>
+          </a:fontRef>
+        </p:style>
+        <p:txBody>
+          <a:bodyPr rtlCol="0" anchor="ctr"/>
+          <a:lstStyle/>
+          <a:p>
+            <a:pPr algn="ctr"/>
+            <a:endParaRPr lang="en-AU"/>
+          </a:p>
+        </p:txBody>
+      </p:sp>
     </p:spTree>
     <p:extLst>
       <p:ext uri="{BB962C8B-B14F-4D97-AF65-F5344CB8AC3E}">
@@ -15724,10 +15853,10 @@
       </p:grpSpPr>
       <p:sp>
         <p:nvSpPr>
-          <p:cNvPr id="6" name="Text Placeholder 5">
+          <p:cNvPr id="2" name="Content Placeholder 1">
             <a:extLst>
               <a:ext uri="{FF2B5EF4-FFF2-40B4-BE49-F238E27FC236}">
-                <a16:creationId xmlns:a16="http://schemas.microsoft.com/office/drawing/2014/main" id="{F73FE937-1CAF-4BFA-9234-4FAAD066EAE0}"/>
+                <a16:creationId xmlns:a16="http://schemas.microsoft.com/office/drawing/2014/main" id="{71C5BB9E-0F87-4700-884F-0EAA31BA267F}"/>
               </a:ext>
             </a:extLst>
           </p:cNvPr>
@@ -15735,96 +15864,54 @@
             <a:spLocks noGrp="1"/>
           </p:cNvSpPr>
           <p:nvPr>
-            <p:ph type="body" idx="1"/>
+            <p:ph idx="1"/>
           </p:nvPr>
         </p:nvSpPr>
-        <p:spPr/>
+        <p:spPr>
+          <a:xfrm>
+            <a:off x="359999" y="1127290"/>
+            <a:ext cx="4212001" cy="3263503"/>
+          </a:xfrm>
+        </p:spPr>
         <p:txBody>
           <a:bodyPr/>
           <a:lstStyle/>
           <a:p>
+            <a:endParaRPr lang="en-AU" dirty="0"/>
+          </a:p>
+          <a:p>
             <a:r>
               <a:rPr lang="en-AU" dirty="0"/>
-              <a:t>Weights not leaked</a:t>
-            </a:r>
-          </a:p>
-        </p:txBody>
-      </p:sp>
-      <p:sp>
-        <p:nvSpPr>
-          <p:cNvPr id="7" name="Content Placeholder 6">
-            <a:extLst>
-              <a:ext uri="{FF2B5EF4-FFF2-40B4-BE49-F238E27FC236}">
-                <a16:creationId xmlns:a16="http://schemas.microsoft.com/office/drawing/2014/main" id="{33B9BA28-5943-484A-B9B4-22CAC37CE9CB}"/>
-              </a:ext>
-            </a:extLst>
-          </p:cNvPr>
-          <p:cNvSpPr>
-            <a:spLocks noGrp="1"/>
-          </p:cNvSpPr>
-          <p:nvPr>
-            <p:ph sz="half" idx="2"/>
-          </p:nvPr>
-        </p:nvSpPr>
-        <p:spPr/>
-        <p:txBody>
-          <a:bodyPr/>
-          <a:lstStyle/>
-          <a:p>
-            <a:endParaRPr lang="en-AU"/>
-          </a:p>
-        </p:txBody>
-      </p:sp>
-      <p:sp>
-        <p:nvSpPr>
-          <p:cNvPr id="8" name="Text Placeholder 7">
-            <a:extLst>
-              <a:ext uri="{FF2B5EF4-FFF2-40B4-BE49-F238E27FC236}">
-                <a16:creationId xmlns:a16="http://schemas.microsoft.com/office/drawing/2014/main" id="{A67D12B8-2429-4CEF-AF66-18CB163E7D93}"/>
-              </a:ext>
-            </a:extLst>
-          </p:cNvPr>
-          <p:cNvSpPr>
-            <a:spLocks noGrp="1"/>
-          </p:cNvSpPr>
-          <p:nvPr>
-            <p:ph type="body" sz="quarter" idx="3"/>
-          </p:nvPr>
-        </p:nvSpPr>
-        <p:spPr/>
-        <p:txBody>
-          <a:bodyPr/>
-          <a:lstStyle/>
+              <a:t>Quantisation error when encrypting</a:t>
+            </a:r>
+          </a:p>
+          <a:p>
+            <a:endParaRPr lang="en-AU" dirty="0"/>
+          </a:p>
+          <a:p>
+            <a:endParaRPr lang="en-AU" dirty="0"/>
+          </a:p>
           <a:p>
             <a:r>
               <a:rPr lang="en-AU" dirty="0"/>
-              <a:t>Leaked weights</a:t>
-            </a:r>
-          </a:p>
-        </p:txBody>
-      </p:sp>
-      <p:sp>
-        <p:nvSpPr>
-          <p:cNvPr id="9" name="Content Placeholder 8">
-            <a:extLst>
-              <a:ext uri="{FF2B5EF4-FFF2-40B4-BE49-F238E27FC236}">
-                <a16:creationId xmlns:a16="http://schemas.microsoft.com/office/drawing/2014/main" id="{32C77E94-A8C9-4BB4-8944-314E93D17C7C}"/>
-              </a:ext>
-            </a:extLst>
-          </p:cNvPr>
-          <p:cNvSpPr>
-            <a:spLocks noGrp="1"/>
-          </p:cNvSpPr>
-          <p:nvPr>
-            <p:ph sz="quarter" idx="4"/>
-          </p:nvPr>
-        </p:nvSpPr>
-        <p:spPr/>
-        <p:txBody>
-          <a:bodyPr/>
-          <a:lstStyle/>
-          <a:p>
-            <a:endParaRPr lang="en-AU"/>
+              <a:t>Weights computed exactly</a:t>
+            </a:r>
+          </a:p>
+          <a:p>
+            <a:endParaRPr lang="en-AU" dirty="0"/>
+          </a:p>
+          <a:p>
+            <a:endParaRPr lang="en-AU" dirty="0"/>
+          </a:p>
+          <a:p>
+            <a:r>
+              <a:rPr lang="en-AU" dirty="0">
+                <a:solidFill>
+                  <a:schemeClr val="accent1"/>
+                </a:solidFill>
+              </a:rPr>
+              <a:t>Negligible estimation performance difference with sufficient key size</a:t>
+            </a:r>
           </a:p>
         </p:txBody>
       </p:sp>
@@ -15833,7 +15920,7 @@
           <p:cNvPr id="3" name="Footer Placeholder 2">
             <a:extLst>
               <a:ext uri="{FF2B5EF4-FFF2-40B4-BE49-F238E27FC236}">
-                <a16:creationId xmlns:a16="http://schemas.microsoft.com/office/drawing/2014/main" id="{8A83146E-123C-472B-A599-918A70F20DD2}"/>
+                <a16:creationId xmlns:a16="http://schemas.microsoft.com/office/drawing/2014/main" id="{8994F237-5546-43A5-98B8-A2B62F2C341E}"/>
               </a:ext>
             </a:extLst>
           </p:cNvPr>
@@ -15850,13 +15937,14 @@
           <a:lstStyle/>
           <a:p>
             <a:r>
-              <a:rPr lang="en-AU" dirty="0"/>
+              <a:rPr lang="en-AU"/>
               <a:t>Encrypted Fast Covariance Intersection</a:t>
             </a:r>
             <a:r>
-              <a:rPr lang="en-US" dirty="0"/>
+              <a:rPr lang="en-US"/>
               <a:t> | Marko Ristic</a:t>
             </a:r>
+            <a:endParaRPr lang="en-US" dirty="0"/>
           </a:p>
         </p:txBody>
       </p:sp>
@@ -15865,7 +15953,7 @@
           <p:cNvPr id="4" name="Slide Number Placeholder 3">
             <a:extLst>
               <a:ext uri="{FF2B5EF4-FFF2-40B4-BE49-F238E27FC236}">
-                <a16:creationId xmlns:a16="http://schemas.microsoft.com/office/drawing/2014/main" id="{656BBA1D-79F3-4974-9F46-64E879CABB53}"/>
+                <a16:creationId xmlns:a16="http://schemas.microsoft.com/office/drawing/2014/main" id="{8F345D5F-E58B-49B0-BE83-6AD7FB9DAC1B}"/>
               </a:ext>
             </a:extLst>
           </p:cNvPr>
@@ -15884,151 +15972,6 @@
             <a:fld id="{DA08224A-2920-4020-A8B1-52A27C9B37B2}" type="slidenum">
               <a:rPr lang="en-US" smtClean="0"/>
               <a:t>8</a:t>
-            </a:fld>
-            <a:endParaRPr lang="en-US"/>
-          </a:p>
-        </p:txBody>
-      </p:sp>
-      <p:sp>
-        <p:nvSpPr>
-          <p:cNvPr id="5" name="Title 4">
-            <a:extLst>
-              <a:ext uri="{FF2B5EF4-FFF2-40B4-BE49-F238E27FC236}">
-                <a16:creationId xmlns:a16="http://schemas.microsoft.com/office/drawing/2014/main" id="{190954DA-6DA3-4DF9-A6C7-0FD0408B9E96}"/>
-              </a:ext>
-            </a:extLst>
-          </p:cNvPr>
-          <p:cNvSpPr>
-            <a:spLocks noGrp="1"/>
-          </p:cNvSpPr>
-          <p:nvPr>
-            <p:ph type="title"/>
-          </p:nvPr>
-        </p:nvSpPr>
-        <p:spPr/>
-        <p:txBody>
-          <a:bodyPr/>
-          <a:lstStyle/>
-          <a:p>
-            <a:r>
-              <a:rPr lang="en-AU" dirty="0"/>
-              <a:t>Comparison</a:t>
-            </a:r>
-          </a:p>
-        </p:txBody>
-      </p:sp>
-    </p:spTree>
-    <p:extLst>
-      <p:ext uri="{BB962C8B-B14F-4D97-AF65-F5344CB8AC3E}">
-        <p14:creationId xmlns:p14="http://schemas.microsoft.com/office/powerpoint/2010/main" val="4057636188"/>
-      </p:ext>
-    </p:extLst>
-  </p:cSld>
-  <p:clrMapOvr>
-    <a:masterClrMapping/>
-  </p:clrMapOvr>
-</p:sld>
-</file>
-
-<file path=ppt/slides/slide9.xml><?xml version="1.0" encoding="utf-8"?>
-<p:sld xmlns:a="http://schemas.openxmlformats.org/drawingml/2006/main" xmlns:r="http://schemas.openxmlformats.org/officeDocument/2006/relationships" xmlns:p="http://schemas.openxmlformats.org/presentationml/2006/main">
-  <p:cSld>
-    <p:spTree>
-      <p:nvGrpSpPr>
-        <p:cNvPr id="1" name=""/>
-        <p:cNvGrpSpPr/>
-        <p:nvPr/>
-      </p:nvGrpSpPr>
-      <p:grpSpPr>
-        <a:xfrm>
-          <a:off x="0" y="0"/>
-          <a:ext cx="0" cy="0"/>
-          <a:chOff x="0" y="0"/>
-          <a:chExt cx="0" cy="0"/>
-        </a:xfrm>
-      </p:grpSpPr>
-      <p:sp>
-        <p:nvSpPr>
-          <p:cNvPr id="2" name="Content Placeholder 1">
-            <a:extLst>
-              <a:ext uri="{FF2B5EF4-FFF2-40B4-BE49-F238E27FC236}">
-                <a16:creationId xmlns:a16="http://schemas.microsoft.com/office/drawing/2014/main" id="{71C5BB9E-0F87-4700-884F-0EAA31BA267F}"/>
-              </a:ext>
-            </a:extLst>
-          </p:cNvPr>
-          <p:cNvSpPr>
-            <a:spLocks noGrp="1"/>
-          </p:cNvSpPr>
-          <p:nvPr>
-            <p:ph idx="1"/>
-          </p:nvPr>
-        </p:nvSpPr>
-        <p:spPr/>
-        <p:txBody>
-          <a:bodyPr/>
-          <a:lstStyle/>
-          <a:p>
-            <a:endParaRPr lang="en-AU" dirty="0"/>
-          </a:p>
-        </p:txBody>
-      </p:sp>
-      <p:sp>
-        <p:nvSpPr>
-          <p:cNvPr id="3" name="Footer Placeholder 2">
-            <a:extLst>
-              <a:ext uri="{FF2B5EF4-FFF2-40B4-BE49-F238E27FC236}">
-                <a16:creationId xmlns:a16="http://schemas.microsoft.com/office/drawing/2014/main" id="{8994F237-5546-43A5-98B8-A2B62F2C341E}"/>
-              </a:ext>
-            </a:extLst>
-          </p:cNvPr>
-          <p:cNvSpPr>
-            <a:spLocks noGrp="1"/>
-          </p:cNvSpPr>
-          <p:nvPr>
-            <p:ph type="ftr" sz="quarter" idx="11"/>
-          </p:nvPr>
-        </p:nvSpPr>
-        <p:spPr/>
-        <p:txBody>
-          <a:bodyPr/>
-          <a:lstStyle/>
-          <a:p>
-            <a:r>
-              <a:rPr lang="en-AU"/>
-              <a:t>Encrypted Fast Covariance Intersection</a:t>
-            </a:r>
-            <a:r>
-              <a:rPr lang="en-US"/>
-              <a:t> | Marko Ristic</a:t>
-            </a:r>
-            <a:endParaRPr lang="en-US" dirty="0"/>
-          </a:p>
-        </p:txBody>
-      </p:sp>
-      <p:sp>
-        <p:nvSpPr>
-          <p:cNvPr id="4" name="Slide Number Placeholder 3">
-            <a:extLst>
-              <a:ext uri="{FF2B5EF4-FFF2-40B4-BE49-F238E27FC236}">
-                <a16:creationId xmlns:a16="http://schemas.microsoft.com/office/drawing/2014/main" id="{8F345D5F-E58B-49B0-BE83-6AD7FB9DAC1B}"/>
-              </a:ext>
-            </a:extLst>
-          </p:cNvPr>
-          <p:cNvSpPr>
-            <a:spLocks noGrp="1"/>
-          </p:cNvSpPr>
-          <p:nvPr>
-            <p:ph type="sldNum" sz="quarter" idx="12"/>
-          </p:nvPr>
-        </p:nvSpPr>
-        <p:spPr/>
-        <p:txBody>
-          <a:bodyPr/>
-          <a:lstStyle/>
-          <a:p>
-            <a:fld id="{DA08224A-2920-4020-A8B1-52A27C9B37B2}" type="slidenum">
-              <a:rPr lang="en-US" smtClean="0"/>
-              <a:t>9</a:t>
             </a:fld>
             <a:endParaRPr lang="en-US"/>
           </a:p>
@@ -16105,6 +16048,418 @@
 </p:sld>
 </file>
 
+<file path=ppt/slides/slide9.xml><?xml version="1.0" encoding="utf-8"?>
+<p:sld xmlns:a="http://schemas.openxmlformats.org/drawingml/2006/main" xmlns:r="http://schemas.openxmlformats.org/officeDocument/2006/relationships" xmlns:p="http://schemas.openxmlformats.org/presentationml/2006/main">
+  <p:cSld>
+    <p:spTree>
+      <p:nvGrpSpPr>
+        <p:cNvPr id="1" name=""/>
+        <p:cNvGrpSpPr/>
+        <p:nvPr/>
+      </p:nvGrpSpPr>
+      <p:grpSpPr>
+        <a:xfrm>
+          <a:off x="0" y="0"/>
+          <a:ext cx="0" cy="0"/>
+          <a:chOff x="0" y="0"/>
+          <a:chExt cx="0" cy="0"/>
+        </a:xfrm>
+      </p:grpSpPr>
+      <p:sp>
+        <p:nvSpPr>
+          <p:cNvPr id="2" name="Content Placeholder 1">
+            <a:extLst>
+              <a:ext uri="{FF2B5EF4-FFF2-40B4-BE49-F238E27FC236}">
+                <a16:creationId xmlns:a16="http://schemas.microsoft.com/office/drawing/2014/main" id="{051C62F2-6726-4356-9258-2687952C7A0B}"/>
+              </a:ext>
+            </a:extLst>
+          </p:cNvPr>
+          <p:cNvSpPr>
+            <a:spLocks noGrp="1"/>
+          </p:cNvSpPr>
+          <p:nvPr>
+            <p:ph idx="1"/>
+          </p:nvPr>
+        </p:nvSpPr>
+        <p:spPr>
+          <a:xfrm>
+            <a:off x="359999" y="1127290"/>
+            <a:ext cx="8424000" cy="3263503"/>
+          </a:xfrm>
+        </p:spPr>
+        <p:txBody>
+          <a:bodyPr/>
+          <a:lstStyle/>
+          <a:p>
+            <a:r>
+              <a:rPr lang="en-AU" dirty="0"/>
+              <a:t>Additional workloads</a:t>
+            </a:r>
+          </a:p>
+          <a:p>
+            <a:pPr lvl="1"/>
+            <a:r>
+              <a:rPr lang="en-AU" dirty="0"/>
+              <a:t>Encryption at sensor</a:t>
+            </a:r>
+          </a:p>
+          <a:p>
+            <a:pPr lvl="1"/>
+            <a:r>
+              <a:rPr lang="en-AU" dirty="0"/>
+              <a:t>Homomorphic addition at cloud</a:t>
+            </a:r>
+          </a:p>
+          <a:p>
+            <a:pPr lvl="1"/>
+            <a:r>
+              <a:rPr lang="en-AU" dirty="0"/>
+              <a:t>Decryption and matrix inversion by querying party</a:t>
+            </a:r>
+          </a:p>
+          <a:p>
+            <a:pPr lvl="1"/>
+            <a:endParaRPr lang="en-AU" dirty="0"/>
+          </a:p>
+          <a:p>
+            <a:r>
+              <a:rPr lang="en-AU" dirty="0">
+                <a:solidFill>
+                  <a:schemeClr val="accent1"/>
+                </a:solidFill>
+              </a:rPr>
+              <a:t>Which objects can query cloud need to be considered (power/memory requirements)</a:t>
+            </a:r>
+          </a:p>
+        </p:txBody>
+      </p:sp>
+      <p:sp>
+        <p:nvSpPr>
+          <p:cNvPr id="3" name="Footer Placeholder 2">
+            <a:extLst>
+              <a:ext uri="{FF2B5EF4-FFF2-40B4-BE49-F238E27FC236}">
+                <a16:creationId xmlns:a16="http://schemas.microsoft.com/office/drawing/2014/main" id="{EEAA95F5-5A73-44F2-AE6D-400CF2CC0918}"/>
+              </a:ext>
+            </a:extLst>
+          </p:cNvPr>
+          <p:cNvSpPr>
+            <a:spLocks noGrp="1"/>
+          </p:cNvSpPr>
+          <p:nvPr>
+            <p:ph type="ftr" sz="quarter" idx="11"/>
+          </p:nvPr>
+        </p:nvSpPr>
+        <p:spPr/>
+        <p:txBody>
+          <a:bodyPr/>
+          <a:lstStyle/>
+          <a:p>
+            <a:r>
+              <a:rPr lang="en-AU"/>
+              <a:t>Encrypted Fast Covariance Intersection</a:t>
+            </a:r>
+            <a:r>
+              <a:rPr lang="en-US"/>
+              <a:t> | Marko Ristic</a:t>
+            </a:r>
+            <a:endParaRPr lang="en-US" dirty="0"/>
+          </a:p>
+        </p:txBody>
+      </p:sp>
+      <p:sp>
+        <p:nvSpPr>
+          <p:cNvPr id="4" name="Slide Number Placeholder 3">
+            <a:extLst>
+              <a:ext uri="{FF2B5EF4-FFF2-40B4-BE49-F238E27FC236}">
+                <a16:creationId xmlns:a16="http://schemas.microsoft.com/office/drawing/2014/main" id="{C6BC647A-8C6B-476C-B1B4-8FD6CB36EE70}"/>
+              </a:ext>
+            </a:extLst>
+          </p:cNvPr>
+          <p:cNvSpPr>
+            <a:spLocks noGrp="1"/>
+          </p:cNvSpPr>
+          <p:nvPr>
+            <p:ph type="sldNum" sz="quarter" idx="12"/>
+          </p:nvPr>
+        </p:nvSpPr>
+        <p:spPr/>
+        <p:txBody>
+          <a:bodyPr/>
+          <a:lstStyle/>
+          <a:p>
+            <a:fld id="{DA08224A-2920-4020-A8B1-52A27C9B37B2}" type="slidenum">
+              <a:rPr lang="en-US" smtClean="0"/>
+              <a:t>9</a:t>
+            </a:fld>
+            <a:endParaRPr lang="en-US"/>
+          </a:p>
+        </p:txBody>
+      </p:sp>
+      <p:sp>
+        <p:nvSpPr>
+          <p:cNvPr id="5" name="Title 4">
+            <a:extLst>
+              <a:ext uri="{FF2B5EF4-FFF2-40B4-BE49-F238E27FC236}">
+                <a16:creationId xmlns:a16="http://schemas.microsoft.com/office/drawing/2014/main" id="{9D6250A6-3F72-406B-A68F-79189E025B24}"/>
+              </a:ext>
+            </a:extLst>
+          </p:cNvPr>
+          <p:cNvSpPr>
+            <a:spLocks noGrp="1"/>
+          </p:cNvSpPr>
+          <p:nvPr>
+            <p:ph type="title"/>
+          </p:nvPr>
+        </p:nvSpPr>
+        <p:spPr/>
+        <p:txBody>
+          <a:bodyPr/>
+          <a:lstStyle/>
+          <a:p>
+            <a:r>
+              <a:rPr lang="en-AU" dirty="0"/>
+              <a:t>Complexity</a:t>
+            </a:r>
+          </a:p>
+        </p:txBody>
+      </p:sp>
+      <p:pic>
+        <p:nvPicPr>
+          <p:cNvPr id="6" name="Picture 5">
+            <a:extLst>
+              <a:ext uri="{FF2B5EF4-FFF2-40B4-BE49-F238E27FC236}">
+                <a16:creationId xmlns:a16="http://schemas.microsoft.com/office/drawing/2014/main" id="{5D4C1727-7F5D-42DB-A2A2-CBC2A1C699D9}"/>
+              </a:ext>
+            </a:extLst>
+          </p:cNvPr>
+          <p:cNvPicPr>
+            <a:picLocks noChangeAspect="1"/>
+          </p:cNvPicPr>
+          <p:nvPr/>
+        </p:nvPicPr>
+        <p:blipFill rotWithShape="1">
+          <a:blip r:embed="rId5"/>
+          <a:srcRect t="30825"/>
+          <a:stretch/>
+        </p:blipFill>
+        <p:spPr>
+          <a:xfrm>
+            <a:off x="4134646" y="3252858"/>
+            <a:ext cx="3071640" cy="904875"/>
+          </a:xfrm>
+          <a:prstGeom prst="rect">
+            <a:avLst/>
+          </a:prstGeom>
+        </p:spPr>
+      </p:pic>
+      <p:grpSp>
+        <p:nvGrpSpPr>
+          <p:cNvPr id="19" name="Group 18">
+            <a:extLst>
+              <a:ext uri="{FF2B5EF4-FFF2-40B4-BE49-F238E27FC236}">
+                <a16:creationId xmlns:a16="http://schemas.microsoft.com/office/drawing/2014/main" id="{411AE4E1-DBC4-4B76-8BEF-DCDD1CFD4A8E}"/>
+              </a:ext>
+            </a:extLst>
+          </p:cNvPr>
+          <p:cNvGrpSpPr/>
+          <p:nvPr/>
+        </p:nvGrpSpPr>
+        <p:grpSpPr>
+          <a:xfrm>
+            <a:off x="1698357" y="3252858"/>
+            <a:ext cx="1970851" cy="861774"/>
+            <a:chOff x="2016571" y="3324110"/>
+            <a:chExt cx="1970851" cy="861774"/>
+          </a:xfrm>
+        </p:grpSpPr>
+        <p:pic>
+          <p:nvPicPr>
+            <p:cNvPr id="8" name="Picture 7" descr="\documentclass{article}&#10;\usepackage{amsmath}&#10;\usepackage{amsfonts}&#10;\usepackage{bm}&#10;\usepackage{trfsigns}&#10;\pagestyle{empty}&#10;&#10;\renewcommand{\vec}[1]{\ensuremath{{\underline{#1}}}}&#10;\newcommand{\mat}[1]{{\ensuremath{{\mathbf{#1}}}}}&#10;&#10;\begin{document}&#10;\begin{equation*}&#10;m&#10;\end{equation*}&#10;\end{document}" title="IguanaTex Bitmap Display">
+              <a:extLst>
+                <a:ext uri="{FF2B5EF4-FFF2-40B4-BE49-F238E27FC236}">
+                  <a16:creationId xmlns:a16="http://schemas.microsoft.com/office/drawing/2014/main" id="{A9C0A359-B422-46E5-A83D-13592F000D7B}"/>
+                </a:ext>
+              </a:extLst>
+            </p:cNvPr>
+            <p:cNvPicPr>
+              <a:picLocks noChangeAspect="1"/>
+            </p:cNvPicPr>
+            <p:nvPr>
+              <p:custDataLst>
+                <p:tags r:id="rId1"/>
+              </p:custDataLst>
+            </p:nvPr>
+          </p:nvPicPr>
+          <p:blipFill>
+            <a:blip r:embed="rId6">
+              <a:extLst>
+                <a:ext uri="{28A0092B-C50C-407E-A947-70E740481C1C}">
+                  <a14:useLocalDpi xmlns:a14="http://schemas.microsoft.com/office/drawing/2010/main" val="0"/>
+                </a:ext>
+              </a:extLst>
+            </a:blip>
+            <a:stretch>
+              <a:fillRect/>
+            </a:stretch>
+          </p:blipFill>
+          <p:spPr>
+            <a:xfrm>
+              <a:off x="3667239" y="3745102"/>
+              <a:ext cx="167010" cy="91429"/>
+            </a:xfrm>
+            <a:prstGeom prst="rect">
+              <a:avLst/>
+            </a:prstGeom>
+          </p:spPr>
+        </p:pic>
+        <p:pic>
+          <p:nvPicPr>
+            <p:cNvPr id="10" name="Picture 9" descr="\documentclass{article}&#10;\usepackage{amsmath}&#10;\usepackage{amsfonts}&#10;\usepackage{bm}&#10;\usepackage{trfsigns}&#10;\pagestyle{empty}&#10;&#10;\renewcommand{\vec}[1]{\ensuremath{{\underline{#1}}}}&#10;\newcommand{\mat}[1]{{\ensuremath{{\mathbf{#1}}}}}&#10;&#10;\begin{document}&#10;\begin{equation*}&#10;n&#10;\end{equation*}&#10;\end{document}" title="IguanaTex Bitmap Display">
+              <a:extLst>
+                <a:ext uri="{FF2B5EF4-FFF2-40B4-BE49-F238E27FC236}">
+                  <a16:creationId xmlns:a16="http://schemas.microsoft.com/office/drawing/2014/main" id="{E8EF3405-473B-4B63-9B92-6EBCCEA8E205}"/>
+                </a:ext>
+              </a:extLst>
+            </p:cNvPr>
+            <p:cNvPicPr>
+              <a:picLocks noChangeAspect="1"/>
+            </p:cNvPicPr>
+            <p:nvPr>
+              <p:custDataLst>
+                <p:tags r:id="rId2"/>
+              </p:custDataLst>
+            </p:nvPr>
+          </p:nvPicPr>
+          <p:blipFill>
+            <a:blip r:embed="rId7">
+              <a:extLst>
+                <a:ext uri="{28A0092B-C50C-407E-A947-70E740481C1C}">
+                  <a14:useLocalDpi xmlns:a14="http://schemas.microsoft.com/office/drawing/2010/main" val="0"/>
+                </a:ext>
+              </a:extLst>
+            </a:blip>
+            <a:stretch>
+              <a:fillRect/>
+            </a:stretch>
+          </p:blipFill>
+          <p:spPr>
+            <a:xfrm>
+              <a:off x="3695278" y="4022559"/>
+              <a:ext cx="110933" cy="91429"/>
+            </a:xfrm>
+            <a:prstGeom prst="rect">
+              <a:avLst/>
+            </a:prstGeom>
+          </p:spPr>
+        </p:pic>
+        <p:pic>
+          <p:nvPicPr>
+            <p:cNvPr id="18" name="Picture 17" descr="\documentclass{article}&#10;\usepackage{amsmath}&#10;\usepackage{amsfonts}&#10;\usepackage{bm}&#10;\usepackage{trfsigns}&#10;\pagestyle{empty}&#10;&#10;\renewcommand{\vec}[1]{\ensuremath{{\underline{#1}}}}&#10;\newcommand{\mat}[1]{{\ensuremath{{\mathbf{#1}}}}}&#10;&#10;\begin{document}&#10;\begin{equation*}&#10;\log N&#10;\end{equation*}&#10;\end{document}" title="IguanaTex Bitmap Display">
+              <a:extLst>
+                <a:ext uri="{FF2B5EF4-FFF2-40B4-BE49-F238E27FC236}">
+                  <a16:creationId xmlns:a16="http://schemas.microsoft.com/office/drawing/2014/main" id="{0A13EA0E-F911-4515-9C97-D519A3DE7226}"/>
+                </a:ext>
+              </a:extLst>
+            </p:cNvPr>
+            <p:cNvPicPr>
+              <a:picLocks noChangeAspect="1"/>
+            </p:cNvPicPr>
+            <p:nvPr>
+              <p:custDataLst>
+                <p:tags r:id="rId3"/>
+              </p:custDataLst>
+            </p:nvPr>
+          </p:nvPicPr>
+          <p:blipFill>
+            <a:blip r:embed="rId8">
+              <a:extLst>
+                <a:ext uri="{28A0092B-C50C-407E-A947-70E740481C1C}">
+                  <a14:useLocalDpi xmlns:a14="http://schemas.microsoft.com/office/drawing/2010/main" val="0"/>
+                </a:ext>
+              </a:extLst>
+            </a:blip>
+            <a:stretch>
+              <a:fillRect/>
+            </a:stretch>
+          </p:blipFill>
+          <p:spPr>
+            <a:xfrm>
+              <a:off x="3519307" y="3380406"/>
+              <a:ext cx="468115" cy="181638"/>
+            </a:xfrm>
+            <a:prstGeom prst="rect">
+              <a:avLst/>
+            </a:prstGeom>
+          </p:spPr>
+        </p:pic>
+        <p:sp>
+          <p:nvSpPr>
+            <p:cNvPr id="14" name="TextBox 13">
+              <a:extLst>
+                <a:ext uri="{FF2B5EF4-FFF2-40B4-BE49-F238E27FC236}">
+                  <a16:creationId xmlns:a16="http://schemas.microsoft.com/office/drawing/2014/main" id="{F2BF7F40-414B-4470-88EB-8BEB90461FA9}"/>
+                </a:ext>
+              </a:extLst>
+            </p:cNvPr>
+            <p:cNvSpPr txBox="1"/>
+            <p:nvPr/>
+          </p:nvSpPr>
+          <p:spPr>
+            <a:xfrm>
+              <a:off x="2016571" y="3324110"/>
+              <a:ext cx="1391728" cy="861774"/>
+            </a:xfrm>
+            <a:prstGeom prst="rect">
+              <a:avLst/>
+            </a:prstGeom>
+            <a:noFill/>
+          </p:spPr>
+          <p:txBody>
+            <a:bodyPr wrap="none" rtlCol="0">
+              <a:spAutoFit/>
+            </a:bodyPr>
+            <a:lstStyle/>
+            <a:p>
+              <a:r>
+                <a:rPr lang="en-AU" sz="1000" dirty="0"/>
+                <a:t>Encryption key length:</a:t>
+              </a:r>
+              <a:br>
+                <a:rPr lang="en-AU" sz="1000" dirty="0"/>
+              </a:br>
+              <a:br>
+                <a:rPr lang="en-AU" sz="1000" dirty="0"/>
+              </a:br>
+              <a:r>
+                <a:rPr lang="en-AU" sz="1000" dirty="0"/>
+                <a:t>Number of estimates:</a:t>
+              </a:r>
+            </a:p>
+            <a:p>
+              <a:endParaRPr lang="en-AU" sz="1000" dirty="0"/>
+            </a:p>
+            <a:p>
+              <a:r>
+                <a:rPr lang="en-AU" sz="1000" dirty="0"/>
+                <a:t>Dimension of state:</a:t>
+              </a:r>
+            </a:p>
+          </p:txBody>
+        </p:sp>
+      </p:grpSp>
+    </p:spTree>
+    <p:extLst>
+      <p:ext uri="{BB962C8B-B14F-4D97-AF65-F5344CB8AC3E}">
+        <p14:creationId xmlns:p14="http://schemas.microsoft.com/office/powerpoint/2010/main" val="3498739408"/>
+      </p:ext>
+    </p:extLst>
+  </p:cSld>
+  <p:clrMapOvr>
+    <a:masterClrMapping/>
+  </p:clrMapOvr>
+</p:sld>
+</file>
+
 <file path=ppt/tags/tag1.xml><?xml version="1.0" encoding="utf-8"?>
 <p:tagLst xmlns:a="http://schemas.openxmlformats.org/drawingml/2006/main" xmlns:r="http://schemas.openxmlformats.org/officeDocument/2006/relationships" xmlns:p="http://schemas.openxmlformats.org/presentationml/2006/main">
   <p:tag name="OUTPUTDPI" val="1200"/>
@@ -16127,15 +16482,15 @@
 <file path=ppt/tags/tag10.xml><?xml version="1.0" encoding="utf-8"?>
 <p:tagLst xmlns:a="http://schemas.openxmlformats.org/drawingml/2006/main" xmlns:r="http://schemas.openxmlformats.org/officeDocument/2006/relationships" xmlns:p="http://schemas.openxmlformats.org/presentationml/2006/main">
   <p:tag name="OUTPUTDPI" val="1200"/>
-  <p:tag name="ORIGINALHEIGHT" val="13.49835"/>
-  <p:tag name="ORIGINALWIDTH" val="123.7346"/>
-  <p:tag name="LATEXADDIN" val="\documentclass{article}&#10;\pagestyle{empty}&#10;&#10;\usepackage{amsmath}&#10;\usepackage{amsfonts}&#10;&#10;% Random variable&#10;\newcommand{\rv}[1]{\ensuremath{{\boldsymbol{#1}}}}&#10;% Vector&#10;\renewcommand{\vec}[1]{\ensuremath{{\underline{#1}}}}&#10;% Random vector&#10;\newcommand{\rvec}[1]{\ensuremath{{\boldsymbol{\underline{#1}}}}}&#10;% Matrix&#10;\newcommand{\mat}[1]{{\ensuremath{{\mathbf{#1}}}}}&#10;\begin{document}&#10;&#10;\begin{gather*}&#10;\cdots&#10;\end{gather*}&#10;&#10;\end{document}"/>
+  <p:tag name="ORIGINALHEIGHT" val="400.4499"/>
+  <p:tag name="ORIGINALWIDTH" val="1126.359"/>
+  <p:tag name="LATEXADDIN" val="\documentclass{article}&#10;\pagestyle{empty}&#10;&#10;\usepackage{amsmath}&#10;\usepackage{amsfonts}&#10;&#10;% Random variable&#10;\newcommand{\rv}[1]{\ensuremath{{\boldsymbol{#1}}}}&#10;% Vector&#10;\renewcommand{\vec}[1]{\ensuremath{{\underline{#1}}}}&#10;% Random vector&#10;\newcommand{\rvec}[1]{\ensuremath{{\boldsymbol{\underline{#1}}}}}&#10;% Matrix&#10;\newcommand{\mat}[1]{{\ensuremath{{\mathbf{#1}}}}}&#10;\begin{document}&#10;&#10;\begin{gather*}&#10;\mat{P}=\left(\sum_{i=1}^{m}\omega_i \mat{P}_i^{-1}\right)^{-1}&#10;\end{gather*}&#10;&#10;\end{document}"/>
   <p:tag name="IGUANATEXSIZE" val="24"/>
-  <p:tag name="IGUANATEXCURSOR" val="402"/>
+  <p:tag name="IGUANATEXCURSOR" val="423"/>
   <p:tag name="TRANSPARENCY" val="True"/>
   <p:tag name="FILENAME" val=""/>
   <p:tag name="LATEXENGINEID" val="0"/>
-  <p:tag name="TEMPFOLDER" val="C:\Users\tn5093\iguanatex_temp\"/>
+  <p:tag name="TEMPFOLDER" val="c:\temp\"/>
   <p:tag name="LATEXFORMHEIGHT" val="413"/>
   <p:tag name="LATEXFORMWIDTH" val="608"/>
   <p:tag name="LATEXFORMWRAP" val="True"/>
@@ -16144,6 +16499,44 @@
 </file>
 
 <file path=ppt/tags/tag11.xml><?xml version="1.0" encoding="utf-8"?>
+<p:tagLst xmlns:a="http://schemas.openxmlformats.org/drawingml/2006/main" xmlns:r="http://schemas.openxmlformats.org/officeDocument/2006/relationships" xmlns:p="http://schemas.openxmlformats.org/presentationml/2006/main">
+  <p:tag name="OUTPUTDPI" val="1200"/>
+  <p:tag name="ORIGINALHEIGHT" val="302.2122"/>
+  <p:tag name="ORIGINALWIDTH" val="1076.865"/>
+  <p:tag name="LATEXADDIN" val="\documentclass{article}&#10;\usepackage{amsmath}&#10;\usepackage{amsfonts}&#10;\usepackage{bm}&#10;\usepackage{trfsigns}&#10;\pagestyle{empty}&#10;&#10;\renewcommand{\vec}[1]{\ensuremath{{\underline{#1}}}}&#10;\newcommand{\mat}[1]{{\ensuremath{{\mathbf{#1}}}}}&#10;&#10;\begin{document}&#10;\begin{equation*}&#10;\omega_i = \frac{1 / \text{tr}(\mat{P}_i)}{\sum_{i=1}^m 1/\text{tr}(\mat{P}_i)}&#10;\end{equation*}&#10;\end{document}"/>
+  <p:tag name="IGUANATEXSIZE" val="15.88"/>
+  <p:tag name="IGUANATEXCURSOR" val="320"/>
+  <p:tag name="TRANSPARENCY" val="True"/>
+  <p:tag name="FILENAME" val=""/>
+  <p:tag name="LATEXENGINEID" val="0"/>
+  <p:tag name="TEMPFOLDER" val="c:\temp\"/>
+  <p:tag name="LATEXFORMHEIGHT" val="396"/>
+  <p:tag name="LATEXFORMWIDTH" val="596"/>
+  <p:tag name="LATEXFORMWRAP" val="True"/>
+  <p:tag name="BITMAPVECTOR" val="0"/>
+</p:tagLst>
+</file>
+
+<file path=ppt/tags/tag12.xml><?xml version="1.0" encoding="utf-8"?>
+<p:tagLst xmlns:a="http://schemas.openxmlformats.org/drawingml/2006/main" xmlns:r="http://schemas.openxmlformats.org/officeDocument/2006/relationships" xmlns:p="http://schemas.openxmlformats.org/presentationml/2006/main">
+  <p:tag name="OUTPUTDPI" val="1200"/>
+  <p:tag name="ORIGINALHEIGHT" val="341.2073"/>
+  <p:tag name="ORIGINALWIDTH" val="542.1822"/>
+  <p:tag name="LATEXADDIN" val="\documentclass{article}&#10;\usepackage{amsmath}&#10;\usepackage{amsfonts}&#10;\usepackage{bm}&#10;\usepackage{trfsigns}&#10;\pagestyle{empty}&#10;&#10;\renewcommand{\vec}[1]{\ensuremath{{\underline{#1}}}}&#10;\newcommand{\mat}[1]{{\ensuremath{{\mathbf{#1}}}}}&#10;&#10;\begin{document}&#10;\begin{equation*}&#10;\sum_{i=1}^m\frac{1}{\text{tr}(\mat{P}_i)}&#10;\end{equation*}&#10;\end{document}"/>
+  <p:tag name="IGUANATEXSIZE" val="16"/>
+  <p:tag name="IGUANATEXCURSOR" val="277"/>
+  <p:tag name="TRANSPARENCY" val="True"/>
+  <p:tag name="FILENAME" val=""/>
+  <p:tag name="LATEXENGINEID" val="0"/>
+  <p:tag name="TEMPFOLDER" val="c:\temp\"/>
+  <p:tag name="LATEXFORMHEIGHT" val="396"/>
+  <p:tag name="LATEXFORMWIDTH" val="596"/>
+  <p:tag name="LATEXFORMWRAP" val="True"/>
+  <p:tag name="BITMAPVECTOR" val="0"/>
+</p:tagLst>
+</file>
+
+<file path=ppt/tags/tag13.xml><?xml version="1.0" encoding="utf-8"?>
 <p:tagLst xmlns:a="http://schemas.openxmlformats.org/drawingml/2006/main" xmlns:r="http://schemas.openxmlformats.org/officeDocument/2006/relationships" xmlns:p="http://schemas.openxmlformats.org/presentationml/2006/main">
   <p:tag name="OUTPUTDPI" val="1200"/>
   <p:tag name="ORIGINALHEIGHT" val="116.9854"/>
@@ -16162,7 +16555,7 @@
 </p:tagLst>
 </file>
 
-<file path=ppt/tags/tag12.xml><?xml version="1.0" encoding="utf-8"?>
+<file path=ppt/tags/tag14.xml><?xml version="1.0" encoding="utf-8"?>
 <p:tagLst xmlns:a="http://schemas.openxmlformats.org/drawingml/2006/main" xmlns:r="http://schemas.openxmlformats.org/officeDocument/2006/relationships" xmlns:p="http://schemas.openxmlformats.org/presentationml/2006/main">
   <p:tag name="OUTPUTDPI" val="1200"/>
   <p:tag name="ORIGINALHEIGHT" val="116.9854"/>
@@ -16181,58 +16574,20 @@
 </p:tagLst>
 </file>
 
-<file path=ppt/tags/tag13.xml><?xml version="1.0" encoding="utf-8"?>
+<file path=ppt/tags/tag15.xml><?xml version="1.0" encoding="utf-8"?>
 <p:tagLst xmlns:a="http://schemas.openxmlformats.org/drawingml/2006/main" xmlns:r="http://schemas.openxmlformats.org/officeDocument/2006/relationships" xmlns:p="http://schemas.openxmlformats.org/presentationml/2006/main">
   <p:tag name="OUTPUTDPI" val="1200"/>
   <p:tag name="ORIGINALHEIGHT" val="117.7353"/>
-  <p:tag name="ORIGINALWIDTH" val="390.7012"/>
-  <p:tag name="LATEXADDIN" val="\documentclass{article}&#10;\pagestyle{empty}&#10;&#10;\usepackage{amsmath}&#10;\usepackage{amsfonts}&#10;&#10;% Random variable&#10;\newcommand{\rv}[1]{\ensuremath{{\boldsymbol{#1}}}}&#10;% Vector&#10;\renewcommand{\vec}[1]{\ensuremath{{\underline{#1}}}}&#10;% Random vector&#10;\newcommand{\rvec}[1]{\ensuremath{{\boldsymbol{\underline{#1}}}}}&#10;% Matrix&#10;\newcommand{\mat}[1]{{\ensuremath{{\mathbf{#1}}}}}&#10;% trace operator&#10;\DeclareMathOperator{\tr}{tr}&#10;&#10;\begin{document}&#10;&#10;\begin{gather*}&#10;\hat{\vec{x}}_n,\ \mat{P}_n&#10;\end{gather*}&#10;&#10;\end{document}"/>
+  <p:tag name="ORIGINALWIDTH" val="444.6944"/>
+  <p:tag name="LATEXADDIN" val="\documentclass{article}&#10;\pagestyle{empty}&#10;&#10;\usepackage{amsmath}&#10;\usepackage{amsfonts}&#10;&#10;% Random variable&#10;\newcommand{\rv}[1]{\ensuremath{{\boldsymbol{#1}}}}&#10;% Vector&#10;\renewcommand{\vec}[1]{\ensuremath{{\underline{#1}}}}&#10;% Random vector&#10;\newcommand{\rvec}[1]{\ensuremath{{\boldsymbol{\underline{#1}}}}}&#10;% Matrix&#10;\newcommand{\mat}[1]{{\ensuremath{{\mathbf{#1}}}}}&#10;% trace operator&#10;\DeclareMathOperator{\tr}{tr}&#10;&#10;\begin{document}&#10;&#10;\begin{gather*}&#10;\hat{\vec{x}}_m,\ \mat{P}_m&#10;\end{gather*}&#10;&#10;\end{document}"/>
   <p:tag name="IGUANATEXSIZE" val="20"/>
-  <p:tag name="IGUANATEXCURSOR" val="410"/>
+  <p:tag name="IGUANATEXCURSOR" val="471"/>
   <p:tag name="TRANSPARENCY" val="True"/>
   <p:tag name="FILENAME" val=""/>
   <p:tag name="LATEXENGINEID" val="0"/>
-  <p:tag name="TEMPFOLDER" val="C:\Users\tn5093\iguanatex_temp\"/>
+  <p:tag name="TEMPFOLDER" val="c:\temp\"/>
   <p:tag name="LATEXFORMHEIGHT" val="522"/>
   <p:tag name="LATEXFORMWIDTH" val="632"/>
-  <p:tag name="LATEXFORMWRAP" val="True"/>
-  <p:tag name="BITMAPVECTOR" val="0"/>
-</p:tagLst>
-</file>
-
-<file path=ppt/tags/tag14.xml><?xml version="1.0" encoding="utf-8"?>
-<p:tagLst xmlns:a="http://schemas.openxmlformats.org/drawingml/2006/main" xmlns:r="http://schemas.openxmlformats.org/officeDocument/2006/relationships" xmlns:p="http://schemas.openxmlformats.org/presentationml/2006/main">
-  <p:tag name="OUTPUTDPI" val="1200"/>
-  <p:tag name="ORIGINALHEIGHT" val="341.2073"/>
-  <p:tag name="ORIGINALWIDTH" val="1116.61"/>
-  <p:tag name="LATEXADDIN" val="\documentclass{article}&#10;\pagestyle{empty}&#10;&#10;\usepackage{amsmath}&#10;\usepackage{amsfonts}&#10;&#10;% Random variable&#10;\newcommand{\rv}[1]{\ensuremath{{\boldsymbol{#1}}}}&#10;% Vector&#10;\renewcommand{\vec}[1]{\ensuremath{{\underline{#1}}}}&#10;% Random vector&#10;\newcommand{\rvec}[1]{\ensuremath{{\boldsymbol{\underline{#1}}}}}&#10;% Matrix&#10;\newcommand{\mat}[1]{{\ensuremath{{\mathbf{#1}}}}}&#10;% Mean of a random variable / vector&#10;\newcommand{\mean}[1]{\ensuremath{\hat{#1}}}&#10;&#10;\begin{document}&#10;&#10;\begin{gather*}&#10;\mat{P}^{-1} \mean{\vec{x}} =\sum_{i=1}^{n}\omega_i \mat{P}_i^{-1} \mean{\vec{x}}_i\end{gather*}&#10;&#10;\end{document}"/>
-  <p:tag name="IGUANATEXSIZE" val="24"/>
-  <p:tag name="IGUANATEXCURSOR" val="479"/>
-  <p:tag name="TRANSPARENCY" val="True"/>
-  <p:tag name="FILENAME" val=""/>
-  <p:tag name="LATEXENGINEID" val="0"/>
-  <p:tag name="TEMPFOLDER" val="C:\Users\tn5093\iguanatex_temp\"/>
-  <p:tag name="LATEXFORMHEIGHT" val="413"/>
-  <p:tag name="LATEXFORMWIDTH" val="608"/>
-  <p:tag name="LATEXFORMWRAP" val="True"/>
-  <p:tag name="BITMAPVECTOR" val="0"/>
-</p:tagLst>
-</file>
-
-<file path=ppt/tags/tag15.xml><?xml version="1.0" encoding="utf-8"?>
-<p:tagLst xmlns:a="http://schemas.openxmlformats.org/drawingml/2006/main" xmlns:r="http://schemas.openxmlformats.org/officeDocument/2006/relationships" xmlns:p="http://schemas.openxmlformats.org/presentationml/2006/main">
-  <p:tag name="OUTPUTDPI" val="1200"/>
-  <p:tag name="ORIGINALHEIGHT" val="341.2073"/>
-  <p:tag name="ORIGINALWIDTH" val="929.1339"/>
-  <p:tag name="LATEXADDIN" val="\documentclass{article}&#10;\pagestyle{empty}&#10;&#10;\usepackage{amsmath}&#10;\usepackage{amsfonts}&#10;&#10;% Random variable&#10;\newcommand{\rv}[1]{\ensuremath{{\boldsymbol{#1}}}}&#10;% Vector&#10;\renewcommand{\vec}[1]{\ensuremath{{\underline{#1}}}}&#10;% Random vector&#10;\newcommand{\rvec}[1]{\ensuremath{{\boldsymbol{\underline{#1}}}}}&#10;% Matrix&#10;\newcommand{\mat}[1]{{\ensuremath{{\mathbf{#1}}}}}&#10;\begin{document}&#10;&#10;\begin{gather*}&#10;\mat{P}^{-1}=\sum_{i=1}^{n}\omega_i \mat{P}_i^{-1}&#10;\end{gather*}&#10;&#10;\end{document}"/>
-  <p:tag name="IGUANATEXSIZE" val="24"/>
-  <p:tag name="IGUANATEXCURSOR" val="446"/>
-  <p:tag name="TRANSPARENCY" val="True"/>
-  <p:tag name="FILENAME" val=""/>
-  <p:tag name="LATEXENGINEID" val="0"/>
-  <p:tag name="TEMPFOLDER" val="C:\Users\tn5093\iguanatex_temp\"/>
-  <p:tag name="LATEXFORMHEIGHT" val="413"/>
-  <p:tag name="LATEXFORMWIDTH" val="608"/>
   <p:tag name="LATEXFORMWRAP" val="True"/>
   <p:tag name="BITMAPVECTOR" val="0"/>
 </p:tagLst>
@@ -16257,7 +16612,311 @@
 </p:tagLst>
 </file>
 
+<file path=ppt/tags/tag17.xml><?xml version="1.0" encoding="utf-8"?>
+<p:tagLst xmlns:a="http://schemas.openxmlformats.org/drawingml/2006/main" xmlns:r="http://schemas.openxmlformats.org/officeDocument/2006/relationships" xmlns:p="http://schemas.openxmlformats.org/presentationml/2006/main">
+  <p:tag name="OUTPUTDPI" val="1200"/>
+  <p:tag name="ORIGINALHEIGHT" val="13.49835"/>
+  <p:tag name="ORIGINALWIDTH" val="123.7346"/>
+  <p:tag name="LATEXADDIN" val="\documentclass{article}&#10;\pagestyle{empty}&#10;&#10;\usepackage{amsmath}&#10;\usepackage{amsfonts}&#10;&#10;% Random variable&#10;\newcommand{\rv}[1]{\ensuremath{{\boldsymbol{#1}}}}&#10;% Vector&#10;\renewcommand{\vec}[1]{\ensuremath{{\underline{#1}}}}&#10;% Random vector&#10;\newcommand{\rvec}[1]{\ensuremath{{\boldsymbol{\underline{#1}}}}}&#10;% Matrix&#10;\newcommand{\mat}[1]{{\ensuremath{{\mathbf{#1}}}}}&#10;\begin{document}&#10;&#10;\begin{gather*}&#10;\cdots&#10;\end{gather*}&#10;&#10;\end{document}"/>
+  <p:tag name="IGUANATEXSIZE" val="24"/>
+  <p:tag name="IGUANATEXCURSOR" val="402"/>
+  <p:tag name="TRANSPARENCY" val="True"/>
+  <p:tag name="FILENAME" val=""/>
+  <p:tag name="LATEXENGINEID" val="0"/>
+  <p:tag name="TEMPFOLDER" val="C:\Users\tn5093\iguanatex_temp\"/>
+  <p:tag name="LATEXFORMHEIGHT" val="413"/>
+  <p:tag name="LATEXFORMWIDTH" val="608"/>
+  <p:tag name="LATEXFORMWRAP" val="True"/>
+  <p:tag name="BITMAPVECTOR" val="0"/>
+</p:tagLst>
+</file>
+
+<file path=ppt/tags/tag18.xml><?xml version="1.0" encoding="utf-8"?>
+<p:tagLst xmlns:a="http://schemas.openxmlformats.org/drawingml/2006/main" xmlns:r="http://schemas.openxmlformats.org/officeDocument/2006/relationships" xmlns:p="http://schemas.openxmlformats.org/presentationml/2006/main">
+  <p:tag name="OUTPUTDPI" val="1200"/>
+  <p:tag name="ORIGINALHEIGHT" val="125.2343"/>
+  <p:tag name="ORIGINALWIDTH" val="605.1743"/>
+  <p:tag name="LATEXADDIN" val="\documentclass{article}&#10;\usepackage{amsmath}&#10;\usepackage{amsfonts}&#10;\usepackage{bm}&#10;\usepackage{trfsigns}&#10;\pagestyle{empty}&#10;&#10;\renewcommand{\vec}[1]{\ensuremath{{\underline{#1}}}}&#10;\newcommand{\mat}[1]{{\ensuremath{{\mathbf{#1}}}}}&#10;&#10;\begin{document}&#10;\begin{equation*}&#10;i \in [1\dots m]&#10;\end{equation*}&#10;\end{document}"/>
+  <p:tag name="IGUANATEXSIZE" val="16"/>
+  <p:tag name="IGUANATEXCURSOR" val="280"/>
+  <p:tag name="TRANSPARENCY" val="True"/>
+  <p:tag name="FILENAME" val=""/>
+  <p:tag name="LATEXENGINEID" val="0"/>
+  <p:tag name="TEMPFOLDER" val="c:\temp\"/>
+  <p:tag name="LATEXFORMHEIGHT" val="396"/>
+  <p:tag name="LATEXFORMWIDTH" val="596"/>
+  <p:tag name="LATEXFORMWRAP" val="True"/>
+  <p:tag name="BITMAPVECTOR" val="0"/>
+</p:tagLst>
+</file>
+
+<file path=ppt/tags/tag19.xml><?xml version="1.0" encoding="utf-8"?>
+<p:tagLst xmlns:a="http://schemas.openxmlformats.org/drawingml/2006/main" xmlns:r="http://schemas.openxmlformats.org/officeDocument/2006/relationships" xmlns:p="http://schemas.openxmlformats.org/presentationml/2006/main">
+  <p:tag name="OUTPUTDPI" val="1200"/>
+  <p:tag name="ORIGINALHEIGHT" val="284.2145"/>
+  <p:tag name="ORIGINALWIDTH" val="681.6648"/>
+  <p:tag name="LATEXADDIN" val="\documentclass{article}&#10;\pagestyle{empty}&#10;&#10;\usepackage{amsmath}&#10;\usepackage{amsfonts}&#10;&#10;% Random variable&#10;\newcommand{\rv}[1]{\ensuremath{{\boldsymbol{#1}}}}&#10;% Vector&#10;\renewcommand{\vec}[1]{\ensuremath{{\underline{#1}}}}&#10;% Random vector&#10;\newcommand{\rvec}[1]{\ensuremath{{\boldsymbol{\underline{#1}}}}}&#10;% Matrix&#10;\newcommand{\mat}[1]{{\ensuremath{{\mathbf{#1}}}}}&#10;% Mean of a random variable / vector&#10;\newcommand{\mean}[1]{\ensuremath{\hat{#1}}}&#10;&#10;\begin{document}&#10;&#10;\begin{gather*}&#10;\frac{1}{\text{tr}(\mat{P}_i)} \mat{P}_i^{-1} \mean{\vec{x}}_i\end{gather*}&#10;&#10;\end{document}"/>
+  <p:tag name="IGUANATEXSIZE" val="24"/>
+  <p:tag name="IGUANATEXCURSOR" val="479"/>
+  <p:tag name="TRANSPARENCY" val="True"/>
+  <p:tag name="FILENAME" val=""/>
+  <p:tag name="LATEXENGINEID" val="0"/>
+  <p:tag name="TEMPFOLDER" val="c:\temp\"/>
+  <p:tag name="LATEXFORMHEIGHT" val="413"/>
+  <p:tag name="LATEXFORMWIDTH" val="608"/>
+  <p:tag name="LATEXFORMWRAP" val="True"/>
+  <p:tag name="BITMAPVECTOR" val="0"/>
+</p:tagLst>
+</file>
+
 <file path=ppt/tags/tag2.xml><?xml version="1.0" encoding="utf-8"?>
+<p:tagLst xmlns:a="http://schemas.openxmlformats.org/drawingml/2006/main" xmlns:r="http://schemas.openxmlformats.org/officeDocument/2006/relationships" xmlns:p="http://schemas.openxmlformats.org/presentationml/2006/main">
+  <p:tag name="OUTPUTDPI" val="1200"/>
+  <p:tag name="ORIGINALHEIGHT" val="341.2073"/>
+  <p:tag name="ORIGINALWIDTH" val="1008.624"/>
+  <p:tag name="LATEXADDIN" val="\documentclass{article}&#10;\pagestyle{empty}&#10;&#10;\usepackage{amsmath}&#10;\usepackage{amsfonts}&#10;&#10;% Random variable&#10;\newcommand{\rv}[1]{\ensuremath{{\boldsymbol{#1}}}}&#10;% Vector&#10;\renewcommand{\vec}[1]{\ensuremath{{\underline{#1}}}}&#10;% Random vector&#10;\newcommand{\rvec}[1]{\ensuremath{{\boldsymbol{\underline{#1}}}}}&#10;% Matrix&#10;\newcommand{\mat}[1]{{\ensuremath{{\mathbf{#1}}}}}&#10;% Mean of a random variable / vector&#10;\newcommand{\mean}[1]{\ensuremath{\hat{#1}}}&#10;&#10;\begin{document}&#10;&#10;\begin{gather*}&#10;\mean{\vec{x}} =\mat{P}\sum_{i=1}^{m}\omega_i \mat{P}_i^{-1} \mean{\vec{x}}_i\end{gather*}&#10;&#10;\end{document}"/>
+  <p:tag name="IGUANATEXSIZE" val="24"/>
+  <p:tag name="IGUANATEXCURSOR" val="515"/>
+  <p:tag name="TRANSPARENCY" val="True"/>
+  <p:tag name="FILENAME" val=""/>
+  <p:tag name="LATEXENGINEID" val="0"/>
+  <p:tag name="TEMPFOLDER" val="c:\temp\"/>
+  <p:tag name="LATEXFORMHEIGHT" val="413"/>
+  <p:tag name="LATEXFORMWIDTH" val="608"/>
+  <p:tag name="LATEXFORMWRAP" val="True"/>
+  <p:tag name="BITMAPVECTOR" val="0"/>
+</p:tagLst>
+</file>
+
+<file path=ppt/tags/tag20.xml><?xml version="1.0" encoding="utf-8"?>
+<p:tagLst xmlns:a="http://schemas.openxmlformats.org/drawingml/2006/main" xmlns:r="http://schemas.openxmlformats.org/officeDocument/2006/relationships" xmlns:p="http://schemas.openxmlformats.org/presentationml/2006/main">
+  <p:tag name="OUTPUTDPI" val="1200"/>
+  <p:tag name="ORIGINALHEIGHT" val="284.2145"/>
+  <p:tag name="ORIGINALWIDTH" val="564.6794"/>
+  <p:tag name="LATEXADDIN" val="\documentclass{article}&#10;\pagestyle{empty}&#10;&#10;\usepackage{amsmath}&#10;\usepackage{amsfonts}&#10;&#10;% Random variable&#10;\newcommand{\rv}[1]{\ensuremath{{\boldsymbol{#1}}}}&#10;% Vector&#10;\renewcommand{\vec}[1]{\ensuremath{{\underline{#1}}}}&#10;% Random vector&#10;\newcommand{\rvec}[1]{\ensuremath{{\boldsymbol{\underline{#1}}}}}&#10;% Matrix&#10;\newcommand{\mat}[1]{{\ensuremath{{\mathbf{#1}}}}}&#10;\begin{document}&#10;&#10;\begin{gather*}&#10;\frac{1}{\text{tr}(\mat{P}_i)} \mat{P}_i^{-1}&#10;\end{gather*}&#10;&#10;\end{document}"/>
+  <p:tag name="IGUANATEXSIZE" val="24"/>
+  <p:tag name="IGUANATEXCURSOR" val="396"/>
+  <p:tag name="TRANSPARENCY" val="True"/>
+  <p:tag name="FILENAME" val=""/>
+  <p:tag name="LATEXENGINEID" val="0"/>
+  <p:tag name="TEMPFOLDER" val="c:\temp\"/>
+  <p:tag name="LATEXFORMHEIGHT" val="413"/>
+  <p:tag name="LATEXFORMWIDTH" val="608"/>
+  <p:tag name="LATEXFORMWRAP" val="True"/>
+  <p:tag name="BITMAPVECTOR" val="0"/>
+</p:tagLst>
+</file>
+
+<file path=ppt/tags/tag21.xml><?xml version="1.0" encoding="utf-8"?>
+<p:tagLst xmlns:a="http://schemas.openxmlformats.org/drawingml/2006/main" xmlns:r="http://schemas.openxmlformats.org/officeDocument/2006/relationships" xmlns:p="http://schemas.openxmlformats.org/presentationml/2006/main">
+  <p:tag name="OUTPUTDPI" val="1200"/>
+  <p:tag name="ORIGINALHEIGHT" val="284.2145"/>
+  <p:tag name="ORIGINALWIDTH" val="333.7083"/>
+  <p:tag name="LATEXADDIN" val="\documentclass{article}&#10;\usepackage{amsmath}&#10;\usepackage{amsfonts}&#10;\usepackage{bm}&#10;\usepackage{trfsigns}&#10;\pagestyle{empty}&#10;&#10;\renewcommand{\vec}[1]{\ensuremath{{\underline{#1}}}}&#10;\newcommand{\mat}[1]{{\ensuremath{{\mathbf{#1}}}}}&#10;&#10;\begin{document}&#10;\begin{equation*}&#10;\frac{1}{\text{tr}(\mat{P}_i)}&#10;\end{equation*}&#10;\end{document}"/>
+  <p:tag name="IGUANATEXSIZE" val="16"/>
+  <p:tag name="IGUANATEXCURSOR" val="265"/>
+  <p:tag name="TRANSPARENCY" val="True"/>
+  <p:tag name="FILENAME" val=""/>
+  <p:tag name="LATEXENGINEID" val="0"/>
+  <p:tag name="TEMPFOLDER" val="c:\temp\"/>
+  <p:tag name="LATEXFORMHEIGHT" val="396"/>
+  <p:tag name="LATEXFORMWIDTH" val="596"/>
+  <p:tag name="LATEXFORMWRAP" val="True"/>
+  <p:tag name="BITMAPVECTOR" val="0"/>
+</p:tagLst>
+</file>
+
+<file path=ppt/tags/tag22.xml><?xml version="1.0" encoding="utf-8"?>
+<p:tagLst xmlns:a="http://schemas.openxmlformats.org/drawingml/2006/main" xmlns:r="http://schemas.openxmlformats.org/officeDocument/2006/relationships" xmlns:p="http://schemas.openxmlformats.org/presentationml/2006/main">
+  <p:tag name="OUTPUTDPI" val="1200"/>
+  <p:tag name="ORIGINALHEIGHT" val="341.2073"/>
+  <p:tag name="ORIGINALWIDTH" val="890.8887"/>
+  <p:tag name="LATEXADDIN" val="\documentclass{article}&#10;\pagestyle{empty}&#10;&#10;\usepackage{amsmath}&#10;\usepackage{amsfonts}&#10;&#10;% Random variable&#10;\newcommand{\rv}[1]{\ensuremath{{\boldsymbol{#1}}}}&#10;% Vector&#10;\renewcommand{\vec}[1]{\ensuremath{{\underline{#1}}}}&#10;% Random vector&#10;\newcommand{\rvec}[1]{\ensuremath{{\boldsymbol{\underline{#1}}}}}&#10;% Matrix&#10;\newcommand{\mat}[1]{{\ensuremath{{\mathbf{#1}}}}}&#10;% Mean of a random variable / vector&#10;\newcommand{\mean}[1]{\ensuremath{\hat{#1}}}&#10;&#10;\begin{document}&#10;&#10;\begin{gather*}&#10;\sum_{i=1}^{m}\frac{1}{\text{tr}(\mat{P}_i)} \mat{P}_i^{-1} \mean{\vec{x}}_i\end{gather*}&#10;&#10;\end{document}"/>
+  <p:tag name="IGUANATEXSIZE" val="24"/>
+  <p:tag name="IGUANATEXCURSOR" val="492"/>
+  <p:tag name="TRANSPARENCY" val="True"/>
+  <p:tag name="FILENAME" val=""/>
+  <p:tag name="LATEXENGINEID" val="0"/>
+  <p:tag name="TEMPFOLDER" val="c:\temp\"/>
+  <p:tag name="LATEXFORMHEIGHT" val="413"/>
+  <p:tag name="LATEXFORMWIDTH" val="608"/>
+  <p:tag name="LATEXFORMWRAP" val="True"/>
+  <p:tag name="BITMAPVECTOR" val="0"/>
+</p:tagLst>
+</file>
+
+<file path=ppt/tags/tag23.xml><?xml version="1.0" encoding="utf-8"?>
+<p:tagLst xmlns:a="http://schemas.openxmlformats.org/drawingml/2006/main" xmlns:r="http://schemas.openxmlformats.org/officeDocument/2006/relationships" xmlns:p="http://schemas.openxmlformats.org/presentationml/2006/main">
+  <p:tag name="OUTPUTDPI" val="1200"/>
+  <p:tag name="ORIGINALHEIGHT" val="341.2073"/>
+  <p:tag name="ORIGINALWIDTH" val="773.9032"/>
+  <p:tag name="LATEXADDIN" val="\documentclass{article}&#10;\pagestyle{empty}&#10;&#10;\usepackage{amsmath}&#10;\usepackage{amsfonts}&#10;&#10;% Random variable&#10;\newcommand{\rv}[1]{\ensuremath{{\boldsymbol{#1}}}}&#10;% Vector&#10;\renewcommand{\vec}[1]{\ensuremath{{\underline{#1}}}}&#10;% Random vector&#10;\newcommand{\rvec}[1]{\ensuremath{{\boldsymbol{\underline{#1}}}}}&#10;% Matrix&#10;\newcommand{\mat}[1]{{\ensuremath{{\mathbf{#1}}}}}&#10;\begin{document}&#10;&#10;\begin{gather*}&#10;\sum_{i=1}^{m}\frac{1}{\text{tr}(\mat{P}_i)} \mat{P}_i^{-1}&#10;\end{gather*}&#10;&#10;\end{document}"/>
+  <p:tag name="IGUANATEXSIZE" val="24"/>
+  <p:tag name="IGUANATEXCURSOR" val="409"/>
+  <p:tag name="TRANSPARENCY" val="True"/>
+  <p:tag name="FILENAME" val=""/>
+  <p:tag name="LATEXENGINEID" val="0"/>
+  <p:tag name="TEMPFOLDER" val="c:\temp\"/>
+  <p:tag name="LATEXFORMHEIGHT" val="413"/>
+  <p:tag name="LATEXFORMWIDTH" val="608"/>
+  <p:tag name="LATEXFORMWRAP" val="True"/>
+  <p:tag name="BITMAPVECTOR" val="0"/>
+</p:tagLst>
+</file>
+
+<file path=ppt/tags/tag24.xml><?xml version="1.0" encoding="utf-8"?>
+<p:tagLst xmlns:a="http://schemas.openxmlformats.org/drawingml/2006/main" xmlns:r="http://schemas.openxmlformats.org/officeDocument/2006/relationships" xmlns:p="http://schemas.openxmlformats.org/presentationml/2006/main">
+  <p:tag name="OUTPUTDPI" val="1200"/>
+  <p:tag name="ORIGINALHEIGHT" val="341.2073"/>
+  <p:tag name="ORIGINALWIDTH" val="542.1822"/>
+  <p:tag name="LATEXADDIN" val="\documentclass{article}&#10;\usepackage{amsmath}&#10;\usepackage{amsfonts}&#10;\usepackage{bm}&#10;\usepackage{trfsigns}&#10;\pagestyle{empty}&#10;&#10;\renewcommand{\vec}[1]{\ensuremath{{\underline{#1}}}}&#10;\newcommand{\mat}[1]{{\ensuremath{{\mathbf{#1}}}}}&#10;&#10;\begin{document}&#10;\begin{equation*}&#10;\sum_{i=1}^m\frac{1}{\text{tr}(\mat{P}_i)}&#10;\end{equation*}&#10;\end{document}"/>
+  <p:tag name="IGUANATEXSIZE" val="16"/>
+  <p:tag name="IGUANATEXCURSOR" val="277"/>
+  <p:tag name="TRANSPARENCY" val="True"/>
+  <p:tag name="FILENAME" val=""/>
+  <p:tag name="LATEXENGINEID" val="0"/>
+  <p:tag name="TEMPFOLDER" val="c:\temp\"/>
+  <p:tag name="LATEXFORMHEIGHT" val="396"/>
+  <p:tag name="LATEXFORMWIDTH" val="596"/>
+  <p:tag name="LATEXFORMWRAP" val="True"/>
+  <p:tag name="BITMAPVECTOR" val="0"/>
+</p:tagLst>
+</file>
+
+<file path=ppt/tags/tag25.xml><?xml version="1.0" encoding="utf-8"?>
+<p:tagLst xmlns:a="http://schemas.openxmlformats.org/drawingml/2006/main" xmlns:r="http://schemas.openxmlformats.org/officeDocument/2006/relationships" xmlns:p="http://schemas.openxmlformats.org/presentationml/2006/main">
+  <p:tag name="OUTPUTDPI" val="1200"/>
+  <p:tag name="ORIGINALHEIGHT" val="341.2073"/>
+  <p:tag name="ORIGINALWIDTH" val="1008.624"/>
+  <p:tag name="LATEXADDIN" val="\documentclass{article}&#10;\pagestyle{empty}&#10;&#10;\usepackage{amsmath}&#10;\usepackage{amsfonts}&#10;&#10;% Random variable&#10;\newcommand{\rv}[1]{\ensuremath{{\boldsymbol{#1}}}}&#10;% Vector&#10;\renewcommand{\vec}[1]{\ensuremath{{\underline{#1}}}}&#10;% Random vector&#10;\newcommand{\rvec}[1]{\ensuremath{{\boldsymbol{\underline{#1}}}}}&#10;% Matrix&#10;\newcommand{\mat}[1]{{\ensuremath{{\mathbf{#1}}}}}&#10;% Mean of a random variable / vector&#10;\newcommand{\mean}[1]{\ensuremath{\hat{#1}}}&#10;&#10;\begin{document}&#10;&#10;\begin{gather*}&#10;\mean{\vec{x}} =\mat{P}\sum_{i=1}^{m}\omega_i \mat{P}_i^{-1} \mean{\vec{x}}_i\end{gather*}&#10;&#10;\end{document}"/>
+  <p:tag name="IGUANATEXSIZE" val="24"/>
+  <p:tag name="IGUANATEXCURSOR" val="515"/>
+  <p:tag name="TRANSPARENCY" val="True"/>
+  <p:tag name="FILENAME" val=""/>
+  <p:tag name="LATEXENGINEID" val="0"/>
+  <p:tag name="TEMPFOLDER" val="c:\temp\"/>
+  <p:tag name="LATEXFORMHEIGHT" val="413"/>
+  <p:tag name="LATEXFORMWIDTH" val="608"/>
+  <p:tag name="LATEXFORMWRAP" val="True"/>
+  <p:tag name="BITMAPVECTOR" val="0"/>
+</p:tagLst>
+</file>
+
+<file path=ppt/tags/tag26.xml><?xml version="1.0" encoding="utf-8"?>
+<p:tagLst xmlns:a="http://schemas.openxmlformats.org/drawingml/2006/main" xmlns:r="http://schemas.openxmlformats.org/officeDocument/2006/relationships" xmlns:p="http://schemas.openxmlformats.org/presentationml/2006/main">
+  <p:tag name="OUTPUTDPI" val="1200"/>
+  <p:tag name="ORIGINALHEIGHT" val="400.4499"/>
+  <p:tag name="ORIGINALWIDTH" val="1126.359"/>
+  <p:tag name="LATEXADDIN" val="\documentclass{article}&#10;\pagestyle{empty}&#10;&#10;\usepackage{amsmath}&#10;\usepackage{amsfonts}&#10;&#10;% Random variable&#10;\newcommand{\rv}[1]{\ensuremath{{\boldsymbol{#1}}}}&#10;% Vector&#10;\renewcommand{\vec}[1]{\ensuremath{{\underline{#1}}}}&#10;% Random vector&#10;\newcommand{\rvec}[1]{\ensuremath{{\boldsymbol{\underline{#1}}}}}&#10;% Matrix&#10;\newcommand{\mat}[1]{{\ensuremath{{\mathbf{#1}}}}}&#10;\begin{document}&#10;&#10;\begin{gather*}&#10;\mat{P}=\left(\sum_{i=1}^{m}\omega_i \mat{P}_i^{-1}\right)^{-1}&#10;\end{gather*}&#10;&#10;\end{document}"/>
+  <p:tag name="IGUANATEXSIZE" val="24"/>
+  <p:tag name="IGUANATEXCURSOR" val="423"/>
+  <p:tag name="TRANSPARENCY" val="True"/>
+  <p:tag name="FILENAME" val=""/>
+  <p:tag name="LATEXENGINEID" val="0"/>
+  <p:tag name="TEMPFOLDER" val="c:\temp\"/>
+  <p:tag name="LATEXFORMHEIGHT" val="413"/>
+  <p:tag name="LATEXFORMWIDTH" val="608"/>
+  <p:tag name="LATEXFORMWRAP" val="True"/>
+  <p:tag name="BITMAPVECTOR" val="0"/>
+</p:tagLst>
+</file>
+
+<file path=ppt/tags/tag27.xml><?xml version="1.0" encoding="utf-8"?>
+<p:tagLst xmlns:a="http://schemas.openxmlformats.org/drawingml/2006/main" xmlns:r="http://schemas.openxmlformats.org/officeDocument/2006/relationships" xmlns:p="http://schemas.openxmlformats.org/presentationml/2006/main">
+  <p:tag name="OUTPUTDPI" val="1200"/>
+  <p:tag name="ORIGINALHEIGHT" val="302.2122"/>
+  <p:tag name="ORIGINALWIDTH" val="1076.865"/>
+  <p:tag name="LATEXADDIN" val="\documentclass{article}&#10;\usepackage{amsmath}&#10;\usepackage{amsfonts}&#10;\usepackage{bm}&#10;\usepackage{trfsigns}&#10;\pagestyle{empty}&#10;&#10;\renewcommand{\vec}[1]{\ensuremath{{\underline{#1}}}}&#10;\newcommand{\mat}[1]{{\ensuremath{{\mathbf{#1}}}}}&#10;&#10;\begin{document}&#10;\begin{equation*}&#10;\omega_i = \frac{1 / \text{tr}(\mat{P}_i)}{\sum_{i=1}^m 1/\text{tr}(\mat{P}_i)}&#10;\end{equation*}&#10;\end{document}"/>
+  <p:tag name="IGUANATEXSIZE" val="15.88"/>
+  <p:tag name="IGUANATEXCURSOR" val="320"/>
+  <p:tag name="TRANSPARENCY" val="True"/>
+  <p:tag name="FILENAME" val=""/>
+  <p:tag name="LATEXENGINEID" val="0"/>
+  <p:tag name="TEMPFOLDER" val="c:\temp\"/>
+  <p:tag name="LATEXFORMHEIGHT" val="396"/>
+  <p:tag name="LATEXFORMWIDTH" val="596"/>
+  <p:tag name="LATEXFORMWRAP" val="True"/>
+  <p:tag name="BITMAPVECTOR" val="0"/>
+</p:tagLst>
+</file>
+
+<file path=ppt/tags/tag28.xml><?xml version="1.0" encoding="utf-8"?>
+<p:tagLst xmlns:a="http://schemas.openxmlformats.org/drawingml/2006/main" xmlns:r="http://schemas.openxmlformats.org/officeDocument/2006/relationships" xmlns:p="http://schemas.openxmlformats.org/presentationml/2006/main">
+  <p:tag name="OUTPUTDPI" val="1200"/>
+  <p:tag name="ORIGINALHEIGHT" val="56.24299"/>
+  <p:tag name="ORIGINALWIDTH" val="102.7372"/>
+  <p:tag name="LATEXADDIN" val="\documentclass{article}&#10;\usepackage{amsmath}&#10;\usepackage{amsfonts}&#10;\usepackage{bm}&#10;\usepackage{trfsigns}&#10;\pagestyle{empty}&#10;&#10;\renewcommand{\vec}[1]{\ensuremath{{\underline{#1}}}}&#10;\newcommand{\mat}[1]{{\ensuremath{{\mathbf{#1}}}}}&#10;&#10;\begin{document}&#10;\begin{equation*}&#10;m&#10;\end{equation*}&#10;\end{document}"/>
+  <p:tag name="IGUANATEXSIZE" val="16"/>
+  <p:tag name="IGUANATEXCURSOR" val="266"/>
+  <p:tag name="TRANSPARENCY" val="True"/>
+  <p:tag name="FILENAME" val=""/>
+  <p:tag name="LATEXENGINEID" val="0"/>
+  <p:tag name="TEMPFOLDER" val="c:\temp\"/>
+  <p:tag name="LATEXFORMHEIGHT" val="396"/>
+  <p:tag name="LATEXFORMWIDTH" val="596"/>
+  <p:tag name="LATEXFORMWRAP" val="True"/>
+  <p:tag name="BITMAPVECTOR" val="0"/>
+</p:tagLst>
+</file>
+
+<file path=ppt/tags/tag29.xml><?xml version="1.0" encoding="utf-8"?>
+<p:tagLst xmlns:a="http://schemas.openxmlformats.org/drawingml/2006/main" xmlns:r="http://schemas.openxmlformats.org/officeDocument/2006/relationships" xmlns:p="http://schemas.openxmlformats.org/presentationml/2006/main">
+  <p:tag name="OUTPUTDPI" val="1200"/>
+  <p:tag name="ORIGINALHEIGHT" val="56.24299"/>
+  <p:tag name="ORIGINALWIDTH" val="68.24149"/>
+  <p:tag name="LATEXADDIN" val="\documentclass{article}&#10;\usepackage{amsmath}&#10;\usepackage{amsfonts}&#10;\usepackage{bm}&#10;\usepackage{trfsigns}&#10;\pagestyle{empty}&#10;&#10;\renewcommand{\vec}[1]{\ensuremath{{\underline{#1}}}}&#10;\newcommand{\mat}[1]{{\ensuremath{{\mathbf{#1}}}}}&#10;&#10;\begin{document}&#10;\begin{equation*}&#10;n&#10;\end{equation*}&#10;\end{document}"/>
+  <p:tag name="IGUANATEXSIZE" val="16"/>
+  <p:tag name="IGUANATEXCURSOR" val="266"/>
+  <p:tag name="TRANSPARENCY" val="True"/>
+  <p:tag name="FILENAME" val=""/>
+  <p:tag name="LATEXENGINEID" val="0"/>
+  <p:tag name="TEMPFOLDER" val="c:\temp\"/>
+  <p:tag name="LATEXFORMHEIGHT" val="396"/>
+  <p:tag name="LATEXFORMWIDTH" val="596"/>
+  <p:tag name="LATEXFORMWRAP" val="True"/>
+  <p:tag name="BITMAPVECTOR" val="0"/>
+</p:tagLst>
+</file>
+
+<file path=ppt/tags/tag3.xml><?xml version="1.0" encoding="utf-8"?>
+<p:tagLst xmlns:a="http://schemas.openxmlformats.org/drawingml/2006/main" xmlns:r="http://schemas.openxmlformats.org/officeDocument/2006/relationships" xmlns:p="http://schemas.openxmlformats.org/presentationml/2006/main">
+  <p:tag name="OUTPUTDPI" val="1200"/>
+  <p:tag name="ORIGINALHEIGHT" val="400.4499"/>
+  <p:tag name="ORIGINALWIDTH" val="1126.359"/>
+  <p:tag name="LATEXADDIN" val="\documentclass{article}&#10;\pagestyle{empty}&#10;&#10;\usepackage{amsmath}&#10;\usepackage{amsfonts}&#10;&#10;% Random variable&#10;\newcommand{\rv}[1]{\ensuremath{{\boldsymbol{#1}}}}&#10;% Vector&#10;\renewcommand{\vec}[1]{\ensuremath{{\underline{#1}}}}&#10;% Random vector&#10;\newcommand{\rvec}[1]{\ensuremath{{\boldsymbol{\underline{#1}}}}}&#10;% Matrix&#10;\newcommand{\mat}[1]{{\ensuremath{{\mathbf{#1}}}}}&#10;\begin{document}&#10;&#10;\begin{gather*}&#10;\mat{P}=\left(\sum_{i=1}^{m}\omega_i \mat{P}_i^{-1}\right)^{-1}&#10;\end{gather*}&#10;&#10;\end{document}"/>
+  <p:tag name="IGUANATEXSIZE" val="24"/>
+  <p:tag name="IGUANATEXCURSOR" val="423"/>
+  <p:tag name="TRANSPARENCY" val="True"/>
+  <p:tag name="FILENAME" val=""/>
+  <p:tag name="LATEXENGINEID" val="0"/>
+  <p:tag name="TEMPFOLDER" val="c:\temp\"/>
+  <p:tag name="LATEXFORMHEIGHT" val="413"/>
+  <p:tag name="LATEXFORMWIDTH" val="608"/>
+  <p:tag name="LATEXFORMWRAP" val="True"/>
+  <p:tag name="BITMAPVECTOR" val="0"/>
+</p:tagLst>
+</file>
+
+<file path=ppt/tags/tag30.xml><?xml version="1.0" encoding="utf-8"?>
+<p:tagLst xmlns:a="http://schemas.openxmlformats.org/drawingml/2006/main" xmlns:r="http://schemas.openxmlformats.org/officeDocument/2006/relationships" xmlns:p="http://schemas.openxmlformats.org/presentationml/2006/main">
+  <p:tag name="OUTPUTDPI" val="1200"/>
+  <p:tag name="ORIGINALHEIGHT" val="111.7361"/>
+  <p:tag name="ORIGINALWIDTH" val="287.964"/>
+  <p:tag name="LATEXADDIN" val="\documentclass{article}&#10;\usepackage{amsmath}&#10;\usepackage{amsfonts}&#10;\usepackage{bm}&#10;\usepackage{trfsigns}&#10;\pagestyle{empty}&#10;&#10;\renewcommand{\vec}[1]{\ensuremath{{\underline{#1}}}}&#10;\newcommand{\mat}[1]{{\ensuremath{{\mathbf{#1}}}}}&#10;&#10;\begin{document}&#10;\begin{equation*}&#10;\log N&#10;\end{equation*}&#10;\end{document}"/>
+  <p:tag name="IGUANATEXSIZE" val="16"/>
+  <p:tag name="IGUANATEXCURSOR" val="270"/>
+  <p:tag name="TRANSPARENCY" val="True"/>
+  <p:tag name="FILENAME" val=""/>
+  <p:tag name="LATEXENGINEID" val="0"/>
+  <p:tag name="TEMPFOLDER" val="c:\temp\"/>
+  <p:tag name="LATEXFORMHEIGHT" val="396"/>
+  <p:tag name="LATEXFORMWIDTH" val="596"/>
+  <p:tag name="LATEXFORMWRAP" val="True"/>
+  <p:tag name="BITMAPVECTOR" val="0"/>
+</p:tagLst>
+</file>
+
+<file path=ppt/tags/tag4.xml><?xml version="1.0" encoding="utf-8"?>
 <p:tagLst xmlns:a="http://schemas.openxmlformats.org/drawingml/2006/main" xmlns:r="http://schemas.openxmlformats.org/officeDocument/2006/relationships" xmlns:p="http://schemas.openxmlformats.org/presentationml/2006/main">
   <p:tag name="OUTPUTDPI" val="1200"/>
   <p:tag name="ORIGINALHEIGHT" val="56.24299"/>
@@ -16276,7 +16935,7 @@
 </p:tagLst>
 </file>
 
-<file path=ppt/tags/tag3.xml><?xml version="1.0" encoding="utf-8"?>
+<file path=ppt/tags/tag5.xml><?xml version="1.0" encoding="utf-8"?>
 <p:tagLst xmlns:a="http://schemas.openxmlformats.org/drawingml/2006/main" xmlns:r="http://schemas.openxmlformats.org/officeDocument/2006/relationships" xmlns:p="http://schemas.openxmlformats.org/presentationml/2006/main">
   <p:tag name="OUTPUTDPI" val="1200"/>
   <p:tag name="ORIGINALHEIGHT" val="80.24"/>
@@ -16295,7 +16954,7 @@
 </p:tagLst>
 </file>
 
-<file path=ppt/tags/tag4.xml><?xml version="1.0" encoding="utf-8"?>
+<file path=ppt/tags/tag6.xml><?xml version="1.0" encoding="utf-8"?>
 <p:tagLst xmlns:a="http://schemas.openxmlformats.org/drawingml/2006/main" xmlns:r="http://schemas.openxmlformats.org/officeDocument/2006/relationships" xmlns:p="http://schemas.openxmlformats.org/presentationml/2006/main">
   <p:tag name="OUTPUTDPI" val="1200"/>
   <p:tag name="ORIGINALHEIGHT" val="98.23772"/>
@@ -16314,58 +16973,20 @@
 </p:tagLst>
 </file>
 
-<file path=ppt/tags/tag5.xml><?xml version="1.0" encoding="utf-8"?>
+<file path=ppt/tags/tag7.xml><?xml version="1.0" encoding="utf-8"?>
 <p:tagLst xmlns:a="http://schemas.openxmlformats.org/drawingml/2006/main" xmlns:r="http://schemas.openxmlformats.org/officeDocument/2006/relationships" xmlns:p="http://schemas.openxmlformats.org/presentationml/2006/main">
   <p:tag name="OUTPUTDPI" val="1200"/>
-  <p:tag name="ORIGINALHEIGHT" val="116.9854"/>
-  <p:tag name="ORIGINALWIDTH" val="362.2047"/>
-  <p:tag name="LATEXADDIN" val="\documentclass{article}&#10;\pagestyle{empty}&#10;&#10;\usepackage{amsmath}&#10;\usepackage{amsfonts}&#10;&#10;% Random variable&#10;\newcommand{\rv}[1]{\ensuremath{{\boldsymbol{#1}}}}&#10;% Vector&#10;\renewcommand{\vec}[1]{\ensuremath{{\underline{#1}}}}&#10;% Random vector&#10;\newcommand{\rvec}[1]{\ensuremath{{\boldsymbol{\underline{#1}}}}}&#10;% Matrix&#10;\newcommand{\mat}[1]{{\ensuremath{{\mathbf{#1}}}}}&#10;% trace operator&#10;\DeclareMathOperator{\tr}{tr}&#10;&#10;\begin{document}&#10;&#10;\begin{gather*}&#10;\hat{\vec{x}}_1,\ \mat{P}_1&#10;\end{gather*}&#10;&#10;\end{document}"/>
-  <p:tag name="IGUANATEXSIZE" val="20"/>
-  <p:tag name="IGUANATEXCURSOR" val="457"/>
+  <p:tag name="ORIGINALHEIGHT" val="341.2073"/>
+  <p:tag name="ORIGINALWIDTH" val="890.8887"/>
+  <p:tag name="LATEXADDIN" val="\documentclass{article}&#10;\pagestyle{empty}&#10;&#10;\usepackage{amsmath}&#10;\usepackage{amsfonts}&#10;&#10;% Random variable&#10;\newcommand{\rv}[1]{\ensuremath{{\boldsymbol{#1}}}}&#10;% Vector&#10;\renewcommand{\vec}[1]{\ensuremath{{\underline{#1}}}}&#10;% Random vector&#10;\newcommand{\rvec}[1]{\ensuremath{{\boldsymbol{\underline{#1}}}}}&#10;% Matrix&#10;\newcommand{\mat}[1]{{\ensuremath{{\mathbf{#1}}}}}&#10;% Mean of a random variable / vector&#10;\newcommand{\mean}[1]{\ensuremath{\hat{#1}}}&#10;&#10;\begin{document}&#10;&#10;\begin{gather*}&#10;\sum_{i=1}^{m}\frac{1}{\text{tr}(\mat{P}_i)} \mat{P}_i^{-1} \mean{\vec{x}}_i\end{gather*}&#10;&#10;\end{document}"/>
+  <p:tag name="IGUANATEXSIZE" val="24"/>
+  <p:tag name="IGUANATEXCURSOR" val="492"/>
   <p:tag name="TRANSPARENCY" val="True"/>
   <p:tag name="FILENAME" val=""/>
   <p:tag name="LATEXENGINEID" val="0"/>
-  <p:tag name="TEMPFOLDER" val="C:\Users\tn5093\iguanatex_temp\"/>
-  <p:tag name="LATEXFORMHEIGHT" val="522"/>
-  <p:tag name="LATEXFORMWIDTH" val="632"/>
-  <p:tag name="LATEXFORMWRAP" val="True"/>
-  <p:tag name="BITMAPVECTOR" val="0"/>
-</p:tagLst>
-</file>
-
-<file path=ppt/tags/tag6.xml><?xml version="1.0" encoding="utf-8"?>
-<p:tagLst xmlns:a="http://schemas.openxmlformats.org/drawingml/2006/main" xmlns:r="http://schemas.openxmlformats.org/officeDocument/2006/relationships" xmlns:p="http://schemas.openxmlformats.org/presentationml/2006/main">
-  <p:tag name="OUTPUTDPI" val="1200"/>
-  <p:tag name="ORIGINALHEIGHT" val="116.9854"/>
-  <p:tag name="ORIGINALWIDTH" val="365.2043"/>
-  <p:tag name="LATEXADDIN" val="\documentclass{article}&#10;\pagestyle{empty}&#10;&#10;\usepackage{amsmath}&#10;\usepackage{amsfonts}&#10;&#10;% Random variable&#10;\newcommand{\rv}[1]{\ensuremath{{\boldsymbol{#1}}}}&#10;% Vector&#10;\renewcommand{\vec}[1]{\ensuremath{{\underline{#1}}}}&#10;% Random vector&#10;\newcommand{\rvec}[1]{\ensuremath{{\boldsymbol{\underline{#1}}}}}&#10;% Matrix&#10;\newcommand{\mat}[1]{{\ensuremath{{\mathbf{#1}}}}}&#10;% trace operator&#10;\DeclareMathOperator{\tr}{tr}&#10;&#10;\begin{document}&#10;&#10;\begin{gather*}&#10;\hat{\vec{x}}_2,\ \mat{P}_2&#10;\end{gather*}&#10;&#10;\end{document}"/>
-  <p:tag name="IGUANATEXSIZE" val="20"/>
-  <p:tag name="IGUANATEXCURSOR" val="471"/>
-  <p:tag name="TRANSPARENCY" val="True"/>
-  <p:tag name="FILENAME" val=""/>
-  <p:tag name="LATEXENGINEID" val="0"/>
-  <p:tag name="TEMPFOLDER" val="C:\Users\tn5093\iguanatex_temp\"/>
-  <p:tag name="LATEXFORMHEIGHT" val="522"/>
-  <p:tag name="LATEXFORMWIDTH" val="632"/>
-  <p:tag name="LATEXFORMWRAP" val="True"/>
-  <p:tag name="BITMAPVECTOR" val="0"/>
-</p:tagLst>
-</file>
-
-<file path=ppt/tags/tag7.xml><?xml version="1.0" encoding="utf-8"?>
-<p:tagLst xmlns:a="http://schemas.openxmlformats.org/drawingml/2006/main" xmlns:r="http://schemas.openxmlformats.org/officeDocument/2006/relationships" xmlns:p="http://schemas.openxmlformats.org/presentationml/2006/main">
-  <p:tag name="OUTPUTDPI" val="1200"/>
-  <p:tag name="ORIGINALHEIGHT" val="117.7353"/>
-  <p:tag name="ORIGINALWIDTH" val="390.7012"/>
-  <p:tag name="LATEXADDIN" val="\documentclass{article}&#10;\pagestyle{empty}&#10;&#10;\usepackage{amsmath}&#10;\usepackage{amsfonts}&#10;&#10;% Random variable&#10;\newcommand{\rv}[1]{\ensuremath{{\boldsymbol{#1}}}}&#10;% Vector&#10;\renewcommand{\vec}[1]{\ensuremath{{\underline{#1}}}}&#10;% Random vector&#10;\newcommand{\rvec}[1]{\ensuremath{{\boldsymbol{\underline{#1}}}}}&#10;% Matrix&#10;\newcommand{\mat}[1]{{\ensuremath{{\mathbf{#1}}}}}&#10;% trace operator&#10;\DeclareMathOperator{\tr}{tr}&#10;&#10;\begin{document}&#10;&#10;\begin{gather*}&#10;\hat{\vec{x}}_n,\ \mat{P}_n&#10;\end{gather*}&#10;&#10;\end{document}"/>
-  <p:tag name="IGUANATEXSIZE" val="20"/>
-  <p:tag name="IGUANATEXCURSOR" val="410"/>
-  <p:tag name="TRANSPARENCY" val="True"/>
-  <p:tag name="FILENAME" val=""/>
-  <p:tag name="LATEXENGINEID" val="0"/>
-  <p:tag name="TEMPFOLDER" val="C:\Users\tn5093\iguanatex_temp\"/>
-  <p:tag name="LATEXFORMHEIGHT" val="522"/>
-  <p:tag name="LATEXFORMWIDTH" val="632"/>
+  <p:tag name="TEMPFOLDER" val="c:\temp\"/>
+  <p:tag name="LATEXFORMHEIGHT" val="413"/>
+  <p:tag name="LATEXFORMWIDTH" val="608"/>
   <p:tag name="LATEXFORMWRAP" val="True"/>
   <p:tag name="BITMAPVECTOR" val="0"/>
 </p:tagLst>
@@ -16375,14 +16996,14 @@
 <p:tagLst xmlns:a="http://schemas.openxmlformats.org/drawingml/2006/main" xmlns:r="http://schemas.openxmlformats.org/officeDocument/2006/relationships" xmlns:p="http://schemas.openxmlformats.org/presentationml/2006/main">
   <p:tag name="OUTPUTDPI" val="1200"/>
   <p:tag name="ORIGINALHEIGHT" val="341.2073"/>
-  <p:tag name="ORIGINALWIDTH" val="1116.61"/>
-  <p:tag name="LATEXADDIN" val="\documentclass{article}&#10;\pagestyle{empty}&#10;&#10;\usepackage{amsmath}&#10;\usepackage{amsfonts}&#10;&#10;% Random variable&#10;\newcommand{\rv}[1]{\ensuremath{{\boldsymbol{#1}}}}&#10;% Vector&#10;\renewcommand{\vec}[1]{\ensuremath{{\underline{#1}}}}&#10;% Random vector&#10;\newcommand{\rvec}[1]{\ensuremath{{\boldsymbol{\underline{#1}}}}}&#10;% Matrix&#10;\newcommand{\mat}[1]{{\ensuremath{{\mathbf{#1}}}}}&#10;% Mean of a random variable / vector&#10;\newcommand{\mean}[1]{\ensuremath{\hat{#1}}}&#10;&#10;\begin{document}&#10;&#10;\begin{gather*}&#10;\mat{P}^{-1} \mean{\vec{x}} =\sum_{i=1}^{n}\omega_i \mat{P}_i^{-1} \mean{\vec{x}}_i\end{gather*}&#10;&#10;\end{document}"/>
+  <p:tag name="ORIGINALWIDTH" val="773.9032"/>
+  <p:tag name="LATEXADDIN" val="\documentclass{article}&#10;\pagestyle{empty}&#10;&#10;\usepackage{amsmath}&#10;\usepackage{amsfonts}&#10;&#10;% Random variable&#10;\newcommand{\rv}[1]{\ensuremath{{\boldsymbol{#1}}}}&#10;% Vector&#10;\renewcommand{\vec}[1]{\ensuremath{{\underline{#1}}}}&#10;% Random vector&#10;\newcommand{\rvec}[1]{\ensuremath{{\boldsymbol{\underline{#1}}}}}&#10;% Matrix&#10;\newcommand{\mat}[1]{{\ensuremath{{\mathbf{#1}}}}}&#10;\begin{document}&#10;&#10;\begin{gather*}&#10;\sum_{i=1}^{m}\frac{1}{\text{tr}(\mat{P}_i)} \mat{P}_i^{-1}&#10;\end{gather*}&#10;&#10;\end{document}"/>
   <p:tag name="IGUANATEXSIZE" val="24"/>
-  <p:tag name="IGUANATEXCURSOR" val="479"/>
+  <p:tag name="IGUANATEXCURSOR" val="409"/>
   <p:tag name="TRANSPARENCY" val="True"/>
   <p:tag name="FILENAME" val=""/>
   <p:tag name="LATEXENGINEID" val="0"/>
-  <p:tag name="TEMPFOLDER" val="C:\Users\tn5093\iguanatex_temp\"/>
+  <p:tag name="TEMPFOLDER" val="c:\temp\"/>
   <p:tag name="LATEXFORMHEIGHT" val="413"/>
   <p:tag name="LATEXFORMWIDTH" val="608"/>
   <p:tag name="LATEXFORMWRAP" val="True"/>
@@ -16394,14 +17015,14 @@
 <p:tagLst xmlns:a="http://schemas.openxmlformats.org/drawingml/2006/main" xmlns:r="http://schemas.openxmlformats.org/officeDocument/2006/relationships" xmlns:p="http://schemas.openxmlformats.org/presentationml/2006/main">
   <p:tag name="OUTPUTDPI" val="1200"/>
   <p:tag name="ORIGINALHEIGHT" val="341.2073"/>
-  <p:tag name="ORIGINALWIDTH" val="929.1339"/>
-  <p:tag name="LATEXADDIN" val="\documentclass{article}&#10;\pagestyle{empty}&#10;&#10;\usepackage{amsmath}&#10;\usepackage{amsfonts}&#10;&#10;% Random variable&#10;\newcommand{\rv}[1]{\ensuremath{{\boldsymbol{#1}}}}&#10;% Vector&#10;\renewcommand{\vec}[1]{\ensuremath{{\underline{#1}}}}&#10;% Random vector&#10;\newcommand{\rvec}[1]{\ensuremath{{\boldsymbol{\underline{#1}}}}}&#10;% Matrix&#10;\newcommand{\mat}[1]{{\ensuremath{{\mathbf{#1}}}}}&#10;\begin{document}&#10;&#10;\begin{gather*}&#10;\mat{P}^{-1}=\sum_{i=1}^{n}\omega_i \mat{P}_i^{-1}&#10;\end{gather*}&#10;&#10;\end{document}"/>
+  <p:tag name="ORIGINALWIDTH" val="1008.624"/>
+  <p:tag name="LATEXADDIN" val="\documentclass{article}&#10;\pagestyle{empty}&#10;&#10;\usepackage{amsmath}&#10;\usepackage{amsfonts}&#10;&#10;% Random variable&#10;\newcommand{\rv}[1]{\ensuremath{{\boldsymbol{#1}}}}&#10;% Vector&#10;\renewcommand{\vec}[1]{\ensuremath{{\underline{#1}}}}&#10;% Random vector&#10;\newcommand{\rvec}[1]{\ensuremath{{\boldsymbol{\underline{#1}}}}}&#10;% Matrix&#10;\newcommand{\mat}[1]{{\ensuremath{{\mathbf{#1}}}}}&#10;% Mean of a random variable / vector&#10;\newcommand{\mean}[1]{\ensuremath{\hat{#1}}}&#10;&#10;\begin{document}&#10;&#10;\begin{gather*}&#10;\mean{\vec{x}} =\mat{P}\sum_{i=1}^{m}\omega_i \mat{P}_i^{-1} \mean{\vec{x}}_i\end{gather*}&#10;&#10;\end{document}"/>
   <p:tag name="IGUANATEXSIZE" val="24"/>
-  <p:tag name="IGUANATEXCURSOR" val="446"/>
+  <p:tag name="IGUANATEXCURSOR" val="515"/>
   <p:tag name="TRANSPARENCY" val="True"/>
   <p:tag name="FILENAME" val=""/>
   <p:tag name="LATEXENGINEID" val="0"/>
-  <p:tag name="TEMPFOLDER" val="C:\Users\tn5093\iguanatex_temp\"/>
+  <p:tag name="TEMPFOLDER" val="c:\temp\"/>
   <p:tag name="LATEXFORMHEIGHT" val="413"/>
   <p:tag name="LATEXFORMWIDTH" val="608"/>
   <p:tag name="LATEXFORMWRAP" val="True"/>
